--- a/Specification/Prototype/프로토타입 기획서.pptx
+++ b/Specification/Prototype/프로토타입 기획서.pptx
@@ -19,31 +19,39 @@
     <p:sldId id="261" r:id="rId13"/>
     <p:sldId id="262" r:id="rId14"/>
     <p:sldId id="304" r:id="rId15"/>
-    <p:sldId id="263" r:id="rId16"/>
-    <p:sldId id="264" r:id="rId17"/>
-    <p:sldId id="268" r:id="rId18"/>
-    <p:sldId id="303" r:id="rId19"/>
-    <p:sldId id="267" r:id="rId20"/>
-    <p:sldId id="269" r:id="rId21"/>
-    <p:sldId id="270" r:id="rId22"/>
-    <p:sldId id="271" r:id="rId23"/>
-    <p:sldId id="272" r:id="rId24"/>
-    <p:sldId id="275" r:id="rId25"/>
-    <p:sldId id="279" r:id="rId26"/>
-    <p:sldId id="280" r:id="rId27"/>
-    <p:sldId id="281" r:id="rId28"/>
-    <p:sldId id="282" r:id="rId29"/>
-    <p:sldId id="283" r:id="rId30"/>
-    <p:sldId id="284" r:id="rId31"/>
-    <p:sldId id="286" r:id="rId32"/>
-    <p:sldId id="297" r:id="rId33"/>
-    <p:sldId id="298" r:id="rId34"/>
-    <p:sldId id="299" r:id="rId35"/>
-    <p:sldId id="300" r:id="rId36"/>
-    <p:sldId id="301" r:id="rId37"/>
-    <p:sldId id="285" r:id="rId38"/>
-    <p:sldId id="288" r:id="rId39"/>
-    <p:sldId id="289" r:id="rId40"/>
+    <p:sldId id="307" r:id="rId16"/>
+    <p:sldId id="263" r:id="rId17"/>
+    <p:sldId id="264" r:id="rId18"/>
+    <p:sldId id="268" r:id="rId19"/>
+    <p:sldId id="303" r:id="rId20"/>
+    <p:sldId id="267" r:id="rId21"/>
+    <p:sldId id="314" r:id="rId22"/>
+    <p:sldId id="269" r:id="rId23"/>
+    <p:sldId id="270" r:id="rId24"/>
+    <p:sldId id="271" r:id="rId25"/>
+    <p:sldId id="311" r:id="rId26"/>
+    <p:sldId id="272" r:id="rId27"/>
+    <p:sldId id="275" r:id="rId28"/>
+    <p:sldId id="279" r:id="rId29"/>
+    <p:sldId id="308" r:id="rId30"/>
+    <p:sldId id="282" r:id="rId31"/>
+    <p:sldId id="281" r:id="rId32"/>
+    <p:sldId id="280" r:id="rId33"/>
+    <p:sldId id="283" r:id="rId34"/>
+    <p:sldId id="284" r:id="rId35"/>
+    <p:sldId id="312" r:id="rId36"/>
+    <p:sldId id="297" r:id="rId37"/>
+    <p:sldId id="298" r:id="rId38"/>
+    <p:sldId id="299" r:id="rId39"/>
+    <p:sldId id="300" r:id="rId40"/>
+    <p:sldId id="301" r:id="rId41"/>
+    <p:sldId id="313" r:id="rId42"/>
+    <p:sldId id="310" r:id="rId43"/>
+    <p:sldId id="315" r:id="rId44"/>
+    <p:sldId id="288" r:id="rId45"/>
+    <p:sldId id="289" r:id="rId46"/>
+    <p:sldId id="316" r:id="rId47"/>
+    <p:sldId id="286" r:id="rId48"/>
   </p:sldIdLst>
   <p:sldSz cx="12192000" cy="6858000"/>
   <p:notesSz cx="6858000" cy="9144000"/>
@@ -169,11 +177,13 @@
             <p14:sldId id="261"/>
             <p14:sldId id="262"/>
             <p14:sldId id="304"/>
+            <p14:sldId id="307"/>
             <p14:sldId id="263"/>
             <p14:sldId id="264"/>
             <p14:sldId id="268"/>
             <p14:sldId id="303"/>
             <p14:sldId id="267"/>
+            <p14:sldId id="314"/>
           </p14:sldIdLst>
         </p14:section>
         <p14:section name="건물 - 마을" id="{17382EB7-1711-408E-A1FB-BAF0528E54B2}">
@@ -181,6 +191,7 @@
             <p14:sldId id="269"/>
             <p14:sldId id="270"/>
             <p14:sldId id="271"/>
+            <p14:sldId id="311"/>
             <p14:sldId id="272"/>
             <p14:sldId id="275"/>
           </p14:sldIdLst>
@@ -188,24 +199,29 @@
         <p14:section name="건물 - 집 내부" id="{7A4C311D-3B67-4B07-ADF3-30A1C815507C}">
           <p14:sldIdLst>
             <p14:sldId id="279"/>
+            <p14:sldId id="308"/>
+            <p14:sldId id="282"/>
+            <p14:sldId id="281"/>
             <p14:sldId id="280"/>
-            <p14:sldId id="281"/>
-            <p14:sldId id="282"/>
             <p14:sldId id="283"/>
           </p14:sldIdLst>
         </p14:section>
         <p14:section name="아이템" id="{23DD51CD-F8C7-444D-A95A-7F1E07ED63CF}">
           <p14:sldIdLst>
             <p14:sldId id="284"/>
-            <p14:sldId id="286"/>
+            <p14:sldId id="312"/>
             <p14:sldId id="297"/>
             <p14:sldId id="298"/>
             <p14:sldId id="299"/>
             <p14:sldId id="300"/>
             <p14:sldId id="301"/>
-            <p14:sldId id="285"/>
+            <p14:sldId id="313"/>
+            <p14:sldId id="310"/>
+            <p14:sldId id="315"/>
             <p14:sldId id="288"/>
             <p14:sldId id="289"/>
+            <p14:sldId id="316"/>
+            <p14:sldId id="286"/>
           </p14:sldIdLst>
         </p14:section>
       </p14:sectionLst>
@@ -367,7 +383,7 @@
           <a:p>
             <a:fld id="{B6329E01-FBCF-4E48-B718-3A282398BC95}" type="datetimeFigureOut">
               <a:rPr lang="ko-KR" altLang="en-US" smtClean="0"/>
-              <a:t>2021-11-10</a:t>
+              <a:t>2021-11-15</a:t>
             </a:fld>
             <a:endParaRPr lang="ko-KR" altLang="en-US"/>
           </a:p>
@@ -578,7 +594,7 @@
           <a:p>
             <a:fld id="{B6329E01-FBCF-4E48-B718-3A282398BC95}" type="datetimeFigureOut">
               <a:rPr lang="ko-KR" altLang="en-US" smtClean="0"/>
-              <a:t>2021-11-10</a:t>
+              <a:t>2021-11-15</a:t>
             </a:fld>
             <a:endParaRPr lang="ko-KR" altLang="en-US"/>
           </a:p>
@@ -793,7 +809,7 @@
           <a:p>
             <a:fld id="{B6329E01-FBCF-4E48-B718-3A282398BC95}" type="datetimeFigureOut">
               <a:rPr lang="ko-KR" altLang="en-US" smtClean="0"/>
-              <a:t>2021-11-10</a:t>
+              <a:t>2021-11-15</a:t>
             </a:fld>
             <a:endParaRPr lang="ko-KR" altLang="en-US"/>
           </a:p>
@@ -994,7 +1010,7 @@
           <a:p>
             <a:fld id="{B6329E01-FBCF-4E48-B718-3A282398BC95}" type="datetimeFigureOut">
               <a:rPr lang="ko-KR" altLang="en-US" smtClean="0"/>
-              <a:t>2021-11-10</a:t>
+              <a:t>2021-11-15</a:t>
             </a:fld>
             <a:endParaRPr lang="ko-KR" altLang="en-US"/>
           </a:p>
@@ -1273,7 +1289,7 @@
           <a:p>
             <a:fld id="{B6329E01-FBCF-4E48-B718-3A282398BC95}" type="datetimeFigureOut">
               <a:rPr lang="ko-KR" altLang="en-US" smtClean="0"/>
-              <a:t>2021-11-10</a:t>
+              <a:t>2021-11-15</a:t>
             </a:fld>
             <a:endParaRPr lang="ko-KR" altLang="en-US"/>
           </a:p>
@@ -1541,7 +1557,7 @@
           <a:p>
             <a:fld id="{B6329E01-FBCF-4E48-B718-3A282398BC95}" type="datetimeFigureOut">
               <a:rPr lang="ko-KR" altLang="en-US" smtClean="0"/>
-              <a:t>2021-11-10</a:t>
+              <a:t>2021-11-15</a:t>
             </a:fld>
             <a:endParaRPr lang="ko-KR" altLang="en-US"/>
           </a:p>
@@ -1957,7 +1973,7 @@
           <a:p>
             <a:fld id="{B6329E01-FBCF-4E48-B718-3A282398BC95}" type="datetimeFigureOut">
               <a:rPr lang="ko-KR" altLang="en-US" smtClean="0"/>
-              <a:t>2021-11-10</a:t>
+              <a:t>2021-11-15</a:t>
             </a:fld>
             <a:endParaRPr lang="ko-KR" altLang="en-US"/>
           </a:p>
@@ -2106,7 +2122,7 @@
           <a:p>
             <a:fld id="{B6329E01-FBCF-4E48-B718-3A282398BC95}" type="datetimeFigureOut">
               <a:rPr lang="ko-KR" altLang="en-US" smtClean="0"/>
-              <a:t>2021-11-10</a:t>
+              <a:t>2021-11-15</a:t>
             </a:fld>
             <a:endParaRPr lang="ko-KR" altLang="en-US"/>
           </a:p>
@@ -2232,7 +2248,7 @@
           <a:p>
             <a:fld id="{B6329E01-FBCF-4E48-B718-3A282398BC95}" type="datetimeFigureOut">
               <a:rPr lang="ko-KR" altLang="en-US" smtClean="0"/>
-              <a:t>2021-11-10</a:t>
+              <a:t>2021-11-15</a:t>
             </a:fld>
             <a:endParaRPr lang="ko-KR" altLang="en-US"/>
           </a:p>
@@ -2483,7 +2499,7 @@
           <a:p>
             <a:fld id="{B6329E01-FBCF-4E48-B718-3A282398BC95}" type="datetimeFigureOut">
               <a:rPr lang="ko-KR" altLang="en-US" smtClean="0"/>
-              <a:t>2021-11-10</a:t>
+              <a:t>2021-11-15</a:t>
             </a:fld>
             <a:endParaRPr lang="ko-KR" altLang="en-US"/>
           </a:p>
@@ -2928,7 +2944,7 @@
           <a:p>
             <a:fld id="{B6329E01-FBCF-4E48-B718-3A282398BC95}" type="datetimeFigureOut">
               <a:rPr lang="ko-KR" altLang="en-US" smtClean="0"/>
-              <a:t>2021-11-10</a:t>
+              <a:t>2021-11-15</a:t>
             </a:fld>
             <a:endParaRPr lang="ko-KR" altLang="en-US"/>
           </a:p>
@@ -3255,7 +3271,7 @@
           <a:p>
             <a:fld id="{B6329E01-FBCF-4E48-B718-3A282398BC95}" type="datetimeFigureOut">
               <a:rPr lang="ko-KR" altLang="en-US" smtClean="0"/>
-              <a:t>2021-11-10</a:t>
+              <a:t>2021-11-15</a:t>
             </a:fld>
             <a:endParaRPr lang="ko-KR" altLang="en-US"/>
           </a:p>
@@ -4467,6 +4483,14 @@
           <a:p>
             <a:r>
               <a:rPr lang="ko-KR" altLang="en-US" dirty="0"/>
+              <a:t>일반 </a:t>
+            </a:r>
+            <a:r>
+              <a:rPr lang="en-US" altLang="ko-KR" dirty="0"/>
+              <a:t>- </a:t>
+            </a:r>
+            <a:r>
+              <a:rPr lang="ko-KR" altLang="en-US" dirty="0"/>
               <a:t>시간</a:t>
             </a:r>
           </a:p>
@@ -4557,6 +4581,14 @@
           <a:p>
             <a:r>
               <a:rPr lang="ko-KR" altLang="en-US" dirty="0"/>
+              <a:t>일반 </a:t>
+            </a:r>
+            <a:r>
+              <a:rPr lang="en-US" altLang="ko-KR" dirty="0"/>
+              <a:t>- </a:t>
+            </a:r>
+            <a:r>
+              <a:rPr lang="ko-KR" altLang="en-US" dirty="0"/>
               <a:t>휴식</a:t>
             </a:r>
           </a:p>
@@ -4705,6 +4737,14 @@
           <a:p>
             <a:r>
               <a:rPr lang="ko-KR" altLang="en-US" dirty="0"/>
+              <a:t>일반 </a:t>
+            </a:r>
+            <a:r>
+              <a:rPr lang="en-US" altLang="ko-KR" dirty="0"/>
+              <a:t>- </a:t>
+            </a:r>
+            <a:r>
+              <a:rPr lang="ko-KR" altLang="en-US" dirty="0"/>
               <a:t>수면</a:t>
             </a:r>
           </a:p>
@@ -4899,7 +4939,15 @@
           <a:p>
             <a:r>
               <a:rPr lang="ko-KR" altLang="en-US" dirty="0"/>
-              <a:t>거래</a:t>
+              <a:t>일반 </a:t>
+            </a:r>
+            <a:r>
+              <a:rPr lang="en-US" altLang="ko-KR" dirty="0"/>
+              <a:t>- </a:t>
+            </a:r>
+            <a:r>
+              <a:rPr lang="ko-KR" altLang="en-US" dirty="0"/>
+              <a:t>조명</a:t>
             </a:r>
           </a:p>
         </p:txBody>
@@ -4909,7 +4957,7 @@
           <p:cNvPr id="2" name="내용 개체 틀 1">
             <a:extLst>
               <a:ext uri="{FF2B5EF4-FFF2-40B4-BE49-F238E27FC236}">
-                <a16:creationId xmlns:a16="http://schemas.microsoft.com/office/drawing/2014/main" id="{66BF70FB-21D3-4E9F-8318-0020FE7F94DC}"/>
+                <a16:creationId xmlns:a16="http://schemas.microsoft.com/office/drawing/2014/main" id="{90E8372D-FEFC-4164-ADE9-3F3CE6ADE2D4}"/>
               </a:ext>
             </a:extLst>
           </p:cNvPr>
@@ -4925,35 +4973,6 @@
           <a:bodyPr/>
           <a:lstStyle/>
           <a:p>
-            <a:r>
-              <a:rPr lang="ko-KR" altLang="en-US" dirty="0"/>
-              <a:t>거래 가능한 상점이 가지고 있는 아이템을 게임 재화를 통해 구매하거나 판매할 수 있는 시스템</a:t>
-            </a:r>
-            <a:endParaRPr lang="en-US" altLang="ko-KR" dirty="0"/>
-          </a:p>
-          <a:p>
-            <a:r>
-              <a:rPr lang="ko-KR" altLang="en-US" dirty="0"/>
-              <a:t>각 상점이 취급하는 아이템만 거래 가능</a:t>
-            </a:r>
-            <a:endParaRPr lang="en-US" altLang="ko-KR" dirty="0"/>
-          </a:p>
-          <a:p>
-            <a:r>
-              <a:rPr lang="ko-KR" altLang="en-US" dirty="0"/>
-              <a:t>아이템 구매는 모든 상점에서 가능하지만</a:t>
-            </a:r>
-            <a:r>
-              <a:rPr lang="en-US" altLang="ko-KR" dirty="0"/>
-              <a:t>, </a:t>
-            </a:r>
-            <a:r>
-              <a:rPr lang="ko-KR" altLang="en-US" dirty="0"/>
-              <a:t>아이템 판매는 판매 가능한 상점에서만 가능</a:t>
-            </a:r>
-            <a:endParaRPr lang="en-US" altLang="ko-KR" dirty="0"/>
-          </a:p>
-          <a:p>
             <a:endParaRPr lang="ko-KR" altLang="en-US" dirty="0"/>
           </a:p>
         </p:txBody>
@@ -4961,7 +4980,7 @@
     </p:spTree>
     <p:extLst>
       <p:ext uri="{BB962C8B-B14F-4D97-AF65-F5344CB8AC3E}">
-        <p14:creationId xmlns:p14="http://schemas.microsoft.com/office/powerpoint/2010/main" val="2973048222"/>
+        <p14:creationId xmlns:p14="http://schemas.microsoft.com/office/powerpoint/2010/main" val="1471146490"/>
       </p:ext>
     </p:extLst>
   </p:cSld>
@@ -5011,7 +5030,15 @@
           <a:p>
             <a:r>
               <a:rPr lang="ko-KR" altLang="en-US" dirty="0"/>
-              <a:t>의뢰</a:t>
+              <a:t>일반 </a:t>
+            </a:r>
+            <a:r>
+              <a:rPr lang="en-US" altLang="ko-KR" dirty="0"/>
+              <a:t>- </a:t>
+            </a:r>
+            <a:r>
+              <a:rPr lang="ko-KR" altLang="en-US" dirty="0"/>
+              <a:t>거래</a:t>
             </a:r>
           </a:p>
         </p:txBody>
@@ -5021,7 +5048,7 @@
           <p:cNvPr id="2" name="내용 개체 틀 1">
             <a:extLst>
               <a:ext uri="{FF2B5EF4-FFF2-40B4-BE49-F238E27FC236}">
-                <a16:creationId xmlns:a16="http://schemas.microsoft.com/office/drawing/2014/main" id="{DF7CFBBF-0D75-4F7C-AE52-5A910A2803B1}"/>
+                <a16:creationId xmlns:a16="http://schemas.microsoft.com/office/drawing/2014/main" id="{66BF70FB-21D3-4E9F-8318-0020FE7F94DC}"/>
               </a:ext>
             </a:extLst>
           </p:cNvPr>
@@ -5039,7 +5066,21 @@
           <a:p>
             <a:r>
               <a:rPr lang="ko-KR" altLang="en-US" dirty="0"/>
-              <a:t>의뢰 가능한 상점이나 제작소에서 수행할 수 있는 시스템으로</a:t>
+              <a:t>거래 가능한 상점이 가지고 있는 아이템을 게임 재화를 통해 구매하거나 판매할 수 있는 시스템</a:t>
+            </a:r>
+            <a:endParaRPr lang="en-US" altLang="ko-KR" dirty="0"/>
+          </a:p>
+          <a:p>
+            <a:r>
+              <a:rPr lang="ko-KR" altLang="en-US" dirty="0"/>
+              <a:t>각 상점이 취급하는 아이템만 거래 가능</a:t>
+            </a:r>
+            <a:endParaRPr lang="en-US" altLang="ko-KR" dirty="0"/>
+          </a:p>
+          <a:p>
+            <a:r>
+              <a:rPr lang="ko-KR" altLang="en-US" dirty="0"/>
+              <a:t>아이템 구매는 모든 상점에서 가능하지만</a:t>
             </a:r>
             <a:r>
               <a:rPr lang="en-US" altLang="ko-KR" dirty="0"/>
@@ -5047,69 +5088,19 @@
             </a:r>
             <a:r>
               <a:rPr lang="ko-KR" altLang="en-US" dirty="0"/>
-              <a:t>제작 의뢰와 납품 의뢰로 나뉨</a:t>
+              <a:t>아이템 판매는 판매 가능한 상점에서만 가능</a:t>
             </a:r>
             <a:endParaRPr lang="en-US" altLang="ko-KR" dirty="0"/>
           </a:p>
           <a:p>
-            <a:r>
-              <a:rPr lang="ko-KR" altLang="en-US" dirty="0"/>
-              <a:t>제작 의뢰는 각 상점이나 제작소에서 취급하는 아이템의 제작을 의뢰할 수 있으며</a:t>
-            </a:r>
-            <a:r>
-              <a:rPr lang="en-US" altLang="ko-KR" dirty="0"/>
-              <a:t>, </a:t>
-            </a:r>
-            <a:r>
-              <a:rPr lang="ko-KR" altLang="en-US" dirty="0"/>
-              <a:t>제작 </a:t>
-            </a:r>
-            <a:r>
-              <a:rPr lang="en-US" altLang="ko-KR" dirty="0"/>
-              <a:t>NPC</a:t>
-            </a:r>
-            <a:r>
-              <a:rPr lang="ko-KR" altLang="en-US" dirty="0"/>
-              <a:t>의 스킬에 따라 제작 가능한 아이템의 등급이 결정</a:t>
-            </a:r>
-            <a:endParaRPr lang="en-US" altLang="ko-KR" dirty="0"/>
-          </a:p>
-          <a:p>
-            <a:r>
-              <a:rPr lang="ko-KR" altLang="en-US" dirty="0"/>
-              <a:t>납품 의뢰는 각 상점이나 제작소에서 취급하는 재료를 납품하거나 납품 요청을 할 수 있으며</a:t>
-            </a:r>
-            <a:r>
-              <a:rPr lang="en-US" altLang="ko-KR" dirty="0"/>
-              <a:t>, NPC</a:t>
-            </a:r>
-            <a:r>
-              <a:rPr lang="ko-KR" altLang="en-US" dirty="0"/>
-              <a:t>가 위치한 지역</a:t>
-            </a:r>
-            <a:r>
-              <a:rPr lang="en-US" altLang="ko-KR" dirty="0"/>
-              <a:t>, </a:t>
-            </a:r>
-            <a:r>
-              <a:rPr lang="ko-KR" altLang="en-US" dirty="0"/>
-              <a:t>스킬에 따라 취급하는 재료의 등급과 수량</a:t>
-            </a:r>
-            <a:r>
-              <a:rPr lang="en-US" altLang="ko-KR" dirty="0"/>
-              <a:t>, </a:t>
-            </a:r>
-            <a:r>
-              <a:rPr lang="ko-KR" altLang="en-US" dirty="0"/>
-              <a:t>가격이 결정됨</a:t>
-            </a:r>
+            <a:endParaRPr lang="ko-KR" altLang="en-US" dirty="0"/>
           </a:p>
         </p:txBody>
       </p:sp>
     </p:spTree>
     <p:extLst>
       <p:ext uri="{BB962C8B-B14F-4D97-AF65-F5344CB8AC3E}">
-        <p14:creationId xmlns:p14="http://schemas.microsoft.com/office/powerpoint/2010/main" val="3699530137"/>
+        <p14:creationId xmlns:p14="http://schemas.microsoft.com/office/powerpoint/2010/main" val="2973048222"/>
       </p:ext>
     </p:extLst>
   </p:cSld>
@@ -5159,7 +5150,7 @@
           <a:p>
             <a:r>
               <a:rPr lang="ko-KR" altLang="en-US" dirty="0"/>
-              <a:t>생활 </a:t>
+              <a:t>일반 </a:t>
             </a:r>
             <a:r>
               <a:rPr lang="en-US" altLang="ko-KR" dirty="0"/>
@@ -5167,7 +5158,7 @@
             </a:r>
             <a:r>
               <a:rPr lang="ko-KR" altLang="en-US" dirty="0"/>
-              <a:t>공통</a:t>
+              <a:t>의뢰</a:t>
             </a:r>
           </a:p>
         </p:txBody>
@@ -5177,7 +5168,7 @@
           <p:cNvPr id="2" name="내용 개체 틀 1">
             <a:extLst>
               <a:ext uri="{FF2B5EF4-FFF2-40B4-BE49-F238E27FC236}">
-                <a16:creationId xmlns:a16="http://schemas.microsoft.com/office/drawing/2014/main" id="{FC6B5FEE-9FEA-4BE7-BA94-F4AAB1F02227}"/>
+                <a16:creationId xmlns:a16="http://schemas.microsoft.com/office/drawing/2014/main" id="{DF7CFBBF-0D75-4F7C-AE52-5A910A2803B1}"/>
               </a:ext>
             </a:extLst>
           </p:cNvPr>
@@ -5195,14 +5186,7 @@
           <a:p>
             <a:r>
               <a:rPr lang="ko-KR" altLang="en-US" dirty="0"/>
-              <a:t>생활은 게임 진행에 필요한 아이템을 플레이어가 직접 제작할 수 있는 환경을 제공하기 위한 시스템</a:t>
-            </a:r>
-            <a:endParaRPr lang="en-US" altLang="ko-KR" dirty="0"/>
-          </a:p>
-          <a:p>
-            <a:r>
-              <a:rPr lang="ko-KR" altLang="en-US" dirty="0"/>
-              <a:t>생활 시스템을 통해 아이템 제작에 필요한 재료를 소량 획득할 수 있으며</a:t>
+              <a:t>의뢰 가능한 상점이나 제작소에서 수행할 수 있는 시스템으로</a:t>
             </a:r>
             <a:r>
               <a:rPr lang="en-US" altLang="ko-KR" dirty="0"/>
@@ -5210,7 +5194,37 @@
             </a:r>
             <a:r>
               <a:rPr lang="ko-KR" altLang="en-US" dirty="0"/>
-              <a:t>획득한 재료를 통해 필요한 아이템을 직접 제작하거나</a:t>
+              <a:t>제작 의뢰와 납품 의뢰로 나뉨</a:t>
+            </a:r>
+            <a:endParaRPr lang="en-US" altLang="ko-KR" dirty="0"/>
+          </a:p>
+          <a:p>
+            <a:r>
+              <a:rPr lang="ko-KR" altLang="en-US" dirty="0"/>
+              <a:t>제작 의뢰는 각 상점이나 제작소에서 취급하는 아이템의 제작을 의뢰할 수 있으며</a:t>
+            </a:r>
+            <a:r>
+              <a:rPr lang="en-US" altLang="ko-KR" dirty="0"/>
+              <a:t>, </a:t>
+            </a:r>
+            <a:r>
+              <a:rPr lang="ko-KR" altLang="en-US" dirty="0"/>
+              <a:t>제작 </a:t>
+            </a:r>
+            <a:r>
+              <a:rPr lang="en-US" altLang="ko-KR" dirty="0"/>
+              <a:t>NPC</a:t>
+            </a:r>
+            <a:r>
+              <a:rPr lang="ko-KR" altLang="en-US" dirty="0"/>
+              <a:t>의 스킬에 따라 제작 가능한 아이템의 등급이 결정</a:t>
+            </a:r>
+            <a:endParaRPr lang="en-US" altLang="ko-KR" dirty="0"/>
+          </a:p>
+          <a:p>
+            <a:r>
+              <a:rPr lang="ko-KR" altLang="en-US" dirty="0"/>
+              <a:t>납품 의뢰는 각 상점이나 제작소에서 취급하는 재료를 납품하거나 납품 요청을 할 수 있으며</a:t>
             </a:r>
             <a:r>
               <a:rPr lang="en-US" altLang="ko-KR" dirty="0"/>
@@ -5218,14 +5232,7 @@
             </a:r>
             <a:r>
               <a:rPr lang="ko-KR" altLang="en-US" dirty="0"/>
-              <a:t>에게 의뢰하여 제작 가능</a:t>
-            </a:r>
-            <a:endParaRPr lang="en-US" altLang="ko-KR" dirty="0"/>
-          </a:p>
-          <a:p>
-            <a:r>
-              <a:rPr lang="ko-KR" altLang="en-US" dirty="0"/>
-              <a:t>아이템 제작을 위해 설계도</a:t>
+              <a:t>가 위치한 지역</a:t>
             </a:r>
             <a:r>
               <a:rPr lang="en-US" altLang="ko-KR" dirty="0"/>
@@ -5233,7 +5240,7 @@
             </a:r>
             <a:r>
               <a:rPr lang="ko-KR" altLang="en-US" dirty="0"/>
-              <a:t>또는 레시피가 필요하며</a:t>
+              <a:t>스킬에 따라 취급하는 재료의 등급과 수량</a:t>
             </a:r>
             <a:r>
               <a:rPr lang="en-US" altLang="ko-KR" dirty="0"/>
@@ -5241,34 +5248,15 @@
             </a:r>
             <a:r>
               <a:rPr lang="ko-KR" altLang="en-US" dirty="0"/>
-              <a:t>스토리 진행이나 상점 등에서 구할 수 있음</a:t>
-            </a:r>
-            <a:endParaRPr lang="en-US" altLang="ko-KR" dirty="0"/>
-          </a:p>
-          <a:p>
-            <a:r>
-              <a:rPr lang="ko-KR" altLang="en-US" dirty="0"/>
-              <a:t>재료 수집 시 활동력이 소모되며</a:t>
-            </a:r>
-            <a:r>
-              <a:rPr lang="en-US" altLang="ko-KR" dirty="0"/>
-              <a:t>, 0 </a:t>
-            </a:r>
-            <a:r>
-              <a:rPr lang="ko-KR" altLang="en-US" dirty="0"/>
-              <a:t>이하면 재료 수집을 위한 행동을 취할 수 없음</a:t>
-            </a:r>
-            <a:endParaRPr lang="en-US" altLang="ko-KR" dirty="0"/>
-          </a:p>
-          <a:p>
-            <a:endParaRPr lang="ko-KR" altLang="en-US" dirty="0"/>
+              <a:t>가격이 결정됨</a:t>
+            </a:r>
           </a:p>
         </p:txBody>
       </p:sp>
     </p:spTree>
     <p:extLst>
       <p:ext uri="{BB962C8B-B14F-4D97-AF65-F5344CB8AC3E}">
-        <p14:creationId xmlns:p14="http://schemas.microsoft.com/office/powerpoint/2010/main" val="291252485"/>
+        <p14:creationId xmlns:p14="http://schemas.microsoft.com/office/powerpoint/2010/main" val="3699530137"/>
       </p:ext>
     </p:extLst>
   </p:cSld>
@@ -5326,7 +5314,7 @@
             </a:r>
             <a:r>
               <a:rPr lang="ko-KR" altLang="en-US" dirty="0"/>
-              <a:t>채집</a:t>
+              <a:t>공통</a:t>
             </a:r>
           </a:p>
         </p:txBody>
@@ -5354,26 +5342,14 @@
           <a:p>
             <a:r>
               <a:rPr lang="ko-KR" altLang="en-US" dirty="0"/>
-              <a:t>별도의 장비 없이 마법을 사용해 각종 식물을 채집하는 시스템</a:t>
+              <a:t>생활은 게임 진행에 필요한 아이템을 플레이어가 직접 제작할 수 있는 환경을 제공하기 위한 시스템</a:t>
             </a:r>
             <a:endParaRPr lang="en-US" altLang="ko-KR" dirty="0"/>
           </a:p>
           <a:p>
             <a:r>
               <a:rPr lang="ko-KR" altLang="en-US" dirty="0"/>
-              <a:t>다른 생활 시스템과 달리</a:t>
-            </a:r>
-            <a:r>
-              <a:rPr lang="en-US" altLang="ko-KR" dirty="0"/>
-              <a:t> </a:t>
-            </a:r>
-            <a:r>
-              <a:rPr lang="ko-KR" altLang="en-US" dirty="0" err="1"/>
-              <a:t>마나를</a:t>
-            </a:r>
-            <a:r>
-              <a:rPr lang="ko-KR" altLang="en-US" dirty="0"/>
-              <a:t> 사용하며</a:t>
+              <a:t>생활 시스템을 통해 아이템 제작에 필요한 재료를 소량 획득할 수 있으며</a:t>
             </a:r>
             <a:r>
               <a:rPr lang="en-US" altLang="ko-KR" dirty="0"/>
@@ -5381,38 +5357,65 @@
             </a:r>
             <a:r>
               <a:rPr lang="ko-KR" altLang="en-US" dirty="0"/>
-              <a:t>사용된 </a:t>
-            </a:r>
-            <a:r>
-              <a:rPr lang="ko-KR" altLang="en-US" dirty="0" err="1"/>
-              <a:t>마나에</a:t>
-            </a:r>
-            <a:r>
-              <a:rPr lang="ko-KR" altLang="en-US" dirty="0"/>
-              <a:t> 따라 채집 효율이 결정됨</a:t>
+              <a:t>획득한 재료를 통해 필요한 아이템을 직접 제작하거나</a:t>
+            </a:r>
+            <a:r>
+              <a:rPr lang="en-US" altLang="ko-KR" dirty="0"/>
+              <a:t>, NPC</a:t>
+            </a:r>
+            <a:r>
+              <a:rPr lang="ko-KR" altLang="en-US" dirty="0"/>
+              <a:t>에게 의뢰하여 제작 가능</a:t>
             </a:r>
             <a:endParaRPr lang="en-US" altLang="ko-KR" dirty="0"/>
           </a:p>
           <a:p>
             <a:r>
               <a:rPr lang="ko-KR" altLang="en-US" dirty="0"/>
-              <a:t>채집한 식물을 재료로 </a:t>
-            </a:r>
-            <a:r>
-              <a:rPr lang="ko-KR" altLang="en-US" dirty="0" err="1"/>
-              <a:t>회복약</a:t>
-            </a:r>
-            <a:r>
-              <a:rPr lang="ko-KR" altLang="en-US" dirty="0"/>
-              <a:t> 같이 캐릭터의 상태에 영향을 주는 아이템을 제작</a:t>
-            </a:r>
+              <a:t>아이템 제작을 위해 설계도</a:t>
+            </a:r>
+            <a:r>
+              <a:rPr lang="en-US" altLang="ko-KR" dirty="0"/>
+              <a:t>, </a:t>
+            </a:r>
+            <a:r>
+              <a:rPr lang="ko-KR" altLang="en-US" dirty="0"/>
+              <a:t>또는 레시피가 필요하며</a:t>
+            </a:r>
+            <a:r>
+              <a:rPr lang="en-US" altLang="ko-KR" dirty="0"/>
+              <a:t>, </a:t>
+            </a:r>
+            <a:r>
+              <a:rPr lang="ko-KR" altLang="en-US" dirty="0"/>
+              <a:t>스토리 진행이나 상점 등에서 구할 수 있음</a:t>
+            </a:r>
+            <a:endParaRPr lang="en-US" altLang="ko-KR" dirty="0"/>
+          </a:p>
+          <a:p>
+            <a:r>
+              <a:rPr lang="ko-KR" altLang="en-US" dirty="0"/>
+              <a:t>재료 수집 시 활동력이 소모되며</a:t>
+            </a:r>
+            <a:r>
+              <a:rPr lang="en-US" altLang="ko-KR" dirty="0"/>
+              <a:t>, 0 </a:t>
+            </a:r>
+            <a:r>
+              <a:rPr lang="ko-KR" altLang="en-US" dirty="0"/>
+              <a:t>이하면 재료 수집을 위한 행동을 취할 수 없음</a:t>
+            </a:r>
+            <a:endParaRPr lang="en-US" altLang="ko-KR" dirty="0"/>
+          </a:p>
+          <a:p>
+            <a:endParaRPr lang="ko-KR" altLang="en-US" dirty="0"/>
           </a:p>
         </p:txBody>
       </p:sp>
     </p:spTree>
     <p:extLst>
       <p:ext uri="{BB962C8B-B14F-4D97-AF65-F5344CB8AC3E}">
-        <p14:creationId xmlns:p14="http://schemas.microsoft.com/office/powerpoint/2010/main" val="4204983736"/>
+        <p14:creationId xmlns:p14="http://schemas.microsoft.com/office/powerpoint/2010/main" val="291252485"/>
       </p:ext>
     </p:extLst>
   </p:cSld>
@@ -5470,7 +5473,7 @@
             </a:r>
             <a:r>
               <a:rPr lang="ko-KR" altLang="en-US" dirty="0"/>
-              <a:t>채광</a:t>
+              <a:t>채집</a:t>
             </a:r>
           </a:p>
         </p:txBody>
@@ -5480,7 +5483,7 @@
           <p:cNvPr id="2" name="내용 개체 틀 1">
             <a:extLst>
               <a:ext uri="{FF2B5EF4-FFF2-40B4-BE49-F238E27FC236}">
-                <a16:creationId xmlns:a16="http://schemas.microsoft.com/office/drawing/2014/main" id="{90E8372D-FEFC-4164-ADE9-3F3CE6ADE2D4}"/>
+                <a16:creationId xmlns:a16="http://schemas.microsoft.com/office/drawing/2014/main" id="{FC6B5FEE-9FEA-4BE7-BA94-F4AAB1F02227}"/>
               </a:ext>
             </a:extLst>
           </p:cNvPr>
@@ -5498,90 +5501,65 @@
           <a:p>
             <a:r>
               <a:rPr lang="ko-KR" altLang="en-US" dirty="0"/>
-              <a:t>곡괭이</a:t>
+              <a:t>별도의 장비 없이 마법을 사용해 각종 식물을 채집하는 시스템</a:t>
+            </a:r>
+            <a:endParaRPr lang="en-US" altLang="ko-KR" dirty="0"/>
+          </a:p>
+          <a:p>
+            <a:r>
+              <a:rPr lang="ko-KR" altLang="en-US" dirty="0"/>
+              <a:t>다른 생활 시스템과 달리</a:t>
             </a:r>
             <a:r>
               <a:rPr lang="en-US" altLang="ko-KR" dirty="0"/>
               <a:t> </a:t>
             </a:r>
             <a:r>
-              <a:rPr lang="ko-KR" altLang="en-US" dirty="0"/>
-              <a:t>등 채광 가능한 장비나 마법을 사용해 광물 등을 채광하는 시스템</a:t>
-            </a:r>
-            <a:endParaRPr lang="en-US" altLang="ko-KR" dirty="0"/>
-          </a:p>
-          <a:p>
-            <a:r>
-              <a:rPr lang="ko-KR" altLang="en-US" dirty="0"/>
-              <a:t>채광을 통해 획득한 광물은 전투 장비</a:t>
-            </a:r>
-            <a:r>
-              <a:rPr lang="en-US" altLang="ko-KR" dirty="0"/>
-              <a:t>(</a:t>
-            </a:r>
-            <a:r>
-              <a:rPr lang="ko-KR" altLang="en-US" dirty="0"/>
-              <a:t>무기</a:t>
+              <a:rPr lang="ko-KR" altLang="en-US" dirty="0" err="1"/>
+              <a:t>마나를</a:t>
+            </a:r>
+            <a:r>
+              <a:rPr lang="ko-KR" altLang="en-US" dirty="0"/>
+              <a:t> 사용하며</a:t>
             </a:r>
             <a:r>
               <a:rPr lang="en-US" altLang="ko-KR" dirty="0"/>
               <a:t>, </a:t>
             </a:r>
             <a:r>
+              <a:rPr lang="ko-KR" altLang="en-US" dirty="0"/>
+              <a:t>사용된 </a:t>
+            </a:r>
+            <a:r>
               <a:rPr lang="ko-KR" altLang="en-US" dirty="0" err="1"/>
-              <a:t>방어구</a:t>
-            </a:r>
-            <a:r>
-              <a:rPr lang="ko-KR" altLang="en-US" dirty="0"/>
-              <a:t> 등</a:t>
-            </a:r>
-            <a:r>
-              <a:rPr lang="en-US" altLang="ko-KR" dirty="0"/>
-              <a:t>),  </a:t>
-            </a:r>
-            <a:r>
-              <a:rPr lang="ko-KR" altLang="en-US" dirty="0"/>
-              <a:t>생활 장비</a:t>
-            </a:r>
-            <a:r>
-              <a:rPr lang="en-US" altLang="ko-KR" dirty="0"/>
-              <a:t>(</a:t>
-            </a:r>
-            <a:r>
-              <a:rPr lang="ko-KR" altLang="en-US" dirty="0"/>
-              <a:t>곡괭이</a:t>
-            </a:r>
-            <a:r>
-              <a:rPr lang="en-US" altLang="ko-KR" dirty="0"/>
-              <a:t>, </a:t>
+              <a:t>마나에</a:t>
+            </a:r>
+            <a:r>
+              <a:rPr lang="ko-KR" altLang="en-US" dirty="0"/>
+              <a:t> 따라 채집 효율이 결정됨</a:t>
+            </a:r>
+            <a:endParaRPr lang="en-US" altLang="ko-KR" dirty="0"/>
+          </a:p>
+          <a:p>
+            <a:r>
+              <a:rPr lang="ko-KR" altLang="en-US" dirty="0"/>
+              <a:t>채집한 식물을 재료로 </a:t>
             </a:r>
             <a:r>
               <a:rPr lang="ko-KR" altLang="en-US" dirty="0" err="1"/>
-              <a:t>낚시대</a:t>
-            </a:r>
-            <a:r>
-              <a:rPr lang="ko-KR" altLang="en-US" dirty="0"/>
-              <a:t> 등</a:t>
-            </a:r>
-            <a:r>
-              <a:rPr lang="en-US" altLang="ko-KR" dirty="0"/>
-              <a:t>) </a:t>
-            </a:r>
-            <a:r>
-              <a:rPr lang="ko-KR" altLang="en-US" dirty="0"/>
-              <a:t>등을 제작에 사용</a:t>
-            </a:r>
-            <a:endParaRPr lang="en-US" altLang="ko-KR" dirty="0"/>
-          </a:p>
-          <a:p>
-            <a:endParaRPr lang="ko-KR" altLang="en-US" dirty="0"/>
+              <a:t>회복약</a:t>
+            </a:r>
+            <a:r>
+              <a:rPr lang="ko-KR" altLang="en-US" dirty="0"/>
+              <a:t> 같이 캐릭터의 상태에 영향을 주는 약제 아이템을 제작</a:t>
+            </a:r>
           </a:p>
         </p:txBody>
       </p:sp>
     </p:spTree>
     <p:extLst>
       <p:ext uri="{BB962C8B-B14F-4D97-AF65-F5344CB8AC3E}">
-        <p14:creationId xmlns:p14="http://schemas.microsoft.com/office/powerpoint/2010/main" val="2721555998"/>
+        <p14:creationId xmlns:p14="http://schemas.microsoft.com/office/powerpoint/2010/main" val="4204983736"/>
       </p:ext>
     </p:extLst>
   </p:cSld>
@@ -5761,10 +5739,10 @@
       </p:grpSpPr>
       <p:sp>
         <p:nvSpPr>
-          <p:cNvPr id="3" name="제목 2">
+          <p:cNvPr id="4" name="제목 3">
             <a:extLst>
               <a:ext uri="{FF2B5EF4-FFF2-40B4-BE49-F238E27FC236}">
-                <a16:creationId xmlns:a16="http://schemas.microsoft.com/office/drawing/2014/main" id="{896AB4F1-0755-4ACF-AE58-4C6FEE2E9061}"/>
+                <a16:creationId xmlns:a16="http://schemas.microsoft.com/office/drawing/2014/main" id="{BD1FA68B-026A-4EC9-8760-57B376AB7839}"/>
               </a:ext>
             </a:extLst>
           </p:cNvPr>
@@ -5777,32 +5755,30 @@
         </p:nvSpPr>
         <p:spPr/>
         <p:txBody>
-          <a:bodyPr>
-            <a:normAutofit/>
-          </a:bodyPr>
+          <a:bodyPr anchor="ctr"/>
           <a:lstStyle/>
           <a:p>
             <a:r>
-              <a:rPr lang="ko-KR" altLang="en-US" sz="4800" dirty="0"/>
-              <a:t>건물 </a:t>
-            </a:r>
-            <a:r>
-              <a:rPr lang="en-US" altLang="ko-KR" sz="4800" dirty="0"/>
+              <a:rPr lang="ko-KR" altLang="en-US" dirty="0"/>
+              <a:t>생활 </a:t>
+            </a:r>
+            <a:r>
+              <a:rPr lang="en-US" altLang="ko-KR" dirty="0"/>
               <a:t>- </a:t>
             </a:r>
             <a:r>
-              <a:rPr lang="ko-KR" altLang="en-US" sz="4800" dirty="0"/>
-              <a:t>마을</a:t>
+              <a:rPr lang="ko-KR" altLang="en-US" dirty="0"/>
+              <a:t>채광</a:t>
             </a:r>
           </a:p>
         </p:txBody>
       </p:sp>
       <p:sp>
         <p:nvSpPr>
-          <p:cNvPr id="4" name="텍스트 개체 틀 3">
+          <p:cNvPr id="2" name="내용 개체 틀 1">
             <a:extLst>
               <a:ext uri="{FF2B5EF4-FFF2-40B4-BE49-F238E27FC236}">
-                <a16:creationId xmlns:a16="http://schemas.microsoft.com/office/drawing/2014/main" id="{E33BCC30-2131-4E30-A164-782442EB9249}"/>
+                <a16:creationId xmlns:a16="http://schemas.microsoft.com/office/drawing/2014/main" id="{90E8372D-FEFC-4164-ADE9-3F3CE6ADE2D4}"/>
               </a:ext>
             </a:extLst>
           </p:cNvPr>
@@ -5810,7 +5786,7 @@
             <a:spLocks noGrp="1"/>
           </p:cNvSpPr>
           <p:nvPr>
-            <p:ph type="body" idx="1"/>
+            <p:ph idx="1"/>
           </p:nvPr>
         </p:nvSpPr>
         <p:spPr/>
@@ -5818,14 +5794,92 @@
           <a:bodyPr/>
           <a:lstStyle/>
           <a:p>
-            <a:endParaRPr lang="ko-KR" altLang="en-US"/>
+            <a:r>
+              <a:rPr lang="ko-KR" altLang="en-US" dirty="0"/>
+              <a:t>곡괭이</a:t>
+            </a:r>
+            <a:r>
+              <a:rPr lang="en-US" altLang="ko-KR" dirty="0"/>
+              <a:t> </a:t>
+            </a:r>
+            <a:r>
+              <a:rPr lang="ko-KR" altLang="en-US" dirty="0"/>
+              <a:t>등 채광 가능한 장비나 마법을 사용해 광물 등을 채광하는 시스템</a:t>
+            </a:r>
+            <a:endParaRPr lang="en-US" altLang="ko-KR" dirty="0"/>
+          </a:p>
+          <a:p>
+            <a:r>
+              <a:rPr lang="ko-KR" altLang="en-US" dirty="0"/>
+              <a:t>채광을 통해 획득한 광물은 전투 장비</a:t>
+            </a:r>
+            <a:r>
+              <a:rPr lang="en-US" altLang="ko-KR" dirty="0"/>
+              <a:t>(</a:t>
+            </a:r>
+            <a:r>
+              <a:rPr lang="ko-KR" altLang="en-US" dirty="0"/>
+              <a:t>무기</a:t>
+            </a:r>
+            <a:r>
+              <a:rPr lang="en-US" altLang="ko-KR" dirty="0"/>
+              <a:t>, </a:t>
+            </a:r>
+            <a:r>
+              <a:rPr lang="ko-KR" altLang="en-US" dirty="0" err="1"/>
+              <a:t>방어구</a:t>
+            </a:r>
+            <a:r>
+              <a:rPr lang="ko-KR" altLang="en-US" dirty="0"/>
+              <a:t> 등</a:t>
+            </a:r>
+            <a:r>
+              <a:rPr lang="en-US" altLang="ko-KR" dirty="0"/>
+              <a:t>),  </a:t>
+            </a:r>
+            <a:r>
+              <a:rPr lang="ko-KR" altLang="en-US" dirty="0"/>
+              <a:t>생활 장비</a:t>
+            </a:r>
+            <a:r>
+              <a:rPr lang="en-US" altLang="ko-KR" dirty="0"/>
+              <a:t>(</a:t>
+            </a:r>
+            <a:r>
+              <a:rPr lang="ko-KR" altLang="en-US" dirty="0"/>
+              <a:t>곡괭이</a:t>
+            </a:r>
+            <a:r>
+              <a:rPr lang="en-US" altLang="ko-KR" dirty="0"/>
+              <a:t>, </a:t>
+            </a:r>
+            <a:r>
+              <a:rPr lang="ko-KR" altLang="en-US" dirty="0" err="1"/>
+              <a:t>낚시대</a:t>
+            </a:r>
+            <a:r>
+              <a:rPr lang="ko-KR" altLang="en-US" dirty="0"/>
+              <a:t> 등</a:t>
+            </a:r>
+            <a:r>
+              <a:rPr lang="en-US" altLang="ko-KR" dirty="0"/>
+              <a:t>) </a:t>
+            </a:r>
+            <a:r>
+              <a:rPr lang="ko-KR" altLang="en-US" dirty="0"/>
+              <a:t>등을 제작에 사용</a:t>
+            </a:r>
+            <a:endParaRPr lang="en-US" altLang="ko-KR" dirty="0"/>
+          </a:p>
+          <a:p>
+            <a:endParaRPr lang="ko-KR" altLang="en-US" dirty="0"/>
           </a:p>
         </p:txBody>
       </p:sp>
     </p:spTree>
     <p:extLst>
       <p:ext uri="{BB962C8B-B14F-4D97-AF65-F5344CB8AC3E}">
-        <p14:creationId xmlns:p14="http://schemas.microsoft.com/office/powerpoint/2010/main" val="2150490261"/>
+        <p14:creationId xmlns:p14="http://schemas.microsoft.com/office/powerpoint/2010/main" val="2721555998"/>
       </p:ext>
     </p:extLst>
   </p:cSld>
@@ -5874,14 +5928,17 @@
           <a:lstStyle/>
           <a:p>
             <a:r>
-              <a:rPr lang="ko-KR" altLang="en-US" cap="none" dirty="0"/>
-              <a:t>대장간</a:t>
-            </a:r>
-            <a:r>
-              <a:rPr lang="en-US" altLang="ko-KR" cap="none" dirty="0"/>
-              <a:t>(Blacksmith)</a:t>
-            </a:r>
-            <a:endParaRPr lang="ko-KR" altLang="en-US" cap="none" dirty="0"/>
+              <a:rPr lang="ko-KR" altLang="en-US" dirty="0"/>
+              <a:t>생활 </a:t>
+            </a:r>
+            <a:r>
+              <a:rPr lang="en-US" altLang="ko-KR" dirty="0"/>
+              <a:t>- </a:t>
+            </a:r>
+            <a:r>
+              <a:rPr lang="ko-KR" altLang="en-US" dirty="0"/>
+              <a:t>요리</a:t>
+            </a:r>
           </a:p>
         </p:txBody>
       </p:sp>
@@ -5890,7 +5947,7 @@
           <p:cNvPr id="2" name="내용 개체 틀 1">
             <a:extLst>
               <a:ext uri="{FF2B5EF4-FFF2-40B4-BE49-F238E27FC236}">
-                <a16:creationId xmlns:a16="http://schemas.microsoft.com/office/drawing/2014/main" id="{76690079-6635-48B0-B2AA-3FF4B741393E}"/>
+                <a16:creationId xmlns:a16="http://schemas.microsoft.com/office/drawing/2014/main" id="{90E8372D-FEFC-4164-ADE9-3F3CE6ADE2D4}"/>
               </a:ext>
             </a:extLst>
           </p:cNvPr>
@@ -5908,68 +5965,38 @@
           <a:p>
             <a:r>
               <a:rPr lang="ko-KR" altLang="en-US" dirty="0"/>
-              <a:t>구매 </a:t>
+              <a:t>식칼</a:t>
             </a:r>
             <a:r>
               <a:rPr lang="en-US" altLang="ko-KR" dirty="0"/>
-              <a:t>/ </a:t>
-            </a:r>
-            <a:r>
-              <a:rPr lang="ko-KR" altLang="en-US" dirty="0"/>
-              <a:t>판매 </a:t>
+              <a:t> </a:t>
+            </a:r>
+            <a:r>
+              <a:rPr lang="ko-KR" altLang="en-US" dirty="0"/>
+              <a:t>등 조리 가능한 장비를 사용해 요리하는 시스템</a:t>
+            </a:r>
+            <a:endParaRPr lang="en-US" altLang="ko-KR" dirty="0"/>
+          </a:p>
+          <a:p>
+            <a:r>
+              <a:rPr lang="ko-KR" altLang="en-US" dirty="0"/>
+              <a:t>잡화점과 식료품점에서 구매</a:t>
             </a:r>
             <a:r>
               <a:rPr lang="en-US" altLang="ko-KR" dirty="0"/>
-              <a:t>/ </a:t>
-            </a:r>
-            <a:r>
-              <a:rPr lang="ko-KR" altLang="en-US" dirty="0"/>
-              <a:t>제작 의뢰 </a:t>
-            </a:r>
-            <a:r>
-              <a:rPr lang="en-US" altLang="ko-KR" dirty="0"/>
-              <a:t>/ </a:t>
-            </a:r>
-            <a:r>
-              <a:rPr lang="ko-KR" altLang="en-US" dirty="0"/>
-              <a:t>납품 의뢰 가능</a:t>
-            </a:r>
-            <a:endParaRPr lang="en-US" altLang="ko-KR" dirty="0"/>
-          </a:p>
-          <a:p>
-            <a:r>
-              <a:rPr lang="ko-KR" altLang="en-US" dirty="0"/>
-              <a:t>전투 장비와 생활 장비를 취급하는 제작소 겸 상점</a:t>
-            </a:r>
-            <a:endParaRPr lang="en-US" altLang="ko-KR" dirty="0"/>
-          </a:p>
-          <a:p>
-            <a:r>
-              <a:rPr lang="ko-KR" altLang="en-US" dirty="0"/>
-              <a:t>완성된 장비를 구매하거나 채광으로 모은 재료를 판매할 수 있음</a:t>
-            </a:r>
-            <a:endParaRPr lang="en-US" altLang="ko-KR" dirty="0"/>
-          </a:p>
-          <a:p>
-            <a:r>
-              <a:rPr lang="ko-KR" altLang="en-US" dirty="0"/>
-              <a:t>재료 또는 완제품을 납품할 수 있음</a:t>
-            </a:r>
-            <a:endParaRPr lang="en-US" altLang="ko-KR" dirty="0"/>
-          </a:p>
-          <a:p>
-            <a:r>
-              <a:rPr lang="ko-KR" altLang="en-US" dirty="0"/>
-              <a:t>장비 제작에 필요한 재료를 모아 대장간에 장비 제작을 의뢰할 수 있음 </a:t>
-            </a:r>
-            <a:endParaRPr lang="en-US" altLang="ko-KR" dirty="0"/>
+              <a:t>, </a:t>
+            </a:r>
+            <a:r>
+              <a:rPr lang="ko-KR" altLang="en-US" dirty="0"/>
+              <a:t>또는 채집하여 얻은 요리 재료를 활용해 다양한 음식을 제작</a:t>
+            </a:r>
           </a:p>
         </p:txBody>
       </p:sp>
     </p:spTree>
     <p:extLst>
       <p:ext uri="{BB962C8B-B14F-4D97-AF65-F5344CB8AC3E}">
-        <p14:creationId xmlns:p14="http://schemas.microsoft.com/office/powerpoint/2010/main" val="5554690"/>
+        <p14:creationId xmlns:p14="http://schemas.microsoft.com/office/powerpoint/2010/main" val="2534059286"/>
       </p:ext>
     </p:extLst>
   </p:cSld>
@@ -5998,10 +6025,10 @@
       </p:grpSpPr>
       <p:sp>
         <p:nvSpPr>
-          <p:cNvPr id="4" name="제목 3">
+          <p:cNvPr id="3" name="제목 2">
             <a:extLst>
               <a:ext uri="{FF2B5EF4-FFF2-40B4-BE49-F238E27FC236}">
-                <a16:creationId xmlns:a16="http://schemas.microsoft.com/office/drawing/2014/main" id="{BD1FA68B-026A-4EC9-8760-57B376AB7839}"/>
+                <a16:creationId xmlns:a16="http://schemas.microsoft.com/office/drawing/2014/main" id="{896AB4F1-0755-4ACF-AE58-4C6FEE2E9061}"/>
               </a:ext>
             </a:extLst>
           </p:cNvPr>
@@ -6014,27 +6041,32 @@
         </p:nvSpPr>
         <p:spPr/>
         <p:txBody>
-          <a:bodyPr anchor="ctr"/>
+          <a:bodyPr>
+            <a:normAutofit/>
+          </a:bodyPr>
           <a:lstStyle/>
           <a:p>
             <a:r>
-              <a:rPr lang="ko-KR" altLang="en-US" cap="none" dirty="0"/>
-              <a:t>식료품점</a:t>
-            </a:r>
-            <a:r>
-              <a:rPr lang="en-US" altLang="ko-KR" cap="none" dirty="0"/>
-              <a:t>(Grocery Store)</a:t>
-            </a:r>
-            <a:endParaRPr lang="ko-KR" altLang="en-US" cap="none" dirty="0"/>
+              <a:rPr lang="ko-KR" altLang="en-US" sz="4800" dirty="0"/>
+              <a:t>건물 </a:t>
+            </a:r>
+            <a:r>
+              <a:rPr lang="en-US" altLang="ko-KR" sz="4800" dirty="0"/>
+              <a:t>- </a:t>
+            </a:r>
+            <a:r>
+              <a:rPr lang="ko-KR" altLang="en-US" sz="4800" dirty="0"/>
+              <a:t>마을</a:t>
+            </a:r>
           </a:p>
         </p:txBody>
       </p:sp>
       <p:sp>
         <p:nvSpPr>
-          <p:cNvPr id="2" name="내용 개체 틀 1">
+          <p:cNvPr id="4" name="텍스트 개체 틀 3">
             <a:extLst>
               <a:ext uri="{FF2B5EF4-FFF2-40B4-BE49-F238E27FC236}">
-                <a16:creationId xmlns:a16="http://schemas.microsoft.com/office/drawing/2014/main" id="{D7260655-51A0-414B-B0C7-6F71FAD780AC}"/>
+                <a16:creationId xmlns:a16="http://schemas.microsoft.com/office/drawing/2014/main" id="{E33BCC30-2131-4E30-A164-782442EB9249}"/>
               </a:ext>
             </a:extLst>
           </p:cNvPr>
@@ -6042,7 +6074,7 @@
             <a:spLocks noGrp="1"/>
           </p:cNvSpPr>
           <p:nvPr>
-            <p:ph idx="1"/>
+            <p:ph type="body" idx="1"/>
           </p:nvPr>
         </p:nvSpPr>
         <p:spPr/>
@@ -6050,52 +6082,14 @@
           <a:bodyPr/>
           <a:lstStyle/>
           <a:p>
-            <a:r>
-              <a:rPr lang="ko-KR" altLang="en-US" dirty="0"/>
-              <a:t>구매</a:t>
-            </a:r>
-            <a:r>
-              <a:rPr lang="en-US" altLang="ko-KR" dirty="0"/>
-              <a:t> </a:t>
-            </a:r>
-            <a:r>
-              <a:rPr lang="ko-KR" altLang="en-US" dirty="0"/>
-              <a:t>가능</a:t>
-            </a:r>
-            <a:endParaRPr lang="en-US" altLang="ko-KR" dirty="0"/>
-          </a:p>
-          <a:p>
-            <a:r>
-              <a:rPr lang="ko-KR" altLang="en-US" dirty="0"/>
-              <a:t>모든 식료품을 취급하는 상점</a:t>
-            </a:r>
-            <a:r>
-              <a:rPr lang="en-US" altLang="ko-KR" dirty="0"/>
-              <a:t>. </a:t>
-            </a:r>
-            <a:r>
-              <a:rPr lang="ko-KR" altLang="en-US" dirty="0"/>
-              <a:t>단</a:t>
-            </a:r>
-            <a:r>
-              <a:rPr lang="en-US" altLang="ko-KR" dirty="0"/>
-              <a:t>, </a:t>
-            </a:r>
-            <a:r>
-              <a:rPr lang="ko-KR" altLang="en-US" dirty="0"/>
-              <a:t>지역에 빵집이 있을 경우 빵과 연관된 모든 재료는 판매하지 않음</a:t>
-            </a:r>
-            <a:endParaRPr lang="en-US" altLang="ko-KR" dirty="0"/>
-          </a:p>
-          <a:p>
-            <a:endParaRPr lang="en-US" altLang="ko-KR" dirty="0"/>
+            <a:endParaRPr lang="ko-KR" altLang="en-US"/>
           </a:p>
         </p:txBody>
       </p:sp>
     </p:spTree>
     <p:extLst>
       <p:ext uri="{BB962C8B-B14F-4D97-AF65-F5344CB8AC3E}">
-        <p14:creationId xmlns:p14="http://schemas.microsoft.com/office/powerpoint/2010/main" val="4151740668"/>
+        <p14:creationId xmlns:p14="http://schemas.microsoft.com/office/powerpoint/2010/main" val="2150490261"/>
       </p:ext>
     </p:extLst>
   </p:cSld>
@@ -6145,11 +6139,11 @@
           <a:p>
             <a:r>
               <a:rPr lang="ko-KR" altLang="en-US" cap="none" dirty="0"/>
-              <a:t>빵집</a:t>
+              <a:t>대장간</a:t>
             </a:r>
             <a:r>
               <a:rPr lang="en-US" altLang="ko-KR" cap="none" dirty="0"/>
-              <a:t>(Bakery)</a:t>
+              <a:t>(Blacksmith)</a:t>
             </a:r>
             <a:endParaRPr lang="ko-KR" altLang="en-US" cap="none" dirty="0"/>
           </a:p>
@@ -6160,7 +6154,7 @@
           <p:cNvPr id="2" name="내용 개체 틀 1">
             <a:extLst>
               <a:ext uri="{FF2B5EF4-FFF2-40B4-BE49-F238E27FC236}">
-                <a16:creationId xmlns:a16="http://schemas.microsoft.com/office/drawing/2014/main" id="{3B76BB49-BC2D-496D-B4A6-A92CE53E8C94}"/>
+                <a16:creationId xmlns:a16="http://schemas.microsoft.com/office/drawing/2014/main" id="{76690079-6635-48B0-B2AA-3FF4B741393E}"/>
               </a:ext>
             </a:extLst>
           </p:cNvPr>
@@ -6178,21 +6172,59 @@
           <a:p>
             <a:r>
               <a:rPr lang="ko-KR" altLang="en-US" dirty="0"/>
-              <a:t>구매 가능</a:t>
+              <a:t>구매 </a:t>
+            </a:r>
+            <a:r>
+              <a:rPr lang="en-US" altLang="ko-KR" dirty="0"/>
+              <a:t>/ </a:t>
+            </a:r>
+            <a:r>
+              <a:rPr lang="ko-KR" altLang="en-US" dirty="0"/>
+              <a:t>판매 </a:t>
+            </a:r>
+            <a:r>
+              <a:rPr lang="en-US" altLang="ko-KR" dirty="0"/>
+              <a:t>/ </a:t>
+            </a:r>
+            <a:r>
+              <a:rPr lang="ko-KR" altLang="en-US" dirty="0"/>
+              <a:t>제작 의뢰 </a:t>
+            </a:r>
+            <a:r>
+              <a:rPr lang="en-US" altLang="ko-KR" dirty="0"/>
+              <a:t>/ </a:t>
+            </a:r>
+            <a:r>
+              <a:rPr lang="ko-KR" altLang="en-US" dirty="0"/>
+              <a:t>납품 의뢰 가능</a:t>
             </a:r>
             <a:endParaRPr lang="en-US" altLang="ko-KR" dirty="0"/>
           </a:p>
           <a:p>
             <a:r>
               <a:rPr lang="ko-KR" altLang="en-US" dirty="0"/>
-              <a:t>제빵에 특화된 상점</a:t>
+              <a:t>생활 장비를 취급하는 제작소 겸 상점</a:t>
             </a:r>
             <a:endParaRPr lang="en-US" altLang="ko-KR" dirty="0"/>
           </a:p>
           <a:p>
             <a:r>
               <a:rPr lang="ko-KR" altLang="en-US" dirty="0"/>
-              <a:t>빵과 빵을 만들 수 있는 재료를 판매</a:t>
+              <a:t>완성된 장비를 구매하거나 채광으로 모은 재료를 판매할 수 있음</a:t>
+            </a:r>
+            <a:endParaRPr lang="en-US" altLang="ko-KR" dirty="0"/>
+          </a:p>
+          <a:p>
+            <a:r>
+              <a:rPr lang="ko-KR" altLang="en-US" dirty="0"/>
+              <a:t>재료 또는 완제품을 납품할 수 있음</a:t>
+            </a:r>
+            <a:endParaRPr lang="en-US" altLang="ko-KR" dirty="0"/>
+          </a:p>
+          <a:p>
+            <a:r>
+              <a:rPr lang="ko-KR" altLang="en-US" dirty="0"/>
+              <a:t>장비 제작에 필요한 재료를 모아 대장간에 장비 제작을 의뢰할 수 있음 </a:t>
             </a:r>
             <a:endParaRPr lang="en-US" altLang="ko-KR" dirty="0"/>
           </a:p>
@@ -6201,7 +6233,7 @@
     </p:spTree>
     <p:extLst>
       <p:ext uri="{BB962C8B-B14F-4D97-AF65-F5344CB8AC3E}">
-        <p14:creationId xmlns:p14="http://schemas.microsoft.com/office/powerpoint/2010/main" val="55383387"/>
+        <p14:creationId xmlns:p14="http://schemas.microsoft.com/office/powerpoint/2010/main" val="5554690"/>
       </p:ext>
     </p:extLst>
   </p:cSld>
@@ -6251,11 +6283,11 @@
           <a:p>
             <a:r>
               <a:rPr lang="ko-KR" altLang="en-US" cap="none" dirty="0"/>
-              <a:t>여관</a:t>
+              <a:t>식료품점</a:t>
             </a:r>
             <a:r>
               <a:rPr lang="en-US" altLang="ko-KR" cap="none" dirty="0"/>
-              <a:t>(Inn)</a:t>
+              <a:t>(Grocery Store)</a:t>
             </a:r>
             <a:endParaRPr lang="ko-KR" altLang="en-US" cap="none" dirty="0"/>
           </a:p>
@@ -6266,7 +6298,7 @@
           <p:cNvPr id="2" name="내용 개체 틀 1">
             <a:extLst>
               <a:ext uri="{FF2B5EF4-FFF2-40B4-BE49-F238E27FC236}">
-                <a16:creationId xmlns:a16="http://schemas.microsoft.com/office/drawing/2014/main" id="{02BE5607-4D76-47E6-8962-AB18D7F91D40}"/>
+                <a16:creationId xmlns:a16="http://schemas.microsoft.com/office/drawing/2014/main" id="{D7260655-51A0-414B-B0C7-6F71FAD780AC}"/>
               </a:ext>
             </a:extLst>
           </p:cNvPr>
@@ -6294,51 +6326,40 @@
               <a:rPr lang="ko-KR" altLang="en-US" dirty="0"/>
               <a:t>가능</a:t>
             </a:r>
+            <a:endParaRPr lang="en-US" altLang="ko-KR" dirty="0"/>
+          </a:p>
+          <a:p>
+            <a:r>
+              <a:rPr lang="ko-KR" altLang="en-US" dirty="0"/>
+              <a:t>모든 식료품을 취급하는 상점</a:t>
+            </a:r>
+            <a:r>
+              <a:rPr lang="en-US" altLang="ko-KR" dirty="0"/>
+              <a:t>. </a:t>
+            </a:r>
+            <a:r>
+              <a:rPr lang="ko-KR" altLang="en-US" dirty="0"/>
+              <a:t>단</a:t>
+            </a:r>
             <a:r>
               <a:rPr lang="en-US" altLang="ko-KR" dirty="0"/>
               <a:t>, </a:t>
             </a:r>
             <a:r>
               <a:rPr lang="ko-KR" altLang="en-US" dirty="0"/>
-              <a:t>수면 가능</a:t>
+              <a:t>지역에 빵집이 있을 경우 빵과 연관된 모든 재료는 판매하지 않음</a:t>
             </a:r>
             <a:endParaRPr lang="en-US" altLang="ko-KR" dirty="0"/>
           </a:p>
           <a:p>
-            <a:r>
-              <a:rPr lang="ko-KR" altLang="en-US" dirty="0"/>
-              <a:t>상점 기능과 수면 기능을 동시에 이용할 수 있는 장소</a:t>
-            </a:r>
             <a:endParaRPr lang="en-US" altLang="ko-KR" dirty="0"/>
-          </a:p>
-          <a:p>
-            <a:r>
-              <a:rPr lang="ko-KR" altLang="en-US" dirty="0"/>
-              <a:t>음식</a:t>
-            </a:r>
-            <a:r>
-              <a:rPr lang="en-US" altLang="ko-KR" dirty="0"/>
-              <a:t>, </a:t>
-            </a:r>
-            <a:r>
-              <a:rPr lang="ko-KR" altLang="en-US" dirty="0"/>
-              <a:t>음료를 구매할 수 있음</a:t>
-            </a:r>
-            <a:endParaRPr lang="en-US" altLang="ko-KR" dirty="0"/>
-          </a:p>
-          <a:p>
-            <a:r>
-              <a:rPr lang="ko-KR" altLang="en-US"/>
-              <a:t>게임 재화를 지불하여 잘 수 있음</a:t>
-            </a:r>
-            <a:endParaRPr lang="ko-KR" altLang="en-US" dirty="0"/>
           </a:p>
         </p:txBody>
       </p:sp>
     </p:spTree>
     <p:extLst>
       <p:ext uri="{BB962C8B-B14F-4D97-AF65-F5344CB8AC3E}">
-        <p14:creationId xmlns:p14="http://schemas.microsoft.com/office/powerpoint/2010/main" val="629147631"/>
+        <p14:creationId xmlns:p14="http://schemas.microsoft.com/office/powerpoint/2010/main" val="4151740668"/>
       </p:ext>
     </p:extLst>
   </p:cSld>
@@ -6367,10 +6388,10 @@
       </p:grpSpPr>
       <p:sp>
         <p:nvSpPr>
-          <p:cNvPr id="3" name="제목 2">
+          <p:cNvPr id="4" name="제목 3">
             <a:extLst>
               <a:ext uri="{FF2B5EF4-FFF2-40B4-BE49-F238E27FC236}">
-                <a16:creationId xmlns:a16="http://schemas.microsoft.com/office/drawing/2014/main" id="{896AB4F1-0755-4ACF-AE58-4C6FEE2E9061}"/>
+                <a16:creationId xmlns:a16="http://schemas.microsoft.com/office/drawing/2014/main" id="{BD1FA68B-026A-4EC9-8760-57B376AB7839}"/>
               </a:ext>
             </a:extLst>
           </p:cNvPr>
@@ -6383,32 +6404,27 @@
         </p:nvSpPr>
         <p:spPr/>
         <p:txBody>
-          <a:bodyPr>
-            <a:normAutofit/>
-          </a:bodyPr>
+          <a:bodyPr anchor="ctr"/>
           <a:lstStyle/>
           <a:p>
             <a:r>
-              <a:rPr lang="ko-KR" altLang="en-US" sz="4800" dirty="0"/>
-              <a:t>건물 </a:t>
-            </a:r>
-            <a:r>
-              <a:rPr lang="en-US" altLang="ko-KR" sz="4800" dirty="0"/>
-              <a:t>- </a:t>
-            </a:r>
-            <a:r>
-              <a:rPr lang="ko-KR" altLang="en-US" sz="4800" dirty="0"/>
-              <a:t>집 내부</a:t>
-            </a:r>
+              <a:rPr lang="ko-KR" altLang="en-US" cap="none" dirty="0"/>
+              <a:t>잡화점</a:t>
+            </a:r>
+            <a:r>
+              <a:rPr lang="en-US" altLang="ko-KR" cap="none" dirty="0"/>
+              <a:t>(General Store)</a:t>
+            </a:r>
+            <a:endParaRPr lang="ko-KR" altLang="en-US" cap="none" dirty="0"/>
           </a:p>
         </p:txBody>
       </p:sp>
       <p:sp>
         <p:nvSpPr>
-          <p:cNvPr id="4" name="텍스트 개체 틀 3">
+          <p:cNvPr id="2" name="내용 개체 틀 1">
             <a:extLst>
               <a:ext uri="{FF2B5EF4-FFF2-40B4-BE49-F238E27FC236}">
-                <a16:creationId xmlns:a16="http://schemas.microsoft.com/office/drawing/2014/main" id="{E33BCC30-2131-4E30-A164-782442EB9249}"/>
+                <a16:creationId xmlns:a16="http://schemas.microsoft.com/office/drawing/2014/main" id="{D7260655-51A0-414B-B0C7-6F71FAD780AC}"/>
               </a:ext>
             </a:extLst>
           </p:cNvPr>
@@ -6416,7 +6432,7 @@
             <a:spLocks noGrp="1"/>
           </p:cNvSpPr>
           <p:nvPr>
-            <p:ph type="body" idx="1"/>
+            <p:ph idx="1"/>
           </p:nvPr>
         </p:nvSpPr>
         <p:spPr/>
@@ -6424,14 +6440,52 @@
           <a:bodyPr/>
           <a:lstStyle/>
           <a:p>
-            <a:endParaRPr lang="ko-KR" altLang="en-US"/>
+            <a:r>
+              <a:rPr lang="ko-KR" altLang="en-US" dirty="0"/>
+              <a:t>구매</a:t>
+            </a:r>
+            <a:r>
+              <a:rPr lang="en-US" altLang="ko-KR" dirty="0"/>
+              <a:t> </a:t>
+            </a:r>
+            <a:r>
+              <a:rPr lang="ko-KR" altLang="en-US" dirty="0"/>
+              <a:t>가능</a:t>
+            </a:r>
+            <a:endParaRPr lang="en-US" altLang="ko-KR" dirty="0"/>
+          </a:p>
+          <a:p>
+            <a:r>
+              <a:rPr lang="ko-KR" altLang="en-US" dirty="0"/>
+              <a:t>모든 식료품을 취급하는 상점</a:t>
+            </a:r>
+            <a:r>
+              <a:rPr lang="en-US" altLang="ko-KR" dirty="0"/>
+              <a:t>. </a:t>
+            </a:r>
+            <a:r>
+              <a:rPr lang="ko-KR" altLang="en-US" dirty="0"/>
+              <a:t>단</a:t>
+            </a:r>
+            <a:r>
+              <a:rPr lang="en-US" altLang="ko-KR" dirty="0"/>
+              <a:t>, </a:t>
+            </a:r>
+            <a:r>
+              <a:rPr lang="ko-KR" altLang="en-US" dirty="0"/>
+              <a:t>지역에 빵집이 있을 경우 빵과 연관된 모든 재료는 판매하지 않음</a:t>
+            </a:r>
+            <a:endParaRPr lang="en-US" altLang="ko-KR" dirty="0"/>
+          </a:p>
+          <a:p>
+            <a:endParaRPr lang="en-US" altLang="ko-KR" dirty="0"/>
           </a:p>
         </p:txBody>
       </p:sp>
     </p:spTree>
     <p:extLst>
       <p:ext uri="{BB962C8B-B14F-4D97-AF65-F5344CB8AC3E}">
-        <p14:creationId xmlns:p14="http://schemas.microsoft.com/office/powerpoint/2010/main" val="740702398"/>
+        <p14:creationId xmlns:p14="http://schemas.microsoft.com/office/powerpoint/2010/main" val="605745286"/>
       </p:ext>
     </p:extLst>
   </p:cSld>
@@ -6481,20 +6535,63 @@
           <a:p>
             <a:r>
               <a:rPr lang="ko-KR" altLang="en-US" cap="none" dirty="0"/>
-              <a:t>거실</a:t>
+              <a:t>빵집</a:t>
             </a:r>
             <a:r>
               <a:rPr lang="en-US" altLang="ko-KR" cap="none" dirty="0"/>
-              <a:t>(Livingroom)</a:t>
+              <a:t>(Bakery)</a:t>
             </a:r>
             <a:endParaRPr lang="ko-KR" altLang="en-US" cap="none" dirty="0"/>
+          </a:p>
+        </p:txBody>
+      </p:sp>
+      <p:sp>
+        <p:nvSpPr>
+          <p:cNvPr id="2" name="내용 개체 틀 1">
+            <a:extLst>
+              <a:ext uri="{FF2B5EF4-FFF2-40B4-BE49-F238E27FC236}">
+                <a16:creationId xmlns:a16="http://schemas.microsoft.com/office/drawing/2014/main" id="{3B76BB49-BC2D-496D-B4A6-A92CE53E8C94}"/>
+              </a:ext>
+            </a:extLst>
+          </p:cNvPr>
+          <p:cNvSpPr>
+            <a:spLocks noGrp="1"/>
+          </p:cNvSpPr>
+          <p:nvPr>
+            <p:ph idx="1"/>
+          </p:nvPr>
+        </p:nvSpPr>
+        <p:spPr/>
+        <p:txBody>
+          <a:bodyPr/>
+          <a:lstStyle/>
+          <a:p>
+            <a:r>
+              <a:rPr lang="ko-KR" altLang="en-US" dirty="0"/>
+              <a:t>구매 가능</a:t>
+            </a:r>
+            <a:endParaRPr lang="en-US" altLang="ko-KR" dirty="0"/>
+          </a:p>
+          <a:p>
+            <a:r>
+              <a:rPr lang="ko-KR" altLang="en-US" dirty="0"/>
+              <a:t>제빵에 특화된 상점</a:t>
+            </a:r>
+            <a:endParaRPr lang="en-US" altLang="ko-KR" dirty="0"/>
+          </a:p>
+          <a:p>
+            <a:r>
+              <a:rPr lang="ko-KR" altLang="en-US" dirty="0"/>
+              <a:t>빵과 빵을 만들 수 있는 재료를 판매</a:t>
+            </a:r>
+            <a:endParaRPr lang="en-US" altLang="ko-KR" dirty="0"/>
           </a:p>
         </p:txBody>
       </p:sp>
     </p:spTree>
     <p:extLst>
       <p:ext uri="{BB962C8B-B14F-4D97-AF65-F5344CB8AC3E}">
-        <p14:creationId xmlns:p14="http://schemas.microsoft.com/office/powerpoint/2010/main" val="771944337"/>
+        <p14:creationId xmlns:p14="http://schemas.microsoft.com/office/powerpoint/2010/main" val="55383387"/>
       </p:ext>
     </p:extLst>
   </p:cSld>
@@ -6544,20 +6641,93 @@
           <a:p>
             <a:r>
               <a:rPr lang="ko-KR" altLang="en-US" cap="none" dirty="0"/>
-              <a:t>침실</a:t>
+              <a:t>여관</a:t>
             </a:r>
             <a:r>
               <a:rPr lang="en-US" altLang="ko-KR" cap="none" dirty="0"/>
-              <a:t>(Bedroom)</a:t>
+              <a:t>(Inn)</a:t>
             </a:r>
             <a:endParaRPr lang="ko-KR" altLang="en-US" cap="none" dirty="0"/>
+          </a:p>
+        </p:txBody>
+      </p:sp>
+      <p:sp>
+        <p:nvSpPr>
+          <p:cNvPr id="2" name="내용 개체 틀 1">
+            <a:extLst>
+              <a:ext uri="{FF2B5EF4-FFF2-40B4-BE49-F238E27FC236}">
+                <a16:creationId xmlns:a16="http://schemas.microsoft.com/office/drawing/2014/main" id="{02BE5607-4D76-47E6-8962-AB18D7F91D40}"/>
+              </a:ext>
+            </a:extLst>
+          </p:cNvPr>
+          <p:cNvSpPr>
+            <a:spLocks noGrp="1"/>
+          </p:cNvSpPr>
+          <p:nvPr>
+            <p:ph idx="1"/>
+          </p:nvPr>
+        </p:nvSpPr>
+        <p:spPr/>
+        <p:txBody>
+          <a:bodyPr/>
+          <a:lstStyle/>
+          <a:p>
+            <a:r>
+              <a:rPr lang="ko-KR" altLang="en-US" dirty="0"/>
+              <a:t>구매</a:t>
+            </a:r>
+            <a:r>
+              <a:rPr lang="en-US" altLang="ko-KR" dirty="0"/>
+              <a:t> </a:t>
+            </a:r>
+            <a:r>
+              <a:rPr lang="ko-KR" altLang="en-US" dirty="0"/>
+              <a:t>가능</a:t>
+            </a:r>
+            <a:r>
+              <a:rPr lang="en-US" altLang="ko-KR" dirty="0"/>
+              <a:t>, </a:t>
+            </a:r>
+            <a:r>
+              <a:rPr lang="ko-KR" altLang="en-US" dirty="0"/>
+              <a:t>수면 가능</a:t>
+            </a:r>
+            <a:endParaRPr lang="en-US" altLang="ko-KR" dirty="0"/>
+          </a:p>
+          <a:p>
+            <a:r>
+              <a:rPr lang="ko-KR" altLang="en-US" dirty="0"/>
+              <a:t>상점 기능과 수면 기능을 동시에 이용할 수 있는 장소</a:t>
+            </a:r>
+            <a:endParaRPr lang="en-US" altLang="ko-KR" dirty="0"/>
+          </a:p>
+          <a:p>
+            <a:r>
+              <a:rPr lang="ko-KR" altLang="en-US" dirty="0"/>
+              <a:t>음식</a:t>
+            </a:r>
+            <a:r>
+              <a:rPr lang="en-US" altLang="ko-KR" dirty="0"/>
+              <a:t>, </a:t>
+            </a:r>
+            <a:r>
+              <a:rPr lang="ko-KR" altLang="en-US" dirty="0"/>
+              <a:t>음료를 구매할 수 있음</a:t>
+            </a:r>
+            <a:endParaRPr lang="en-US" altLang="ko-KR" dirty="0"/>
+          </a:p>
+          <a:p>
+            <a:r>
+              <a:rPr lang="ko-KR" altLang="en-US" dirty="0"/>
+              <a:t>게임 재화를 지불하여 잘 수 있음</a:t>
+            </a:r>
           </a:p>
         </p:txBody>
       </p:sp>
     </p:spTree>
     <p:extLst>
       <p:ext uri="{BB962C8B-B14F-4D97-AF65-F5344CB8AC3E}">
-        <p14:creationId xmlns:p14="http://schemas.microsoft.com/office/powerpoint/2010/main" val="4285562021"/>
+        <p14:creationId xmlns:p14="http://schemas.microsoft.com/office/powerpoint/2010/main" val="629147631"/>
       </p:ext>
     </p:extLst>
   </p:cSld>
@@ -6586,10 +6756,10 @@
       </p:grpSpPr>
       <p:sp>
         <p:nvSpPr>
-          <p:cNvPr id="4" name="제목 3">
+          <p:cNvPr id="3" name="제목 2">
             <a:extLst>
               <a:ext uri="{FF2B5EF4-FFF2-40B4-BE49-F238E27FC236}">
-                <a16:creationId xmlns:a16="http://schemas.microsoft.com/office/drawing/2014/main" id="{BD1FA68B-026A-4EC9-8760-57B376AB7839}"/>
+                <a16:creationId xmlns:a16="http://schemas.microsoft.com/office/drawing/2014/main" id="{896AB4F1-0755-4ACF-AE58-4C6FEE2E9061}"/>
               </a:ext>
             </a:extLst>
           </p:cNvPr>
@@ -6602,25 +6772,55 @@
         </p:nvSpPr>
         <p:spPr/>
         <p:txBody>
-          <a:bodyPr anchor="ctr"/>
+          <a:bodyPr>
+            <a:normAutofit/>
+          </a:bodyPr>
           <a:lstStyle/>
           <a:p>
             <a:r>
-              <a:rPr lang="ko-KR" altLang="en-US" cap="none" dirty="0"/>
-              <a:t>마법연구실</a:t>
-            </a:r>
-            <a:r>
-              <a:rPr lang="en-US" altLang="ko-KR" cap="none" dirty="0"/>
-              <a:t>(Magic Lab)</a:t>
-            </a:r>
-            <a:endParaRPr lang="ko-KR" altLang="en-US" cap="none" dirty="0"/>
+              <a:rPr lang="ko-KR" altLang="en-US" sz="4800" dirty="0"/>
+              <a:t>건물 </a:t>
+            </a:r>
+            <a:r>
+              <a:rPr lang="en-US" altLang="ko-KR" sz="4800" dirty="0"/>
+              <a:t>- </a:t>
+            </a:r>
+            <a:r>
+              <a:rPr lang="ko-KR" altLang="en-US" sz="4800" dirty="0"/>
+              <a:t>집 내부</a:t>
+            </a:r>
+          </a:p>
+        </p:txBody>
+      </p:sp>
+      <p:sp>
+        <p:nvSpPr>
+          <p:cNvPr id="4" name="텍스트 개체 틀 3">
+            <a:extLst>
+              <a:ext uri="{FF2B5EF4-FFF2-40B4-BE49-F238E27FC236}">
+                <a16:creationId xmlns:a16="http://schemas.microsoft.com/office/drawing/2014/main" id="{E33BCC30-2131-4E30-A164-782442EB9249}"/>
+              </a:ext>
+            </a:extLst>
+          </p:cNvPr>
+          <p:cNvSpPr>
+            <a:spLocks noGrp="1"/>
+          </p:cNvSpPr>
+          <p:nvPr>
+            <p:ph type="body" idx="1"/>
+          </p:nvPr>
+        </p:nvSpPr>
+        <p:spPr/>
+        <p:txBody>
+          <a:bodyPr/>
+          <a:lstStyle/>
+          <a:p>
+            <a:endParaRPr lang="ko-KR" altLang="en-US"/>
           </a:p>
         </p:txBody>
       </p:sp>
     </p:spTree>
     <p:extLst>
       <p:ext uri="{BB962C8B-B14F-4D97-AF65-F5344CB8AC3E}">
-        <p14:creationId xmlns:p14="http://schemas.microsoft.com/office/powerpoint/2010/main" val="355926965"/>
+        <p14:creationId xmlns:p14="http://schemas.microsoft.com/office/powerpoint/2010/main" val="740702398"/>
       </p:ext>
     </p:extLst>
   </p:cSld>
@@ -6670,20 +6870,87 @@
           <a:p>
             <a:r>
               <a:rPr lang="ko-KR" altLang="en-US" cap="none" dirty="0"/>
-              <a:t>부엌</a:t>
-            </a:r>
-            <a:r>
-              <a:rPr lang="en-US" altLang="ko-KR" cap="none" dirty="0"/>
-              <a:t>(Kitchen)</a:t>
-            </a:r>
-            <a:endParaRPr lang="ko-KR" altLang="en-US" cap="none" dirty="0"/>
+              <a:t>공통</a:t>
+            </a:r>
+          </a:p>
+        </p:txBody>
+      </p:sp>
+      <p:sp>
+        <p:nvSpPr>
+          <p:cNvPr id="2" name="내용 개체 틀 1">
+            <a:extLst>
+              <a:ext uri="{FF2B5EF4-FFF2-40B4-BE49-F238E27FC236}">
+                <a16:creationId xmlns:a16="http://schemas.microsoft.com/office/drawing/2014/main" id="{3E2B8976-1344-470F-AACD-2ED5BAFB84A6}"/>
+              </a:ext>
+            </a:extLst>
+          </p:cNvPr>
+          <p:cNvSpPr>
+            <a:spLocks noGrp="1"/>
+          </p:cNvSpPr>
+          <p:nvPr>
+            <p:ph idx="1"/>
+          </p:nvPr>
+        </p:nvSpPr>
+        <p:spPr/>
+        <p:txBody>
+          <a:bodyPr/>
+          <a:lstStyle/>
+          <a:p>
+            <a:r>
+              <a:rPr lang="ko-KR" altLang="en-US" dirty="0"/>
+              <a:t>플레이어의 캐릭터의 거점으로</a:t>
+            </a:r>
+            <a:r>
+              <a:rPr lang="en-US" altLang="ko-KR" dirty="0"/>
+              <a:t>, </a:t>
+            </a:r>
+            <a:r>
+              <a:rPr lang="ko-KR" altLang="en-US" dirty="0" err="1"/>
+              <a:t>보호석</a:t>
+            </a:r>
+            <a:r>
+              <a:rPr lang="ko-KR" altLang="en-US" dirty="0"/>
+              <a:t> </a:t>
+            </a:r>
+            <a:r>
+              <a:rPr lang="en-US" altLang="ko-KR" dirty="0"/>
+              <a:t>8</a:t>
+            </a:r>
+            <a:r>
+              <a:rPr lang="ko-KR" altLang="en-US" dirty="0"/>
+              <a:t>개가 집 주변에 배치되어 있어 상시 안전 구역으로 기능</a:t>
+            </a:r>
+            <a:endParaRPr lang="en-US" altLang="ko-KR" dirty="0"/>
+          </a:p>
+          <a:p>
+            <a:r>
+              <a:rPr lang="ko-KR" altLang="en-US" dirty="0"/>
+              <a:t>야간 한정으로</a:t>
+            </a:r>
+            <a:r>
+              <a:rPr lang="en-US" altLang="ko-KR" dirty="0"/>
+              <a:t>, </a:t>
+            </a:r>
+            <a:r>
+              <a:rPr lang="ko-KR" altLang="en-US" dirty="0"/>
+              <a:t>각 방에 들어가면 </a:t>
+            </a:r>
+            <a:r>
+              <a:rPr lang="ko-KR" altLang="en-US" dirty="0" err="1"/>
+              <a:t>벽등이</a:t>
+            </a:r>
+            <a:r>
+              <a:rPr lang="ko-KR" altLang="en-US" dirty="0"/>
+              <a:t> 자동으로 활성화 됨</a:t>
+            </a:r>
+            <a:endParaRPr lang="en-US" altLang="ko-KR" dirty="0"/>
           </a:p>
         </p:txBody>
       </p:sp>
     </p:spTree>
     <p:extLst>
       <p:ext uri="{BB962C8B-B14F-4D97-AF65-F5344CB8AC3E}">
-        <p14:creationId xmlns:p14="http://schemas.microsoft.com/office/powerpoint/2010/main" val="327464236"/>
+        <p14:creationId xmlns:p14="http://schemas.microsoft.com/office/powerpoint/2010/main" val="3447982333"/>
       </p:ext>
     </p:extLst>
   </p:cSld>
@@ -6772,10 +7039,10 @@
       </p:grpSpPr>
       <p:sp>
         <p:nvSpPr>
-          <p:cNvPr id="3" name="제목 2">
+          <p:cNvPr id="4" name="제목 3">
             <a:extLst>
               <a:ext uri="{FF2B5EF4-FFF2-40B4-BE49-F238E27FC236}">
-                <a16:creationId xmlns:a16="http://schemas.microsoft.com/office/drawing/2014/main" id="{A528565D-E691-4F28-91B1-3E30D500FE2B}"/>
+                <a16:creationId xmlns:a16="http://schemas.microsoft.com/office/drawing/2014/main" id="{BD1FA68B-026A-4EC9-8760-57B376AB7839}"/>
               </a:ext>
             </a:extLst>
           </p:cNvPr>
@@ -6788,24 +7055,27 @@
         </p:nvSpPr>
         <p:spPr/>
         <p:txBody>
-          <a:bodyPr>
-            <a:normAutofit/>
-          </a:bodyPr>
+          <a:bodyPr anchor="ctr"/>
           <a:lstStyle/>
           <a:p>
             <a:r>
-              <a:rPr lang="ko-KR" altLang="en-US" sz="4800"/>
-              <a:t>아이템</a:t>
-            </a:r>
+              <a:rPr lang="ko-KR" altLang="en-US" cap="none" dirty="0"/>
+              <a:t>마법연구실</a:t>
+            </a:r>
+            <a:r>
+              <a:rPr lang="en-US" altLang="ko-KR" cap="none" dirty="0"/>
+              <a:t>(Magic Lab)</a:t>
+            </a:r>
+            <a:endParaRPr lang="ko-KR" altLang="en-US" cap="none" dirty="0"/>
           </a:p>
         </p:txBody>
       </p:sp>
       <p:sp>
         <p:nvSpPr>
-          <p:cNvPr id="4" name="텍스트 개체 틀 3">
+          <p:cNvPr id="2" name="내용 개체 틀 1">
             <a:extLst>
               <a:ext uri="{FF2B5EF4-FFF2-40B4-BE49-F238E27FC236}">
-                <a16:creationId xmlns:a16="http://schemas.microsoft.com/office/drawing/2014/main" id="{17965944-BD65-4AD7-9AA1-BE889B37624B}"/>
+                <a16:creationId xmlns:a16="http://schemas.microsoft.com/office/drawing/2014/main" id="{3E2B8976-1344-470F-AACD-2ED5BAFB84A6}"/>
               </a:ext>
             </a:extLst>
           </p:cNvPr>
@@ -6813,7 +7083,7 @@
             <a:spLocks noGrp="1"/>
           </p:cNvSpPr>
           <p:nvPr>
-            <p:ph type="body" idx="1"/>
+            <p:ph idx="1"/>
           </p:nvPr>
         </p:nvSpPr>
         <p:spPr/>
@@ -6821,14 +7091,70 @@
           <a:bodyPr/>
           <a:lstStyle/>
           <a:p>
-            <a:endParaRPr lang="ko-KR" altLang="en-US"/>
+            <a:r>
+              <a:rPr lang="ko-KR" altLang="en-US" dirty="0"/>
+              <a:t>캐릭터의 마법과 연관된 모든 것이 이루어지는 장소로</a:t>
+            </a:r>
+            <a:r>
+              <a:rPr lang="en-US" altLang="ko-KR" dirty="0"/>
+              <a:t>, </a:t>
+            </a:r>
+            <a:r>
+              <a:rPr lang="ko-KR" altLang="en-US" dirty="0"/>
+              <a:t>모든 종류의 마법 연구와 약제 제작을 할 수 있음</a:t>
+            </a:r>
+            <a:endParaRPr lang="en-US" altLang="ko-KR" dirty="0"/>
+          </a:p>
+          <a:p>
+            <a:r>
+              <a:rPr lang="ko-KR" altLang="en-US" dirty="0"/>
+              <a:t>연구 테이블과</a:t>
+            </a:r>
+            <a:r>
+              <a:rPr lang="en-US" altLang="ko-KR" dirty="0"/>
+              <a:t> </a:t>
+            </a:r>
+            <a:r>
+              <a:rPr lang="ko-KR" altLang="en-US" dirty="0"/>
+              <a:t>제조 테이블</a:t>
+            </a:r>
+            <a:r>
+              <a:rPr lang="en-US" altLang="ko-KR" dirty="0"/>
+              <a:t>,</a:t>
+            </a:r>
+            <a:r>
+              <a:rPr lang="ko-KR" altLang="en-US" dirty="0"/>
+              <a:t> 그리고 책장이 배치</a:t>
+            </a:r>
+            <a:endParaRPr lang="en-US" altLang="ko-KR" dirty="0"/>
+          </a:p>
+          <a:p>
+            <a:r>
+              <a:rPr lang="ko-KR" altLang="en-US" dirty="0"/>
+              <a:t>연구 테이블에서 마법 연구를 수행</a:t>
+            </a:r>
+            <a:endParaRPr lang="en-US" altLang="ko-KR" dirty="0"/>
+          </a:p>
+          <a:p>
+            <a:r>
+              <a:rPr lang="ko-KR" altLang="en-US" dirty="0"/>
+              <a:t>제조 테이블에서 약제 제작을 수행</a:t>
+            </a:r>
+            <a:endParaRPr lang="en-US" altLang="ko-KR" dirty="0"/>
+          </a:p>
+          <a:p>
+            <a:r>
+              <a:rPr lang="ko-KR" altLang="en-US" dirty="0"/>
+              <a:t>책장에서 마법과 관련된 이야기를 읽을 수 있음</a:t>
+            </a:r>
+            <a:endParaRPr lang="en-US" altLang="ko-KR" dirty="0"/>
           </a:p>
         </p:txBody>
       </p:sp>
     </p:spTree>
     <p:extLst>
       <p:ext uri="{BB962C8B-B14F-4D97-AF65-F5344CB8AC3E}">
-        <p14:creationId xmlns:p14="http://schemas.microsoft.com/office/powerpoint/2010/main" val="584840714"/>
+        <p14:creationId xmlns:p14="http://schemas.microsoft.com/office/powerpoint/2010/main" val="355926965"/>
       </p:ext>
     </p:extLst>
   </p:cSld>
@@ -6877,6 +7203,496 @@
           <a:lstStyle/>
           <a:p>
             <a:r>
+              <a:rPr lang="ko-KR" altLang="en-US" cap="none" dirty="0"/>
+              <a:t>침실</a:t>
+            </a:r>
+            <a:r>
+              <a:rPr lang="en-US" altLang="ko-KR" cap="none" dirty="0"/>
+              <a:t>(Bedroom)</a:t>
+            </a:r>
+            <a:endParaRPr lang="ko-KR" altLang="en-US" cap="none" dirty="0"/>
+          </a:p>
+        </p:txBody>
+      </p:sp>
+      <p:sp>
+        <p:nvSpPr>
+          <p:cNvPr id="2" name="내용 개체 틀 1">
+            <a:extLst>
+              <a:ext uri="{FF2B5EF4-FFF2-40B4-BE49-F238E27FC236}">
+                <a16:creationId xmlns:a16="http://schemas.microsoft.com/office/drawing/2014/main" id="{B6BE0DF8-CD3C-4557-9596-36E59BEB6D07}"/>
+              </a:ext>
+            </a:extLst>
+          </p:cNvPr>
+          <p:cNvSpPr>
+            <a:spLocks noGrp="1"/>
+          </p:cNvSpPr>
+          <p:nvPr>
+            <p:ph idx="1"/>
+          </p:nvPr>
+        </p:nvSpPr>
+        <p:spPr/>
+        <p:txBody>
+          <a:bodyPr/>
+          <a:lstStyle/>
+          <a:p>
+            <a:r>
+              <a:rPr lang="ko-KR" altLang="en-US" dirty="0"/>
+              <a:t>캐릭터의 개인적인 공간 중 하나로</a:t>
+            </a:r>
+            <a:r>
+              <a:rPr lang="en-US" altLang="ko-KR" dirty="0"/>
+              <a:t>, </a:t>
+            </a:r>
+            <a:r>
+              <a:rPr lang="ko-KR" altLang="en-US" dirty="0"/>
+              <a:t>침대와 책장이 배치됨</a:t>
+            </a:r>
+            <a:endParaRPr lang="en-US" altLang="ko-KR" dirty="0"/>
+          </a:p>
+          <a:p>
+            <a:r>
+              <a:rPr lang="ko-KR" altLang="en-US" dirty="0"/>
+              <a:t>침대에서 수면 가능</a:t>
+            </a:r>
+            <a:endParaRPr lang="en-US" altLang="ko-KR" dirty="0"/>
+          </a:p>
+          <a:p>
+            <a:r>
+              <a:rPr lang="ko-KR" altLang="en-US" dirty="0"/>
+              <a:t>책장에서 캐릭터에 관련된 이야기를 읽을 수 있음</a:t>
+            </a:r>
+          </a:p>
+        </p:txBody>
+      </p:sp>
+    </p:spTree>
+    <p:extLst>
+      <p:ext uri="{BB962C8B-B14F-4D97-AF65-F5344CB8AC3E}">
+        <p14:creationId xmlns:p14="http://schemas.microsoft.com/office/powerpoint/2010/main" val="4285562021"/>
+      </p:ext>
+    </p:extLst>
+  </p:cSld>
+  <p:clrMapOvr>
+    <a:masterClrMapping/>
+  </p:clrMapOvr>
+</p:sld>
+</file>
+
+<file path=ppt/slides/slide32.xml><?xml version="1.0" encoding="utf-8"?>
+<p:sld xmlns:a="http://schemas.openxmlformats.org/drawingml/2006/main" xmlns:r="http://schemas.openxmlformats.org/officeDocument/2006/relationships" xmlns:p="http://schemas.openxmlformats.org/presentationml/2006/main">
+  <p:cSld>
+    <p:spTree>
+      <p:nvGrpSpPr>
+        <p:cNvPr id="1" name=""/>
+        <p:cNvGrpSpPr/>
+        <p:nvPr/>
+      </p:nvGrpSpPr>
+      <p:grpSpPr>
+        <a:xfrm>
+          <a:off x="0" y="0"/>
+          <a:ext cx="0" cy="0"/>
+          <a:chOff x="0" y="0"/>
+          <a:chExt cx="0" cy="0"/>
+        </a:xfrm>
+      </p:grpSpPr>
+      <p:sp>
+        <p:nvSpPr>
+          <p:cNvPr id="4" name="제목 3">
+            <a:extLst>
+              <a:ext uri="{FF2B5EF4-FFF2-40B4-BE49-F238E27FC236}">
+                <a16:creationId xmlns:a16="http://schemas.microsoft.com/office/drawing/2014/main" id="{BD1FA68B-026A-4EC9-8760-57B376AB7839}"/>
+              </a:ext>
+            </a:extLst>
+          </p:cNvPr>
+          <p:cNvSpPr>
+            <a:spLocks noGrp="1"/>
+          </p:cNvSpPr>
+          <p:nvPr>
+            <p:ph type="title"/>
+          </p:nvPr>
+        </p:nvSpPr>
+        <p:spPr/>
+        <p:txBody>
+          <a:bodyPr anchor="ctr"/>
+          <a:lstStyle/>
+          <a:p>
+            <a:r>
+              <a:rPr lang="ko-KR" altLang="en-US" cap="none" dirty="0"/>
+              <a:t>거실</a:t>
+            </a:r>
+            <a:r>
+              <a:rPr lang="en-US" altLang="ko-KR" cap="none" dirty="0"/>
+              <a:t>(Livingroom)</a:t>
+            </a:r>
+            <a:endParaRPr lang="ko-KR" altLang="en-US" cap="none" dirty="0"/>
+          </a:p>
+        </p:txBody>
+      </p:sp>
+      <p:sp>
+        <p:nvSpPr>
+          <p:cNvPr id="2" name="내용 개체 틀 1">
+            <a:extLst>
+              <a:ext uri="{FF2B5EF4-FFF2-40B4-BE49-F238E27FC236}">
+                <a16:creationId xmlns:a16="http://schemas.microsoft.com/office/drawing/2014/main" id="{EF8D9331-258A-4DF0-9CB3-49BB7A2DB8D6}"/>
+              </a:ext>
+            </a:extLst>
+          </p:cNvPr>
+          <p:cNvSpPr>
+            <a:spLocks noGrp="1"/>
+          </p:cNvSpPr>
+          <p:nvPr>
+            <p:ph idx="1"/>
+          </p:nvPr>
+        </p:nvSpPr>
+        <p:spPr/>
+        <p:txBody>
+          <a:bodyPr/>
+          <a:lstStyle/>
+          <a:p>
+            <a:r>
+              <a:rPr lang="ko-KR" altLang="en-US" dirty="0"/>
+              <a:t>마법을 제외한 집에서 캐릭터의 일상적인 활동이 일어나는 공간이며</a:t>
+            </a:r>
+            <a:r>
+              <a:rPr lang="en-US" altLang="ko-KR" dirty="0"/>
+              <a:t>,</a:t>
+            </a:r>
+            <a:r>
+              <a:rPr lang="ko-KR" altLang="en-US" dirty="0"/>
+              <a:t> 벽난로와 의자</a:t>
+            </a:r>
+            <a:r>
+              <a:rPr lang="en-US" altLang="ko-KR" dirty="0"/>
+              <a:t>, </a:t>
+            </a:r>
+            <a:r>
+              <a:rPr lang="ko-KR" altLang="en-US" dirty="0"/>
+              <a:t>그리고 책장이 배치됨</a:t>
+            </a:r>
+            <a:endParaRPr lang="en-US" altLang="ko-KR" dirty="0"/>
+          </a:p>
+          <a:p>
+            <a:r>
+              <a:rPr lang="ko-KR" altLang="en-US" dirty="0"/>
+              <a:t>벽난로는 야간 </a:t>
+            </a:r>
+            <a:r>
+              <a:rPr lang="ko-KR" altLang="en-US" dirty="0" err="1"/>
+              <a:t>벽등</a:t>
+            </a:r>
+            <a:r>
+              <a:rPr lang="ko-KR" altLang="en-US" dirty="0"/>
+              <a:t> 대신 활성화시킬 수 있으며</a:t>
+            </a:r>
+            <a:r>
+              <a:rPr lang="en-US" altLang="ko-KR" dirty="0"/>
+              <a:t>, </a:t>
+            </a:r>
+            <a:r>
+              <a:rPr lang="ko-KR" altLang="en-US" dirty="0"/>
+              <a:t>설정을 통해 변경 가능</a:t>
+            </a:r>
+            <a:endParaRPr lang="en-US" altLang="ko-KR" dirty="0"/>
+          </a:p>
+          <a:p>
+            <a:r>
+              <a:rPr lang="ko-KR" altLang="en-US" dirty="0"/>
+              <a:t>의자에서 휴식 가능</a:t>
+            </a:r>
+            <a:endParaRPr lang="en-US" altLang="ko-KR" dirty="0"/>
+          </a:p>
+          <a:p>
+            <a:r>
+              <a:rPr lang="ko-KR" altLang="en-US" dirty="0"/>
+              <a:t>책장에서 게임 내 세계관과 관련된 이야기와 게임 플레이에 관련된 이야기를 읽을 수 있음</a:t>
+            </a:r>
+            <a:endParaRPr lang="en-US" altLang="ko-KR" dirty="0"/>
+          </a:p>
+          <a:p>
+            <a:endParaRPr lang="ko-KR" altLang="en-US" dirty="0"/>
+          </a:p>
+        </p:txBody>
+      </p:sp>
+    </p:spTree>
+    <p:extLst>
+      <p:ext uri="{BB962C8B-B14F-4D97-AF65-F5344CB8AC3E}">
+        <p14:creationId xmlns:p14="http://schemas.microsoft.com/office/powerpoint/2010/main" val="771944337"/>
+      </p:ext>
+    </p:extLst>
+  </p:cSld>
+  <p:clrMapOvr>
+    <a:masterClrMapping/>
+  </p:clrMapOvr>
+</p:sld>
+</file>
+
+<file path=ppt/slides/slide33.xml><?xml version="1.0" encoding="utf-8"?>
+<p:sld xmlns:a="http://schemas.openxmlformats.org/drawingml/2006/main" xmlns:r="http://schemas.openxmlformats.org/officeDocument/2006/relationships" xmlns:p="http://schemas.openxmlformats.org/presentationml/2006/main">
+  <p:cSld>
+    <p:spTree>
+      <p:nvGrpSpPr>
+        <p:cNvPr id="1" name=""/>
+        <p:cNvGrpSpPr/>
+        <p:nvPr/>
+      </p:nvGrpSpPr>
+      <p:grpSpPr>
+        <a:xfrm>
+          <a:off x="0" y="0"/>
+          <a:ext cx="0" cy="0"/>
+          <a:chOff x="0" y="0"/>
+          <a:chExt cx="0" cy="0"/>
+        </a:xfrm>
+      </p:grpSpPr>
+      <p:sp>
+        <p:nvSpPr>
+          <p:cNvPr id="4" name="제목 3">
+            <a:extLst>
+              <a:ext uri="{FF2B5EF4-FFF2-40B4-BE49-F238E27FC236}">
+                <a16:creationId xmlns:a16="http://schemas.microsoft.com/office/drawing/2014/main" id="{BD1FA68B-026A-4EC9-8760-57B376AB7839}"/>
+              </a:ext>
+            </a:extLst>
+          </p:cNvPr>
+          <p:cNvSpPr>
+            <a:spLocks noGrp="1"/>
+          </p:cNvSpPr>
+          <p:nvPr>
+            <p:ph type="title"/>
+          </p:nvPr>
+        </p:nvSpPr>
+        <p:spPr/>
+        <p:txBody>
+          <a:bodyPr anchor="ctr"/>
+          <a:lstStyle/>
+          <a:p>
+            <a:r>
+              <a:rPr lang="ko-KR" altLang="en-US" cap="none" dirty="0"/>
+              <a:t>부엌</a:t>
+            </a:r>
+            <a:r>
+              <a:rPr lang="en-US" altLang="ko-KR" cap="none" dirty="0"/>
+              <a:t>(Kitchen)</a:t>
+            </a:r>
+            <a:endParaRPr lang="ko-KR" altLang="en-US" cap="none" dirty="0"/>
+          </a:p>
+        </p:txBody>
+      </p:sp>
+      <p:sp>
+        <p:nvSpPr>
+          <p:cNvPr id="2" name="내용 개체 틀 1">
+            <a:extLst>
+              <a:ext uri="{FF2B5EF4-FFF2-40B4-BE49-F238E27FC236}">
+                <a16:creationId xmlns:a16="http://schemas.microsoft.com/office/drawing/2014/main" id="{654AAF1D-20BC-41C7-85E0-1D31FDC725C1}"/>
+              </a:ext>
+            </a:extLst>
+          </p:cNvPr>
+          <p:cNvSpPr>
+            <a:spLocks noGrp="1"/>
+          </p:cNvSpPr>
+          <p:nvPr>
+            <p:ph idx="1"/>
+          </p:nvPr>
+        </p:nvSpPr>
+        <p:spPr/>
+        <p:txBody>
+          <a:bodyPr/>
+          <a:lstStyle/>
+          <a:p>
+            <a:r>
+              <a:rPr lang="ko-KR" altLang="en-US" dirty="0"/>
+              <a:t>식재료나 음식</a:t>
+            </a:r>
+            <a:r>
+              <a:rPr lang="en-US" altLang="ko-KR" dirty="0"/>
+              <a:t>, </a:t>
+            </a:r>
+            <a:r>
+              <a:rPr lang="ko-KR" altLang="en-US" dirty="0"/>
+              <a:t>또는 음료 등 보관하고 요리를 할 수 있는 장소</a:t>
+            </a:r>
+            <a:endParaRPr lang="en-US" altLang="ko-KR" dirty="0"/>
+          </a:p>
+          <a:p>
+            <a:r>
+              <a:rPr lang="ko-KR" altLang="en-US" dirty="0"/>
+              <a:t>조리 테이블과 재료 저장고가 배치됨</a:t>
+            </a:r>
+            <a:endParaRPr lang="en-US" altLang="ko-KR" dirty="0"/>
+          </a:p>
+          <a:p>
+            <a:r>
+              <a:rPr lang="ko-KR" altLang="en-US" dirty="0"/>
+              <a:t>조리 테이블에서 요리를 할 수 있으며</a:t>
+            </a:r>
+            <a:r>
+              <a:rPr lang="en-US" altLang="ko-KR" dirty="0"/>
+              <a:t>, </a:t>
+            </a:r>
+            <a:r>
+              <a:rPr lang="ko-KR" altLang="en-US" dirty="0"/>
+              <a:t>부엌 내 재료 저장고와 소지품에 있는 재료를 사용</a:t>
+            </a:r>
+            <a:endParaRPr lang="en-US" altLang="ko-KR" dirty="0"/>
+          </a:p>
+          <a:p>
+            <a:r>
+              <a:rPr lang="ko-KR" altLang="en-US" dirty="0"/>
+              <a:t>재료 저장고 위에 음료</a:t>
+            </a:r>
+            <a:r>
+              <a:rPr lang="en-US" altLang="ko-KR" dirty="0"/>
+              <a:t>, </a:t>
+            </a:r>
+            <a:r>
+              <a:rPr lang="ko-KR" altLang="en-US" dirty="0"/>
+              <a:t>기름과 같은 유체를 놓고</a:t>
+            </a:r>
+            <a:r>
+              <a:rPr lang="en-US" altLang="ko-KR" dirty="0"/>
+              <a:t>, </a:t>
+            </a:r>
+            <a:r>
+              <a:rPr lang="ko-KR" altLang="en-US" dirty="0"/>
+              <a:t>내부에 유체 외 식재료를 보관</a:t>
+            </a:r>
+          </a:p>
+        </p:txBody>
+      </p:sp>
+    </p:spTree>
+    <p:extLst>
+      <p:ext uri="{BB962C8B-B14F-4D97-AF65-F5344CB8AC3E}">
+        <p14:creationId xmlns:p14="http://schemas.microsoft.com/office/powerpoint/2010/main" val="327464236"/>
+      </p:ext>
+    </p:extLst>
+  </p:cSld>
+  <p:clrMapOvr>
+    <a:masterClrMapping/>
+  </p:clrMapOvr>
+</p:sld>
+</file>
+
+<file path=ppt/slides/slide34.xml><?xml version="1.0" encoding="utf-8"?>
+<p:sld xmlns:a="http://schemas.openxmlformats.org/drawingml/2006/main" xmlns:r="http://schemas.openxmlformats.org/officeDocument/2006/relationships" xmlns:p="http://schemas.openxmlformats.org/presentationml/2006/main">
+  <p:cSld>
+    <p:spTree>
+      <p:nvGrpSpPr>
+        <p:cNvPr id="1" name=""/>
+        <p:cNvGrpSpPr/>
+        <p:nvPr/>
+      </p:nvGrpSpPr>
+      <p:grpSpPr>
+        <a:xfrm>
+          <a:off x="0" y="0"/>
+          <a:ext cx="0" cy="0"/>
+          <a:chOff x="0" y="0"/>
+          <a:chExt cx="0" cy="0"/>
+        </a:xfrm>
+      </p:grpSpPr>
+      <p:sp>
+        <p:nvSpPr>
+          <p:cNvPr id="3" name="제목 2">
+            <a:extLst>
+              <a:ext uri="{FF2B5EF4-FFF2-40B4-BE49-F238E27FC236}">
+                <a16:creationId xmlns:a16="http://schemas.microsoft.com/office/drawing/2014/main" id="{A528565D-E691-4F28-91B1-3E30D500FE2B}"/>
+              </a:ext>
+            </a:extLst>
+          </p:cNvPr>
+          <p:cNvSpPr>
+            <a:spLocks noGrp="1"/>
+          </p:cNvSpPr>
+          <p:nvPr>
+            <p:ph type="title"/>
+          </p:nvPr>
+        </p:nvSpPr>
+        <p:spPr/>
+        <p:txBody>
+          <a:bodyPr>
+            <a:normAutofit/>
+          </a:bodyPr>
+          <a:lstStyle/>
+          <a:p>
+            <a:r>
+              <a:rPr lang="ko-KR" altLang="en-US" sz="4800"/>
+              <a:t>아이템</a:t>
+            </a:r>
+          </a:p>
+        </p:txBody>
+      </p:sp>
+      <p:sp>
+        <p:nvSpPr>
+          <p:cNvPr id="4" name="텍스트 개체 틀 3">
+            <a:extLst>
+              <a:ext uri="{FF2B5EF4-FFF2-40B4-BE49-F238E27FC236}">
+                <a16:creationId xmlns:a16="http://schemas.microsoft.com/office/drawing/2014/main" id="{17965944-BD65-4AD7-9AA1-BE889B37624B}"/>
+              </a:ext>
+            </a:extLst>
+          </p:cNvPr>
+          <p:cNvSpPr>
+            <a:spLocks noGrp="1"/>
+          </p:cNvSpPr>
+          <p:nvPr>
+            <p:ph type="body" idx="1"/>
+          </p:nvPr>
+        </p:nvSpPr>
+        <p:spPr/>
+        <p:txBody>
+          <a:bodyPr/>
+          <a:lstStyle/>
+          <a:p>
+            <a:endParaRPr lang="ko-KR" altLang="en-US" dirty="0"/>
+          </a:p>
+        </p:txBody>
+      </p:sp>
+    </p:spTree>
+    <p:extLst>
+      <p:ext uri="{BB962C8B-B14F-4D97-AF65-F5344CB8AC3E}">
+        <p14:creationId xmlns:p14="http://schemas.microsoft.com/office/powerpoint/2010/main" val="584840714"/>
+      </p:ext>
+    </p:extLst>
+  </p:cSld>
+  <p:clrMapOvr>
+    <a:masterClrMapping/>
+  </p:clrMapOvr>
+</p:sld>
+</file>
+
+<file path=ppt/slides/slide35.xml><?xml version="1.0" encoding="utf-8"?>
+<p:sld xmlns:a="http://schemas.openxmlformats.org/drawingml/2006/main" xmlns:r="http://schemas.openxmlformats.org/officeDocument/2006/relationships" xmlns:p="http://schemas.openxmlformats.org/presentationml/2006/main">
+  <p:cSld>
+    <p:spTree>
+      <p:nvGrpSpPr>
+        <p:cNvPr id="1" name=""/>
+        <p:cNvGrpSpPr/>
+        <p:nvPr/>
+      </p:nvGrpSpPr>
+      <p:grpSpPr>
+        <a:xfrm>
+          <a:off x="0" y="0"/>
+          <a:ext cx="0" cy="0"/>
+          <a:chOff x="0" y="0"/>
+          <a:chExt cx="0" cy="0"/>
+        </a:xfrm>
+      </p:grpSpPr>
+      <p:sp>
+        <p:nvSpPr>
+          <p:cNvPr id="4" name="제목 3">
+            <a:extLst>
+              <a:ext uri="{FF2B5EF4-FFF2-40B4-BE49-F238E27FC236}">
+                <a16:creationId xmlns:a16="http://schemas.microsoft.com/office/drawing/2014/main" id="{BD1FA68B-026A-4EC9-8760-57B376AB7839}"/>
+              </a:ext>
+            </a:extLst>
+          </p:cNvPr>
+          <p:cNvSpPr>
+            <a:spLocks noGrp="1"/>
+          </p:cNvSpPr>
+          <p:nvPr>
+            <p:ph type="title"/>
+          </p:nvPr>
+        </p:nvSpPr>
+        <p:spPr/>
+        <p:txBody>
+          <a:bodyPr anchor="ctr"/>
+          <a:lstStyle/>
+          <a:p>
+            <a:r>
               <a:rPr lang="ko-KR" altLang="en-US" dirty="0"/>
               <a:t>채집 완제품</a:t>
             </a:r>
@@ -6895,13 +7711,7 @@
           <p:cNvGraphicFramePr>
             <a:graphicFrameLocks noGrp="1"/>
           </p:cNvGraphicFramePr>
-          <p:nvPr>
-            <p:extLst>
-              <p:ext uri="{D42A27DB-BD31-4B8C-83A1-F6EECF244321}">
-                <p14:modId xmlns:p14="http://schemas.microsoft.com/office/powerpoint/2010/main" val="510164908"/>
-              </p:ext>
-            </p:extLst>
-          </p:nvPr>
+          <p:nvPr/>
         </p:nvGraphicFramePr>
         <p:xfrm>
           <a:off x="1451578" y="2316480"/>
@@ -7384,7 +8194,7 @@
     </p:spTree>
     <p:extLst>
       <p:ext uri="{BB962C8B-B14F-4D97-AF65-F5344CB8AC3E}">
-        <p14:creationId xmlns:p14="http://schemas.microsoft.com/office/powerpoint/2010/main" val="66593146"/>
+        <p14:creationId xmlns:p14="http://schemas.microsoft.com/office/powerpoint/2010/main" val="1138234841"/>
       </p:ext>
     </p:extLst>
   </p:cSld>
@@ -7394,7 +8204,7 @@
 </p:sld>
 </file>
 
-<file path=ppt/slides/slide32.xml><?xml version="1.0" encoding="utf-8"?>
+<file path=ppt/slides/slide36.xml><?xml version="1.0" encoding="utf-8"?>
 <p:sld xmlns:a="http://schemas.openxmlformats.org/drawingml/2006/main" xmlns:r="http://schemas.openxmlformats.org/officeDocument/2006/relationships" xmlns:p="http://schemas.openxmlformats.org/presentationml/2006/main">
   <p:cSld>
     <p:spTree>
@@ -7917,7 +8727,7 @@
 </p:sld>
 </file>
 
-<file path=ppt/slides/slide33.xml><?xml version="1.0" encoding="utf-8"?>
+<file path=ppt/slides/slide37.xml><?xml version="1.0" encoding="utf-8"?>
 <p:sld xmlns:a="http://schemas.openxmlformats.org/drawingml/2006/main" xmlns:r="http://schemas.openxmlformats.org/officeDocument/2006/relationships" xmlns:p="http://schemas.openxmlformats.org/presentationml/2006/main">
   <p:cSld>
     <p:spTree>
@@ -8449,7 +9259,7 @@
 </p:sld>
 </file>
 
-<file path=ppt/slides/slide34.xml><?xml version="1.0" encoding="utf-8"?>
+<file path=ppt/slides/slide38.xml><?xml version="1.0" encoding="utf-8"?>
 <p:sld xmlns:a="http://schemas.openxmlformats.org/drawingml/2006/main" xmlns:r="http://schemas.openxmlformats.org/officeDocument/2006/relationships" xmlns:p="http://schemas.openxmlformats.org/presentationml/2006/main">
   <p:cSld>
     <p:spTree>
@@ -8972,7 +9782,7 @@
 </p:sld>
 </file>
 
-<file path=ppt/slides/slide35.xml><?xml version="1.0" encoding="utf-8"?>
+<file path=ppt/slides/slide39.xml><?xml version="1.0" encoding="utf-8"?>
 <p:sld xmlns:a="http://schemas.openxmlformats.org/drawingml/2006/main" xmlns:r="http://schemas.openxmlformats.org/officeDocument/2006/relationships" xmlns:p="http://schemas.openxmlformats.org/presentationml/2006/main">
   <p:cSld>
     <p:spTree>
@@ -9470,694 +10280,6 @@
     <p:extLst>
       <p:ext uri="{BB962C8B-B14F-4D97-AF65-F5344CB8AC3E}">
         <p14:creationId xmlns:p14="http://schemas.microsoft.com/office/powerpoint/2010/main" val="1340910297"/>
-      </p:ext>
-    </p:extLst>
-  </p:cSld>
-  <p:clrMapOvr>
-    <a:masterClrMapping/>
-  </p:clrMapOvr>
-</p:sld>
-</file>
-
-<file path=ppt/slides/slide36.xml><?xml version="1.0" encoding="utf-8"?>
-<p:sld xmlns:a="http://schemas.openxmlformats.org/drawingml/2006/main" xmlns:r="http://schemas.openxmlformats.org/officeDocument/2006/relationships" xmlns:p="http://schemas.openxmlformats.org/presentationml/2006/main">
-  <p:cSld>
-    <p:spTree>
-      <p:nvGrpSpPr>
-        <p:cNvPr id="1" name=""/>
-        <p:cNvGrpSpPr/>
-        <p:nvPr/>
-      </p:nvGrpSpPr>
-      <p:grpSpPr>
-        <a:xfrm>
-          <a:off x="0" y="0"/>
-          <a:ext cx="0" cy="0"/>
-          <a:chOff x="0" y="0"/>
-          <a:chExt cx="0" cy="0"/>
-        </a:xfrm>
-      </p:grpSpPr>
-      <p:sp>
-        <p:nvSpPr>
-          <p:cNvPr id="4" name="제목 3">
-            <a:extLst>
-              <a:ext uri="{FF2B5EF4-FFF2-40B4-BE49-F238E27FC236}">
-                <a16:creationId xmlns:a16="http://schemas.microsoft.com/office/drawing/2014/main" id="{BD1FA68B-026A-4EC9-8760-57B376AB7839}"/>
-              </a:ext>
-            </a:extLst>
-          </p:cNvPr>
-          <p:cNvSpPr>
-            <a:spLocks noGrp="1"/>
-          </p:cNvSpPr>
-          <p:nvPr>
-            <p:ph type="title"/>
-          </p:nvPr>
-        </p:nvSpPr>
-        <p:spPr/>
-        <p:txBody>
-          <a:bodyPr anchor="ctr"/>
-          <a:lstStyle/>
-          <a:p>
-            <a:r>
-              <a:rPr lang="ko-KR" altLang="en-US" dirty="0"/>
-              <a:t>채집 완제품 </a:t>
-            </a:r>
-            <a:r>
-              <a:rPr lang="en-US" altLang="ko-KR" dirty="0"/>
-              <a:t>- </a:t>
-            </a:r>
-            <a:r>
-              <a:rPr lang="ko-KR" altLang="en-US" dirty="0"/>
-              <a:t>수면 </a:t>
-            </a:r>
-            <a:r>
-              <a:rPr lang="ko-KR" altLang="en-US" dirty="0" err="1"/>
-              <a:t>보조제</a:t>
-            </a:r>
-            <a:endParaRPr lang="ko-KR" altLang="en-US" dirty="0"/>
-          </a:p>
-        </p:txBody>
-      </p:sp>
-      <p:graphicFrame>
-        <p:nvGraphicFramePr>
-          <p:cNvPr id="5" name="표 4">
-            <a:extLst>
-              <a:ext uri="{FF2B5EF4-FFF2-40B4-BE49-F238E27FC236}">
-                <a16:creationId xmlns:a16="http://schemas.microsoft.com/office/drawing/2014/main" id="{76DA82BC-C7ED-486A-8859-D01642E0066D}"/>
-              </a:ext>
-            </a:extLst>
-          </p:cNvPr>
-          <p:cNvGraphicFramePr>
-            <a:graphicFrameLocks noGrp="1"/>
-          </p:cNvGraphicFramePr>
-          <p:nvPr>
-            <p:extLst>
-              <p:ext uri="{D42A27DB-BD31-4B8C-83A1-F6EECF244321}">
-                <p14:modId xmlns:p14="http://schemas.microsoft.com/office/powerpoint/2010/main" val="3930876360"/>
-              </p:ext>
-            </p:extLst>
-          </p:nvPr>
-        </p:nvGraphicFramePr>
-        <p:xfrm>
-          <a:off x="1451578" y="2316480"/>
-          <a:ext cx="9603276" cy="1139116"/>
-        </p:xfrm>
-        <a:graphic>
-          <a:graphicData uri="http://schemas.openxmlformats.org/drawingml/2006/table">
-            <a:tbl>
-              <a:tblPr firstRow="1" bandRow="1">
-                <a:tableStyleId>{5C22544A-7EE6-4342-B048-85BDC9FD1C3A}</a:tableStyleId>
-              </a:tblPr>
-              <a:tblGrid>
-                <a:gridCol w="1695034">
-                  <a:extLst>
-                    <a:ext uri="{9D8B030D-6E8A-4147-A177-3AD203B41FA5}">
-                      <a16:colId xmlns:a16="http://schemas.microsoft.com/office/drawing/2014/main" val="1760169103"/>
-                    </a:ext>
-                  </a:extLst>
-                </a:gridCol>
-                <a:gridCol w="2958353">
-                  <a:extLst>
-                    <a:ext uri="{9D8B030D-6E8A-4147-A177-3AD203B41FA5}">
-                      <a16:colId xmlns:a16="http://schemas.microsoft.com/office/drawing/2014/main" val="650721307"/>
-                    </a:ext>
-                  </a:extLst>
-                </a:gridCol>
-                <a:gridCol w="2456329">
-                  <a:extLst>
-                    <a:ext uri="{9D8B030D-6E8A-4147-A177-3AD203B41FA5}">
-                      <a16:colId xmlns:a16="http://schemas.microsoft.com/office/drawing/2014/main" val="1222219684"/>
-                    </a:ext>
-                  </a:extLst>
-                </a:gridCol>
-                <a:gridCol w="2493560">
-                  <a:extLst>
-                    <a:ext uri="{9D8B030D-6E8A-4147-A177-3AD203B41FA5}">
-                      <a16:colId xmlns:a16="http://schemas.microsoft.com/office/drawing/2014/main" val="3500831925"/>
-                    </a:ext>
-                  </a:extLst>
-                </a:gridCol>
-              </a:tblGrid>
-              <a:tr h="569558">
-                <a:tc>
-                  <a:txBody>
-                    <a:bodyPr/>
-                    <a:lstStyle/>
-                    <a:p>
-                      <a:pPr algn="ctr" latinLnBrk="1"/>
-                      <a:r>
-                        <a:rPr lang="ko-KR" altLang="en-US" dirty="0"/>
-                        <a:t>이름</a:t>
-                      </a:r>
-                    </a:p>
-                  </a:txBody>
-                  <a:tcPr anchor="ctr"/>
-                </a:tc>
-                <a:tc>
-                  <a:txBody>
-                    <a:bodyPr/>
-                    <a:lstStyle/>
-                    <a:p>
-                      <a:pPr algn="ctr" latinLnBrk="1"/>
-                      <a:r>
-                        <a:rPr lang="ko-KR" altLang="en-US" dirty="0"/>
-                        <a:t>효과</a:t>
-                      </a:r>
-                    </a:p>
-                  </a:txBody>
-                  <a:tcPr anchor="ctr"/>
-                </a:tc>
-                <a:tc>
-                  <a:txBody>
-                    <a:bodyPr/>
-                    <a:lstStyle/>
-                    <a:p>
-                      <a:pPr algn="ctr" latinLnBrk="1"/>
-                      <a:r>
-                        <a:rPr lang="ko-KR" altLang="en-US" dirty="0"/>
-                        <a:t>재료</a:t>
-                      </a:r>
-                      <a:r>
-                        <a:rPr lang="en-US" altLang="ko-KR" dirty="0"/>
-                        <a:t>1</a:t>
-                      </a:r>
-                      <a:endParaRPr lang="ko-KR" altLang="en-US" dirty="0"/>
-                    </a:p>
-                  </a:txBody>
-                  <a:tcPr anchor="ctr"/>
-                </a:tc>
-                <a:tc>
-                  <a:txBody>
-                    <a:bodyPr/>
-                    <a:lstStyle/>
-                    <a:p>
-                      <a:pPr algn="ctr" latinLnBrk="1"/>
-                      <a:r>
-                        <a:rPr lang="ko-KR" altLang="en-US" dirty="0"/>
-                        <a:t>재료</a:t>
-                      </a:r>
-                      <a:r>
-                        <a:rPr lang="en-US" altLang="ko-KR" dirty="0"/>
-                        <a:t>2</a:t>
-                      </a:r>
-                      <a:endParaRPr lang="ko-KR" altLang="en-US" dirty="0"/>
-                    </a:p>
-                  </a:txBody>
-                  <a:tcPr anchor="ctr"/>
-                </a:tc>
-                <a:extLst>
-                  <a:ext uri="{0D108BD9-81ED-4DB2-BD59-A6C34878D82A}">
-                    <a16:rowId xmlns:a16="http://schemas.microsoft.com/office/drawing/2014/main" val="61397566"/>
-                  </a:ext>
-                </a:extLst>
-              </a:tr>
-              <a:tr h="569558">
-                <a:tc>
-                  <a:txBody>
-                    <a:bodyPr/>
-                    <a:lstStyle/>
-                    <a:p>
-                      <a:pPr algn="ctr" latinLnBrk="1"/>
-                      <a:r>
-                        <a:rPr lang="ko-KR" altLang="en-US" dirty="0"/>
-                        <a:t>수면 </a:t>
-                      </a:r>
-                      <a:r>
-                        <a:rPr lang="ko-KR" altLang="en-US" dirty="0" err="1"/>
-                        <a:t>보조제</a:t>
-                      </a:r>
-                      <a:endParaRPr lang="ko-KR" altLang="en-US" dirty="0"/>
-                    </a:p>
-                  </a:txBody>
-                  <a:tcPr anchor="ctr"/>
-                </a:tc>
-                <a:tc>
-                  <a:txBody>
-                    <a:bodyPr/>
-                    <a:lstStyle/>
-                    <a:p>
-                      <a:pPr algn="ctr" latinLnBrk="1"/>
-                      <a:r>
-                        <a:rPr lang="ko-KR" altLang="en-US" dirty="0"/>
-                        <a:t>수면 효과 </a:t>
-                      </a:r>
-                      <a:r>
-                        <a:rPr lang="en-US" altLang="ko-KR" dirty="0"/>
-                        <a:t>15% </a:t>
-                      </a:r>
-                      <a:r>
-                        <a:rPr lang="ko-KR" altLang="en-US" dirty="0"/>
-                        <a:t>상승</a:t>
-                      </a:r>
-                    </a:p>
-                  </a:txBody>
-                  <a:tcPr anchor="ctr"/>
-                </a:tc>
-                <a:tc>
-                  <a:txBody>
-                    <a:bodyPr/>
-                    <a:lstStyle/>
-                    <a:p>
-                      <a:pPr algn="ctr" latinLnBrk="1"/>
-                      <a:r>
-                        <a:rPr lang="ko-KR" altLang="en-US" dirty="0" err="1"/>
-                        <a:t>수면풀</a:t>
-                      </a:r>
-                      <a:r>
-                        <a:rPr lang="ko-KR" altLang="en-US" dirty="0"/>
-                        <a:t> </a:t>
-                      </a:r>
-                      <a:r>
-                        <a:rPr lang="en-US" altLang="ko-KR" dirty="0"/>
-                        <a:t>1</a:t>
-                      </a:r>
-                      <a:r>
-                        <a:rPr lang="ko-KR" altLang="en-US" dirty="0"/>
-                        <a:t>개</a:t>
-                      </a:r>
-                    </a:p>
-                  </a:txBody>
-                  <a:tcPr anchor="ctr"/>
-                </a:tc>
-                <a:tc>
-                  <a:txBody>
-                    <a:bodyPr/>
-                    <a:lstStyle/>
-                    <a:p>
-                      <a:pPr algn="ctr" latinLnBrk="1"/>
-                      <a:r>
-                        <a:rPr lang="ko-KR" altLang="en-US" dirty="0" err="1"/>
-                        <a:t>포션</a:t>
-                      </a:r>
-                      <a:r>
-                        <a:rPr lang="ko-KR" altLang="en-US" dirty="0"/>
-                        <a:t> 조제용 병 </a:t>
-                      </a:r>
-                      <a:r>
-                        <a:rPr lang="en-US" altLang="ko-KR" dirty="0"/>
-                        <a:t>(</a:t>
-                      </a:r>
-                      <a:r>
-                        <a:rPr lang="ko-KR" altLang="en-US" dirty="0"/>
-                        <a:t>소형</a:t>
-                      </a:r>
-                      <a:r>
-                        <a:rPr lang="en-US" altLang="ko-KR" dirty="0"/>
-                        <a:t>)</a:t>
-                      </a:r>
-                      <a:endParaRPr lang="ko-KR" altLang="en-US" dirty="0"/>
-                    </a:p>
-                  </a:txBody>
-                  <a:tcPr anchor="ctr"/>
-                </a:tc>
-                <a:extLst>
-                  <a:ext uri="{0D108BD9-81ED-4DB2-BD59-A6C34878D82A}">
-                    <a16:rowId xmlns:a16="http://schemas.microsoft.com/office/drawing/2014/main" val="2315534329"/>
-                  </a:ext>
-                </a:extLst>
-              </a:tr>
-            </a:tbl>
-          </a:graphicData>
-        </a:graphic>
-      </p:graphicFrame>
-    </p:spTree>
-    <p:extLst>
-      <p:ext uri="{BB962C8B-B14F-4D97-AF65-F5344CB8AC3E}">
-        <p14:creationId xmlns:p14="http://schemas.microsoft.com/office/powerpoint/2010/main" val="240063084"/>
-      </p:ext>
-    </p:extLst>
-  </p:cSld>
-  <p:clrMapOvr>
-    <a:masterClrMapping/>
-  </p:clrMapOvr>
-</p:sld>
-</file>
-
-<file path=ppt/slides/slide37.xml><?xml version="1.0" encoding="utf-8"?>
-<p:sld xmlns:a="http://schemas.openxmlformats.org/drawingml/2006/main" xmlns:r="http://schemas.openxmlformats.org/officeDocument/2006/relationships" xmlns:p="http://schemas.openxmlformats.org/presentationml/2006/main">
-  <p:cSld>
-    <p:spTree>
-      <p:nvGrpSpPr>
-        <p:cNvPr id="1" name=""/>
-        <p:cNvGrpSpPr/>
-        <p:nvPr/>
-      </p:nvGrpSpPr>
-      <p:grpSpPr>
-        <a:xfrm>
-          <a:off x="0" y="0"/>
-          <a:ext cx="0" cy="0"/>
-          <a:chOff x="0" y="0"/>
-          <a:chExt cx="0" cy="0"/>
-        </a:xfrm>
-      </p:grpSpPr>
-      <p:sp>
-        <p:nvSpPr>
-          <p:cNvPr id="4" name="제목 3">
-            <a:extLst>
-              <a:ext uri="{FF2B5EF4-FFF2-40B4-BE49-F238E27FC236}">
-                <a16:creationId xmlns:a16="http://schemas.microsoft.com/office/drawing/2014/main" id="{BD1FA68B-026A-4EC9-8760-57B376AB7839}"/>
-              </a:ext>
-            </a:extLst>
-          </p:cNvPr>
-          <p:cNvSpPr>
-            <a:spLocks noGrp="1"/>
-          </p:cNvSpPr>
-          <p:nvPr>
-            <p:ph type="title"/>
-          </p:nvPr>
-        </p:nvSpPr>
-        <p:spPr/>
-        <p:txBody>
-          <a:bodyPr anchor="ctr"/>
-          <a:lstStyle/>
-          <a:p>
-            <a:r>
-              <a:rPr lang="ko-KR" altLang="en-US" cap="none" dirty="0"/>
-              <a:t>채광 완제품</a:t>
-            </a:r>
-          </a:p>
-        </p:txBody>
-      </p:sp>
-    </p:spTree>
-    <p:extLst>
-      <p:ext uri="{BB962C8B-B14F-4D97-AF65-F5344CB8AC3E}">
-        <p14:creationId xmlns:p14="http://schemas.microsoft.com/office/powerpoint/2010/main" val="1730522038"/>
-      </p:ext>
-    </p:extLst>
-  </p:cSld>
-  <p:clrMapOvr>
-    <a:masterClrMapping/>
-  </p:clrMapOvr>
-</p:sld>
-</file>
-
-<file path=ppt/slides/slide38.xml><?xml version="1.0" encoding="utf-8"?>
-<p:sld xmlns:a="http://schemas.openxmlformats.org/drawingml/2006/main" xmlns:r="http://schemas.openxmlformats.org/officeDocument/2006/relationships" xmlns:p="http://schemas.openxmlformats.org/presentationml/2006/main">
-  <p:cSld>
-    <p:spTree>
-      <p:nvGrpSpPr>
-        <p:cNvPr id="1" name=""/>
-        <p:cNvGrpSpPr/>
-        <p:nvPr/>
-      </p:nvGrpSpPr>
-      <p:grpSpPr>
-        <a:xfrm>
-          <a:off x="0" y="0"/>
-          <a:ext cx="0" cy="0"/>
-          <a:chOff x="0" y="0"/>
-          <a:chExt cx="0" cy="0"/>
-        </a:xfrm>
-      </p:grpSpPr>
-      <p:sp>
-        <p:nvSpPr>
-          <p:cNvPr id="4" name="제목 3">
-            <a:extLst>
-              <a:ext uri="{FF2B5EF4-FFF2-40B4-BE49-F238E27FC236}">
-                <a16:creationId xmlns:a16="http://schemas.microsoft.com/office/drawing/2014/main" id="{BD1FA68B-026A-4EC9-8760-57B376AB7839}"/>
-              </a:ext>
-            </a:extLst>
-          </p:cNvPr>
-          <p:cNvSpPr>
-            <a:spLocks noGrp="1"/>
-          </p:cNvSpPr>
-          <p:nvPr>
-            <p:ph type="title"/>
-          </p:nvPr>
-        </p:nvSpPr>
-        <p:spPr/>
-        <p:txBody>
-          <a:bodyPr anchor="ctr"/>
-          <a:lstStyle/>
-          <a:p>
-            <a:r>
-              <a:rPr lang="ko-KR" altLang="en-US" cap="none" dirty="0"/>
-              <a:t>채집 재료</a:t>
-            </a:r>
-          </a:p>
-        </p:txBody>
-      </p:sp>
-      <p:graphicFrame>
-        <p:nvGraphicFramePr>
-          <p:cNvPr id="3" name="표 5">
-            <a:extLst>
-              <a:ext uri="{FF2B5EF4-FFF2-40B4-BE49-F238E27FC236}">
-                <a16:creationId xmlns:a16="http://schemas.microsoft.com/office/drawing/2014/main" id="{4A88AABF-2D91-4F61-85BA-692ED5A8711E}"/>
-              </a:ext>
-            </a:extLst>
-          </p:cNvPr>
-          <p:cNvGraphicFramePr>
-            <a:graphicFrameLocks noGrp="1"/>
-          </p:cNvGraphicFramePr>
-          <p:nvPr>
-            <p:extLst>
-              <p:ext uri="{D42A27DB-BD31-4B8C-83A1-F6EECF244321}">
-                <p14:modId xmlns:p14="http://schemas.microsoft.com/office/powerpoint/2010/main" val="2261405281"/>
-              </p:ext>
-            </p:extLst>
-          </p:nvPr>
-        </p:nvGraphicFramePr>
-        <p:xfrm>
-          <a:off x="1451577" y="2316480"/>
-          <a:ext cx="5137482" cy="2282414"/>
-        </p:xfrm>
-        <a:graphic>
-          <a:graphicData uri="http://schemas.openxmlformats.org/drawingml/2006/table">
-            <a:tbl>
-              <a:tblPr firstRow="1" bandRow="1">
-                <a:tableStyleId>{5C22544A-7EE6-4342-B048-85BDC9FD1C3A}</a:tableStyleId>
-              </a:tblPr>
-              <a:tblGrid>
-                <a:gridCol w="1686070">
-                  <a:extLst>
-                    <a:ext uri="{9D8B030D-6E8A-4147-A177-3AD203B41FA5}">
-                      <a16:colId xmlns:a16="http://schemas.microsoft.com/office/drawing/2014/main" val="1760169103"/>
-                    </a:ext>
-                  </a:extLst>
-                </a:gridCol>
-                <a:gridCol w="3451412">
-                  <a:extLst>
-                    <a:ext uri="{9D8B030D-6E8A-4147-A177-3AD203B41FA5}">
-                      <a16:colId xmlns:a16="http://schemas.microsoft.com/office/drawing/2014/main" val="650721307"/>
-                    </a:ext>
-                  </a:extLst>
-                </a:gridCol>
-              </a:tblGrid>
-              <a:tr h="569558">
-                <a:tc>
-                  <a:txBody>
-                    <a:bodyPr/>
-                    <a:lstStyle/>
-                    <a:p>
-                      <a:pPr algn="ctr" latinLnBrk="1"/>
-                      <a:r>
-                        <a:rPr lang="ko-KR" altLang="en-US" dirty="0"/>
-                        <a:t>이름</a:t>
-                      </a:r>
-                    </a:p>
-                  </a:txBody>
-                  <a:tcPr anchor="ctr"/>
-                </a:tc>
-                <a:tc>
-                  <a:txBody>
-                    <a:bodyPr/>
-                    <a:lstStyle/>
-                    <a:p>
-                      <a:pPr algn="ctr" latinLnBrk="1"/>
-                      <a:r>
-                        <a:rPr lang="ko-KR" altLang="en-US" dirty="0"/>
-                        <a:t>사용처</a:t>
-                      </a:r>
-                    </a:p>
-                  </a:txBody>
-                  <a:tcPr anchor="ctr"/>
-                </a:tc>
-                <a:extLst>
-                  <a:ext uri="{0D108BD9-81ED-4DB2-BD59-A6C34878D82A}">
-                    <a16:rowId xmlns:a16="http://schemas.microsoft.com/office/drawing/2014/main" val="61397566"/>
-                  </a:ext>
-                </a:extLst>
-              </a:tr>
-              <a:tr h="569558">
-                <a:tc>
-                  <a:txBody>
-                    <a:bodyPr/>
-                    <a:lstStyle/>
-                    <a:p>
-                      <a:pPr algn="ctr" latinLnBrk="1"/>
-                      <a:r>
-                        <a:rPr lang="ko-KR" altLang="en-US" dirty="0" err="1"/>
-                        <a:t>치유풀</a:t>
-                      </a:r>
-                      <a:endParaRPr lang="ko-KR" altLang="en-US" dirty="0"/>
-                    </a:p>
-                  </a:txBody>
-                  <a:tcPr anchor="ctr"/>
-                </a:tc>
-                <a:tc>
-                  <a:txBody>
-                    <a:bodyPr/>
-                    <a:lstStyle/>
-                    <a:p>
-                      <a:pPr algn="ctr" latinLnBrk="1"/>
-                      <a:r>
-                        <a:rPr lang="ko-KR" altLang="en-US" dirty="0"/>
-                        <a:t>체력 관련 아이템 제작 재료</a:t>
-                      </a:r>
-                    </a:p>
-                  </a:txBody>
-                  <a:tcPr anchor="ctr"/>
-                </a:tc>
-                <a:extLst>
-                  <a:ext uri="{0D108BD9-81ED-4DB2-BD59-A6C34878D82A}">
-                    <a16:rowId xmlns:a16="http://schemas.microsoft.com/office/drawing/2014/main" val="2315534329"/>
-                  </a:ext>
-                </a:extLst>
-              </a:tr>
-              <a:tr h="569558">
-                <a:tc>
-                  <a:txBody>
-                    <a:bodyPr/>
-                    <a:lstStyle/>
-                    <a:p>
-                      <a:pPr algn="ctr" latinLnBrk="1"/>
-                      <a:r>
-                        <a:rPr lang="ko-KR" altLang="en-US" dirty="0" err="1"/>
-                        <a:t>활력풀</a:t>
-                      </a:r>
-                      <a:endParaRPr lang="ko-KR" altLang="en-US" dirty="0"/>
-                    </a:p>
-                  </a:txBody>
-                  <a:tcPr anchor="ctr"/>
-                </a:tc>
-                <a:tc>
-                  <a:txBody>
-                    <a:bodyPr/>
-                    <a:lstStyle/>
-                    <a:p>
-                      <a:pPr algn="ctr" latinLnBrk="1"/>
-                      <a:r>
-                        <a:rPr lang="ko-KR" altLang="en-US" dirty="0"/>
-                        <a:t>활동력 관련 아이템 제작 재료</a:t>
-                      </a:r>
-                    </a:p>
-                  </a:txBody>
-                  <a:tcPr anchor="ctr"/>
-                </a:tc>
-                <a:extLst>
-                  <a:ext uri="{0D108BD9-81ED-4DB2-BD59-A6C34878D82A}">
-                    <a16:rowId xmlns:a16="http://schemas.microsoft.com/office/drawing/2014/main" val="1451484736"/>
-                  </a:ext>
-                </a:extLst>
-              </a:tr>
-              <a:tr h="573740">
-                <a:tc>
-                  <a:txBody>
-                    <a:bodyPr/>
-                    <a:lstStyle/>
-                    <a:p>
-                      <a:pPr algn="ctr" latinLnBrk="1"/>
-                      <a:r>
-                        <a:rPr lang="ko-KR" altLang="en-US" dirty="0" err="1"/>
-                        <a:t>수면풀</a:t>
-                      </a:r>
-                      <a:endParaRPr lang="ko-KR" altLang="en-US" dirty="0"/>
-                    </a:p>
-                  </a:txBody>
-                  <a:tcPr anchor="ctr"/>
-                </a:tc>
-                <a:tc>
-                  <a:txBody>
-                    <a:bodyPr/>
-                    <a:lstStyle/>
-                    <a:p>
-                      <a:pPr algn="ctr" latinLnBrk="1"/>
-                      <a:r>
-                        <a:rPr lang="ko-KR" altLang="en-US" dirty="0"/>
-                        <a:t>수면 </a:t>
-                      </a:r>
-                      <a:r>
-                        <a:rPr lang="ko-KR" altLang="en-US" dirty="0" err="1"/>
-                        <a:t>보조제</a:t>
-                      </a:r>
-                      <a:r>
-                        <a:rPr lang="ko-KR" altLang="en-US" dirty="0"/>
-                        <a:t> 제작 재료</a:t>
-                      </a:r>
-                    </a:p>
-                  </a:txBody>
-                  <a:tcPr anchor="ctr"/>
-                </a:tc>
-                <a:extLst>
-                  <a:ext uri="{0D108BD9-81ED-4DB2-BD59-A6C34878D82A}">
-                    <a16:rowId xmlns:a16="http://schemas.microsoft.com/office/drawing/2014/main" val="2862086905"/>
-                  </a:ext>
-                </a:extLst>
-              </a:tr>
-            </a:tbl>
-          </a:graphicData>
-        </a:graphic>
-      </p:graphicFrame>
-    </p:spTree>
-    <p:extLst>
-      <p:ext uri="{BB962C8B-B14F-4D97-AF65-F5344CB8AC3E}">
-        <p14:creationId xmlns:p14="http://schemas.microsoft.com/office/powerpoint/2010/main" val="121122054"/>
-      </p:ext>
-    </p:extLst>
-  </p:cSld>
-  <p:clrMapOvr>
-    <a:masterClrMapping/>
-  </p:clrMapOvr>
-</p:sld>
-</file>
-
-<file path=ppt/slides/slide39.xml><?xml version="1.0" encoding="utf-8"?>
-<p:sld xmlns:a="http://schemas.openxmlformats.org/drawingml/2006/main" xmlns:r="http://schemas.openxmlformats.org/officeDocument/2006/relationships" xmlns:p="http://schemas.openxmlformats.org/presentationml/2006/main">
-  <p:cSld>
-    <p:spTree>
-      <p:nvGrpSpPr>
-        <p:cNvPr id="1" name=""/>
-        <p:cNvGrpSpPr/>
-        <p:nvPr/>
-      </p:nvGrpSpPr>
-      <p:grpSpPr>
-        <a:xfrm>
-          <a:off x="0" y="0"/>
-          <a:ext cx="0" cy="0"/>
-          <a:chOff x="0" y="0"/>
-          <a:chExt cx="0" cy="0"/>
-        </a:xfrm>
-      </p:grpSpPr>
-      <p:sp>
-        <p:nvSpPr>
-          <p:cNvPr id="4" name="제목 3">
-            <a:extLst>
-              <a:ext uri="{FF2B5EF4-FFF2-40B4-BE49-F238E27FC236}">
-                <a16:creationId xmlns:a16="http://schemas.microsoft.com/office/drawing/2014/main" id="{BD1FA68B-026A-4EC9-8760-57B376AB7839}"/>
-              </a:ext>
-            </a:extLst>
-          </p:cNvPr>
-          <p:cNvSpPr>
-            <a:spLocks noGrp="1"/>
-          </p:cNvSpPr>
-          <p:nvPr>
-            <p:ph type="title"/>
-          </p:nvPr>
-        </p:nvSpPr>
-        <p:spPr/>
-        <p:txBody>
-          <a:bodyPr anchor="ctr"/>
-          <a:lstStyle/>
-          <a:p>
-            <a:r>
-              <a:rPr lang="ko-KR" altLang="en-US" cap="none" dirty="0"/>
-              <a:t>채광 재료</a:t>
-            </a:r>
-          </a:p>
-        </p:txBody>
-      </p:sp>
-    </p:spTree>
-    <p:extLst>
-      <p:ext uri="{BB962C8B-B14F-4D97-AF65-F5344CB8AC3E}">
-        <p14:creationId xmlns:p14="http://schemas.microsoft.com/office/powerpoint/2010/main" val="1840800372"/>
       </p:ext>
     </p:extLst>
   </p:cSld>
@@ -10758,6 +10880,2643 @@
     <p:extLst>
       <p:ext uri="{BB962C8B-B14F-4D97-AF65-F5344CB8AC3E}">
         <p14:creationId xmlns:p14="http://schemas.microsoft.com/office/powerpoint/2010/main" val="1102188394"/>
+      </p:ext>
+    </p:extLst>
+  </p:cSld>
+  <p:clrMapOvr>
+    <a:masterClrMapping/>
+  </p:clrMapOvr>
+</p:sld>
+</file>
+
+<file path=ppt/slides/slide40.xml><?xml version="1.0" encoding="utf-8"?>
+<p:sld xmlns:a="http://schemas.openxmlformats.org/drawingml/2006/main" xmlns:r="http://schemas.openxmlformats.org/officeDocument/2006/relationships" xmlns:p="http://schemas.openxmlformats.org/presentationml/2006/main">
+  <p:cSld>
+    <p:spTree>
+      <p:nvGrpSpPr>
+        <p:cNvPr id="1" name=""/>
+        <p:cNvGrpSpPr/>
+        <p:nvPr/>
+      </p:nvGrpSpPr>
+      <p:grpSpPr>
+        <a:xfrm>
+          <a:off x="0" y="0"/>
+          <a:ext cx="0" cy="0"/>
+          <a:chOff x="0" y="0"/>
+          <a:chExt cx="0" cy="0"/>
+        </a:xfrm>
+      </p:grpSpPr>
+      <p:sp>
+        <p:nvSpPr>
+          <p:cNvPr id="4" name="제목 3">
+            <a:extLst>
+              <a:ext uri="{FF2B5EF4-FFF2-40B4-BE49-F238E27FC236}">
+                <a16:creationId xmlns:a16="http://schemas.microsoft.com/office/drawing/2014/main" id="{BD1FA68B-026A-4EC9-8760-57B376AB7839}"/>
+              </a:ext>
+            </a:extLst>
+          </p:cNvPr>
+          <p:cNvSpPr>
+            <a:spLocks noGrp="1"/>
+          </p:cNvSpPr>
+          <p:nvPr>
+            <p:ph type="title"/>
+          </p:nvPr>
+        </p:nvSpPr>
+        <p:spPr/>
+        <p:txBody>
+          <a:bodyPr anchor="ctr"/>
+          <a:lstStyle/>
+          <a:p>
+            <a:r>
+              <a:rPr lang="ko-KR" altLang="en-US" dirty="0"/>
+              <a:t>채집 완제품 </a:t>
+            </a:r>
+            <a:r>
+              <a:rPr lang="en-US" altLang="ko-KR" dirty="0"/>
+              <a:t>- </a:t>
+            </a:r>
+            <a:r>
+              <a:rPr lang="ko-KR" altLang="en-US" dirty="0"/>
+              <a:t>수면 </a:t>
+            </a:r>
+            <a:r>
+              <a:rPr lang="ko-KR" altLang="en-US" dirty="0" err="1"/>
+              <a:t>보조제</a:t>
+            </a:r>
+            <a:endParaRPr lang="ko-KR" altLang="en-US" dirty="0"/>
+          </a:p>
+        </p:txBody>
+      </p:sp>
+      <p:graphicFrame>
+        <p:nvGraphicFramePr>
+          <p:cNvPr id="5" name="표 4">
+            <a:extLst>
+              <a:ext uri="{FF2B5EF4-FFF2-40B4-BE49-F238E27FC236}">
+                <a16:creationId xmlns:a16="http://schemas.microsoft.com/office/drawing/2014/main" id="{76DA82BC-C7ED-486A-8859-D01642E0066D}"/>
+              </a:ext>
+            </a:extLst>
+          </p:cNvPr>
+          <p:cNvGraphicFramePr>
+            <a:graphicFrameLocks noGrp="1"/>
+          </p:cNvGraphicFramePr>
+          <p:nvPr>
+            <p:extLst>
+              <p:ext uri="{D42A27DB-BD31-4B8C-83A1-F6EECF244321}">
+                <p14:modId xmlns:p14="http://schemas.microsoft.com/office/powerpoint/2010/main" val="3930876360"/>
+              </p:ext>
+            </p:extLst>
+          </p:nvPr>
+        </p:nvGraphicFramePr>
+        <p:xfrm>
+          <a:off x="1451578" y="2316480"/>
+          <a:ext cx="9603276" cy="1139116"/>
+        </p:xfrm>
+        <a:graphic>
+          <a:graphicData uri="http://schemas.openxmlformats.org/drawingml/2006/table">
+            <a:tbl>
+              <a:tblPr firstRow="1" bandRow="1">
+                <a:tableStyleId>{5C22544A-7EE6-4342-B048-85BDC9FD1C3A}</a:tableStyleId>
+              </a:tblPr>
+              <a:tblGrid>
+                <a:gridCol w="1695034">
+                  <a:extLst>
+                    <a:ext uri="{9D8B030D-6E8A-4147-A177-3AD203B41FA5}">
+                      <a16:colId xmlns:a16="http://schemas.microsoft.com/office/drawing/2014/main" val="1760169103"/>
+                    </a:ext>
+                  </a:extLst>
+                </a:gridCol>
+                <a:gridCol w="2958353">
+                  <a:extLst>
+                    <a:ext uri="{9D8B030D-6E8A-4147-A177-3AD203B41FA5}">
+                      <a16:colId xmlns:a16="http://schemas.microsoft.com/office/drawing/2014/main" val="650721307"/>
+                    </a:ext>
+                  </a:extLst>
+                </a:gridCol>
+                <a:gridCol w="2456329">
+                  <a:extLst>
+                    <a:ext uri="{9D8B030D-6E8A-4147-A177-3AD203B41FA5}">
+                      <a16:colId xmlns:a16="http://schemas.microsoft.com/office/drawing/2014/main" val="1222219684"/>
+                    </a:ext>
+                  </a:extLst>
+                </a:gridCol>
+                <a:gridCol w="2493560">
+                  <a:extLst>
+                    <a:ext uri="{9D8B030D-6E8A-4147-A177-3AD203B41FA5}">
+                      <a16:colId xmlns:a16="http://schemas.microsoft.com/office/drawing/2014/main" val="3500831925"/>
+                    </a:ext>
+                  </a:extLst>
+                </a:gridCol>
+              </a:tblGrid>
+              <a:tr h="569558">
+                <a:tc>
+                  <a:txBody>
+                    <a:bodyPr/>
+                    <a:lstStyle/>
+                    <a:p>
+                      <a:pPr algn="ctr" latinLnBrk="1"/>
+                      <a:r>
+                        <a:rPr lang="ko-KR" altLang="en-US" dirty="0"/>
+                        <a:t>이름</a:t>
+                      </a:r>
+                    </a:p>
+                  </a:txBody>
+                  <a:tcPr anchor="ctr"/>
+                </a:tc>
+                <a:tc>
+                  <a:txBody>
+                    <a:bodyPr/>
+                    <a:lstStyle/>
+                    <a:p>
+                      <a:pPr algn="ctr" latinLnBrk="1"/>
+                      <a:r>
+                        <a:rPr lang="ko-KR" altLang="en-US" dirty="0"/>
+                        <a:t>효과</a:t>
+                      </a:r>
+                    </a:p>
+                  </a:txBody>
+                  <a:tcPr anchor="ctr"/>
+                </a:tc>
+                <a:tc>
+                  <a:txBody>
+                    <a:bodyPr/>
+                    <a:lstStyle/>
+                    <a:p>
+                      <a:pPr algn="ctr" latinLnBrk="1"/>
+                      <a:r>
+                        <a:rPr lang="ko-KR" altLang="en-US" dirty="0"/>
+                        <a:t>재료</a:t>
+                      </a:r>
+                      <a:r>
+                        <a:rPr lang="en-US" altLang="ko-KR" dirty="0"/>
+                        <a:t>1</a:t>
+                      </a:r>
+                      <a:endParaRPr lang="ko-KR" altLang="en-US" dirty="0"/>
+                    </a:p>
+                  </a:txBody>
+                  <a:tcPr anchor="ctr"/>
+                </a:tc>
+                <a:tc>
+                  <a:txBody>
+                    <a:bodyPr/>
+                    <a:lstStyle/>
+                    <a:p>
+                      <a:pPr algn="ctr" latinLnBrk="1"/>
+                      <a:r>
+                        <a:rPr lang="ko-KR" altLang="en-US" dirty="0"/>
+                        <a:t>재료</a:t>
+                      </a:r>
+                      <a:r>
+                        <a:rPr lang="en-US" altLang="ko-KR" dirty="0"/>
+                        <a:t>2</a:t>
+                      </a:r>
+                      <a:endParaRPr lang="ko-KR" altLang="en-US" dirty="0"/>
+                    </a:p>
+                  </a:txBody>
+                  <a:tcPr anchor="ctr"/>
+                </a:tc>
+                <a:extLst>
+                  <a:ext uri="{0D108BD9-81ED-4DB2-BD59-A6C34878D82A}">
+                    <a16:rowId xmlns:a16="http://schemas.microsoft.com/office/drawing/2014/main" val="61397566"/>
+                  </a:ext>
+                </a:extLst>
+              </a:tr>
+              <a:tr h="569558">
+                <a:tc>
+                  <a:txBody>
+                    <a:bodyPr/>
+                    <a:lstStyle/>
+                    <a:p>
+                      <a:pPr algn="ctr" latinLnBrk="1"/>
+                      <a:r>
+                        <a:rPr lang="ko-KR" altLang="en-US" dirty="0"/>
+                        <a:t>수면 </a:t>
+                      </a:r>
+                      <a:r>
+                        <a:rPr lang="ko-KR" altLang="en-US" dirty="0" err="1"/>
+                        <a:t>보조제</a:t>
+                      </a:r>
+                      <a:endParaRPr lang="ko-KR" altLang="en-US" dirty="0"/>
+                    </a:p>
+                  </a:txBody>
+                  <a:tcPr anchor="ctr"/>
+                </a:tc>
+                <a:tc>
+                  <a:txBody>
+                    <a:bodyPr/>
+                    <a:lstStyle/>
+                    <a:p>
+                      <a:pPr algn="ctr" latinLnBrk="1"/>
+                      <a:r>
+                        <a:rPr lang="ko-KR" altLang="en-US" dirty="0"/>
+                        <a:t>수면 효과 </a:t>
+                      </a:r>
+                      <a:r>
+                        <a:rPr lang="en-US" altLang="ko-KR" dirty="0"/>
+                        <a:t>15% </a:t>
+                      </a:r>
+                      <a:r>
+                        <a:rPr lang="ko-KR" altLang="en-US" dirty="0"/>
+                        <a:t>상승</a:t>
+                      </a:r>
+                    </a:p>
+                  </a:txBody>
+                  <a:tcPr anchor="ctr"/>
+                </a:tc>
+                <a:tc>
+                  <a:txBody>
+                    <a:bodyPr/>
+                    <a:lstStyle/>
+                    <a:p>
+                      <a:pPr algn="ctr" latinLnBrk="1"/>
+                      <a:r>
+                        <a:rPr lang="ko-KR" altLang="en-US" dirty="0" err="1"/>
+                        <a:t>수면풀</a:t>
+                      </a:r>
+                      <a:r>
+                        <a:rPr lang="ko-KR" altLang="en-US" dirty="0"/>
+                        <a:t> </a:t>
+                      </a:r>
+                      <a:r>
+                        <a:rPr lang="en-US" altLang="ko-KR" dirty="0"/>
+                        <a:t>1</a:t>
+                      </a:r>
+                      <a:r>
+                        <a:rPr lang="ko-KR" altLang="en-US" dirty="0"/>
+                        <a:t>개</a:t>
+                      </a:r>
+                    </a:p>
+                  </a:txBody>
+                  <a:tcPr anchor="ctr"/>
+                </a:tc>
+                <a:tc>
+                  <a:txBody>
+                    <a:bodyPr/>
+                    <a:lstStyle/>
+                    <a:p>
+                      <a:pPr algn="ctr" latinLnBrk="1"/>
+                      <a:r>
+                        <a:rPr lang="ko-KR" altLang="en-US" dirty="0" err="1"/>
+                        <a:t>포션</a:t>
+                      </a:r>
+                      <a:r>
+                        <a:rPr lang="ko-KR" altLang="en-US" dirty="0"/>
+                        <a:t> 조제용 병 </a:t>
+                      </a:r>
+                      <a:r>
+                        <a:rPr lang="en-US" altLang="ko-KR" dirty="0"/>
+                        <a:t>(</a:t>
+                      </a:r>
+                      <a:r>
+                        <a:rPr lang="ko-KR" altLang="en-US" dirty="0"/>
+                        <a:t>소형</a:t>
+                      </a:r>
+                      <a:r>
+                        <a:rPr lang="en-US" altLang="ko-KR" dirty="0"/>
+                        <a:t>)</a:t>
+                      </a:r>
+                      <a:endParaRPr lang="ko-KR" altLang="en-US" dirty="0"/>
+                    </a:p>
+                  </a:txBody>
+                  <a:tcPr anchor="ctr"/>
+                </a:tc>
+                <a:extLst>
+                  <a:ext uri="{0D108BD9-81ED-4DB2-BD59-A6C34878D82A}">
+                    <a16:rowId xmlns:a16="http://schemas.microsoft.com/office/drawing/2014/main" val="2315534329"/>
+                  </a:ext>
+                </a:extLst>
+              </a:tr>
+            </a:tbl>
+          </a:graphicData>
+        </a:graphic>
+      </p:graphicFrame>
+    </p:spTree>
+    <p:extLst>
+      <p:ext uri="{BB962C8B-B14F-4D97-AF65-F5344CB8AC3E}">
+        <p14:creationId xmlns:p14="http://schemas.microsoft.com/office/powerpoint/2010/main" val="240063084"/>
+      </p:ext>
+    </p:extLst>
+  </p:cSld>
+  <p:clrMapOvr>
+    <a:masterClrMapping/>
+  </p:clrMapOvr>
+</p:sld>
+</file>
+
+<file path=ppt/slides/slide41.xml><?xml version="1.0" encoding="utf-8"?>
+<p:sld xmlns:a="http://schemas.openxmlformats.org/drawingml/2006/main" xmlns:r="http://schemas.openxmlformats.org/officeDocument/2006/relationships" xmlns:p="http://schemas.openxmlformats.org/presentationml/2006/main">
+  <p:cSld>
+    <p:spTree>
+      <p:nvGrpSpPr>
+        <p:cNvPr id="1" name=""/>
+        <p:cNvGrpSpPr/>
+        <p:nvPr/>
+      </p:nvGrpSpPr>
+      <p:grpSpPr>
+        <a:xfrm>
+          <a:off x="0" y="0"/>
+          <a:ext cx="0" cy="0"/>
+          <a:chOff x="0" y="0"/>
+          <a:chExt cx="0" cy="0"/>
+        </a:xfrm>
+      </p:grpSpPr>
+      <p:sp>
+        <p:nvSpPr>
+          <p:cNvPr id="4" name="제목 3">
+            <a:extLst>
+              <a:ext uri="{FF2B5EF4-FFF2-40B4-BE49-F238E27FC236}">
+                <a16:creationId xmlns:a16="http://schemas.microsoft.com/office/drawing/2014/main" id="{BD1FA68B-026A-4EC9-8760-57B376AB7839}"/>
+              </a:ext>
+            </a:extLst>
+          </p:cNvPr>
+          <p:cNvSpPr>
+            <a:spLocks noGrp="1"/>
+          </p:cNvSpPr>
+          <p:nvPr>
+            <p:ph type="title"/>
+          </p:nvPr>
+        </p:nvSpPr>
+        <p:spPr/>
+        <p:txBody>
+          <a:bodyPr anchor="ctr"/>
+          <a:lstStyle/>
+          <a:p>
+            <a:r>
+              <a:rPr lang="ko-KR" altLang="en-US" cap="none" dirty="0"/>
+              <a:t>채광 완제품 </a:t>
+            </a:r>
+            <a:r>
+              <a:rPr lang="en-US" altLang="ko-KR" cap="none" dirty="0"/>
+              <a:t>- </a:t>
+            </a:r>
+            <a:r>
+              <a:rPr lang="ko-KR" altLang="en-US" cap="none" dirty="0"/>
+              <a:t>무기</a:t>
+            </a:r>
+          </a:p>
+        </p:txBody>
+      </p:sp>
+      <p:graphicFrame>
+        <p:nvGraphicFramePr>
+          <p:cNvPr id="3" name="표 2">
+            <a:extLst>
+              <a:ext uri="{FF2B5EF4-FFF2-40B4-BE49-F238E27FC236}">
+                <a16:creationId xmlns:a16="http://schemas.microsoft.com/office/drawing/2014/main" id="{5CE52E9E-FE9A-4A32-8131-49F2A7724954}"/>
+              </a:ext>
+            </a:extLst>
+          </p:cNvPr>
+          <p:cNvGraphicFramePr>
+            <a:graphicFrameLocks noGrp="1"/>
+          </p:cNvGraphicFramePr>
+          <p:nvPr>
+            <p:extLst>
+              <p:ext uri="{D42A27DB-BD31-4B8C-83A1-F6EECF244321}">
+                <p14:modId xmlns:p14="http://schemas.microsoft.com/office/powerpoint/2010/main" val="996089819"/>
+              </p:ext>
+            </p:extLst>
+          </p:nvPr>
+        </p:nvGraphicFramePr>
+        <p:xfrm>
+          <a:off x="1451577" y="2316480"/>
+          <a:ext cx="9603275" cy="1708674"/>
+        </p:xfrm>
+        <a:graphic>
+          <a:graphicData uri="http://schemas.openxmlformats.org/drawingml/2006/table">
+            <a:tbl>
+              <a:tblPr firstRow="1" bandRow="1">
+                <a:tableStyleId>{7DF18680-E054-41AD-8BC1-D1AEF772440D}</a:tableStyleId>
+              </a:tblPr>
+              <a:tblGrid>
+                <a:gridCol w="2026729">
+                  <a:extLst>
+                    <a:ext uri="{9D8B030D-6E8A-4147-A177-3AD203B41FA5}">
+                      <a16:colId xmlns:a16="http://schemas.microsoft.com/office/drawing/2014/main" val="1760169103"/>
+                    </a:ext>
+                  </a:extLst>
+                </a:gridCol>
+                <a:gridCol w="3963092">
+                  <a:extLst>
+                    <a:ext uri="{9D8B030D-6E8A-4147-A177-3AD203B41FA5}">
+                      <a16:colId xmlns:a16="http://schemas.microsoft.com/office/drawing/2014/main" val="1222219684"/>
+                    </a:ext>
+                  </a:extLst>
+                </a:gridCol>
+                <a:gridCol w="3613454">
+                  <a:extLst>
+                    <a:ext uri="{9D8B030D-6E8A-4147-A177-3AD203B41FA5}">
+                      <a16:colId xmlns:a16="http://schemas.microsoft.com/office/drawing/2014/main" val="3500831925"/>
+                    </a:ext>
+                  </a:extLst>
+                </a:gridCol>
+              </a:tblGrid>
+              <a:tr h="569558">
+                <a:tc>
+                  <a:txBody>
+                    <a:bodyPr/>
+                    <a:lstStyle/>
+                    <a:p>
+                      <a:pPr algn="ctr" latinLnBrk="1"/>
+                      <a:r>
+                        <a:rPr lang="ko-KR" altLang="en-US" dirty="0"/>
+                        <a:t>이름</a:t>
+                      </a:r>
+                    </a:p>
+                  </a:txBody>
+                  <a:tcPr anchor="ctr"/>
+                </a:tc>
+                <a:tc>
+                  <a:txBody>
+                    <a:bodyPr/>
+                    <a:lstStyle/>
+                    <a:p>
+                      <a:pPr algn="ctr" latinLnBrk="1"/>
+                      <a:r>
+                        <a:rPr lang="ko-KR" altLang="en-US" dirty="0"/>
+                        <a:t>재료</a:t>
+                      </a:r>
+                      <a:r>
+                        <a:rPr lang="en-US" altLang="ko-KR" dirty="0"/>
+                        <a:t>1</a:t>
+                      </a:r>
+                      <a:endParaRPr lang="ko-KR" altLang="en-US" dirty="0"/>
+                    </a:p>
+                  </a:txBody>
+                  <a:tcPr anchor="ctr"/>
+                </a:tc>
+                <a:tc>
+                  <a:txBody>
+                    <a:bodyPr/>
+                    <a:lstStyle/>
+                    <a:p>
+                      <a:pPr algn="ctr" latinLnBrk="1"/>
+                      <a:r>
+                        <a:rPr lang="ko-KR" altLang="en-US" dirty="0"/>
+                        <a:t>재료</a:t>
+                      </a:r>
+                      <a:r>
+                        <a:rPr lang="en-US" altLang="ko-KR" dirty="0"/>
+                        <a:t>2</a:t>
+                      </a:r>
+                      <a:endParaRPr lang="ko-KR" altLang="en-US" dirty="0"/>
+                    </a:p>
+                  </a:txBody>
+                  <a:tcPr anchor="ctr"/>
+                </a:tc>
+                <a:extLst>
+                  <a:ext uri="{0D108BD9-81ED-4DB2-BD59-A6C34878D82A}">
+                    <a16:rowId xmlns:a16="http://schemas.microsoft.com/office/drawing/2014/main" val="61397566"/>
+                  </a:ext>
+                </a:extLst>
+              </a:tr>
+              <a:tr h="569558">
+                <a:tc>
+                  <a:txBody>
+                    <a:bodyPr/>
+                    <a:lstStyle/>
+                    <a:p>
+                      <a:pPr algn="ctr" latinLnBrk="1"/>
+                      <a:r>
+                        <a:rPr lang="ko-KR" altLang="en-US" dirty="0"/>
+                        <a:t>검</a:t>
+                      </a:r>
+                    </a:p>
+                  </a:txBody>
+                  <a:tcPr anchor="ctr"/>
+                </a:tc>
+                <a:tc>
+                  <a:txBody>
+                    <a:bodyPr/>
+                    <a:lstStyle/>
+                    <a:p>
+                      <a:pPr algn="ctr" latinLnBrk="1"/>
+                      <a:r>
+                        <a:rPr lang="ko-KR" altLang="en-US" dirty="0" err="1"/>
+                        <a:t>셀리온</a:t>
+                      </a:r>
+                      <a:r>
+                        <a:rPr lang="ko-KR" altLang="en-US" dirty="0"/>
+                        <a:t> 철 </a:t>
+                      </a:r>
+                      <a:r>
+                        <a:rPr lang="en-US" altLang="ko-KR" dirty="0"/>
+                        <a:t>2</a:t>
+                      </a:r>
+                      <a:r>
+                        <a:rPr lang="ko-KR" altLang="en-US" dirty="0"/>
+                        <a:t>개</a:t>
+                      </a:r>
+                    </a:p>
+                  </a:txBody>
+                  <a:tcPr anchor="ctr"/>
+                </a:tc>
+                <a:tc>
+                  <a:txBody>
+                    <a:bodyPr/>
+                    <a:lstStyle/>
+                    <a:p>
+                      <a:pPr algn="ctr" latinLnBrk="1"/>
+                      <a:r>
+                        <a:rPr lang="ko-KR" altLang="en-US" dirty="0"/>
+                        <a:t>장비 </a:t>
+                      </a:r>
+                      <a:r>
+                        <a:rPr lang="ko-KR" altLang="en-US" dirty="0" err="1"/>
+                        <a:t>제련제</a:t>
+                      </a:r>
+                      <a:r>
+                        <a:rPr lang="ko-KR" altLang="en-US" dirty="0"/>
+                        <a:t> </a:t>
+                      </a:r>
+                      <a:r>
+                        <a:rPr lang="en-US" altLang="ko-KR" dirty="0"/>
+                        <a:t>II 3</a:t>
+                      </a:r>
+                      <a:r>
+                        <a:rPr lang="ko-KR" altLang="en-US" dirty="0"/>
+                        <a:t>개</a:t>
+                      </a:r>
+                    </a:p>
+                  </a:txBody>
+                  <a:tcPr anchor="ctr"/>
+                </a:tc>
+                <a:extLst>
+                  <a:ext uri="{0D108BD9-81ED-4DB2-BD59-A6C34878D82A}">
+                    <a16:rowId xmlns:a16="http://schemas.microsoft.com/office/drawing/2014/main" val="2315534329"/>
+                  </a:ext>
+                </a:extLst>
+              </a:tr>
+              <a:tr h="569558">
+                <a:tc>
+                  <a:txBody>
+                    <a:bodyPr/>
+                    <a:lstStyle/>
+                    <a:p>
+                      <a:pPr algn="ctr" latinLnBrk="1"/>
+                      <a:r>
+                        <a:rPr lang="ko-KR" altLang="en-US" dirty="0"/>
+                        <a:t>단검</a:t>
+                      </a:r>
+                    </a:p>
+                  </a:txBody>
+                  <a:tcPr anchor="ctr"/>
+                </a:tc>
+                <a:tc>
+                  <a:txBody>
+                    <a:bodyPr/>
+                    <a:lstStyle/>
+                    <a:p>
+                      <a:pPr algn="ctr" latinLnBrk="1"/>
+                      <a:r>
+                        <a:rPr lang="ko-KR" altLang="en-US" dirty="0" err="1"/>
+                        <a:t>셀리온</a:t>
+                      </a:r>
+                      <a:r>
+                        <a:rPr lang="ko-KR" altLang="en-US" dirty="0"/>
+                        <a:t> 철 </a:t>
+                      </a:r>
+                      <a:r>
+                        <a:rPr lang="en-US" altLang="ko-KR" dirty="0"/>
+                        <a:t>2</a:t>
+                      </a:r>
+                      <a:r>
+                        <a:rPr lang="ko-KR" altLang="en-US" dirty="0"/>
+                        <a:t>개</a:t>
+                      </a:r>
+                    </a:p>
+                  </a:txBody>
+                  <a:tcPr anchor="ctr"/>
+                </a:tc>
+                <a:tc>
+                  <a:txBody>
+                    <a:bodyPr/>
+                    <a:lstStyle/>
+                    <a:p>
+                      <a:pPr algn="ctr" latinLnBrk="1"/>
+                      <a:r>
+                        <a:rPr lang="ko-KR" altLang="en-US" dirty="0"/>
+                        <a:t>장비 </a:t>
+                      </a:r>
+                      <a:r>
+                        <a:rPr lang="ko-KR" altLang="en-US" dirty="0" err="1"/>
+                        <a:t>제련제</a:t>
+                      </a:r>
+                      <a:r>
+                        <a:rPr lang="ko-KR" altLang="en-US" dirty="0"/>
+                        <a:t> </a:t>
+                      </a:r>
+                      <a:r>
+                        <a:rPr lang="en-US" altLang="ko-KR" dirty="0"/>
+                        <a:t>II 3</a:t>
+                      </a:r>
+                      <a:r>
+                        <a:rPr lang="ko-KR" altLang="en-US" dirty="0"/>
+                        <a:t>개</a:t>
+                      </a:r>
+                    </a:p>
+                  </a:txBody>
+                  <a:tcPr anchor="ctr"/>
+                </a:tc>
+                <a:extLst>
+                  <a:ext uri="{0D108BD9-81ED-4DB2-BD59-A6C34878D82A}">
+                    <a16:rowId xmlns:a16="http://schemas.microsoft.com/office/drawing/2014/main" val="1188628791"/>
+                  </a:ext>
+                </a:extLst>
+              </a:tr>
+            </a:tbl>
+          </a:graphicData>
+        </a:graphic>
+      </p:graphicFrame>
+    </p:spTree>
+    <p:extLst>
+      <p:ext uri="{BB962C8B-B14F-4D97-AF65-F5344CB8AC3E}">
+        <p14:creationId xmlns:p14="http://schemas.microsoft.com/office/powerpoint/2010/main" val="576459534"/>
+      </p:ext>
+    </p:extLst>
+  </p:cSld>
+  <p:clrMapOvr>
+    <a:masterClrMapping/>
+  </p:clrMapOvr>
+</p:sld>
+</file>
+
+<file path=ppt/slides/slide42.xml><?xml version="1.0" encoding="utf-8"?>
+<p:sld xmlns:a="http://schemas.openxmlformats.org/drawingml/2006/main" xmlns:r="http://schemas.openxmlformats.org/officeDocument/2006/relationships" xmlns:p="http://schemas.openxmlformats.org/presentationml/2006/main">
+  <p:cSld>
+    <p:spTree>
+      <p:nvGrpSpPr>
+        <p:cNvPr id="1" name=""/>
+        <p:cNvGrpSpPr/>
+        <p:nvPr/>
+      </p:nvGrpSpPr>
+      <p:grpSpPr>
+        <a:xfrm>
+          <a:off x="0" y="0"/>
+          <a:ext cx="0" cy="0"/>
+          <a:chOff x="0" y="0"/>
+          <a:chExt cx="0" cy="0"/>
+        </a:xfrm>
+      </p:grpSpPr>
+      <p:sp>
+        <p:nvSpPr>
+          <p:cNvPr id="4" name="제목 3">
+            <a:extLst>
+              <a:ext uri="{FF2B5EF4-FFF2-40B4-BE49-F238E27FC236}">
+                <a16:creationId xmlns:a16="http://schemas.microsoft.com/office/drawing/2014/main" id="{BD1FA68B-026A-4EC9-8760-57B376AB7839}"/>
+              </a:ext>
+            </a:extLst>
+          </p:cNvPr>
+          <p:cNvSpPr>
+            <a:spLocks noGrp="1"/>
+          </p:cNvSpPr>
+          <p:nvPr>
+            <p:ph type="title"/>
+          </p:nvPr>
+        </p:nvSpPr>
+        <p:spPr/>
+        <p:txBody>
+          <a:bodyPr anchor="ctr"/>
+          <a:lstStyle/>
+          <a:p>
+            <a:r>
+              <a:rPr lang="ko-KR" altLang="en-US" cap="none" dirty="0"/>
+              <a:t>채광 완제품 </a:t>
+            </a:r>
+            <a:r>
+              <a:rPr lang="en-US" altLang="ko-KR" cap="none" dirty="0"/>
+              <a:t>- </a:t>
+            </a:r>
+            <a:r>
+              <a:rPr lang="ko-KR" altLang="en-US" cap="none" dirty="0"/>
+              <a:t>생활</a:t>
+            </a:r>
+          </a:p>
+        </p:txBody>
+      </p:sp>
+      <p:graphicFrame>
+        <p:nvGraphicFramePr>
+          <p:cNvPr id="3" name="표 2">
+            <a:extLst>
+              <a:ext uri="{FF2B5EF4-FFF2-40B4-BE49-F238E27FC236}">
+                <a16:creationId xmlns:a16="http://schemas.microsoft.com/office/drawing/2014/main" id="{5CE52E9E-FE9A-4A32-8131-49F2A7724954}"/>
+              </a:ext>
+            </a:extLst>
+          </p:cNvPr>
+          <p:cNvGraphicFramePr>
+            <a:graphicFrameLocks noGrp="1"/>
+          </p:cNvGraphicFramePr>
+          <p:nvPr>
+            <p:extLst>
+              <p:ext uri="{D42A27DB-BD31-4B8C-83A1-F6EECF244321}">
+                <p14:modId xmlns:p14="http://schemas.microsoft.com/office/powerpoint/2010/main" val="173986672"/>
+              </p:ext>
+            </p:extLst>
+          </p:nvPr>
+        </p:nvGraphicFramePr>
+        <p:xfrm>
+          <a:off x="1451578" y="2316480"/>
+          <a:ext cx="9603275" cy="1708674"/>
+        </p:xfrm>
+        <a:graphic>
+          <a:graphicData uri="http://schemas.openxmlformats.org/drawingml/2006/table">
+            <a:tbl>
+              <a:tblPr firstRow="1" bandRow="1">
+                <a:tableStyleId>{7DF18680-E054-41AD-8BC1-D1AEF772440D}</a:tableStyleId>
+              </a:tblPr>
+              <a:tblGrid>
+                <a:gridCol w="1497810">
+                  <a:extLst>
+                    <a:ext uri="{9D8B030D-6E8A-4147-A177-3AD203B41FA5}">
+                      <a16:colId xmlns:a16="http://schemas.microsoft.com/office/drawing/2014/main" val="1760169103"/>
+                    </a:ext>
+                  </a:extLst>
+                </a:gridCol>
+                <a:gridCol w="3155577">
+                  <a:extLst>
+                    <a:ext uri="{9D8B030D-6E8A-4147-A177-3AD203B41FA5}">
+                      <a16:colId xmlns:a16="http://schemas.microsoft.com/office/drawing/2014/main" val="650721307"/>
+                    </a:ext>
+                  </a:extLst>
+                </a:gridCol>
+                <a:gridCol w="2456329">
+                  <a:extLst>
+                    <a:ext uri="{9D8B030D-6E8A-4147-A177-3AD203B41FA5}">
+                      <a16:colId xmlns:a16="http://schemas.microsoft.com/office/drawing/2014/main" val="1222219684"/>
+                    </a:ext>
+                  </a:extLst>
+                </a:gridCol>
+                <a:gridCol w="2493559">
+                  <a:extLst>
+                    <a:ext uri="{9D8B030D-6E8A-4147-A177-3AD203B41FA5}">
+                      <a16:colId xmlns:a16="http://schemas.microsoft.com/office/drawing/2014/main" val="3500831925"/>
+                    </a:ext>
+                  </a:extLst>
+                </a:gridCol>
+              </a:tblGrid>
+              <a:tr h="569558">
+                <a:tc>
+                  <a:txBody>
+                    <a:bodyPr/>
+                    <a:lstStyle/>
+                    <a:p>
+                      <a:pPr algn="ctr" latinLnBrk="1"/>
+                      <a:r>
+                        <a:rPr lang="ko-KR" altLang="en-US" dirty="0"/>
+                        <a:t>이름</a:t>
+                      </a:r>
+                    </a:p>
+                  </a:txBody>
+                  <a:tcPr anchor="ctr"/>
+                </a:tc>
+                <a:tc>
+                  <a:txBody>
+                    <a:bodyPr/>
+                    <a:lstStyle/>
+                    <a:p>
+                      <a:pPr algn="ctr" latinLnBrk="1"/>
+                      <a:r>
+                        <a:rPr lang="ko-KR" altLang="en-US" dirty="0"/>
+                        <a:t>용도</a:t>
+                      </a:r>
+                    </a:p>
+                  </a:txBody>
+                  <a:tcPr anchor="ctr"/>
+                </a:tc>
+                <a:tc>
+                  <a:txBody>
+                    <a:bodyPr/>
+                    <a:lstStyle/>
+                    <a:p>
+                      <a:pPr algn="ctr" latinLnBrk="1"/>
+                      <a:r>
+                        <a:rPr lang="ko-KR" altLang="en-US" dirty="0"/>
+                        <a:t>재료</a:t>
+                      </a:r>
+                      <a:r>
+                        <a:rPr lang="en-US" altLang="ko-KR" dirty="0"/>
+                        <a:t>1</a:t>
+                      </a:r>
+                      <a:endParaRPr lang="ko-KR" altLang="en-US" dirty="0"/>
+                    </a:p>
+                  </a:txBody>
+                  <a:tcPr anchor="ctr"/>
+                </a:tc>
+                <a:tc>
+                  <a:txBody>
+                    <a:bodyPr/>
+                    <a:lstStyle/>
+                    <a:p>
+                      <a:pPr algn="ctr" latinLnBrk="1"/>
+                      <a:r>
+                        <a:rPr lang="ko-KR" altLang="en-US" dirty="0"/>
+                        <a:t>재료</a:t>
+                      </a:r>
+                      <a:r>
+                        <a:rPr lang="en-US" altLang="ko-KR" dirty="0"/>
+                        <a:t>2</a:t>
+                      </a:r>
+                      <a:endParaRPr lang="ko-KR" altLang="en-US" dirty="0"/>
+                    </a:p>
+                  </a:txBody>
+                  <a:tcPr anchor="ctr"/>
+                </a:tc>
+                <a:extLst>
+                  <a:ext uri="{0D108BD9-81ED-4DB2-BD59-A6C34878D82A}">
+                    <a16:rowId xmlns:a16="http://schemas.microsoft.com/office/drawing/2014/main" val="61397566"/>
+                  </a:ext>
+                </a:extLst>
+              </a:tr>
+              <a:tr h="569558">
+                <a:tc>
+                  <a:txBody>
+                    <a:bodyPr/>
+                    <a:lstStyle/>
+                    <a:p>
+                      <a:pPr algn="ctr" latinLnBrk="1"/>
+                      <a:r>
+                        <a:rPr lang="ko-KR" altLang="en-US" dirty="0"/>
+                        <a:t>곡괭이</a:t>
+                      </a:r>
+                    </a:p>
+                  </a:txBody>
+                  <a:tcPr anchor="ctr"/>
+                </a:tc>
+                <a:tc>
+                  <a:txBody>
+                    <a:bodyPr/>
+                    <a:lstStyle/>
+                    <a:p>
+                      <a:pPr algn="ctr" latinLnBrk="1"/>
+                      <a:r>
+                        <a:rPr lang="ko-KR" altLang="en-US" dirty="0"/>
+                        <a:t>채광</a:t>
+                      </a:r>
+                    </a:p>
+                  </a:txBody>
+                  <a:tcPr anchor="ctr"/>
+                </a:tc>
+                <a:tc>
+                  <a:txBody>
+                    <a:bodyPr/>
+                    <a:lstStyle/>
+                    <a:p>
+                      <a:pPr algn="ctr" latinLnBrk="1"/>
+                      <a:r>
+                        <a:rPr lang="ko-KR" altLang="en-US" dirty="0" err="1"/>
+                        <a:t>파나스</a:t>
+                      </a:r>
+                      <a:r>
+                        <a:rPr lang="ko-KR" altLang="en-US" dirty="0"/>
+                        <a:t> 철 </a:t>
+                      </a:r>
+                      <a:r>
+                        <a:rPr lang="en-US" altLang="ko-KR" dirty="0"/>
+                        <a:t>1</a:t>
+                      </a:r>
+                      <a:r>
+                        <a:rPr lang="ko-KR" altLang="en-US" dirty="0"/>
+                        <a:t>개</a:t>
+                      </a:r>
+                    </a:p>
+                  </a:txBody>
+                  <a:tcPr anchor="ctr"/>
+                </a:tc>
+                <a:tc>
+                  <a:txBody>
+                    <a:bodyPr/>
+                    <a:lstStyle/>
+                    <a:p>
+                      <a:pPr algn="ctr" latinLnBrk="1"/>
+                      <a:r>
+                        <a:rPr lang="ko-KR" altLang="en-US" dirty="0"/>
+                        <a:t>장비 </a:t>
+                      </a:r>
+                      <a:r>
+                        <a:rPr lang="ko-KR" altLang="en-US" dirty="0" err="1"/>
+                        <a:t>제련제</a:t>
+                      </a:r>
+                      <a:r>
+                        <a:rPr lang="ko-KR" altLang="en-US" dirty="0"/>
+                        <a:t> </a:t>
+                      </a:r>
+                      <a:r>
+                        <a:rPr lang="en-US" altLang="ko-KR" dirty="0"/>
+                        <a:t>I 1</a:t>
+                      </a:r>
+                      <a:r>
+                        <a:rPr lang="ko-KR" altLang="en-US" dirty="0"/>
+                        <a:t>개</a:t>
+                      </a:r>
+                    </a:p>
+                  </a:txBody>
+                  <a:tcPr anchor="ctr"/>
+                </a:tc>
+                <a:extLst>
+                  <a:ext uri="{0D108BD9-81ED-4DB2-BD59-A6C34878D82A}">
+                    <a16:rowId xmlns:a16="http://schemas.microsoft.com/office/drawing/2014/main" val="2315534329"/>
+                  </a:ext>
+                </a:extLst>
+              </a:tr>
+              <a:tr h="569558">
+                <a:tc>
+                  <a:txBody>
+                    <a:bodyPr/>
+                    <a:lstStyle/>
+                    <a:p>
+                      <a:pPr algn="ctr" latinLnBrk="1"/>
+                      <a:r>
+                        <a:rPr lang="ko-KR" altLang="en-US" dirty="0"/>
+                        <a:t>식칼</a:t>
+                      </a:r>
+                    </a:p>
+                  </a:txBody>
+                  <a:tcPr anchor="ctr"/>
+                </a:tc>
+                <a:tc>
+                  <a:txBody>
+                    <a:bodyPr/>
+                    <a:lstStyle/>
+                    <a:p>
+                      <a:pPr algn="ctr" latinLnBrk="1"/>
+                      <a:r>
+                        <a:rPr lang="ko-KR" altLang="en-US" dirty="0"/>
+                        <a:t>요리</a:t>
+                      </a:r>
+                    </a:p>
+                  </a:txBody>
+                  <a:tcPr anchor="ctr"/>
+                </a:tc>
+                <a:tc>
+                  <a:txBody>
+                    <a:bodyPr/>
+                    <a:lstStyle/>
+                    <a:p>
+                      <a:pPr algn="ctr" latinLnBrk="1"/>
+                      <a:r>
+                        <a:rPr lang="ko-KR" altLang="en-US" dirty="0" err="1"/>
+                        <a:t>파나스</a:t>
+                      </a:r>
+                      <a:r>
+                        <a:rPr lang="ko-KR" altLang="en-US" dirty="0"/>
+                        <a:t> 철 </a:t>
+                      </a:r>
+                      <a:r>
+                        <a:rPr lang="en-US" altLang="ko-KR" dirty="0"/>
+                        <a:t>1</a:t>
+                      </a:r>
+                      <a:r>
+                        <a:rPr lang="ko-KR" altLang="en-US" dirty="0"/>
+                        <a:t>개</a:t>
+                      </a:r>
+                    </a:p>
+                  </a:txBody>
+                  <a:tcPr anchor="ctr"/>
+                </a:tc>
+                <a:tc>
+                  <a:txBody>
+                    <a:bodyPr/>
+                    <a:lstStyle/>
+                    <a:p>
+                      <a:pPr algn="ctr" latinLnBrk="1"/>
+                      <a:r>
+                        <a:rPr lang="ko-KR" altLang="en-US" dirty="0"/>
+                        <a:t>장비 </a:t>
+                      </a:r>
+                      <a:r>
+                        <a:rPr lang="ko-KR" altLang="en-US" dirty="0" err="1"/>
+                        <a:t>제련제</a:t>
+                      </a:r>
+                      <a:r>
+                        <a:rPr lang="ko-KR" altLang="en-US" dirty="0"/>
+                        <a:t> </a:t>
+                      </a:r>
+                      <a:r>
+                        <a:rPr lang="en-US" altLang="ko-KR" dirty="0"/>
+                        <a:t>I 1</a:t>
+                      </a:r>
+                      <a:r>
+                        <a:rPr lang="ko-KR" altLang="en-US" dirty="0"/>
+                        <a:t>개</a:t>
+                      </a:r>
+                    </a:p>
+                  </a:txBody>
+                  <a:tcPr anchor="ctr"/>
+                </a:tc>
+                <a:extLst>
+                  <a:ext uri="{0D108BD9-81ED-4DB2-BD59-A6C34878D82A}">
+                    <a16:rowId xmlns:a16="http://schemas.microsoft.com/office/drawing/2014/main" val="1188628791"/>
+                  </a:ext>
+                </a:extLst>
+              </a:tr>
+            </a:tbl>
+          </a:graphicData>
+        </a:graphic>
+      </p:graphicFrame>
+    </p:spTree>
+    <p:extLst>
+      <p:ext uri="{BB962C8B-B14F-4D97-AF65-F5344CB8AC3E}">
+        <p14:creationId xmlns:p14="http://schemas.microsoft.com/office/powerpoint/2010/main" val="2484534746"/>
+      </p:ext>
+    </p:extLst>
+  </p:cSld>
+  <p:clrMapOvr>
+    <a:masterClrMapping/>
+  </p:clrMapOvr>
+</p:sld>
+</file>
+
+<file path=ppt/slides/slide43.xml><?xml version="1.0" encoding="utf-8"?>
+<p:sld xmlns:a="http://schemas.openxmlformats.org/drawingml/2006/main" xmlns:r="http://schemas.openxmlformats.org/officeDocument/2006/relationships" xmlns:p="http://schemas.openxmlformats.org/presentationml/2006/main">
+  <p:cSld>
+    <p:spTree>
+      <p:nvGrpSpPr>
+        <p:cNvPr id="1" name=""/>
+        <p:cNvGrpSpPr/>
+        <p:nvPr/>
+      </p:nvGrpSpPr>
+      <p:grpSpPr>
+        <a:xfrm>
+          <a:off x="0" y="0"/>
+          <a:ext cx="0" cy="0"/>
+          <a:chOff x="0" y="0"/>
+          <a:chExt cx="0" cy="0"/>
+        </a:xfrm>
+      </p:grpSpPr>
+      <p:sp>
+        <p:nvSpPr>
+          <p:cNvPr id="4" name="제목 3">
+            <a:extLst>
+              <a:ext uri="{FF2B5EF4-FFF2-40B4-BE49-F238E27FC236}">
+                <a16:creationId xmlns:a16="http://schemas.microsoft.com/office/drawing/2014/main" id="{BD1FA68B-026A-4EC9-8760-57B376AB7839}"/>
+              </a:ext>
+            </a:extLst>
+          </p:cNvPr>
+          <p:cNvSpPr>
+            <a:spLocks noGrp="1"/>
+          </p:cNvSpPr>
+          <p:nvPr>
+            <p:ph type="title"/>
+          </p:nvPr>
+        </p:nvSpPr>
+        <p:spPr/>
+        <p:txBody>
+          <a:bodyPr anchor="ctr"/>
+          <a:lstStyle/>
+          <a:p>
+            <a:r>
+              <a:rPr lang="ko-KR" altLang="en-US" cap="none" dirty="0"/>
+              <a:t>요리 완제품</a:t>
+            </a:r>
+          </a:p>
+        </p:txBody>
+      </p:sp>
+      <p:graphicFrame>
+        <p:nvGraphicFramePr>
+          <p:cNvPr id="6" name="표 5">
+            <a:extLst>
+              <a:ext uri="{FF2B5EF4-FFF2-40B4-BE49-F238E27FC236}">
+                <a16:creationId xmlns:a16="http://schemas.microsoft.com/office/drawing/2014/main" id="{5657B936-8859-4783-A099-592A623C8ADC}"/>
+              </a:ext>
+            </a:extLst>
+          </p:cNvPr>
+          <p:cNvGraphicFramePr>
+            <a:graphicFrameLocks noGrp="1"/>
+          </p:cNvGraphicFramePr>
+          <p:nvPr>
+            <p:extLst>
+              <p:ext uri="{D42A27DB-BD31-4B8C-83A1-F6EECF244321}">
+                <p14:modId xmlns:p14="http://schemas.microsoft.com/office/powerpoint/2010/main" val="4176105597"/>
+              </p:ext>
+            </p:extLst>
+          </p:nvPr>
+        </p:nvGraphicFramePr>
+        <p:xfrm>
+          <a:off x="1451578" y="2316480"/>
+          <a:ext cx="9603274" cy="2278232"/>
+        </p:xfrm>
+        <a:graphic>
+          <a:graphicData uri="http://schemas.openxmlformats.org/drawingml/2006/table">
+            <a:tbl>
+              <a:tblPr firstRow="1" bandRow="1">
+                <a:tableStyleId>{21E4AEA4-8DFA-4A89-87EB-49C32662AFE0}</a:tableStyleId>
+              </a:tblPr>
+              <a:tblGrid>
+                <a:gridCol w="1608709">
+                  <a:extLst>
+                    <a:ext uri="{9D8B030D-6E8A-4147-A177-3AD203B41FA5}">
+                      <a16:colId xmlns:a16="http://schemas.microsoft.com/office/drawing/2014/main" val="1760169103"/>
+                    </a:ext>
+                  </a:extLst>
+                </a:gridCol>
+                <a:gridCol w="2638197">
+                  <a:extLst>
+                    <a:ext uri="{9D8B030D-6E8A-4147-A177-3AD203B41FA5}">
+                      <a16:colId xmlns:a16="http://schemas.microsoft.com/office/drawing/2014/main" val="1222219684"/>
+                    </a:ext>
+                  </a:extLst>
+                </a:gridCol>
+                <a:gridCol w="2678184">
+                  <a:extLst>
+                    <a:ext uri="{9D8B030D-6E8A-4147-A177-3AD203B41FA5}">
+                      <a16:colId xmlns:a16="http://schemas.microsoft.com/office/drawing/2014/main" val="3500831925"/>
+                    </a:ext>
+                  </a:extLst>
+                </a:gridCol>
+                <a:gridCol w="2678184">
+                  <a:extLst>
+                    <a:ext uri="{9D8B030D-6E8A-4147-A177-3AD203B41FA5}">
+                      <a16:colId xmlns:a16="http://schemas.microsoft.com/office/drawing/2014/main" val="3787084759"/>
+                    </a:ext>
+                  </a:extLst>
+                </a:gridCol>
+              </a:tblGrid>
+              <a:tr h="569558">
+                <a:tc>
+                  <a:txBody>
+                    <a:bodyPr/>
+                    <a:lstStyle/>
+                    <a:p>
+                      <a:pPr algn="ctr" latinLnBrk="1"/>
+                      <a:r>
+                        <a:rPr lang="ko-KR" altLang="en-US" dirty="0"/>
+                        <a:t>이름</a:t>
+                      </a:r>
+                    </a:p>
+                  </a:txBody>
+                  <a:tcPr anchor="ctr"/>
+                </a:tc>
+                <a:tc>
+                  <a:txBody>
+                    <a:bodyPr/>
+                    <a:lstStyle/>
+                    <a:p>
+                      <a:pPr algn="ctr" latinLnBrk="1"/>
+                      <a:r>
+                        <a:rPr lang="ko-KR" altLang="en-US" dirty="0"/>
+                        <a:t>재료</a:t>
+                      </a:r>
+                      <a:r>
+                        <a:rPr lang="en-US" altLang="ko-KR" dirty="0"/>
+                        <a:t>1</a:t>
+                      </a:r>
+                      <a:endParaRPr lang="ko-KR" altLang="en-US" dirty="0"/>
+                    </a:p>
+                  </a:txBody>
+                  <a:tcPr anchor="ctr"/>
+                </a:tc>
+                <a:tc>
+                  <a:txBody>
+                    <a:bodyPr/>
+                    <a:lstStyle/>
+                    <a:p>
+                      <a:pPr algn="ctr" latinLnBrk="1"/>
+                      <a:r>
+                        <a:rPr lang="ko-KR" altLang="en-US" dirty="0"/>
+                        <a:t>재료</a:t>
+                      </a:r>
+                      <a:r>
+                        <a:rPr lang="en-US" altLang="ko-KR" dirty="0"/>
+                        <a:t>2</a:t>
+                      </a:r>
+                      <a:endParaRPr lang="ko-KR" altLang="en-US" dirty="0"/>
+                    </a:p>
+                  </a:txBody>
+                  <a:tcPr anchor="ctr"/>
+                </a:tc>
+                <a:tc>
+                  <a:txBody>
+                    <a:bodyPr/>
+                    <a:lstStyle/>
+                    <a:p>
+                      <a:pPr algn="ctr" latinLnBrk="1"/>
+                      <a:r>
+                        <a:rPr lang="ko-KR" altLang="en-US" dirty="0"/>
+                        <a:t>재료</a:t>
+                      </a:r>
+                      <a:r>
+                        <a:rPr lang="en-US" altLang="ko-KR" dirty="0"/>
+                        <a:t>3</a:t>
+                      </a:r>
+                      <a:endParaRPr lang="ko-KR" altLang="en-US" dirty="0"/>
+                    </a:p>
+                  </a:txBody>
+                  <a:tcPr anchor="ctr"/>
+                </a:tc>
+                <a:extLst>
+                  <a:ext uri="{0D108BD9-81ED-4DB2-BD59-A6C34878D82A}">
+                    <a16:rowId xmlns:a16="http://schemas.microsoft.com/office/drawing/2014/main" val="61397566"/>
+                  </a:ext>
+                </a:extLst>
+              </a:tr>
+              <a:tr h="569558">
+                <a:tc>
+                  <a:txBody>
+                    <a:bodyPr/>
+                    <a:lstStyle/>
+                    <a:p>
+                      <a:pPr algn="ctr" latinLnBrk="1"/>
+                      <a:r>
+                        <a:rPr lang="ko-KR" altLang="en-US" dirty="0" err="1"/>
+                        <a:t>검은빵</a:t>
+                      </a:r>
+                      <a:endParaRPr lang="ko-KR" altLang="en-US" dirty="0"/>
+                    </a:p>
+                  </a:txBody>
+                  <a:tcPr anchor="ctr"/>
+                </a:tc>
+                <a:tc>
+                  <a:txBody>
+                    <a:bodyPr/>
+                    <a:lstStyle/>
+                    <a:p>
+                      <a:pPr algn="ctr" latinLnBrk="1"/>
+                      <a:r>
+                        <a:rPr lang="ko-KR" altLang="en-US" dirty="0"/>
+                        <a:t>잡곡가루 </a:t>
+                      </a:r>
+                      <a:r>
+                        <a:rPr lang="en-US" altLang="ko-KR" dirty="0"/>
+                        <a:t>1</a:t>
+                      </a:r>
+                      <a:r>
+                        <a:rPr lang="ko-KR" altLang="en-US" dirty="0"/>
+                        <a:t>개</a:t>
+                      </a:r>
+                    </a:p>
+                  </a:txBody>
+                  <a:tcPr anchor="ctr"/>
+                </a:tc>
+                <a:tc>
+                  <a:txBody>
+                    <a:bodyPr/>
+                    <a:lstStyle/>
+                    <a:p>
+                      <a:pPr algn="ctr" latinLnBrk="1"/>
+                      <a:endParaRPr lang="ko-KR" altLang="en-US" dirty="0"/>
+                    </a:p>
+                  </a:txBody>
+                  <a:tcPr anchor="ctr"/>
+                </a:tc>
+                <a:tc>
+                  <a:txBody>
+                    <a:bodyPr/>
+                    <a:lstStyle/>
+                    <a:p>
+                      <a:pPr algn="ctr" latinLnBrk="1"/>
+                      <a:endParaRPr lang="ko-KR" altLang="en-US" dirty="0"/>
+                    </a:p>
+                  </a:txBody>
+                  <a:tcPr anchor="ctr"/>
+                </a:tc>
+                <a:extLst>
+                  <a:ext uri="{0D108BD9-81ED-4DB2-BD59-A6C34878D82A}">
+                    <a16:rowId xmlns:a16="http://schemas.microsoft.com/office/drawing/2014/main" val="2315534329"/>
+                  </a:ext>
+                </a:extLst>
+              </a:tr>
+              <a:tr h="569558">
+                <a:tc>
+                  <a:txBody>
+                    <a:bodyPr/>
+                    <a:lstStyle/>
+                    <a:p>
+                      <a:pPr algn="ctr" latinLnBrk="1"/>
+                      <a:r>
+                        <a:rPr lang="ko-KR" altLang="en-US" dirty="0" err="1"/>
+                        <a:t>흰빵</a:t>
+                      </a:r>
+                      <a:endParaRPr lang="ko-KR" altLang="en-US" dirty="0"/>
+                    </a:p>
+                  </a:txBody>
+                  <a:tcPr anchor="ctr"/>
+                </a:tc>
+                <a:tc>
+                  <a:txBody>
+                    <a:bodyPr/>
+                    <a:lstStyle/>
+                    <a:p>
+                      <a:pPr algn="ctr" latinLnBrk="1"/>
+                      <a:r>
+                        <a:rPr lang="ko-KR" altLang="en-US" dirty="0"/>
+                        <a:t>밀가루 </a:t>
+                      </a:r>
+                      <a:r>
+                        <a:rPr lang="en-US" altLang="ko-KR" dirty="0"/>
+                        <a:t>1</a:t>
+                      </a:r>
+                      <a:r>
+                        <a:rPr lang="ko-KR" altLang="en-US" dirty="0"/>
+                        <a:t>개</a:t>
+                      </a:r>
+                    </a:p>
+                  </a:txBody>
+                  <a:tcPr anchor="ctr"/>
+                </a:tc>
+                <a:tc>
+                  <a:txBody>
+                    <a:bodyPr/>
+                    <a:lstStyle/>
+                    <a:p>
+                      <a:pPr algn="ctr" latinLnBrk="1"/>
+                      <a:r>
+                        <a:rPr lang="ko-KR" altLang="en-US" dirty="0"/>
+                        <a:t>이스트 </a:t>
+                      </a:r>
+                      <a:r>
+                        <a:rPr lang="en-US" altLang="ko-KR" dirty="0"/>
+                        <a:t>1</a:t>
+                      </a:r>
+                      <a:r>
+                        <a:rPr lang="ko-KR" altLang="en-US" dirty="0"/>
+                        <a:t>개</a:t>
+                      </a:r>
+                    </a:p>
+                  </a:txBody>
+                  <a:tcPr anchor="ctr"/>
+                </a:tc>
+                <a:tc>
+                  <a:txBody>
+                    <a:bodyPr/>
+                    <a:lstStyle/>
+                    <a:p>
+                      <a:pPr algn="ctr" latinLnBrk="1"/>
+                      <a:endParaRPr lang="ko-KR" altLang="en-US" dirty="0"/>
+                    </a:p>
+                  </a:txBody>
+                  <a:tcPr anchor="ctr"/>
+                </a:tc>
+                <a:extLst>
+                  <a:ext uri="{0D108BD9-81ED-4DB2-BD59-A6C34878D82A}">
+                    <a16:rowId xmlns:a16="http://schemas.microsoft.com/office/drawing/2014/main" val="1188628791"/>
+                  </a:ext>
+                </a:extLst>
+              </a:tr>
+              <a:tr h="569558">
+                <a:tc>
+                  <a:txBody>
+                    <a:bodyPr/>
+                    <a:lstStyle/>
+                    <a:p>
+                      <a:pPr algn="ctr" latinLnBrk="1"/>
+                      <a:r>
+                        <a:rPr lang="ko-KR" altLang="en-US" dirty="0" err="1"/>
+                        <a:t>베이글</a:t>
+                      </a:r>
+                      <a:endParaRPr lang="ko-KR" altLang="en-US" dirty="0"/>
+                    </a:p>
+                  </a:txBody>
+                  <a:tcPr anchor="ctr"/>
+                </a:tc>
+                <a:tc>
+                  <a:txBody>
+                    <a:bodyPr/>
+                    <a:lstStyle/>
+                    <a:p>
+                      <a:pPr algn="ctr" latinLnBrk="1"/>
+                      <a:r>
+                        <a:rPr lang="ko-KR" altLang="en-US" dirty="0"/>
+                        <a:t>밀가루 </a:t>
+                      </a:r>
+                      <a:r>
+                        <a:rPr lang="en-US" altLang="ko-KR" dirty="0"/>
+                        <a:t>1</a:t>
+                      </a:r>
+                      <a:r>
+                        <a:rPr lang="ko-KR" altLang="en-US" dirty="0"/>
+                        <a:t>개</a:t>
+                      </a:r>
+                    </a:p>
+                  </a:txBody>
+                  <a:tcPr anchor="ctr"/>
+                </a:tc>
+                <a:tc>
+                  <a:txBody>
+                    <a:bodyPr/>
+                    <a:lstStyle/>
+                    <a:p>
+                      <a:pPr algn="ctr" latinLnBrk="1"/>
+                      <a:r>
+                        <a:rPr lang="ko-KR" altLang="en-US" dirty="0"/>
+                        <a:t>이스트 </a:t>
+                      </a:r>
+                      <a:r>
+                        <a:rPr lang="en-US" altLang="ko-KR" dirty="0"/>
+                        <a:t>1</a:t>
+                      </a:r>
+                      <a:r>
+                        <a:rPr lang="ko-KR" altLang="en-US" dirty="0"/>
+                        <a:t>개</a:t>
+                      </a:r>
+                    </a:p>
+                  </a:txBody>
+                  <a:tcPr anchor="ctr"/>
+                </a:tc>
+                <a:tc>
+                  <a:txBody>
+                    <a:bodyPr/>
+                    <a:lstStyle/>
+                    <a:p>
+                      <a:pPr algn="ctr" latinLnBrk="1"/>
+                      <a:r>
+                        <a:rPr lang="ko-KR" altLang="en-US" dirty="0"/>
+                        <a:t>소금 </a:t>
+                      </a:r>
+                      <a:r>
+                        <a:rPr lang="en-US" altLang="ko-KR" dirty="0"/>
+                        <a:t>1</a:t>
+                      </a:r>
+                      <a:r>
+                        <a:rPr lang="ko-KR" altLang="en-US" dirty="0"/>
+                        <a:t>개</a:t>
+                      </a:r>
+                    </a:p>
+                  </a:txBody>
+                  <a:tcPr anchor="ctr"/>
+                </a:tc>
+                <a:extLst>
+                  <a:ext uri="{0D108BD9-81ED-4DB2-BD59-A6C34878D82A}">
+                    <a16:rowId xmlns:a16="http://schemas.microsoft.com/office/drawing/2014/main" val="2268402861"/>
+                  </a:ext>
+                </a:extLst>
+              </a:tr>
+            </a:tbl>
+          </a:graphicData>
+        </a:graphic>
+      </p:graphicFrame>
+    </p:spTree>
+    <p:extLst>
+      <p:ext uri="{BB962C8B-B14F-4D97-AF65-F5344CB8AC3E}">
+        <p14:creationId xmlns:p14="http://schemas.microsoft.com/office/powerpoint/2010/main" val="442953935"/>
+      </p:ext>
+    </p:extLst>
+  </p:cSld>
+  <p:clrMapOvr>
+    <a:masterClrMapping/>
+  </p:clrMapOvr>
+</p:sld>
+</file>
+
+<file path=ppt/slides/slide44.xml><?xml version="1.0" encoding="utf-8"?>
+<p:sld xmlns:a="http://schemas.openxmlformats.org/drawingml/2006/main" xmlns:r="http://schemas.openxmlformats.org/officeDocument/2006/relationships" xmlns:p="http://schemas.openxmlformats.org/presentationml/2006/main">
+  <p:cSld>
+    <p:spTree>
+      <p:nvGrpSpPr>
+        <p:cNvPr id="1" name=""/>
+        <p:cNvGrpSpPr/>
+        <p:nvPr/>
+      </p:nvGrpSpPr>
+      <p:grpSpPr>
+        <a:xfrm>
+          <a:off x="0" y="0"/>
+          <a:ext cx="0" cy="0"/>
+          <a:chOff x="0" y="0"/>
+          <a:chExt cx="0" cy="0"/>
+        </a:xfrm>
+      </p:grpSpPr>
+      <p:sp>
+        <p:nvSpPr>
+          <p:cNvPr id="4" name="제목 3">
+            <a:extLst>
+              <a:ext uri="{FF2B5EF4-FFF2-40B4-BE49-F238E27FC236}">
+                <a16:creationId xmlns:a16="http://schemas.microsoft.com/office/drawing/2014/main" id="{BD1FA68B-026A-4EC9-8760-57B376AB7839}"/>
+              </a:ext>
+            </a:extLst>
+          </p:cNvPr>
+          <p:cNvSpPr>
+            <a:spLocks noGrp="1"/>
+          </p:cNvSpPr>
+          <p:nvPr>
+            <p:ph type="title"/>
+          </p:nvPr>
+        </p:nvSpPr>
+        <p:spPr/>
+        <p:txBody>
+          <a:bodyPr anchor="ctr"/>
+          <a:lstStyle/>
+          <a:p>
+            <a:r>
+              <a:rPr lang="ko-KR" altLang="en-US" cap="none" dirty="0"/>
+              <a:t>채집 재료</a:t>
+            </a:r>
+          </a:p>
+        </p:txBody>
+      </p:sp>
+      <p:graphicFrame>
+        <p:nvGraphicFramePr>
+          <p:cNvPr id="3" name="표 5">
+            <a:extLst>
+              <a:ext uri="{FF2B5EF4-FFF2-40B4-BE49-F238E27FC236}">
+                <a16:creationId xmlns:a16="http://schemas.microsoft.com/office/drawing/2014/main" id="{4A88AABF-2D91-4F61-85BA-692ED5A8711E}"/>
+              </a:ext>
+            </a:extLst>
+          </p:cNvPr>
+          <p:cNvGraphicFramePr>
+            <a:graphicFrameLocks noGrp="1"/>
+          </p:cNvGraphicFramePr>
+          <p:nvPr>
+            <p:extLst>
+              <p:ext uri="{D42A27DB-BD31-4B8C-83A1-F6EECF244321}">
+                <p14:modId xmlns:p14="http://schemas.microsoft.com/office/powerpoint/2010/main" val="642258526"/>
+              </p:ext>
+            </p:extLst>
+          </p:nvPr>
+        </p:nvGraphicFramePr>
+        <p:xfrm>
+          <a:off x="1451577" y="2316480"/>
+          <a:ext cx="9603274" cy="2282414"/>
+        </p:xfrm>
+        <a:graphic>
+          <a:graphicData uri="http://schemas.openxmlformats.org/drawingml/2006/table">
+            <a:tbl>
+              <a:tblPr firstRow="1" bandRow="1">
+                <a:tableStyleId>{5C22544A-7EE6-4342-B048-85BDC9FD1C3A}</a:tableStyleId>
+              </a:tblPr>
+              <a:tblGrid>
+                <a:gridCol w="2600470">
+                  <a:extLst>
+                    <a:ext uri="{9D8B030D-6E8A-4147-A177-3AD203B41FA5}">
+                      <a16:colId xmlns:a16="http://schemas.microsoft.com/office/drawing/2014/main" val="1760169103"/>
+                    </a:ext>
+                  </a:extLst>
+                </a:gridCol>
+                <a:gridCol w="7002804">
+                  <a:extLst>
+                    <a:ext uri="{9D8B030D-6E8A-4147-A177-3AD203B41FA5}">
+                      <a16:colId xmlns:a16="http://schemas.microsoft.com/office/drawing/2014/main" val="650721307"/>
+                    </a:ext>
+                  </a:extLst>
+                </a:gridCol>
+              </a:tblGrid>
+              <a:tr h="569558">
+                <a:tc>
+                  <a:txBody>
+                    <a:bodyPr/>
+                    <a:lstStyle/>
+                    <a:p>
+                      <a:pPr algn="ctr" latinLnBrk="1"/>
+                      <a:r>
+                        <a:rPr lang="ko-KR" altLang="en-US" dirty="0"/>
+                        <a:t>이름</a:t>
+                      </a:r>
+                    </a:p>
+                  </a:txBody>
+                  <a:tcPr anchor="ctr"/>
+                </a:tc>
+                <a:tc>
+                  <a:txBody>
+                    <a:bodyPr/>
+                    <a:lstStyle/>
+                    <a:p>
+                      <a:pPr algn="ctr" latinLnBrk="1"/>
+                      <a:r>
+                        <a:rPr lang="ko-KR" altLang="en-US" dirty="0"/>
+                        <a:t>사용처</a:t>
+                      </a:r>
+                    </a:p>
+                  </a:txBody>
+                  <a:tcPr anchor="ctr"/>
+                </a:tc>
+                <a:extLst>
+                  <a:ext uri="{0D108BD9-81ED-4DB2-BD59-A6C34878D82A}">
+                    <a16:rowId xmlns:a16="http://schemas.microsoft.com/office/drawing/2014/main" val="61397566"/>
+                  </a:ext>
+                </a:extLst>
+              </a:tr>
+              <a:tr h="569558">
+                <a:tc>
+                  <a:txBody>
+                    <a:bodyPr/>
+                    <a:lstStyle/>
+                    <a:p>
+                      <a:pPr algn="ctr" latinLnBrk="1"/>
+                      <a:r>
+                        <a:rPr lang="ko-KR" altLang="en-US" dirty="0" err="1"/>
+                        <a:t>치유풀</a:t>
+                      </a:r>
+                      <a:endParaRPr lang="ko-KR" altLang="en-US" dirty="0"/>
+                    </a:p>
+                  </a:txBody>
+                  <a:tcPr anchor="ctr"/>
+                </a:tc>
+                <a:tc>
+                  <a:txBody>
+                    <a:bodyPr/>
+                    <a:lstStyle/>
+                    <a:p>
+                      <a:pPr algn="ctr" latinLnBrk="1"/>
+                      <a:r>
+                        <a:rPr lang="ko-KR" altLang="en-US" dirty="0"/>
+                        <a:t>체력 관련 아이템 제작 재료</a:t>
+                      </a:r>
+                    </a:p>
+                  </a:txBody>
+                  <a:tcPr anchor="ctr"/>
+                </a:tc>
+                <a:extLst>
+                  <a:ext uri="{0D108BD9-81ED-4DB2-BD59-A6C34878D82A}">
+                    <a16:rowId xmlns:a16="http://schemas.microsoft.com/office/drawing/2014/main" val="2315534329"/>
+                  </a:ext>
+                </a:extLst>
+              </a:tr>
+              <a:tr h="569558">
+                <a:tc>
+                  <a:txBody>
+                    <a:bodyPr/>
+                    <a:lstStyle/>
+                    <a:p>
+                      <a:pPr algn="ctr" latinLnBrk="1"/>
+                      <a:r>
+                        <a:rPr lang="ko-KR" altLang="en-US" dirty="0" err="1"/>
+                        <a:t>활력풀</a:t>
+                      </a:r>
+                      <a:endParaRPr lang="ko-KR" altLang="en-US" dirty="0"/>
+                    </a:p>
+                  </a:txBody>
+                  <a:tcPr anchor="ctr"/>
+                </a:tc>
+                <a:tc>
+                  <a:txBody>
+                    <a:bodyPr/>
+                    <a:lstStyle/>
+                    <a:p>
+                      <a:pPr algn="ctr" latinLnBrk="1"/>
+                      <a:r>
+                        <a:rPr lang="ko-KR" altLang="en-US" dirty="0"/>
+                        <a:t>활동력 관련 아이템 제작 재료</a:t>
+                      </a:r>
+                    </a:p>
+                  </a:txBody>
+                  <a:tcPr anchor="ctr"/>
+                </a:tc>
+                <a:extLst>
+                  <a:ext uri="{0D108BD9-81ED-4DB2-BD59-A6C34878D82A}">
+                    <a16:rowId xmlns:a16="http://schemas.microsoft.com/office/drawing/2014/main" val="1451484736"/>
+                  </a:ext>
+                </a:extLst>
+              </a:tr>
+              <a:tr h="573740">
+                <a:tc>
+                  <a:txBody>
+                    <a:bodyPr/>
+                    <a:lstStyle/>
+                    <a:p>
+                      <a:pPr algn="ctr" latinLnBrk="1"/>
+                      <a:r>
+                        <a:rPr lang="ko-KR" altLang="en-US" dirty="0" err="1"/>
+                        <a:t>수면풀</a:t>
+                      </a:r>
+                      <a:endParaRPr lang="ko-KR" altLang="en-US" dirty="0"/>
+                    </a:p>
+                  </a:txBody>
+                  <a:tcPr anchor="ctr"/>
+                </a:tc>
+                <a:tc>
+                  <a:txBody>
+                    <a:bodyPr/>
+                    <a:lstStyle/>
+                    <a:p>
+                      <a:pPr algn="ctr" latinLnBrk="1"/>
+                      <a:r>
+                        <a:rPr lang="ko-KR" altLang="en-US" dirty="0"/>
+                        <a:t>수면 </a:t>
+                      </a:r>
+                      <a:r>
+                        <a:rPr lang="ko-KR" altLang="en-US" dirty="0" err="1"/>
+                        <a:t>보조제</a:t>
+                      </a:r>
+                      <a:r>
+                        <a:rPr lang="ko-KR" altLang="en-US" dirty="0"/>
+                        <a:t> 제작 재료</a:t>
+                      </a:r>
+                    </a:p>
+                  </a:txBody>
+                  <a:tcPr anchor="ctr"/>
+                </a:tc>
+                <a:extLst>
+                  <a:ext uri="{0D108BD9-81ED-4DB2-BD59-A6C34878D82A}">
+                    <a16:rowId xmlns:a16="http://schemas.microsoft.com/office/drawing/2014/main" val="2862086905"/>
+                  </a:ext>
+                </a:extLst>
+              </a:tr>
+            </a:tbl>
+          </a:graphicData>
+        </a:graphic>
+      </p:graphicFrame>
+    </p:spTree>
+    <p:extLst>
+      <p:ext uri="{BB962C8B-B14F-4D97-AF65-F5344CB8AC3E}">
+        <p14:creationId xmlns:p14="http://schemas.microsoft.com/office/powerpoint/2010/main" val="121122054"/>
+      </p:ext>
+    </p:extLst>
+  </p:cSld>
+  <p:clrMapOvr>
+    <a:masterClrMapping/>
+  </p:clrMapOvr>
+</p:sld>
+</file>
+
+<file path=ppt/slides/slide45.xml><?xml version="1.0" encoding="utf-8"?>
+<p:sld xmlns:a="http://schemas.openxmlformats.org/drawingml/2006/main" xmlns:r="http://schemas.openxmlformats.org/officeDocument/2006/relationships" xmlns:p="http://schemas.openxmlformats.org/presentationml/2006/main">
+  <p:cSld>
+    <p:spTree>
+      <p:nvGrpSpPr>
+        <p:cNvPr id="1" name=""/>
+        <p:cNvGrpSpPr/>
+        <p:nvPr/>
+      </p:nvGrpSpPr>
+      <p:grpSpPr>
+        <a:xfrm>
+          <a:off x="0" y="0"/>
+          <a:ext cx="0" cy="0"/>
+          <a:chOff x="0" y="0"/>
+          <a:chExt cx="0" cy="0"/>
+        </a:xfrm>
+      </p:grpSpPr>
+      <p:sp>
+        <p:nvSpPr>
+          <p:cNvPr id="4" name="제목 3">
+            <a:extLst>
+              <a:ext uri="{FF2B5EF4-FFF2-40B4-BE49-F238E27FC236}">
+                <a16:creationId xmlns:a16="http://schemas.microsoft.com/office/drawing/2014/main" id="{BD1FA68B-026A-4EC9-8760-57B376AB7839}"/>
+              </a:ext>
+            </a:extLst>
+          </p:cNvPr>
+          <p:cNvSpPr>
+            <a:spLocks noGrp="1"/>
+          </p:cNvSpPr>
+          <p:nvPr>
+            <p:ph type="title"/>
+          </p:nvPr>
+        </p:nvSpPr>
+        <p:spPr/>
+        <p:txBody>
+          <a:bodyPr anchor="ctr"/>
+          <a:lstStyle/>
+          <a:p>
+            <a:r>
+              <a:rPr lang="ko-KR" altLang="en-US" cap="none" dirty="0"/>
+              <a:t>채광 재료</a:t>
+            </a:r>
+          </a:p>
+        </p:txBody>
+      </p:sp>
+      <p:graphicFrame>
+        <p:nvGraphicFramePr>
+          <p:cNvPr id="3" name="표 5">
+            <a:extLst>
+              <a:ext uri="{FF2B5EF4-FFF2-40B4-BE49-F238E27FC236}">
+                <a16:creationId xmlns:a16="http://schemas.microsoft.com/office/drawing/2014/main" id="{509050C3-A98C-48FA-BC0D-23C7A59EC707}"/>
+              </a:ext>
+            </a:extLst>
+          </p:cNvPr>
+          <p:cNvGraphicFramePr>
+            <a:graphicFrameLocks noGrp="1"/>
+          </p:cNvGraphicFramePr>
+          <p:nvPr>
+            <p:extLst>
+              <p:ext uri="{D42A27DB-BD31-4B8C-83A1-F6EECF244321}">
+                <p14:modId xmlns:p14="http://schemas.microsoft.com/office/powerpoint/2010/main" val="3543221550"/>
+              </p:ext>
+            </p:extLst>
+          </p:nvPr>
+        </p:nvGraphicFramePr>
+        <p:xfrm>
+          <a:off x="1451577" y="2316480"/>
+          <a:ext cx="9603274" cy="2290778"/>
+        </p:xfrm>
+        <a:graphic>
+          <a:graphicData uri="http://schemas.openxmlformats.org/drawingml/2006/table">
+            <a:tbl>
+              <a:tblPr firstRow="1" bandRow="1">
+                <a:tableStyleId>{7DF18680-E054-41AD-8BC1-D1AEF772440D}</a:tableStyleId>
+              </a:tblPr>
+              <a:tblGrid>
+                <a:gridCol w="2053623">
+                  <a:extLst>
+                    <a:ext uri="{9D8B030D-6E8A-4147-A177-3AD203B41FA5}">
+                      <a16:colId xmlns:a16="http://schemas.microsoft.com/office/drawing/2014/main" val="1760169103"/>
+                    </a:ext>
+                  </a:extLst>
+                </a:gridCol>
+                <a:gridCol w="7549651">
+                  <a:extLst>
+                    <a:ext uri="{9D8B030D-6E8A-4147-A177-3AD203B41FA5}">
+                      <a16:colId xmlns:a16="http://schemas.microsoft.com/office/drawing/2014/main" val="650721307"/>
+                    </a:ext>
+                  </a:extLst>
+                </a:gridCol>
+              </a:tblGrid>
+              <a:tr h="569558">
+                <a:tc>
+                  <a:txBody>
+                    <a:bodyPr/>
+                    <a:lstStyle/>
+                    <a:p>
+                      <a:pPr algn="ctr" latinLnBrk="1"/>
+                      <a:r>
+                        <a:rPr lang="ko-KR" altLang="en-US" dirty="0"/>
+                        <a:t>이름</a:t>
+                      </a:r>
+                    </a:p>
+                  </a:txBody>
+                  <a:tcPr anchor="ctr"/>
+                </a:tc>
+                <a:tc>
+                  <a:txBody>
+                    <a:bodyPr/>
+                    <a:lstStyle/>
+                    <a:p>
+                      <a:pPr algn="ctr" latinLnBrk="1"/>
+                      <a:r>
+                        <a:rPr lang="ko-KR" altLang="en-US" dirty="0"/>
+                        <a:t>사용처</a:t>
+                      </a:r>
+                    </a:p>
+                  </a:txBody>
+                  <a:tcPr anchor="ctr"/>
+                </a:tc>
+                <a:extLst>
+                  <a:ext uri="{0D108BD9-81ED-4DB2-BD59-A6C34878D82A}">
+                    <a16:rowId xmlns:a16="http://schemas.microsoft.com/office/drawing/2014/main" val="61397566"/>
+                  </a:ext>
+                </a:extLst>
+              </a:tr>
+              <a:tr h="573740">
+                <a:tc>
+                  <a:txBody>
+                    <a:bodyPr/>
+                    <a:lstStyle/>
+                    <a:p>
+                      <a:pPr algn="ctr" latinLnBrk="1"/>
+                      <a:r>
+                        <a:rPr lang="ko-KR" altLang="en-US" dirty="0" err="1"/>
+                        <a:t>파나스</a:t>
+                      </a:r>
+                      <a:r>
+                        <a:rPr lang="ko-KR" altLang="en-US" dirty="0"/>
+                        <a:t> 철</a:t>
+                      </a:r>
+                    </a:p>
+                  </a:txBody>
+                  <a:tcPr anchor="ctr"/>
+                </a:tc>
+                <a:tc>
+                  <a:txBody>
+                    <a:bodyPr/>
+                    <a:lstStyle/>
+                    <a:p>
+                      <a:pPr algn="ctr" latinLnBrk="1"/>
+                      <a:r>
+                        <a:rPr lang="ko-KR" altLang="en-US" dirty="0"/>
+                        <a:t>생활 도구 제작 재료</a:t>
+                      </a:r>
+                    </a:p>
+                  </a:txBody>
+                  <a:tcPr anchor="ctr"/>
+                </a:tc>
+                <a:extLst>
+                  <a:ext uri="{0D108BD9-81ED-4DB2-BD59-A6C34878D82A}">
+                    <a16:rowId xmlns:a16="http://schemas.microsoft.com/office/drawing/2014/main" val="1340844652"/>
+                  </a:ext>
+                </a:extLst>
+              </a:tr>
+              <a:tr h="573740">
+                <a:tc>
+                  <a:txBody>
+                    <a:bodyPr/>
+                    <a:lstStyle/>
+                    <a:p>
+                      <a:pPr algn="ctr" latinLnBrk="1"/>
+                      <a:r>
+                        <a:rPr lang="ko-KR" altLang="en-US"/>
+                        <a:t>셀리온 철</a:t>
+                      </a:r>
+                      <a:endParaRPr lang="ko-KR" altLang="en-US" dirty="0"/>
+                    </a:p>
+                  </a:txBody>
+                  <a:tcPr anchor="ctr"/>
+                </a:tc>
+                <a:tc>
+                  <a:txBody>
+                    <a:bodyPr/>
+                    <a:lstStyle/>
+                    <a:p>
+                      <a:pPr algn="ctr" latinLnBrk="1"/>
+                      <a:r>
+                        <a:rPr lang="ko-KR" altLang="en-US" dirty="0"/>
+                        <a:t>무기 제작 재료</a:t>
+                      </a:r>
+                    </a:p>
+                  </a:txBody>
+                  <a:tcPr anchor="ctr"/>
+                </a:tc>
+                <a:extLst>
+                  <a:ext uri="{0D108BD9-81ED-4DB2-BD59-A6C34878D82A}">
+                    <a16:rowId xmlns:a16="http://schemas.microsoft.com/office/drawing/2014/main" val="371049635"/>
+                  </a:ext>
+                </a:extLst>
+              </a:tr>
+              <a:tr h="573740">
+                <a:tc>
+                  <a:txBody>
+                    <a:bodyPr/>
+                    <a:lstStyle/>
+                    <a:p>
+                      <a:pPr algn="ctr" latinLnBrk="1"/>
+                      <a:r>
+                        <a:rPr lang="ko-KR" altLang="en-US"/>
+                        <a:t>알테니아 수정</a:t>
+                      </a:r>
+                      <a:endParaRPr lang="ko-KR" altLang="en-US" dirty="0"/>
+                    </a:p>
+                  </a:txBody>
+                  <a:tcPr anchor="ctr"/>
+                </a:tc>
+                <a:tc>
+                  <a:txBody>
+                    <a:bodyPr/>
+                    <a:lstStyle/>
+                    <a:p>
+                      <a:pPr algn="ctr" latinLnBrk="1"/>
+                      <a:r>
+                        <a:rPr lang="ko-KR" altLang="en-US" dirty="0"/>
+                        <a:t>마법 장비 </a:t>
+                      </a:r>
+                      <a:r>
+                        <a:rPr lang="en-US" altLang="ko-KR" dirty="0"/>
+                        <a:t>/ </a:t>
+                      </a:r>
+                      <a:r>
+                        <a:rPr lang="ko-KR" altLang="en-US" dirty="0"/>
+                        <a:t>도구 제작 재료</a:t>
+                      </a:r>
+                    </a:p>
+                  </a:txBody>
+                  <a:tcPr anchor="ctr"/>
+                </a:tc>
+                <a:extLst>
+                  <a:ext uri="{0D108BD9-81ED-4DB2-BD59-A6C34878D82A}">
+                    <a16:rowId xmlns:a16="http://schemas.microsoft.com/office/drawing/2014/main" val="1555130222"/>
+                  </a:ext>
+                </a:extLst>
+              </a:tr>
+            </a:tbl>
+          </a:graphicData>
+        </a:graphic>
+      </p:graphicFrame>
+    </p:spTree>
+    <p:extLst>
+      <p:ext uri="{BB962C8B-B14F-4D97-AF65-F5344CB8AC3E}">
+        <p14:creationId xmlns:p14="http://schemas.microsoft.com/office/powerpoint/2010/main" val="1840800372"/>
+      </p:ext>
+    </p:extLst>
+  </p:cSld>
+  <p:clrMapOvr>
+    <a:masterClrMapping/>
+  </p:clrMapOvr>
+</p:sld>
+</file>
+
+<file path=ppt/slides/slide46.xml><?xml version="1.0" encoding="utf-8"?>
+<p:sld xmlns:a="http://schemas.openxmlformats.org/drawingml/2006/main" xmlns:r="http://schemas.openxmlformats.org/officeDocument/2006/relationships" xmlns:p="http://schemas.openxmlformats.org/presentationml/2006/main">
+  <p:cSld>
+    <p:spTree>
+      <p:nvGrpSpPr>
+        <p:cNvPr id="1" name=""/>
+        <p:cNvGrpSpPr/>
+        <p:nvPr/>
+      </p:nvGrpSpPr>
+      <p:grpSpPr>
+        <a:xfrm>
+          <a:off x="0" y="0"/>
+          <a:ext cx="0" cy="0"/>
+          <a:chOff x="0" y="0"/>
+          <a:chExt cx="0" cy="0"/>
+        </a:xfrm>
+      </p:grpSpPr>
+      <p:sp>
+        <p:nvSpPr>
+          <p:cNvPr id="4" name="제목 3">
+            <a:extLst>
+              <a:ext uri="{FF2B5EF4-FFF2-40B4-BE49-F238E27FC236}">
+                <a16:creationId xmlns:a16="http://schemas.microsoft.com/office/drawing/2014/main" id="{BD1FA68B-026A-4EC9-8760-57B376AB7839}"/>
+              </a:ext>
+            </a:extLst>
+          </p:cNvPr>
+          <p:cNvSpPr>
+            <a:spLocks noGrp="1"/>
+          </p:cNvSpPr>
+          <p:nvPr>
+            <p:ph type="title"/>
+          </p:nvPr>
+        </p:nvSpPr>
+        <p:spPr/>
+        <p:txBody>
+          <a:bodyPr anchor="ctr"/>
+          <a:lstStyle/>
+          <a:p>
+            <a:r>
+              <a:rPr lang="ko-KR" altLang="en-US" cap="none" dirty="0"/>
+              <a:t>요리 재료</a:t>
+            </a:r>
+          </a:p>
+        </p:txBody>
+      </p:sp>
+      <p:graphicFrame>
+        <p:nvGraphicFramePr>
+          <p:cNvPr id="3" name="표 5">
+            <a:extLst>
+              <a:ext uri="{FF2B5EF4-FFF2-40B4-BE49-F238E27FC236}">
+                <a16:creationId xmlns:a16="http://schemas.microsoft.com/office/drawing/2014/main" id="{4A88AABF-2D91-4F61-85BA-692ED5A8711E}"/>
+              </a:ext>
+            </a:extLst>
+          </p:cNvPr>
+          <p:cNvGraphicFramePr>
+            <a:graphicFrameLocks noGrp="1"/>
+          </p:cNvGraphicFramePr>
+          <p:nvPr>
+            <p:extLst>
+              <p:ext uri="{D42A27DB-BD31-4B8C-83A1-F6EECF244321}">
+                <p14:modId xmlns:p14="http://schemas.microsoft.com/office/powerpoint/2010/main" val="1582891825"/>
+              </p:ext>
+            </p:extLst>
+          </p:nvPr>
+        </p:nvGraphicFramePr>
+        <p:xfrm>
+          <a:off x="1451577" y="2316480"/>
+          <a:ext cx="9603274" cy="2856154"/>
+        </p:xfrm>
+        <a:graphic>
+          <a:graphicData uri="http://schemas.openxmlformats.org/drawingml/2006/table">
+            <a:tbl>
+              <a:tblPr firstRow="1" bandRow="1">
+                <a:tableStyleId>{21E4AEA4-8DFA-4A89-87EB-49C32662AFE0}</a:tableStyleId>
+              </a:tblPr>
+              <a:tblGrid>
+                <a:gridCol w="2600470">
+                  <a:extLst>
+                    <a:ext uri="{9D8B030D-6E8A-4147-A177-3AD203B41FA5}">
+                      <a16:colId xmlns:a16="http://schemas.microsoft.com/office/drawing/2014/main" val="1760169103"/>
+                    </a:ext>
+                  </a:extLst>
+                </a:gridCol>
+                <a:gridCol w="7002804">
+                  <a:extLst>
+                    <a:ext uri="{9D8B030D-6E8A-4147-A177-3AD203B41FA5}">
+                      <a16:colId xmlns:a16="http://schemas.microsoft.com/office/drawing/2014/main" val="650721307"/>
+                    </a:ext>
+                  </a:extLst>
+                </a:gridCol>
+              </a:tblGrid>
+              <a:tr h="569558">
+                <a:tc>
+                  <a:txBody>
+                    <a:bodyPr/>
+                    <a:lstStyle/>
+                    <a:p>
+                      <a:pPr algn="ctr" latinLnBrk="1"/>
+                      <a:r>
+                        <a:rPr lang="ko-KR" altLang="en-US" dirty="0"/>
+                        <a:t>이름</a:t>
+                      </a:r>
+                    </a:p>
+                  </a:txBody>
+                  <a:tcPr anchor="ctr"/>
+                </a:tc>
+                <a:tc>
+                  <a:txBody>
+                    <a:bodyPr/>
+                    <a:lstStyle/>
+                    <a:p>
+                      <a:pPr algn="ctr" latinLnBrk="1"/>
+                      <a:r>
+                        <a:rPr lang="ko-KR" altLang="en-US" dirty="0"/>
+                        <a:t>사용처</a:t>
+                      </a:r>
+                    </a:p>
+                  </a:txBody>
+                  <a:tcPr anchor="ctr"/>
+                </a:tc>
+                <a:extLst>
+                  <a:ext uri="{0D108BD9-81ED-4DB2-BD59-A6C34878D82A}">
+                    <a16:rowId xmlns:a16="http://schemas.microsoft.com/office/drawing/2014/main" val="61397566"/>
+                  </a:ext>
+                </a:extLst>
+              </a:tr>
+              <a:tr h="569558">
+                <a:tc>
+                  <a:txBody>
+                    <a:bodyPr/>
+                    <a:lstStyle/>
+                    <a:p>
+                      <a:pPr algn="ctr" latinLnBrk="1"/>
+                      <a:r>
+                        <a:rPr lang="ko-KR" altLang="en-US" dirty="0"/>
+                        <a:t>잡곡가루</a:t>
+                      </a:r>
+                    </a:p>
+                  </a:txBody>
+                  <a:tcPr anchor="ctr"/>
+                </a:tc>
+                <a:tc>
+                  <a:txBody>
+                    <a:bodyPr/>
+                    <a:lstStyle/>
+                    <a:p>
+                      <a:pPr algn="ctr" latinLnBrk="1"/>
+                      <a:r>
+                        <a:rPr lang="ko-KR" altLang="en-US" dirty="0" err="1"/>
+                        <a:t>검은빵</a:t>
+                      </a:r>
+                      <a:r>
+                        <a:rPr lang="ko-KR" altLang="en-US" dirty="0"/>
+                        <a:t> 제작 재료</a:t>
+                      </a:r>
+                    </a:p>
+                  </a:txBody>
+                  <a:tcPr anchor="ctr"/>
+                </a:tc>
+                <a:extLst>
+                  <a:ext uri="{0D108BD9-81ED-4DB2-BD59-A6C34878D82A}">
+                    <a16:rowId xmlns:a16="http://schemas.microsoft.com/office/drawing/2014/main" val="2315534329"/>
+                  </a:ext>
+                </a:extLst>
+              </a:tr>
+              <a:tr h="569558">
+                <a:tc>
+                  <a:txBody>
+                    <a:bodyPr/>
+                    <a:lstStyle/>
+                    <a:p>
+                      <a:pPr algn="ctr" latinLnBrk="1"/>
+                      <a:r>
+                        <a:rPr lang="ko-KR" altLang="en-US" dirty="0"/>
+                        <a:t>밀가루</a:t>
+                      </a:r>
+                    </a:p>
+                  </a:txBody>
+                  <a:tcPr anchor="ctr"/>
+                </a:tc>
+                <a:tc>
+                  <a:txBody>
+                    <a:bodyPr/>
+                    <a:lstStyle/>
+                    <a:p>
+                      <a:pPr algn="ctr" latinLnBrk="1"/>
+                      <a:r>
+                        <a:rPr lang="ko-KR" altLang="en-US" dirty="0" err="1"/>
+                        <a:t>흰빵</a:t>
+                      </a:r>
+                      <a:r>
+                        <a:rPr lang="ko-KR" altLang="en-US" dirty="0"/>
+                        <a:t> 제작 재료</a:t>
+                      </a:r>
+                    </a:p>
+                  </a:txBody>
+                  <a:tcPr anchor="ctr"/>
+                </a:tc>
+                <a:extLst>
+                  <a:ext uri="{0D108BD9-81ED-4DB2-BD59-A6C34878D82A}">
+                    <a16:rowId xmlns:a16="http://schemas.microsoft.com/office/drawing/2014/main" val="1451484736"/>
+                  </a:ext>
+                </a:extLst>
+              </a:tr>
+              <a:tr h="573740">
+                <a:tc>
+                  <a:txBody>
+                    <a:bodyPr/>
+                    <a:lstStyle/>
+                    <a:p>
+                      <a:pPr algn="ctr" latinLnBrk="1"/>
+                      <a:r>
+                        <a:rPr lang="ko-KR" altLang="en-US" dirty="0"/>
+                        <a:t>소금</a:t>
+                      </a:r>
+                    </a:p>
+                  </a:txBody>
+                  <a:tcPr anchor="ctr"/>
+                </a:tc>
+                <a:tc>
+                  <a:txBody>
+                    <a:bodyPr/>
+                    <a:lstStyle/>
+                    <a:p>
+                      <a:pPr algn="ctr" latinLnBrk="1"/>
+                      <a:r>
+                        <a:rPr lang="ko-KR" altLang="en-US" dirty="0"/>
+                        <a:t>요리 제작 재료</a:t>
+                      </a:r>
+                    </a:p>
+                  </a:txBody>
+                  <a:tcPr anchor="ctr"/>
+                </a:tc>
+                <a:extLst>
+                  <a:ext uri="{0D108BD9-81ED-4DB2-BD59-A6C34878D82A}">
+                    <a16:rowId xmlns:a16="http://schemas.microsoft.com/office/drawing/2014/main" val="2862086905"/>
+                  </a:ext>
+                </a:extLst>
+              </a:tr>
+              <a:tr h="573740">
+                <a:tc>
+                  <a:txBody>
+                    <a:bodyPr/>
+                    <a:lstStyle/>
+                    <a:p>
+                      <a:pPr algn="ctr" latinLnBrk="1"/>
+                      <a:r>
+                        <a:rPr lang="ko-KR" altLang="en-US" dirty="0"/>
+                        <a:t>이스트</a:t>
+                      </a:r>
+                    </a:p>
+                  </a:txBody>
+                  <a:tcPr anchor="ctr"/>
+                </a:tc>
+                <a:tc>
+                  <a:txBody>
+                    <a:bodyPr/>
+                    <a:lstStyle/>
+                    <a:p>
+                      <a:pPr algn="ctr" latinLnBrk="1"/>
+                      <a:r>
+                        <a:rPr lang="ko-KR" altLang="en-US" dirty="0"/>
+                        <a:t>빵 제작 재료</a:t>
+                      </a:r>
+                    </a:p>
+                  </a:txBody>
+                  <a:tcPr anchor="ctr"/>
+                </a:tc>
+                <a:extLst>
+                  <a:ext uri="{0D108BD9-81ED-4DB2-BD59-A6C34878D82A}">
+                    <a16:rowId xmlns:a16="http://schemas.microsoft.com/office/drawing/2014/main" val="3861065032"/>
+                  </a:ext>
+                </a:extLst>
+              </a:tr>
+            </a:tbl>
+          </a:graphicData>
+        </a:graphic>
+      </p:graphicFrame>
+    </p:spTree>
+    <p:extLst>
+      <p:ext uri="{BB962C8B-B14F-4D97-AF65-F5344CB8AC3E}">
+        <p14:creationId xmlns:p14="http://schemas.microsoft.com/office/powerpoint/2010/main" val="1296902644"/>
+      </p:ext>
+    </p:extLst>
+  </p:cSld>
+  <p:clrMapOvr>
+    <a:masterClrMapping/>
+  </p:clrMapOvr>
+</p:sld>
+</file>
+
+<file path=ppt/slides/slide47.xml><?xml version="1.0" encoding="utf-8"?>
+<p:sld xmlns:a="http://schemas.openxmlformats.org/drawingml/2006/main" xmlns:r="http://schemas.openxmlformats.org/officeDocument/2006/relationships" xmlns:p="http://schemas.openxmlformats.org/presentationml/2006/main">
+  <p:cSld>
+    <p:spTree>
+      <p:nvGrpSpPr>
+        <p:cNvPr id="1" name=""/>
+        <p:cNvGrpSpPr/>
+        <p:nvPr/>
+      </p:nvGrpSpPr>
+      <p:grpSpPr>
+        <a:xfrm>
+          <a:off x="0" y="0"/>
+          <a:ext cx="0" cy="0"/>
+          <a:chOff x="0" y="0"/>
+          <a:chExt cx="0" cy="0"/>
+        </a:xfrm>
+      </p:grpSpPr>
+      <p:sp>
+        <p:nvSpPr>
+          <p:cNvPr id="4" name="제목 3">
+            <a:extLst>
+              <a:ext uri="{FF2B5EF4-FFF2-40B4-BE49-F238E27FC236}">
+                <a16:creationId xmlns:a16="http://schemas.microsoft.com/office/drawing/2014/main" id="{BD1FA68B-026A-4EC9-8760-57B376AB7839}"/>
+              </a:ext>
+            </a:extLst>
+          </p:cNvPr>
+          <p:cNvSpPr>
+            <a:spLocks noGrp="1"/>
+          </p:cNvSpPr>
+          <p:nvPr>
+            <p:ph type="title"/>
+          </p:nvPr>
+        </p:nvSpPr>
+        <p:spPr/>
+        <p:txBody>
+          <a:bodyPr anchor="ctr"/>
+          <a:lstStyle/>
+          <a:p>
+            <a:r>
+              <a:rPr lang="ko-KR" altLang="en-US" dirty="0"/>
+              <a:t>잡화</a:t>
+            </a:r>
+          </a:p>
+        </p:txBody>
+      </p:sp>
+      <p:graphicFrame>
+        <p:nvGraphicFramePr>
+          <p:cNvPr id="6" name="표 5">
+            <a:extLst>
+              <a:ext uri="{FF2B5EF4-FFF2-40B4-BE49-F238E27FC236}">
+                <a16:creationId xmlns:a16="http://schemas.microsoft.com/office/drawing/2014/main" id="{D49564E9-EF9B-4B26-9CCE-841D1F9BF249}"/>
+              </a:ext>
+            </a:extLst>
+          </p:cNvPr>
+          <p:cNvGraphicFramePr>
+            <a:graphicFrameLocks noGrp="1"/>
+          </p:cNvGraphicFramePr>
+          <p:nvPr>
+            <p:extLst>
+              <p:ext uri="{D42A27DB-BD31-4B8C-83A1-F6EECF244321}">
+                <p14:modId xmlns:p14="http://schemas.microsoft.com/office/powerpoint/2010/main" val="814775656"/>
+              </p:ext>
+            </p:extLst>
+          </p:nvPr>
+        </p:nvGraphicFramePr>
+        <p:xfrm>
+          <a:off x="1451577" y="2316480"/>
+          <a:ext cx="9603274" cy="3438258"/>
+        </p:xfrm>
+        <a:graphic>
+          <a:graphicData uri="http://schemas.openxmlformats.org/drawingml/2006/table">
+            <a:tbl>
+              <a:tblPr firstRow="1" bandRow="1">
+                <a:tableStyleId>{00A15C55-8517-42AA-B614-E9B94910E393}</a:tableStyleId>
+              </a:tblPr>
+              <a:tblGrid>
+                <a:gridCol w="2492894">
+                  <a:extLst>
+                    <a:ext uri="{9D8B030D-6E8A-4147-A177-3AD203B41FA5}">
+                      <a16:colId xmlns:a16="http://schemas.microsoft.com/office/drawing/2014/main" val="1760169103"/>
+                    </a:ext>
+                  </a:extLst>
+                </a:gridCol>
+                <a:gridCol w="7110380">
+                  <a:extLst>
+                    <a:ext uri="{9D8B030D-6E8A-4147-A177-3AD203B41FA5}">
+                      <a16:colId xmlns:a16="http://schemas.microsoft.com/office/drawing/2014/main" val="650721307"/>
+                    </a:ext>
+                  </a:extLst>
+                </a:gridCol>
+              </a:tblGrid>
+              <a:tr h="569558">
+                <a:tc>
+                  <a:txBody>
+                    <a:bodyPr/>
+                    <a:lstStyle/>
+                    <a:p>
+                      <a:pPr algn="ctr" latinLnBrk="1"/>
+                      <a:r>
+                        <a:rPr lang="ko-KR" altLang="en-US" dirty="0"/>
+                        <a:t>이름</a:t>
+                      </a:r>
+                    </a:p>
+                  </a:txBody>
+                  <a:tcPr anchor="ctr"/>
+                </a:tc>
+                <a:tc>
+                  <a:txBody>
+                    <a:bodyPr/>
+                    <a:lstStyle/>
+                    <a:p>
+                      <a:pPr algn="ctr" latinLnBrk="1"/>
+                      <a:r>
+                        <a:rPr lang="ko-KR" altLang="en-US" dirty="0"/>
+                        <a:t>사용처</a:t>
+                      </a:r>
+                    </a:p>
+                  </a:txBody>
+                  <a:tcPr anchor="ctr"/>
+                </a:tc>
+                <a:extLst>
+                  <a:ext uri="{0D108BD9-81ED-4DB2-BD59-A6C34878D82A}">
+                    <a16:rowId xmlns:a16="http://schemas.microsoft.com/office/drawing/2014/main" val="61397566"/>
+                  </a:ext>
+                </a:extLst>
+              </a:tr>
+              <a:tr h="573740">
+                <a:tc>
+                  <a:txBody>
+                    <a:bodyPr/>
+                    <a:lstStyle/>
+                    <a:p>
+                      <a:pPr algn="ctr" latinLnBrk="1"/>
+                      <a:r>
+                        <a:rPr lang="ko-KR" altLang="en-US" dirty="0" err="1"/>
+                        <a:t>포션</a:t>
+                      </a:r>
+                      <a:r>
+                        <a:rPr lang="ko-KR" altLang="en-US" dirty="0"/>
+                        <a:t> 조제용 병</a:t>
+                      </a:r>
+                    </a:p>
+                  </a:txBody>
+                  <a:tcPr anchor="ctr"/>
+                </a:tc>
+                <a:tc>
+                  <a:txBody>
+                    <a:bodyPr/>
+                    <a:lstStyle/>
+                    <a:p>
+                      <a:pPr algn="ctr" latinLnBrk="1"/>
+                      <a:r>
+                        <a:rPr lang="ko-KR" altLang="en-US" dirty="0" err="1"/>
+                        <a:t>포션</a:t>
+                      </a:r>
+                      <a:r>
+                        <a:rPr lang="ko-KR" altLang="en-US" dirty="0"/>
+                        <a:t> 제작 재료</a:t>
+                      </a:r>
+                    </a:p>
+                  </a:txBody>
+                  <a:tcPr anchor="ctr"/>
+                </a:tc>
+                <a:extLst>
+                  <a:ext uri="{0D108BD9-81ED-4DB2-BD59-A6C34878D82A}">
+                    <a16:rowId xmlns:a16="http://schemas.microsoft.com/office/drawing/2014/main" val="1340844652"/>
+                  </a:ext>
+                </a:extLst>
+              </a:tr>
+              <a:tr h="573740">
+                <a:tc>
+                  <a:txBody>
+                    <a:bodyPr/>
+                    <a:lstStyle/>
+                    <a:p>
+                      <a:pPr algn="ctr" latinLnBrk="1"/>
+                      <a:r>
+                        <a:rPr lang="ko-KR" altLang="en-US" dirty="0"/>
+                        <a:t>장비 </a:t>
+                      </a:r>
+                      <a:r>
+                        <a:rPr lang="ko-KR" altLang="en-US" dirty="0" err="1"/>
+                        <a:t>제련제</a:t>
+                      </a:r>
+                      <a:r>
+                        <a:rPr lang="ko-KR" altLang="en-US" dirty="0"/>
+                        <a:t> </a:t>
+                      </a:r>
+                      <a:r>
+                        <a:rPr lang="en-US" altLang="ko-KR" dirty="0"/>
+                        <a:t>I</a:t>
+                      </a:r>
+                      <a:endParaRPr lang="ko-KR" altLang="en-US" dirty="0"/>
+                    </a:p>
+                  </a:txBody>
+                  <a:tcPr anchor="ctr"/>
+                </a:tc>
+                <a:tc>
+                  <a:txBody>
+                    <a:bodyPr/>
+                    <a:lstStyle/>
+                    <a:p>
+                      <a:pPr algn="ctr" latinLnBrk="1"/>
+                      <a:r>
+                        <a:rPr lang="ko-KR" altLang="en-US" dirty="0"/>
+                        <a:t>도구 제작 재료</a:t>
+                      </a:r>
+                    </a:p>
+                  </a:txBody>
+                  <a:tcPr anchor="ctr"/>
+                </a:tc>
+                <a:extLst>
+                  <a:ext uri="{0D108BD9-81ED-4DB2-BD59-A6C34878D82A}">
+                    <a16:rowId xmlns:a16="http://schemas.microsoft.com/office/drawing/2014/main" val="371049635"/>
+                  </a:ext>
+                </a:extLst>
+              </a:tr>
+              <a:tr h="573740">
+                <a:tc>
+                  <a:txBody>
+                    <a:bodyPr/>
+                    <a:lstStyle/>
+                    <a:p>
+                      <a:pPr algn="ctr" latinLnBrk="1"/>
+                      <a:r>
+                        <a:rPr lang="ko-KR" altLang="en-US" dirty="0"/>
+                        <a:t>장비 </a:t>
+                      </a:r>
+                      <a:r>
+                        <a:rPr lang="ko-KR" altLang="en-US" dirty="0" err="1"/>
+                        <a:t>제련제</a:t>
+                      </a:r>
+                      <a:r>
+                        <a:rPr lang="ko-KR" altLang="en-US" dirty="0"/>
+                        <a:t> </a:t>
+                      </a:r>
+                      <a:r>
+                        <a:rPr lang="en-US" altLang="ko-KR" dirty="0"/>
+                        <a:t>II</a:t>
+                      </a:r>
+                      <a:endParaRPr lang="ko-KR" altLang="en-US" dirty="0"/>
+                    </a:p>
+                  </a:txBody>
+                  <a:tcPr anchor="ctr"/>
+                </a:tc>
+                <a:tc>
+                  <a:txBody>
+                    <a:bodyPr/>
+                    <a:lstStyle/>
+                    <a:p>
+                      <a:pPr algn="ctr" latinLnBrk="1"/>
+                      <a:r>
+                        <a:rPr lang="ko-KR" altLang="en-US" dirty="0"/>
+                        <a:t>무기 제작 재료</a:t>
+                      </a:r>
+                    </a:p>
+                  </a:txBody>
+                  <a:tcPr anchor="ctr"/>
+                </a:tc>
+                <a:extLst>
+                  <a:ext uri="{0D108BD9-81ED-4DB2-BD59-A6C34878D82A}">
+                    <a16:rowId xmlns:a16="http://schemas.microsoft.com/office/drawing/2014/main" val="1555130222"/>
+                  </a:ext>
+                </a:extLst>
+              </a:tr>
+              <a:tr h="573740">
+                <a:tc>
+                  <a:txBody>
+                    <a:bodyPr/>
+                    <a:lstStyle/>
+                    <a:p>
+                      <a:pPr algn="ctr" latinLnBrk="1"/>
+                      <a:r>
+                        <a:rPr lang="ko-KR" altLang="en-US" dirty="0"/>
+                        <a:t>마나 결정</a:t>
+                      </a:r>
+                    </a:p>
+                  </a:txBody>
+                  <a:tcPr anchor="ctr"/>
+                </a:tc>
+                <a:tc>
+                  <a:txBody>
+                    <a:bodyPr/>
+                    <a:lstStyle/>
+                    <a:p>
+                      <a:pPr algn="ctr" latinLnBrk="1"/>
+                      <a:r>
+                        <a:rPr lang="ko-KR" altLang="en-US" dirty="0"/>
+                        <a:t>마법 무기 </a:t>
+                      </a:r>
+                      <a:r>
+                        <a:rPr lang="en-US" altLang="ko-KR" dirty="0"/>
+                        <a:t>/ </a:t>
+                      </a:r>
+                      <a:r>
+                        <a:rPr lang="ko-KR" altLang="en-US" dirty="0"/>
+                        <a:t>도구 제작 재료</a:t>
+                      </a:r>
+                    </a:p>
+                  </a:txBody>
+                  <a:tcPr anchor="ctr"/>
+                </a:tc>
+                <a:extLst>
+                  <a:ext uri="{0D108BD9-81ED-4DB2-BD59-A6C34878D82A}">
+                    <a16:rowId xmlns:a16="http://schemas.microsoft.com/office/drawing/2014/main" val="3913808844"/>
+                  </a:ext>
+                </a:extLst>
+              </a:tr>
+              <a:tr h="573740">
+                <a:tc>
+                  <a:txBody>
+                    <a:bodyPr/>
+                    <a:lstStyle/>
+                    <a:p>
+                      <a:pPr algn="ctr" latinLnBrk="1"/>
+                      <a:r>
+                        <a:rPr lang="ko-KR" altLang="en-US" dirty="0"/>
+                        <a:t>소금</a:t>
+                      </a:r>
+                    </a:p>
+                  </a:txBody>
+                  <a:tcPr anchor="ctr"/>
+                </a:tc>
+                <a:tc>
+                  <a:txBody>
+                    <a:bodyPr/>
+                    <a:lstStyle/>
+                    <a:p>
+                      <a:pPr algn="ctr" latinLnBrk="1"/>
+                      <a:r>
+                        <a:rPr lang="ko-KR" altLang="en-US" dirty="0"/>
+                        <a:t>요리 제작 재료</a:t>
+                      </a:r>
+                    </a:p>
+                  </a:txBody>
+                  <a:tcPr anchor="ctr"/>
+                </a:tc>
+                <a:extLst>
+                  <a:ext uri="{0D108BD9-81ED-4DB2-BD59-A6C34878D82A}">
+                    <a16:rowId xmlns:a16="http://schemas.microsoft.com/office/drawing/2014/main" val="4156454529"/>
+                  </a:ext>
+                </a:extLst>
+              </a:tr>
+            </a:tbl>
+          </a:graphicData>
+        </a:graphic>
+      </p:graphicFrame>
+    </p:spTree>
+    <p:extLst>
+      <p:ext uri="{BB962C8B-B14F-4D97-AF65-F5344CB8AC3E}">
+        <p14:creationId xmlns:p14="http://schemas.microsoft.com/office/powerpoint/2010/main" val="66593146"/>
       </p:ext>
     </p:extLst>
   </p:cSld>

--- a/Specification/Prototype/프로토타입 기획서.pptx
+++ b/Specification/Prototype/프로토타입 기획서.pptx
@@ -8,50 +8,46 @@
     <p:sldId id="256" r:id="rId2"/>
     <p:sldId id="306" r:id="rId3"/>
     <p:sldId id="258" r:id="rId4"/>
-    <p:sldId id="257" r:id="rId5"/>
-    <p:sldId id="292" r:id="rId6"/>
-    <p:sldId id="294" r:id="rId7"/>
-    <p:sldId id="293" r:id="rId8"/>
-    <p:sldId id="296" r:id="rId9"/>
-    <p:sldId id="295" r:id="rId10"/>
-    <p:sldId id="259" r:id="rId11"/>
-    <p:sldId id="260" r:id="rId12"/>
-    <p:sldId id="261" r:id="rId13"/>
-    <p:sldId id="262" r:id="rId14"/>
-    <p:sldId id="304" r:id="rId15"/>
-    <p:sldId id="307" r:id="rId16"/>
-    <p:sldId id="263" r:id="rId17"/>
-    <p:sldId id="264" r:id="rId18"/>
-    <p:sldId id="268" r:id="rId19"/>
-    <p:sldId id="303" r:id="rId20"/>
-    <p:sldId id="267" r:id="rId21"/>
-    <p:sldId id="314" r:id="rId22"/>
-    <p:sldId id="269" r:id="rId23"/>
-    <p:sldId id="270" r:id="rId24"/>
-    <p:sldId id="271" r:id="rId25"/>
-    <p:sldId id="311" r:id="rId26"/>
-    <p:sldId id="272" r:id="rId27"/>
-    <p:sldId id="275" r:id="rId28"/>
-    <p:sldId id="279" r:id="rId29"/>
-    <p:sldId id="308" r:id="rId30"/>
-    <p:sldId id="282" r:id="rId31"/>
-    <p:sldId id="281" r:id="rId32"/>
-    <p:sldId id="280" r:id="rId33"/>
-    <p:sldId id="283" r:id="rId34"/>
-    <p:sldId id="284" r:id="rId35"/>
-    <p:sldId id="312" r:id="rId36"/>
-    <p:sldId id="297" r:id="rId37"/>
-    <p:sldId id="298" r:id="rId38"/>
-    <p:sldId id="299" r:id="rId39"/>
-    <p:sldId id="300" r:id="rId40"/>
-    <p:sldId id="301" r:id="rId41"/>
-    <p:sldId id="313" r:id="rId42"/>
-    <p:sldId id="310" r:id="rId43"/>
-    <p:sldId id="315" r:id="rId44"/>
-    <p:sldId id="288" r:id="rId45"/>
-    <p:sldId id="289" r:id="rId46"/>
-    <p:sldId id="316" r:id="rId47"/>
-    <p:sldId id="286" r:id="rId48"/>
+    <p:sldId id="292" r:id="rId5"/>
+    <p:sldId id="294" r:id="rId6"/>
+    <p:sldId id="293" r:id="rId7"/>
+    <p:sldId id="295" r:id="rId8"/>
+    <p:sldId id="260" r:id="rId9"/>
+    <p:sldId id="261" r:id="rId10"/>
+    <p:sldId id="262" r:id="rId11"/>
+    <p:sldId id="304" r:id="rId12"/>
+    <p:sldId id="263" r:id="rId13"/>
+    <p:sldId id="264" r:id="rId14"/>
+    <p:sldId id="268" r:id="rId15"/>
+    <p:sldId id="303" r:id="rId16"/>
+    <p:sldId id="267" r:id="rId17"/>
+    <p:sldId id="314" r:id="rId18"/>
+    <p:sldId id="269" r:id="rId19"/>
+    <p:sldId id="270" r:id="rId20"/>
+    <p:sldId id="271" r:id="rId21"/>
+    <p:sldId id="311" r:id="rId22"/>
+    <p:sldId id="272" r:id="rId23"/>
+    <p:sldId id="275" r:id="rId24"/>
+    <p:sldId id="279" r:id="rId25"/>
+    <p:sldId id="308" r:id="rId26"/>
+    <p:sldId id="282" r:id="rId27"/>
+    <p:sldId id="281" r:id="rId28"/>
+    <p:sldId id="280" r:id="rId29"/>
+    <p:sldId id="283" r:id="rId30"/>
+    <p:sldId id="284" r:id="rId31"/>
+    <p:sldId id="312" r:id="rId32"/>
+    <p:sldId id="297" r:id="rId33"/>
+    <p:sldId id="298" r:id="rId34"/>
+    <p:sldId id="299" r:id="rId35"/>
+    <p:sldId id="300" r:id="rId36"/>
+    <p:sldId id="301" r:id="rId37"/>
+    <p:sldId id="313" r:id="rId38"/>
+    <p:sldId id="310" r:id="rId39"/>
+    <p:sldId id="315" r:id="rId40"/>
+    <p:sldId id="288" r:id="rId41"/>
+    <p:sldId id="289" r:id="rId42"/>
+    <p:sldId id="316" r:id="rId43"/>
+    <p:sldId id="286" r:id="rId44"/>
   </p:sldIdLst>
   <p:sldSz cx="12192000" cy="6858000"/>
   <p:notesSz cx="6858000" cy="9144000"/>
@@ -162,13 +158,10 @@
         <p14:section name="캐릭터" id="{D9700225-4CB7-43ED-9E23-6116FFA8E38A}">
           <p14:sldIdLst>
             <p14:sldId id="258"/>
-            <p14:sldId id="257"/>
             <p14:sldId id="292"/>
             <p14:sldId id="294"/>
             <p14:sldId id="293"/>
-            <p14:sldId id="296"/>
             <p14:sldId id="295"/>
-            <p14:sldId id="259"/>
           </p14:sldIdLst>
         </p14:section>
         <p14:section name="시스템" id="{A03B708B-4E2B-48D1-9484-776A4C97091D}">
@@ -177,7 +170,6 @@
             <p14:sldId id="261"/>
             <p14:sldId id="262"/>
             <p14:sldId id="304"/>
-            <p14:sldId id="307"/>
             <p14:sldId id="263"/>
             <p14:sldId id="264"/>
             <p14:sldId id="268"/>
@@ -383,7 +375,7 @@
           <a:p>
             <a:fld id="{B6329E01-FBCF-4E48-B718-3A282398BC95}" type="datetimeFigureOut">
               <a:rPr lang="ko-KR" altLang="en-US" smtClean="0"/>
-              <a:t>2021-11-15</a:t>
+              <a:t>2021-11-16</a:t>
             </a:fld>
             <a:endParaRPr lang="ko-KR" altLang="en-US"/>
           </a:p>
@@ -594,7 +586,7 @@
           <a:p>
             <a:fld id="{B6329E01-FBCF-4E48-B718-3A282398BC95}" type="datetimeFigureOut">
               <a:rPr lang="ko-KR" altLang="en-US" smtClean="0"/>
-              <a:t>2021-11-15</a:t>
+              <a:t>2021-11-16</a:t>
             </a:fld>
             <a:endParaRPr lang="ko-KR" altLang="en-US"/>
           </a:p>
@@ -809,7 +801,7 @@
           <a:p>
             <a:fld id="{B6329E01-FBCF-4E48-B718-3A282398BC95}" type="datetimeFigureOut">
               <a:rPr lang="ko-KR" altLang="en-US" smtClean="0"/>
-              <a:t>2021-11-15</a:t>
+              <a:t>2021-11-16</a:t>
             </a:fld>
             <a:endParaRPr lang="ko-KR" altLang="en-US"/>
           </a:p>
@@ -1010,7 +1002,7 @@
           <a:p>
             <a:fld id="{B6329E01-FBCF-4E48-B718-3A282398BC95}" type="datetimeFigureOut">
               <a:rPr lang="ko-KR" altLang="en-US" smtClean="0"/>
-              <a:t>2021-11-15</a:t>
+              <a:t>2021-11-16</a:t>
             </a:fld>
             <a:endParaRPr lang="ko-KR" altLang="en-US"/>
           </a:p>
@@ -1289,7 +1281,7 @@
           <a:p>
             <a:fld id="{B6329E01-FBCF-4E48-B718-3A282398BC95}" type="datetimeFigureOut">
               <a:rPr lang="ko-KR" altLang="en-US" smtClean="0"/>
-              <a:t>2021-11-15</a:t>
+              <a:t>2021-11-16</a:t>
             </a:fld>
             <a:endParaRPr lang="ko-KR" altLang="en-US"/>
           </a:p>
@@ -1557,7 +1549,7 @@
           <a:p>
             <a:fld id="{B6329E01-FBCF-4E48-B718-3A282398BC95}" type="datetimeFigureOut">
               <a:rPr lang="ko-KR" altLang="en-US" smtClean="0"/>
-              <a:t>2021-11-15</a:t>
+              <a:t>2021-11-16</a:t>
             </a:fld>
             <a:endParaRPr lang="ko-KR" altLang="en-US"/>
           </a:p>
@@ -1973,7 +1965,7 @@
           <a:p>
             <a:fld id="{B6329E01-FBCF-4E48-B718-3A282398BC95}" type="datetimeFigureOut">
               <a:rPr lang="ko-KR" altLang="en-US" smtClean="0"/>
-              <a:t>2021-11-15</a:t>
+              <a:t>2021-11-16</a:t>
             </a:fld>
             <a:endParaRPr lang="ko-KR" altLang="en-US"/>
           </a:p>
@@ -2122,7 +2114,7 @@
           <a:p>
             <a:fld id="{B6329E01-FBCF-4E48-B718-3A282398BC95}" type="datetimeFigureOut">
               <a:rPr lang="ko-KR" altLang="en-US" smtClean="0"/>
-              <a:t>2021-11-15</a:t>
+              <a:t>2021-11-16</a:t>
             </a:fld>
             <a:endParaRPr lang="ko-KR" altLang="en-US"/>
           </a:p>
@@ -2248,7 +2240,7 @@
           <a:p>
             <a:fld id="{B6329E01-FBCF-4E48-B718-3A282398BC95}" type="datetimeFigureOut">
               <a:rPr lang="ko-KR" altLang="en-US" smtClean="0"/>
-              <a:t>2021-11-15</a:t>
+              <a:t>2021-11-16</a:t>
             </a:fld>
             <a:endParaRPr lang="ko-KR" altLang="en-US"/>
           </a:p>
@@ -2499,7 +2491,7 @@
           <a:p>
             <a:fld id="{B6329E01-FBCF-4E48-B718-3A282398BC95}" type="datetimeFigureOut">
               <a:rPr lang="ko-KR" altLang="en-US" smtClean="0"/>
-              <a:t>2021-11-15</a:t>
+              <a:t>2021-11-16</a:t>
             </a:fld>
             <a:endParaRPr lang="ko-KR" altLang="en-US"/>
           </a:p>
@@ -2944,7 +2936,7 @@
           <a:p>
             <a:fld id="{B6329E01-FBCF-4E48-B718-3A282398BC95}" type="datetimeFigureOut">
               <a:rPr lang="ko-KR" altLang="en-US" smtClean="0"/>
-              <a:t>2021-11-15</a:t>
+              <a:t>2021-11-16</a:t>
             </a:fld>
             <a:endParaRPr lang="ko-KR" altLang="en-US"/>
           </a:p>
@@ -3271,7 +3263,7 @@
           <a:p>
             <a:fld id="{B6329E01-FBCF-4E48-B718-3A282398BC95}" type="datetimeFigureOut">
               <a:rPr lang="ko-KR" altLang="en-US" smtClean="0"/>
-              <a:t>2021-11-15</a:t>
+              <a:t>2021-11-16</a:t>
             </a:fld>
             <a:endParaRPr lang="ko-KR" altLang="en-US"/>
           </a:p>
@@ -3831,485 +3823,48 @@
           <a:chExt cx="0" cy="0"/>
         </a:xfrm>
       </p:grpSpPr>
-      <p:graphicFrame>
-        <p:nvGraphicFramePr>
-          <p:cNvPr id="7" name="표 7">
+      <p:sp>
+        <p:nvSpPr>
+          <p:cNvPr id="4" name="제목 3">
             <a:extLst>
               <a:ext uri="{FF2B5EF4-FFF2-40B4-BE49-F238E27FC236}">
-                <a16:creationId xmlns:a16="http://schemas.microsoft.com/office/drawing/2014/main" id="{9EA7719C-4392-4502-907C-103423D4DE61}"/>
+                <a16:creationId xmlns:a16="http://schemas.microsoft.com/office/drawing/2014/main" id="{BD1FA68B-026A-4EC9-8760-57B376AB7839}"/>
               </a:ext>
             </a:extLst>
           </p:cNvPr>
-          <p:cNvGraphicFramePr>
-            <a:graphicFrameLocks noGrp="1"/>
-          </p:cNvGraphicFramePr>
-          <p:nvPr>
-            <p:extLst>
-              <p:ext uri="{D42A27DB-BD31-4B8C-83A1-F6EECF244321}">
-                <p14:modId xmlns:p14="http://schemas.microsoft.com/office/powerpoint/2010/main" val="378212699"/>
-              </p:ext>
-            </p:extLst>
-          </p:nvPr>
-        </p:nvGraphicFramePr>
-        <p:xfrm>
-          <a:off x="1137145" y="2303344"/>
-          <a:ext cx="9917711" cy="2861297"/>
-        </p:xfrm>
-        <a:graphic>
-          <a:graphicData uri="http://schemas.openxmlformats.org/drawingml/2006/table">
-            <a:tbl>
-              <a:tblPr firstRow="1" bandRow="1">
-                <a:tableStyleId>{5C22544A-7EE6-4342-B048-85BDC9FD1C3A}</a:tableStyleId>
-              </a:tblPr>
-              <a:tblGrid>
-                <a:gridCol w="1638468">
-                  <a:extLst>
-                    <a:ext uri="{9D8B030D-6E8A-4147-A177-3AD203B41FA5}">
-                      <a16:colId xmlns:a16="http://schemas.microsoft.com/office/drawing/2014/main" val="3751448300"/>
-                    </a:ext>
-                  </a:extLst>
-                </a:gridCol>
-                <a:gridCol w="1667435">
-                  <a:extLst>
-                    <a:ext uri="{9D8B030D-6E8A-4147-A177-3AD203B41FA5}">
-                      <a16:colId xmlns:a16="http://schemas.microsoft.com/office/drawing/2014/main" val="2394942043"/>
-                    </a:ext>
-                  </a:extLst>
-                </a:gridCol>
-                <a:gridCol w="1652952">
-                  <a:extLst>
-                    <a:ext uri="{9D8B030D-6E8A-4147-A177-3AD203B41FA5}">
-                      <a16:colId xmlns:a16="http://schemas.microsoft.com/office/drawing/2014/main" val="3500717552"/>
-                    </a:ext>
-                  </a:extLst>
-                </a:gridCol>
-                <a:gridCol w="1652952">
-                  <a:extLst>
-                    <a:ext uri="{9D8B030D-6E8A-4147-A177-3AD203B41FA5}">
-                      <a16:colId xmlns:a16="http://schemas.microsoft.com/office/drawing/2014/main" val="3936624566"/>
-                    </a:ext>
-                  </a:extLst>
-                </a:gridCol>
-                <a:gridCol w="1652952">
-                  <a:extLst>
-                    <a:ext uri="{9D8B030D-6E8A-4147-A177-3AD203B41FA5}">
-                      <a16:colId xmlns:a16="http://schemas.microsoft.com/office/drawing/2014/main" val="407967281"/>
-                    </a:ext>
-                  </a:extLst>
-                </a:gridCol>
-                <a:gridCol w="1652952">
-                  <a:extLst>
-                    <a:ext uri="{9D8B030D-6E8A-4147-A177-3AD203B41FA5}">
-                      <a16:colId xmlns:a16="http://schemas.microsoft.com/office/drawing/2014/main" val="4410176"/>
-                    </a:ext>
-                  </a:extLst>
-                </a:gridCol>
-              </a:tblGrid>
-              <a:tr h="421353">
-                <a:tc>
-                  <a:txBody>
-                    <a:bodyPr/>
-                    <a:lstStyle/>
-                    <a:p>
-                      <a:pPr latinLnBrk="1"/>
-                      <a:endParaRPr lang="ko-KR" altLang="en-US" dirty="0"/>
-                    </a:p>
-                  </a:txBody>
-                  <a:tcPr anchor="ctr"/>
-                </a:tc>
-                <a:tc>
-                  <a:txBody>
-                    <a:bodyPr/>
-                    <a:lstStyle/>
-                    <a:p>
-                      <a:pPr algn="ctr" latinLnBrk="1"/>
-                      <a:r>
-                        <a:rPr lang="ko-KR" altLang="en-US" dirty="0"/>
-                        <a:t>체력 회복</a:t>
-                      </a:r>
-                    </a:p>
-                  </a:txBody>
-                  <a:tcPr anchor="ctr"/>
-                </a:tc>
-                <a:tc>
-                  <a:txBody>
-                    <a:bodyPr/>
-                    <a:lstStyle/>
-                    <a:p>
-                      <a:pPr algn="ctr" latinLnBrk="1"/>
-                      <a:r>
-                        <a:rPr lang="ko-KR" altLang="en-US" dirty="0"/>
-                        <a:t>마나 회복</a:t>
-                      </a:r>
-                    </a:p>
-                  </a:txBody>
-                  <a:tcPr anchor="ctr"/>
-                </a:tc>
-                <a:tc>
-                  <a:txBody>
-                    <a:bodyPr/>
-                    <a:lstStyle/>
-                    <a:p>
-                      <a:pPr algn="ctr" latinLnBrk="1"/>
-                      <a:r>
-                        <a:rPr lang="ko-KR" altLang="en-US" dirty="0"/>
-                        <a:t>활동력 회복</a:t>
-                      </a:r>
-                    </a:p>
-                  </a:txBody>
-                  <a:tcPr anchor="ctr"/>
-                </a:tc>
-                <a:tc>
-                  <a:txBody>
-                    <a:bodyPr/>
-                    <a:lstStyle/>
-                    <a:p>
-                      <a:pPr algn="ctr" latinLnBrk="1"/>
-                      <a:endParaRPr lang="ko-KR" altLang="en-US" dirty="0"/>
-                    </a:p>
-                  </a:txBody>
-                  <a:tcPr anchor="ctr"/>
-                </a:tc>
-                <a:tc>
-                  <a:txBody>
-                    <a:bodyPr/>
-                    <a:lstStyle/>
-                    <a:p>
-                      <a:pPr algn="ctr" latinLnBrk="1"/>
-                      <a:endParaRPr lang="ko-KR" altLang="en-US" dirty="0"/>
-                    </a:p>
-                  </a:txBody>
-                  <a:tcPr anchor="ctr"/>
-                </a:tc>
-                <a:extLst>
-                  <a:ext uri="{0D108BD9-81ED-4DB2-BD59-A6C34878D82A}">
-                    <a16:rowId xmlns:a16="http://schemas.microsoft.com/office/drawing/2014/main" val="4055406150"/>
-                  </a:ext>
-                </a:extLst>
-              </a:tr>
-              <a:tr h="609986">
-                <a:tc>
-                  <a:txBody>
-                    <a:bodyPr/>
-                    <a:lstStyle/>
-                    <a:p>
-                      <a:pPr algn="ctr" latinLnBrk="1"/>
-                      <a:r>
-                        <a:rPr lang="ko-KR" altLang="en-US" dirty="0"/>
-                        <a:t>타입</a:t>
-                      </a:r>
-                    </a:p>
-                  </a:txBody>
-                  <a:tcPr anchor="ctr"/>
-                </a:tc>
-                <a:tc>
-                  <a:txBody>
-                    <a:bodyPr/>
-                    <a:lstStyle/>
-                    <a:p>
-                      <a:pPr algn="ctr" latinLnBrk="1"/>
-                      <a:r>
-                        <a:rPr lang="en-US" altLang="ko-KR" dirty="0"/>
-                        <a:t>float</a:t>
-                      </a:r>
-                      <a:endParaRPr lang="ko-KR" altLang="en-US" dirty="0"/>
-                    </a:p>
-                  </a:txBody>
-                  <a:tcPr anchor="ctr"/>
-                </a:tc>
-                <a:tc>
-                  <a:txBody>
-                    <a:bodyPr/>
-                    <a:lstStyle/>
-                    <a:p>
-                      <a:pPr algn="ctr" latinLnBrk="1"/>
-                      <a:r>
-                        <a:rPr lang="en-US" altLang="ko-KR" dirty="0"/>
-                        <a:t>float</a:t>
-                      </a:r>
-                      <a:endParaRPr lang="ko-KR" altLang="en-US" dirty="0"/>
-                    </a:p>
-                  </a:txBody>
-                  <a:tcPr anchor="ctr"/>
-                </a:tc>
-                <a:tc>
-                  <a:txBody>
-                    <a:bodyPr/>
-                    <a:lstStyle/>
-                    <a:p>
-                      <a:pPr algn="ctr" latinLnBrk="1"/>
-                      <a:r>
-                        <a:rPr lang="en-US" altLang="ko-KR" dirty="0"/>
-                        <a:t>float</a:t>
-                      </a:r>
-                      <a:endParaRPr lang="ko-KR" altLang="en-US" dirty="0"/>
-                    </a:p>
-                  </a:txBody>
-                  <a:tcPr anchor="ctr"/>
-                </a:tc>
-                <a:tc>
-                  <a:txBody>
-                    <a:bodyPr/>
-                    <a:lstStyle/>
-                    <a:p>
-                      <a:pPr algn="ctr" latinLnBrk="1"/>
-                      <a:endParaRPr lang="ko-KR" altLang="en-US" dirty="0"/>
-                    </a:p>
-                  </a:txBody>
-                  <a:tcPr anchor="ctr"/>
-                </a:tc>
-                <a:tc>
-                  <a:txBody>
-                    <a:bodyPr/>
-                    <a:lstStyle/>
-                    <a:p>
-                      <a:pPr algn="ctr" latinLnBrk="1"/>
-                      <a:endParaRPr lang="ko-KR" altLang="en-US" dirty="0"/>
-                    </a:p>
-                  </a:txBody>
-                  <a:tcPr anchor="ctr"/>
-                </a:tc>
-                <a:extLst>
-                  <a:ext uri="{0D108BD9-81ED-4DB2-BD59-A6C34878D82A}">
-                    <a16:rowId xmlns:a16="http://schemas.microsoft.com/office/drawing/2014/main" val="1361805717"/>
-                  </a:ext>
-                </a:extLst>
-              </a:tr>
-              <a:tr h="609986">
-                <a:tc>
-                  <a:txBody>
-                    <a:bodyPr/>
-                    <a:lstStyle/>
-                    <a:p>
-                      <a:pPr algn="ctr" latinLnBrk="1"/>
-                      <a:r>
-                        <a:rPr lang="ko-KR" altLang="en-US" dirty="0"/>
-                        <a:t>최소치</a:t>
-                      </a:r>
-                    </a:p>
-                  </a:txBody>
-                  <a:tcPr anchor="ctr"/>
-                </a:tc>
-                <a:tc>
-                  <a:txBody>
-                    <a:bodyPr/>
-                    <a:lstStyle/>
-                    <a:p>
-                      <a:pPr algn="ctr" latinLnBrk="1"/>
-                      <a:endParaRPr lang="ko-KR" altLang="en-US" dirty="0"/>
-                    </a:p>
-                  </a:txBody>
-                  <a:tcPr anchor="ctr"/>
-                </a:tc>
-                <a:tc>
-                  <a:txBody>
-                    <a:bodyPr/>
-                    <a:lstStyle/>
-                    <a:p>
-                      <a:pPr algn="ctr" latinLnBrk="1"/>
-                      <a:endParaRPr lang="ko-KR" altLang="en-US" dirty="0"/>
-                    </a:p>
-                  </a:txBody>
-                  <a:tcPr anchor="ctr"/>
-                </a:tc>
-                <a:tc>
-                  <a:txBody>
-                    <a:bodyPr/>
-                    <a:lstStyle/>
-                    <a:p>
-                      <a:pPr algn="ctr" latinLnBrk="1"/>
-                      <a:endParaRPr lang="ko-KR" altLang="en-US" dirty="0"/>
-                    </a:p>
-                  </a:txBody>
-                  <a:tcPr anchor="ctr"/>
-                </a:tc>
-                <a:tc>
-                  <a:txBody>
-                    <a:bodyPr/>
-                    <a:lstStyle/>
-                    <a:p>
-                      <a:pPr algn="ctr" latinLnBrk="1"/>
-                      <a:endParaRPr lang="ko-KR" altLang="en-US" dirty="0"/>
-                    </a:p>
-                  </a:txBody>
-                  <a:tcPr anchor="ctr"/>
-                </a:tc>
-                <a:tc>
-                  <a:txBody>
-                    <a:bodyPr/>
-                    <a:lstStyle/>
-                    <a:p>
-                      <a:pPr algn="ctr" latinLnBrk="1"/>
-                      <a:endParaRPr lang="ko-KR" altLang="en-US" dirty="0"/>
-                    </a:p>
-                  </a:txBody>
-                  <a:tcPr anchor="ctr"/>
-                </a:tc>
-                <a:extLst>
-                  <a:ext uri="{0D108BD9-81ED-4DB2-BD59-A6C34878D82A}">
-                    <a16:rowId xmlns:a16="http://schemas.microsoft.com/office/drawing/2014/main" val="4043590512"/>
-                  </a:ext>
-                </a:extLst>
-              </a:tr>
-              <a:tr h="609986">
-                <a:tc>
-                  <a:txBody>
-                    <a:bodyPr/>
-                    <a:lstStyle/>
-                    <a:p>
-                      <a:pPr algn="ctr" latinLnBrk="1"/>
-                      <a:r>
-                        <a:rPr lang="ko-KR" altLang="en-US" dirty="0"/>
-                        <a:t>최대치</a:t>
-                      </a:r>
-                    </a:p>
-                  </a:txBody>
-                  <a:tcPr anchor="ctr"/>
-                </a:tc>
-                <a:tc>
-                  <a:txBody>
-                    <a:bodyPr/>
-                    <a:lstStyle/>
-                    <a:p>
-                      <a:pPr algn="ctr" latinLnBrk="1"/>
-                      <a:endParaRPr lang="ko-KR" altLang="en-US" dirty="0"/>
-                    </a:p>
-                  </a:txBody>
-                  <a:tcPr anchor="ctr"/>
-                </a:tc>
-                <a:tc>
-                  <a:txBody>
-                    <a:bodyPr/>
-                    <a:lstStyle/>
-                    <a:p>
-                      <a:pPr algn="ctr" latinLnBrk="1"/>
-                      <a:endParaRPr lang="ko-KR" altLang="en-US" dirty="0"/>
-                    </a:p>
-                  </a:txBody>
-                  <a:tcPr anchor="ctr"/>
-                </a:tc>
-                <a:tc>
-                  <a:txBody>
-                    <a:bodyPr/>
-                    <a:lstStyle/>
-                    <a:p>
-                      <a:pPr algn="ctr" latinLnBrk="1"/>
-                      <a:endParaRPr lang="ko-KR" altLang="en-US" dirty="0"/>
-                    </a:p>
-                  </a:txBody>
-                  <a:tcPr anchor="ctr"/>
-                </a:tc>
-                <a:tc>
-                  <a:txBody>
-                    <a:bodyPr/>
-                    <a:lstStyle/>
-                    <a:p>
-                      <a:pPr algn="ctr" latinLnBrk="1"/>
-                      <a:endParaRPr lang="ko-KR" altLang="en-US" dirty="0"/>
-                    </a:p>
-                  </a:txBody>
-                  <a:tcPr anchor="ctr"/>
-                </a:tc>
-                <a:tc>
-                  <a:txBody>
-                    <a:bodyPr/>
-                    <a:lstStyle/>
-                    <a:p>
-                      <a:pPr algn="ctr" latinLnBrk="1"/>
-                      <a:endParaRPr lang="ko-KR" altLang="en-US" dirty="0"/>
-                    </a:p>
-                  </a:txBody>
-                  <a:tcPr anchor="ctr"/>
-                </a:tc>
-                <a:extLst>
-                  <a:ext uri="{0D108BD9-81ED-4DB2-BD59-A6C34878D82A}">
-                    <a16:rowId xmlns:a16="http://schemas.microsoft.com/office/drawing/2014/main" val="899338012"/>
-                  </a:ext>
-                </a:extLst>
-              </a:tr>
-              <a:tr h="609986">
-                <a:tc>
-                  <a:txBody>
-                    <a:bodyPr/>
-                    <a:lstStyle/>
-                    <a:p>
-                      <a:pPr algn="ctr" latinLnBrk="1"/>
-                      <a:endParaRPr lang="ko-KR" altLang="en-US" dirty="0"/>
-                    </a:p>
-                  </a:txBody>
-                  <a:tcPr anchor="ctr"/>
-                </a:tc>
-                <a:tc>
-                  <a:txBody>
-                    <a:bodyPr/>
-                    <a:lstStyle/>
-                    <a:p>
-                      <a:pPr algn="ctr" latinLnBrk="1"/>
-                      <a:endParaRPr lang="ko-KR" altLang="en-US" dirty="0"/>
-                    </a:p>
-                  </a:txBody>
-                  <a:tcPr anchor="ctr"/>
-                </a:tc>
-                <a:tc>
-                  <a:txBody>
-                    <a:bodyPr/>
-                    <a:lstStyle/>
-                    <a:p>
-                      <a:pPr algn="ctr" latinLnBrk="1"/>
-                      <a:endParaRPr lang="ko-KR" altLang="en-US" dirty="0"/>
-                    </a:p>
-                  </a:txBody>
-                  <a:tcPr anchor="ctr"/>
-                </a:tc>
-                <a:tc>
-                  <a:txBody>
-                    <a:bodyPr/>
-                    <a:lstStyle/>
-                    <a:p>
-                      <a:pPr algn="ctr" latinLnBrk="1"/>
-                      <a:endParaRPr lang="ko-KR" altLang="en-US" dirty="0"/>
-                    </a:p>
-                  </a:txBody>
-                  <a:tcPr anchor="ctr"/>
-                </a:tc>
-                <a:tc>
-                  <a:txBody>
-                    <a:bodyPr/>
-                    <a:lstStyle/>
-                    <a:p>
-                      <a:pPr algn="ctr" latinLnBrk="1"/>
-                      <a:endParaRPr lang="ko-KR" altLang="en-US" dirty="0"/>
-                    </a:p>
-                  </a:txBody>
-                  <a:tcPr anchor="ctr"/>
-                </a:tc>
-                <a:tc>
-                  <a:txBody>
-                    <a:bodyPr/>
-                    <a:lstStyle/>
-                    <a:p>
-                      <a:pPr algn="ctr" latinLnBrk="1"/>
-                      <a:endParaRPr lang="ko-KR" altLang="en-US" dirty="0"/>
-                    </a:p>
-                  </a:txBody>
-                  <a:tcPr anchor="ctr"/>
-                </a:tc>
-                <a:extLst>
-                  <a:ext uri="{0D108BD9-81ED-4DB2-BD59-A6C34878D82A}">
-                    <a16:rowId xmlns:a16="http://schemas.microsoft.com/office/drawing/2014/main" val="3038002309"/>
-                  </a:ext>
-                </a:extLst>
-              </a:tr>
-            </a:tbl>
-          </a:graphicData>
-        </a:graphic>
-      </p:graphicFrame>
-      <p:sp>
-        <p:nvSpPr>
-          <p:cNvPr id="11" name="제목 10">
+          <p:cNvSpPr>
+            <a:spLocks noGrp="1"/>
+          </p:cNvSpPr>
+          <p:nvPr>
+            <p:ph type="title"/>
+          </p:nvPr>
+        </p:nvSpPr>
+        <p:spPr/>
+        <p:txBody>
+          <a:bodyPr anchor="ctr"/>
+          <a:lstStyle/>
+          <a:p>
+            <a:r>
+              <a:rPr lang="ko-KR" altLang="en-US" dirty="0"/>
+              <a:t>일반 </a:t>
+            </a:r>
+            <a:r>
+              <a:rPr lang="en-US" altLang="ko-KR" dirty="0"/>
+              <a:t>- </a:t>
+            </a:r>
+            <a:r>
+              <a:rPr lang="ko-KR" altLang="en-US" dirty="0"/>
+              <a:t>휴식</a:t>
+            </a:r>
+          </a:p>
+        </p:txBody>
+      </p:sp>
+      <p:sp>
+        <p:nvSpPr>
+          <p:cNvPr id="2" name="내용 개체 틀 1">
             <a:extLst>
               <a:ext uri="{FF2B5EF4-FFF2-40B4-BE49-F238E27FC236}">
-                <a16:creationId xmlns:a16="http://schemas.microsoft.com/office/drawing/2014/main" id="{D5B80ADD-4428-4A57-87D3-5895E524BE26}"/>
+                <a16:creationId xmlns:a16="http://schemas.microsoft.com/office/drawing/2014/main" id="{D01FBF4A-9230-4BFF-AA51-F28C9CDF6466}"/>
               </a:ext>
             </a:extLst>
           </p:cNvPr>
@@ -4317,30 +3872,79 @@
             <a:spLocks noGrp="1"/>
           </p:cNvSpPr>
           <p:nvPr>
-            <p:ph type="title"/>
+            <p:ph idx="1"/>
           </p:nvPr>
         </p:nvSpPr>
         <p:spPr/>
         <p:txBody>
-          <a:bodyPr anchor="ctr"/>
+          <a:bodyPr/>
           <a:lstStyle/>
           <a:p>
             <a:r>
               <a:rPr lang="ko-KR" altLang="en-US" dirty="0"/>
-              <a:t>캐릭터 </a:t>
-            </a:r>
-            <a:r>
-              <a:rPr lang="ko-KR" altLang="en-US" dirty="0" err="1"/>
-              <a:t>스탯</a:t>
-            </a:r>
-            <a:r>
-              <a:rPr lang="ko-KR" altLang="en-US" dirty="0"/>
-              <a:t> </a:t>
+              <a:t>일정 시간을 소모하여 캐릭터의 상태를 소폭 회복시키는 시스템</a:t>
+            </a:r>
+            <a:endParaRPr lang="en-US" altLang="ko-KR" dirty="0"/>
+          </a:p>
+          <a:p>
+            <a:r>
+              <a:rPr lang="ko-KR" altLang="en-US" dirty="0"/>
+              <a:t>안전한 지역에 위치한 의자</a:t>
             </a:r>
             <a:r>
               <a:rPr lang="en-US" altLang="ko-KR" dirty="0"/>
-              <a:t>2</a:t>
-            </a:r>
+              <a:t>, </a:t>
+            </a:r>
+            <a:r>
+              <a:rPr lang="ko-KR" altLang="en-US" dirty="0"/>
+              <a:t>휴식처 등 휴식 가능한 곳에서 수행</a:t>
+            </a:r>
+            <a:endParaRPr lang="en-US" altLang="ko-KR" dirty="0"/>
+          </a:p>
+          <a:p>
+            <a:r>
+              <a:rPr lang="en-US" altLang="ko-KR" dirty="0"/>
+              <a:t>1</a:t>
+            </a:r>
+            <a:r>
+              <a:rPr lang="ko-KR" altLang="en-US" dirty="0"/>
+              <a:t>일</a:t>
+            </a:r>
+            <a:r>
+              <a:rPr lang="en-US" altLang="ko-KR" dirty="0"/>
+              <a:t> 5</a:t>
+            </a:r>
+            <a:r>
+              <a:rPr lang="ko-KR" altLang="en-US" dirty="0"/>
+              <a:t>시간 내에서 횟수 제한없이 휴식이 가능하며</a:t>
+            </a:r>
+            <a:r>
+              <a:rPr lang="en-US" altLang="ko-KR" dirty="0"/>
+              <a:t>, </a:t>
+            </a:r>
+            <a:r>
+              <a:rPr lang="ko-KR" altLang="en-US" dirty="0"/>
+              <a:t>휴식 시간에 따라 캐릭터의 체력</a:t>
+            </a:r>
+            <a:r>
+              <a:rPr lang="en-US" altLang="ko-KR" dirty="0"/>
+              <a:t>, </a:t>
+            </a:r>
+            <a:r>
+              <a:rPr lang="ko-KR" altLang="en-US" dirty="0"/>
+              <a:t>마나</a:t>
+            </a:r>
+            <a:r>
+              <a:rPr lang="en-US" altLang="ko-KR" dirty="0"/>
+              <a:t>, </a:t>
+            </a:r>
+            <a:r>
+              <a:rPr lang="ko-KR" altLang="en-US" dirty="0"/>
+              <a:t>활동력이 소폭 회복됨</a:t>
+            </a:r>
+            <a:endParaRPr lang="en-US" altLang="ko-KR" dirty="0"/>
+          </a:p>
+          <a:p>
             <a:endParaRPr lang="ko-KR" altLang="en-US" dirty="0"/>
           </a:p>
         </p:txBody>
@@ -4348,7 +3952,7 @@
     </p:spTree>
     <p:extLst>
       <p:ext uri="{BB962C8B-B14F-4D97-AF65-F5344CB8AC3E}">
-        <p14:creationId xmlns:p14="http://schemas.microsoft.com/office/powerpoint/2010/main" val="1555953548"/>
+        <p14:creationId xmlns:p14="http://schemas.microsoft.com/office/powerpoint/2010/main" val="3412641329"/>
       </p:ext>
     </p:extLst>
   </p:cSld>
@@ -4377,10 +3981,10 @@
       </p:grpSpPr>
       <p:sp>
         <p:nvSpPr>
-          <p:cNvPr id="3" name="제목 2">
+          <p:cNvPr id="4" name="제목 3">
             <a:extLst>
               <a:ext uri="{FF2B5EF4-FFF2-40B4-BE49-F238E27FC236}">
-                <a16:creationId xmlns:a16="http://schemas.microsoft.com/office/drawing/2014/main" id="{896AB4F1-0755-4ACF-AE58-4C6FEE2E9061}"/>
+                <a16:creationId xmlns:a16="http://schemas.microsoft.com/office/drawing/2014/main" id="{BD1FA68B-026A-4EC9-8760-57B376AB7839}"/>
               </a:ext>
             </a:extLst>
           </p:cNvPr>
@@ -4393,24 +3997,30 @@
         </p:nvSpPr>
         <p:spPr/>
         <p:txBody>
-          <a:bodyPr>
-            <a:normAutofit/>
-          </a:bodyPr>
+          <a:bodyPr anchor="ctr"/>
           <a:lstStyle/>
           <a:p>
             <a:r>
-              <a:rPr lang="ko-KR" altLang="en-US" sz="4800" dirty="0"/>
-              <a:t>시스템</a:t>
-            </a:r>
-          </a:p>
-        </p:txBody>
-      </p:sp>
-      <p:sp>
-        <p:nvSpPr>
-          <p:cNvPr id="4" name="텍스트 개체 틀 3">
+              <a:rPr lang="ko-KR" altLang="en-US" dirty="0"/>
+              <a:t>일반 </a:t>
+            </a:r>
+            <a:r>
+              <a:rPr lang="en-US" altLang="ko-KR" dirty="0"/>
+              <a:t>- </a:t>
+            </a:r>
+            <a:r>
+              <a:rPr lang="ko-KR" altLang="en-US" dirty="0"/>
+              <a:t>수면</a:t>
+            </a:r>
+          </a:p>
+        </p:txBody>
+      </p:sp>
+      <p:sp>
+        <p:nvSpPr>
+          <p:cNvPr id="2" name="내용 개체 틀 1">
             <a:extLst>
               <a:ext uri="{FF2B5EF4-FFF2-40B4-BE49-F238E27FC236}">
-                <a16:creationId xmlns:a16="http://schemas.microsoft.com/office/drawing/2014/main" id="{E33BCC30-2131-4E30-A164-782442EB9249}"/>
+                <a16:creationId xmlns:a16="http://schemas.microsoft.com/office/drawing/2014/main" id="{D44DE768-913A-49B0-BB3F-47CACD4ABECD}"/>
               </a:ext>
             </a:extLst>
           </p:cNvPr>
@@ -4418,7 +4028,7 @@
             <a:spLocks noGrp="1"/>
           </p:cNvSpPr>
           <p:nvPr>
-            <p:ph type="body" idx="1"/>
+            <p:ph idx="1"/>
           </p:nvPr>
         </p:nvSpPr>
         <p:spPr/>
@@ -4426,14 +4036,125 @@
           <a:bodyPr/>
           <a:lstStyle/>
           <a:p>
-            <a:endParaRPr lang="ko-KR" altLang="en-US"/>
+            <a:r>
+              <a:rPr lang="ko-KR" altLang="en-US" dirty="0"/>
+              <a:t>휴식의 하위 시스템으로</a:t>
+            </a:r>
+            <a:r>
+              <a:rPr lang="en-US" altLang="ko-KR" dirty="0"/>
+              <a:t>, </a:t>
+            </a:r>
+            <a:r>
+              <a:rPr lang="ko-KR" altLang="en-US" dirty="0"/>
+              <a:t>휴식보다 더 높은 효과를 제공</a:t>
+            </a:r>
+            <a:endParaRPr lang="en-US" altLang="ko-KR" dirty="0"/>
+          </a:p>
+          <a:p>
+            <a:r>
+              <a:rPr lang="ko-KR" altLang="en-US" dirty="0"/>
+              <a:t>침대</a:t>
+            </a:r>
+            <a:r>
+              <a:rPr lang="en-US" altLang="ko-KR" dirty="0"/>
+              <a:t>, </a:t>
+            </a:r>
+            <a:r>
+              <a:rPr lang="ko-KR" altLang="en-US" dirty="0"/>
+              <a:t>침낭 등 수면 가능한 곳에서 수행</a:t>
+            </a:r>
+            <a:endParaRPr lang="en-US" altLang="ko-KR" dirty="0"/>
+          </a:p>
+          <a:p>
+            <a:r>
+              <a:rPr lang="en-US" altLang="ko-KR" dirty="0"/>
+              <a:t>1</a:t>
+            </a:r>
+            <a:r>
+              <a:rPr lang="ko-KR" altLang="en-US" dirty="0"/>
+              <a:t>일 </a:t>
+            </a:r>
+            <a:r>
+              <a:rPr lang="en-US" altLang="ko-KR" dirty="0"/>
+              <a:t>1</a:t>
+            </a:r>
+            <a:r>
+              <a:rPr lang="ko-KR" altLang="en-US" dirty="0"/>
+              <a:t>회 최소 </a:t>
+            </a:r>
+            <a:r>
+              <a:rPr lang="en-US" altLang="ko-KR" dirty="0"/>
+              <a:t>6 ~ 9</a:t>
+            </a:r>
+            <a:r>
+              <a:rPr lang="ko-KR" altLang="en-US" dirty="0"/>
+              <a:t>시간 잘 수 있으며</a:t>
+            </a:r>
+            <a:r>
+              <a:rPr lang="en-US" altLang="ko-KR" dirty="0"/>
+              <a:t>, </a:t>
+            </a:r>
+            <a:r>
+              <a:rPr lang="ko-KR" altLang="en-US" dirty="0"/>
+              <a:t>잔여 활동력에 따라 수면 가능 시간에 가중치가 부여됨</a:t>
+            </a:r>
+            <a:endParaRPr lang="en-US" altLang="ko-KR" dirty="0"/>
+          </a:p>
+          <a:p>
+            <a:r>
+              <a:rPr lang="ko-KR" altLang="en-US" dirty="0"/>
+              <a:t>수면 시 수면 시간에 따라 캐릭터의 체력</a:t>
+            </a:r>
+            <a:r>
+              <a:rPr lang="en-US" altLang="ko-KR" dirty="0"/>
+              <a:t>, </a:t>
+            </a:r>
+            <a:r>
+              <a:rPr lang="ko-KR" altLang="en-US" dirty="0"/>
+              <a:t>마나</a:t>
+            </a:r>
+            <a:r>
+              <a:rPr lang="en-US" altLang="ko-KR" dirty="0"/>
+              <a:t>, </a:t>
+            </a:r>
+            <a:r>
+              <a:rPr lang="ko-KR" altLang="en-US" dirty="0"/>
+              <a:t>활동력이 대폭 회복되지만</a:t>
+            </a:r>
+            <a:r>
+              <a:rPr lang="en-US" altLang="ko-KR" dirty="0"/>
+              <a:t>, </a:t>
+            </a:r>
+            <a:r>
+              <a:rPr lang="ko-KR" altLang="en-US" dirty="0"/>
+              <a:t>배고픔과 목마름 수치가 대폭 하락함</a:t>
+            </a:r>
+            <a:endParaRPr lang="en-US" altLang="ko-KR" dirty="0"/>
+          </a:p>
+          <a:p>
+            <a:r>
+              <a:rPr lang="ko-KR" altLang="en-US" dirty="0"/>
+              <a:t>수면 효과는 수면 가능 시간에 부여된 가중치에 따라 </a:t>
+            </a:r>
+            <a:r>
+              <a:rPr lang="ko-KR" altLang="en-US" dirty="0" err="1"/>
+              <a:t>패널티가</a:t>
+            </a:r>
+            <a:r>
+              <a:rPr lang="ko-KR" altLang="en-US" dirty="0"/>
+              <a:t> 부과됨</a:t>
+            </a:r>
+            <a:endParaRPr lang="en-US" altLang="ko-KR" dirty="0"/>
+          </a:p>
+          <a:p>
+            <a:endParaRPr lang="ko-KR" altLang="en-US" dirty="0"/>
           </a:p>
         </p:txBody>
       </p:sp>
     </p:spTree>
     <p:extLst>
       <p:ext uri="{BB962C8B-B14F-4D97-AF65-F5344CB8AC3E}">
-        <p14:creationId xmlns:p14="http://schemas.microsoft.com/office/powerpoint/2010/main" val="173002324"/>
+        <p14:creationId xmlns:p14="http://schemas.microsoft.com/office/powerpoint/2010/main" val="2479845398"/>
       </p:ext>
     </p:extLst>
   </p:cSld>
@@ -4491,7 +4212,7 @@
             </a:r>
             <a:r>
               <a:rPr lang="ko-KR" altLang="en-US" dirty="0"/>
-              <a:t>시간</a:t>
+              <a:t>거래</a:t>
             </a:r>
           </a:p>
         </p:txBody>
@@ -4501,7 +4222,7 @@
           <p:cNvPr id="2" name="내용 개체 틀 1">
             <a:extLst>
               <a:ext uri="{FF2B5EF4-FFF2-40B4-BE49-F238E27FC236}">
-                <a16:creationId xmlns:a16="http://schemas.microsoft.com/office/drawing/2014/main" id="{D44DE768-913A-49B0-BB3F-47CACD4ABECD}"/>
+                <a16:creationId xmlns:a16="http://schemas.microsoft.com/office/drawing/2014/main" id="{66BF70FB-21D3-4E9F-8318-0020FE7F94DC}"/>
               </a:ext>
             </a:extLst>
           </p:cNvPr>
@@ -4519,7 +4240,29 @@
           <a:p>
             <a:r>
               <a:rPr lang="ko-KR" altLang="en-US" dirty="0"/>
-              <a:t>게임 내 시간이 흐르며 시간에 따라 게임 내 이벤트나 환경이 변화되는 시스템</a:t>
+              <a:t>거래 가능한 상점이 가지고 있는 아이템을 게임 재화를 통해 구매하거나 판매할 수 있는 시스템</a:t>
+            </a:r>
+            <a:endParaRPr lang="en-US" altLang="ko-KR" dirty="0"/>
+          </a:p>
+          <a:p>
+            <a:r>
+              <a:rPr lang="ko-KR" altLang="en-US" dirty="0"/>
+              <a:t>각 상점이 취급하는 아이템만 거래 가능</a:t>
+            </a:r>
+            <a:endParaRPr lang="en-US" altLang="ko-KR" dirty="0"/>
+          </a:p>
+          <a:p>
+            <a:r>
+              <a:rPr lang="ko-KR" altLang="en-US" dirty="0"/>
+              <a:t>아이템 구매는 모든 상점에서 가능하지만</a:t>
+            </a:r>
+            <a:r>
+              <a:rPr lang="en-US" altLang="ko-KR" dirty="0"/>
+              <a:t>, </a:t>
+            </a:r>
+            <a:r>
+              <a:rPr lang="ko-KR" altLang="en-US" dirty="0"/>
+              <a:t>아이템 판매는 판매 가능한 상점에서만 가능</a:t>
             </a:r>
             <a:endParaRPr lang="en-US" altLang="ko-KR" dirty="0"/>
           </a:p>
@@ -4531,7 +4274,7 @@
     </p:spTree>
     <p:extLst>
       <p:ext uri="{BB962C8B-B14F-4D97-AF65-F5344CB8AC3E}">
-        <p14:creationId xmlns:p14="http://schemas.microsoft.com/office/powerpoint/2010/main" val="2257659729"/>
+        <p14:creationId xmlns:p14="http://schemas.microsoft.com/office/powerpoint/2010/main" val="2973048222"/>
       </p:ext>
     </p:extLst>
   </p:cSld>
@@ -4589,7 +4332,7 @@
             </a:r>
             <a:r>
               <a:rPr lang="ko-KR" altLang="en-US" dirty="0"/>
-              <a:t>휴식</a:t>
+              <a:t>의뢰</a:t>
             </a:r>
           </a:p>
         </p:txBody>
@@ -4599,7 +4342,7 @@
           <p:cNvPr id="2" name="내용 개체 틀 1">
             <a:extLst>
               <a:ext uri="{FF2B5EF4-FFF2-40B4-BE49-F238E27FC236}">
-                <a16:creationId xmlns:a16="http://schemas.microsoft.com/office/drawing/2014/main" id="{D01FBF4A-9230-4BFF-AA51-F28C9CDF6466}"/>
+                <a16:creationId xmlns:a16="http://schemas.microsoft.com/office/drawing/2014/main" id="{DF7CFBBF-0D75-4F7C-AE52-5A910A2803B1}"/>
               </a:ext>
             </a:extLst>
           </p:cNvPr>
@@ -4617,14 +4360,7 @@
           <a:p>
             <a:r>
               <a:rPr lang="ko-KR" altLang="en-US" dirty="0"/>
-              <a:t>일정 시간을 소모하여 캐릭터의 상태를 소폭 회복시키는 시스템</a:t>
-            </a:r>
-            <a:endParaRPr lang="en-US" altLang="ko-KR" dirty="0"/>
-          </a:p>
-          <a:p>
-            <a:r>
-              <a:rPr lang="ko-KR" altLang="en-US" dirty="0"/>
-              <a:t>안전한 지역에 위치한 의자</a:t>
+              <a:t>의뢰 가능한 상점이나 제작소에서 수행할 수 있는 시스템으로</a:t>
             </a:r>
             <a:r>
               <a:rPr lang="en-US" altLang="ko-KR" dirty="0"/>
@@ -4632,26 +4368,14 @@
             </a:r>
             <a:r>
               <a:rPr lang="ko-KR" altLang="en-US" dirty="0"/>
-              <a:t>휴식처 등 휴식 가능한 곳에서 수행</a:t>
+              <a:t>제작 의뢰와 납품 의뢰로 나뉨</a:t>
             </a:r>
             <a:endParaRPr lang="en-US" altLang="ko-KR" dirty="0"/>
           </a:p>
           <a:p>
             <a:r>
-              <a:rPr lang="en-US" altLang="ko-KR" dirty="0"/>
-              <a:t>1</a:t>
-            </a:r>
-            <a:r>
-              <a:rPr lang="ko-KR" altLang="en-US" dirty="0"/>
-              <a:t>일</a:t>
-            </a:r>
-            <a:r>
-              <a:rPr lang="en-US" altLang="ko-KR" dirty="0"/>
-              <a:t> 5</a:t>
-            </a:r>
-            <a:r>
-              <a:rPr lang="ko-KR" altLang="en-US" dirty="0"/>
-              <a:t>시간 내에서 횟수 제한없이 휴식이 가능하며</a:t>
+              <a:rPr lang="ko-KR" altLang="en-US" dirty="0"/>
+              <a:t>제작 의뢰는 각 상점이나 제작소에서 취급하는 아이템의 제작을 의뢰할 수 있으며</a:t>
             </a:r>
             <a:r>
               <a:rPr lang="en-US" altLang="ko-KR" dirty="0"/>
@@ -4659,7 +4383,30 @@
             </a:r>
             <a:r>
               <a:rPr lang="ko-KR" altLang="en-US" dirty="0"/>
-              <a:t>휴식 시간에 따라 캐릭터의 체력</a:t>
+              <a:t>제작 </a:t>
+            </a:r>
+            <a:r>
+              <a:rPr lang="en-US" altLang="ko-KR" dirty="0"/>
+              <a:t>NPC</a:t>
+            </a:r>
+            <a:r>
+              <a:rPr lang="ko-KR" altLang="en-US" dirty="0"/>
+              <a:t>의 스킬에 따라 제작 가능한 아이템의 등급이 결정</a:t>
+            </a:r>
+            <a:endParaRPr lang="en-US" altLang="ko-KR" dirty="0"/>
+          </a:p>
+          <a:p>
+            <a:r>
+              <a:rPr lang="ko-KR" altLang="en-US" dirty="0"/>
+              <a:t>납품 의뢰는 각 상점이나 제작소에서 취급하는 재료를 납품하거나 납품 요청을 할 수 있으며</a:t>
+            </a:r>
+            <a:r>
+              <a:rPr lang="en-US" altLang="ko-KR" dirty="0"/>
+              <a:t>, NPC</a:t>
+            </a:r>
+            <a:r>
+              <a:rPr lang="ko-KR" altLang="en-US" dirty="0"/>
+              <a:t>가 위치한 지역</a:t>
             </a:r>
             <a:r>
               <a:rPr lang="en-US" altLang="ko-KR" dirty="0"/>
@@ -4667,7 +4414,7 @@
             </a:r>
             <a:r>
               <a:rPr lang="ko-KR" altLang="en-US" dirty="0"/>
-              <a:t>마나</a:t>
+              <a:t>스킬에 따라 취급하는 재료의 등급과 수량</a:t>
             </a:r>
             <a:r>
               <a:rPr lang="en-US" altLang="ko-KR" dirty="0"/>
@@ -4675,19 +4422,15 @@
             </a:r>
             <a:r>
               <a:rPr lang="ko-KR" altLang="en-US" dirty="0"/>
-              <a:t>활동력이 소폭 회복됨</a:t>
-            </a:r>
-            <a:endParaRPr lang="en-US" altLang="ko-KR" dirty="0"/>
-          </a:p>
-          <a:p>
-            <a:endParaRPr lang="ko-KR" altLang="en-US" dirty="0"/>
+              <a:t>가격이 결정됨</a:t>
+            </a:r>
           </a:p>
         </p:txBody>
       </p:sp>
     </p:spTree>
     <p:extLst>
       <p:ext uri="{BB962C8B-B14F-4D97-AF65-F5344CB8AC3E}">
-        <p14:creationId xmlns:p14="http://schemas.microsoft.com/office/powerpoint/2010/main" val="3412641329"/>
+        <p14:creationId xmlns:p14="http://schemas.microsoft.com/office/powerpoint/2010/main" val="3699530137"/>
       </p:ext>
     </p:extLst>
   </p:cSld>
@@ -4737,7 +4480,7 @@
           <a:p>
             <a:r>
               <a:rPr lang="ko-KR" altLang="en-US" dirty="0"/>
-              <a:t>일반 </a:t>
+              <a:t>생활 </a:t>
             </a:r>
             <a:r>
               <a:rPr lang="en-US" altLang="ko-KR" dirty="0"/>
@@ -4745,7 +4488,7 @@
             </a:r>
             <a:r>
               <a:rPr lang="ko-KR" altLang="en-US" dirty="0"/>
-              <a:t>수면</a:t>
+              <a:t>공통</a:t>
             </a:r>
           </a:p>
         </p:txBody>
@@ -4755,7 +4498,7 @@
           <p:cNvPr id="2" name="내용 개체 틀 1">
             <a:extLst>
               <a:ext uri="{FF2B5EF4-FFF2-40B4-BE49-F238E27FC236}">
-                <a16:creationId xmlns:a16="http://schemas.microsoft.com/office/drawing/2014/main" id="{D44DE768-913A-49B0-BB3F-47CACD4ABECD}"/>
+                <a16:creationId xmlns:a16="http://schemas.microsoft.com/office/drawing/2014/main" id="{FC6B5FEE-9FEA-4BE7-BA94-F4AAB1F02227}"/>
               </a:ext>
             </a:extLst>
           </p:cNvPr>
@@ -4773,7 +4516,14 @@
           <a:p>
             <a:r>
               <a:rPr lang="ko-KR" altLang="en-US" dirty="0"/>
-              <a:t>휴식의 하위 시스템으로</a:t>
+              <a:t>생활은 게임 진행에 필요한 아이템을 플레이어가 직접 제작할 수 있는 환경을 제공하기 위한 시스템</a:t>
+            </a:r>
+            <a:endParaRPr lang="en-US" altLang="ko-KR" dirty="0"/>
+          </a:p>
+          <a:p>
+            <a:r>
+              <a:rPr lang="ko-KR" altLang="en-US" dirty="0"/>
+              <a:t>생활 시스템을 통해 아이템 제작에 필요한 재료를 소량 획득할 수 있으며</a:t>
             </a:r>
             <a:r>
               <a:rPr lang="en-US" altLang="ko-KR" dirty="0"/>
@@ -4781,14 +4531,22 @@
             </a:r>
             <a:r>
               <a:rPr lang="ko-KR" altLang="en-US" dirty="0"/>
-              <a:t>휴식보다 더 높은 효과를 제공</a:t>
+              <a:t>획득한 재료를 통해 필요한 아이템을 직접 제작하거나</a:t>
+            </a:r>
+            <a:r>
+              <a:rPr lang="en-US" altLang="ko-KR" dirty="0"/>
+              <a:t>, NPC</a:t>
+            </a:r>
+            <a:r>
+              <a:rPr lang="ko-KR" altLang="en-US" dirty="0"/>
+              <a:t>에게 의뢰하여 제작 가능</a:t>
             </a:r>
             <a:endParaRPr lang="en-US" altLang="ko-KR" dirty="0"/>
           </a:p>
           <a:p>
             <a:r>
               <a:rPr lang="ko-KR" altLang="en-US" dirty="0"/>
-              <a:t>침대</a:t>
+              <a:t>아이템 제작을 위해 설계도</a:t>
             </a:r>
             <a:r>
               <a:rPr lang="en-US" altLang="ko-KR" dirty="0"/>
@@ -4796,34 +4554,7 @@
             </a:r>
             <a:r>
               <a:rPr lang="ko-KR" altLang="en-US" dirty="0"/>
-              <a:t>침낭 등 수면 가능한 곳에서 수행</a:t>
-            </a:r>
-            <a:endParaRPr lang="en-US" altLang="ko-KR" dirty="0"/>
-          </a:p>
-          <a:p>
-            <a:r>
-              <a:rPr lang="en-US" altLang="ko-KR" dirty="0"/>
-              <a:t>1</a:t>
-            </a:r>
-            <a:r>
-              <a:rPr lang="ko-KR" altLang="en-US" dirty="0"/>
-              <a:t>일 </a:t>
-            </a:r>
-            <a:r>
-              <a:rPr lang="en-US" altLang="ko-KR" dirty="0"/>
-              <a:t>1</a:t>
-            </a:r>
-            <a:r>
-              <a:rPr lang="ko-KR" altLang="en-US" dirty="0"/>
-              <a:t>회 최소 </a:t>
-            </a:r>
-            <a:r>
-              <a:rPr lang="en-US" altLang="ko-KR" dirty="0"/>
-              <a:t>6 ~ 9</a:t>
-            </a:r>
-            <a:r>
-              <a:rPr lang="ko-KR" altLang="en-US" dirty="0"/>
-              <a:t>시간 잘 수 있으며</a:t>
+              <a:t>또는 레시피가 필요하며</a:t>
             </a:r>
             <a:r>
               <a:rPr lang="en-US" altLang="ko-KR" dirty="0"/>
@@ -4831,53 +4562,22 @@
             </a:r>
             <a:r>
               <a:rPr lang="ko-KR" altLang="en-US" dirty="0"/>
-              <a:t>잔여 활동력에 따라 수면 가능 시간에 가중치가 부여됨</a:t>
+              <a:t>스토리 진행이나 상점 등에서 구할 수 있음</a:t>
             </a:r>
             <a:endParaRPr lang="en-US" altLang="ko-KR" dirty="0"/>
           </a:p>
           <a:p>
             <a:r>
               <a:rPr lang="ko-KR" altLang="en-US" dirty="0"/>
-              <a:t>수면 시 수면 시간에 따라 캐릭터의 체력</a:t>
+              <a:t>재료 수집 시 활동력이 소모되며</a:t>
             </a:r>
             <a:r>
               <a:rPr lang="en-US" altLang="ko-KR" dirty="0"/>
-              <a:t>, </a:t>
-            </a:r>
-            <a:r>
-              <a:rPr lang="ko-KR" altLang="en-US" dirty="0"/>
-              <a:t>마나</a:t>
-            </a:r>
-            <a:r>
-              <a:rPr lang="en-US" altLang="ko-KR" dirty="0"/>
-              <a:t>, </a:t>
-            </a:r>
-            <a:r>
-              <a:rPr lang="ko-KR" altLang="en-US" dirty="0"/>
-              <a:t>활동력이 대폭 회복되지만</a:t>
-            </a:r>
-            <a:r>
-              <a:rPr lang="en-US" altLang="ko-KR" dirty="0"/>
-              <a:t>, </a:t>
-            </a:r>
-            <a:r>
-              <a:rPr lang="ko-KR" altLang="en-US" dirty="0"/>
-              <a:t>배고픔과 목마름 수치가 대폭 하락함</a:t>
-            </a:r>
-            <a:endParaRPr lang="en-US" altLang="ko-KR" dirty="0"/>
-          </a:p>
-          <a:p>
-            <a:r>
-              <a:rPr lang="ko-KR" altLang="en-US" dirty="0"/>
-              <a:t>수면 효과는 수면 가능 시간에 부여된 가중치에 따라 </a:t>
-            </a:r>
-            <a:r>
-              <a:rPr lang="ko-KR" altLang="en-US" dirty="0" err="1"/>
-              <a:t>패널티가</a:t>
-            </a:r>
-            <a:r>
-              <a:rPr lang="ko-KR" altLang="en-US" dirty="0"/>
-              <a:t> 부과됨</a:t>
+              <a:t>, 0 </a:t>
+            </a:r>
+            <a:r>
+              <a:rPr lang="ko-KR" altLang="en-US" dirty="0"/>
+              <a:t>이하면 재료 수집을 위한 행동을 취할 수 없음</a:t>
             </a:r>
             <a:endParaRPr lang="en-US" altLang="ko-KR" dirty="0"/>
           </a:p>
@@ -4889,7 +4589,7 @@
     </p:spTree>
     <p:extLst>
       <p:ext uri="{BB962C8B-B14F-4D97-AF65-F5344CB8AC3E}">
-        <p14:creationId xmlns:p14="http://schemas.microsoft.com/office/powerpoint/2010/main" val="2479845398"/>
+        <p14:creationId xmlns:p14="http://schemas.microsoft.com/office/powerpoint/2010/main" val="291252485"/>
       </p:ext>
     </p:extLst>
   </p:cSld>
@@ -4939,7 +4639,7 @@
           <a:p>
             <a:r>
               <a:rPr lang="ko-KR" altLang="en-US" dirty="0"/>
-              <a:t>일반 </a:t>
+              <a:t>생활 </a:t>
             </a:r>
             <a:r>
               <a:rPr lang="en-US" altLang="ko-KR" dirty="0"/>
@@ -4947,7 +4647,7 @@
             </a:r>
             <a:r>
               <a:rPr lang="ko-KR" altLang="en-US" dirty="0"/>
-              <a:t>조명</a:t>
+              <a:t>채집</a:t>
             </a:r>
           </a:p>
         </p:txBody>
@@ -4957,7 +4657,7 @@
           <p:cNvPr id="2" name="내용 개체 틀 1">
             <a:extLst>
               <a:ext uri="{FF2B5EF4-FFF2-40B4-BE49-F238E27FC236}">
-                <a16:creationId xmlns:a16="http://schemas.microsoft.com/office/drawing/2014/main" id="{90E8372D-FEFC-4164-ADE9-3F3CE6ADE2D4}"/>
+                <a16:creationId xmlns:a16="http://schemas.microsoft.com/office/drawing/2014/main" id="{FC6B5FEE-9FEA-4BE7-BA94-F4AAB1F02227}"/>
               </a:ext>
             </a:extLst>
           </p:cNvPr>
@@ -4973,14 +4673,67 @@
           <a:bodyPr/>
           <a:lstStyle/>
           <a:p>
-            <a:endParaRPr lang="ko-KR" altLang="en-US" dirty="0"/>
+            <a:r>
+              <a:rPr lang="ko-KR" altLang="en-US" dirty="0"/>
+              <a:t>별도의 장비 없이 마법을 사용해 각종 식물을 채집하는 시스템</a:t>
+            </a:r>
+            <a:endParaRPr lang="en-US" altLang="ko-KR" dirty="0"/>
+          </a:p>
+          <a:p>
+            <a:r>
+              <a:rPr lang="ko-KR" altLang="en-US" dirty="0"/>
+              <a:t>다른 생활 시스템과 달리</a:t>
+            </a:r>
+            <a:r>
+              <a:rPr lang="en-US" altLang="ko-KR" dirty="0"/>
+              <a:t> </a:t>
+            </a:r>
+            <a:r>
+              <a:rPr lang="ko-KR" altLang="en-US" dirty="0" err="1"/>
+              <a:t>마나를</a:t>
+            </a:r>
+            <a:r>
+              <a:rPr lang="ko-KR" altLang="en-US" dirty="0"/>
+              <a:t> 사용하며</a:t>
+            </a:r>
+            <a:r>
+              <a:rPr lang="en-US" altLang="ko-KR" dirty="0"/>
+              <a:t>, </a:t>
+            </a:r>
+            <a:r>
+              <a:rPr lang="ko-KR" altLang="en-US" dirty="0"/>
+              <a:t>사용된 </a:t>
+            </a:r>
+            <a:r>
+              <a:rPr lang="ko-KR" altLang="en-US" dirty="0" err="1"/>
+              <a:t>마나에</a:t>
+            </a:r>
+            <a:r>
+              <a:rPr lang="ko-KR" altLang="en-US" dirty="0"/>
+              <a:t> 따라 채집 효율이 결정됨</a:t>
+            </a:r>
+            <a:endParaRPr lang="en-US" altLang="ko-KR" dirty="0"/>
+          </a:p>
+          <a:p>
+            <a:r>
+              <a:rPr lang="ko-KR" altLang="en-US" dirty="0"/>
+              <a:t>채집한 식물을 재료로 </a:t>
+            </a:r>
+            <a:r>
+              <a:rPr lang="ko-KR" altLang="en-US" dirty="0" err="1"/>
+              <a:t>회복약</a:t>
+            </a:r>
+            <a:r>
+              <a:rPr lang="ko-KR" altLang="en-US" dirty="0"/>
+              <a:t> 같이 캐릭터의 상태에 영향을 주는 약제 아이템을 제작</a:t>
+            </a:r>
           </a:p>
         </p:txBody>
       </p:sp>
     </p:spTree>
     <p:extLst>
       <p:ext uri="{BB962C8B-B14F-4D97-AF65-F5344CB8AC3E}">
-        <p14:creationId xmlns:p14="http://schemas.microsoft.com/office/powerpoint/2010/main" val="1471146490"/>
+        <p14:creationId xmlns:p14="http://schemas.microsoft.com/office/powerpoint/2010/main" val="4204983736"/>
       </p:ext>
     </p:extLst>
   </p:cSld>
@@ -5030,7 +4783,7 @@
           <a:p>
             <a:r>
               <a:rPr lang="ko-KR" altLang="en-US" dirty="0"/>
-              <a:t>일반 </a:t>
+              <a:t>생활 </a:t>
             </a:r>
             <a:r>
               <a:rPr lang="en-US" altLang="ko-KR" dirty="0"/>
@@ -5038,7 +4791,7 @@
             </a:r>
             <a:r>
               <a:rPr lang="ko-KR" altLang="en-US" dirty="0"/>
-              <a:t>거래</a:t>
+              <a:t>채광</a:t>
             </a:r>
           </a:p>
         </p:txBody>
@@ -5048,7 +4801,7 @@
           <p:cNvPr id="2" name="내용 개체 틀 1">
             <a:extLst>
               <a:ext uri="{FF2B5EF4-FFF2-40B4-BE49-F238E27FC236}">
-                <a16:creationId xmlns:a16="http://schemas.microsoft.com/office/drawing/2014/main" id="{66BF70FB-21D3-4E9F-8318-0020FE7F94DC}"/>
+                <a16:creationId xmlns:a16="http://schemas.microsoft.com/office/drawing/2014/main" id="{90E8372D-FEFC-4164-ADE9-3F3CE6ADE2D4}"/>
               </a:ext>
             </a:extLst>
           </p:cNvPr>
@@ -5066,29 +4819,78 @@
           <a:p>
             <a:r>
               <a:rPr lang="ko-KR" altLang="en-US" dirty="0"/>
-              <a:t>거래 가능한 상점이 가지고 있는 아이템을 게임 재화를 통해 구매하거나 판매할 수 있는 시스템</a:t>
+              <a:t>곡괭이</a:t>
+            </a:r>
+            <a:r>
+              <a:rPr lang="en-US" altLang="ko-KR" dirty="0"/>
+              <a:t> </a:t>
+            </a:r>
+            <a:r>
+              <a:rPr lang="ko-KR" altLang="en-US" dirty="0"/>
+              <a:t>등 채광 가능한 장비나 마법을 사용해 광물 등을 채광하는 시스템</a:t>
             </a:r>
             <a:endParaRPr lang="en-US" altLang="ko-KR" dirty="0"/>
           </a:p>
           <a:p>
             <a:r>
               <a:rPr lang="ko-KR" altLang="en-US" dirty="0"/>
-              <a:t>각 상점이 취급하는 아이템만 거래 가능</a:t>
-            </a:r>
-            <a:endParaRPr lang="en-US" altLang="ko-KR" dirty="0"/>
-          </a:p>
-          <a:p>
-            <a:r>
-              <a:rPr lang="ko-KR" altLang="en-US" dirty="0"/>
-              <a:t>아이템 구매는 모든 상점에서 가능하지만</a:t>
+              <a:t>채광을 통해 획득한 광물은 전투 장비</a:t>
+            </a:r>
+            <a:r>
+              <a:rPr lang="en-US" altLang="ko-KR" dirty="0"/>
+              <a:t>(</a:t>
+            </a:r>
+            <a:r>
+              <a:rPr lang="ko-KR" altLang="en-US" dirty="0"/>
+              <a:t>무기</a:t>
             </a:r>
             <a:r>
               <a:rPr lang="en-US" altLang="ko-KR" dirty="0"/>
               <a:t>, </a:t>
             </a:r>
             <a:r>
-              <a:rPr lang="ko-KR" altLang="en-US" dirty="0"/>
-              <a:t>아이템 판매는 판매 가능한 상점에서만 가능</a:t>
+              <a:rPr lang="ko-KR" altLang="en-US" dirty="0" err="1"/>
+              <a:t>방어구</a:t>
+            </a:r>
+            <a:r>
+              <a:rPr lang="ko-KR" altLang="en-US" dirty="0"/>
+              <a:t> 등</a:t>
+            </a:r>
+            <a:r>
+              <a:rPr lang="en-US" altLang="ko-KR" dirty="0"/>
+              <a:t>),  </a:t>
+            </a:r>
+            <a:r>
+              <a:rPr lang="ko-KR" altLang="en-US" dirty="0"/>
+              <a:t>생활 장비</a:t>
+            </a:r>
+            <a:r>
+              <a:rPr lang="en-US" altLang="ko-KR" dirty="0"/>
+              <a:t>(</a:t>
+            </a:r>
+            <a:r>
+              <a:rPr lang="ko-KR" altLang="en-US" dirty="0"/>
+              <a:t>곡괭이</a:t>
+            </a:r>
+            <a:r>
+              <a:rPr lang="en-US" altLang="ko-KR" dirty="0"/>
+              <a:t>, </a:t>
+            </a:r>
+            <a:r>
+              <a:rPr lang="ko-KR" altLang="en-US" dirty="0" err="1"/>
+              <a:t>낚시대</a:t>
+            </a:r>
+            <a:r>
+              <a:rPr lang="ko-KR" altLang="en-US" dirty="0"/>
+              <a:t> 등</a:t>
+            </a:r>
+            <a:r>
+              <a:rPr lang="en-US" altLang="ko-KR" dirty="0"/>
+              <a:t>) </a:t>
+            </a:r>
+            <a:r>
+              <a:rPr lang="ko-KR" altLang="en-US" dirty="0"/>
+              <a:t>등을 제작에 사용</a:t>
             </a:r>
             <a:endParaRPr lang="en-US" altLang="ko-KR" dirty="0"/>
           </a:p>
@@ -5100,7 +4902,7 @@
     </p:spTree>
     <p:extLst>
       <p:ext uri="{BB962C8B-B14F-4D97-AF65-F5344CB8AC3E}">
-        <p14:creationId xmlns:p14="http://schemas.microsoft.com/office/powerpoint/2010/main" val="2973048222"/>
+        <p14:creationId xmlns:p14="http://schemas.microsoft.com/office/powerpoint/2010/main" val="2721555998"/>
       </p:ext>
     </p:extLst>
   </p:cSld>
@@ -5150,7 +4952,7 @@
           <a:p>
             <a:r>
               <a:rPr lang="ko-KR" altLang="en-US" dirty="0"/>
-              <a:t>일반 </a:t>
+              <a:t>생활 </a:t>
             </a:r>
             <a:r>
               <a:rPr lang="en-US" altLang="ko-KR" dirty="0"/>
@@ -5158,7 +4960,7 @@
             </a:r>
             <a:r>
               <a:rPr lang="ko-KR" altLang="en-US" dirty="0"/>
-              <a:t>의뢰</a:t>
+              <a:t>요리</a:t>
             </a:r>
           </a:p>
         </p:txBody>
@@ -5168,7 +4970,7 @@
           <p:cNvPr id="2" name="내용 개체 틀 1">
             <a:extLst>
               <a:ext uri="{FF2B5EF4-FFF2-40B4-BE49-F238E27FC236}">
-                <a16:creationId xmlns:a16="http://schemas.microsoft.com/office/drawing/2014/main" id="{DF7CFBBF-0D75-4F7C-AE52-5A910A2803B1}"/>
+                <a16:creationId xmlns:a16="http://schemas.microsoft.com/office/drawing/2014/main" id="{90E8372D-FEFC-4164-ADE9-3F3CE6ADE2D4}"/>
               </a:ext>
             </a:extLst>
           </p:cNvPr>
@@ -5186,7 +4988,22 @@
           <a:p>
             <a:r>
               <a:rPr lang="ko-KR" altLang="en-US" dirty="0"/>
-              <a:t>의뢰 가능한 상점이나 제작소에서 수행할 수 있는 시스템으로</a:t>
+              <a:t>식칼</a:t>
+            </a:r>
+            <a:r>
+              <a:rPr lang="en-US" altLang="ko-KR" dirty="0"/>
+              <a:t> </a:t>
+            </a:r>
+            <a:r>
+              <a:rPr lang="ko-KR" altLang="en-US" dirty="0"/>
+              <a:t>등 조리 가능한 장비를 사용해 요리하는 시스템</a:t>
+            </a:r>
+            <a:endParaRPr lang="en-US" altLang="ko-KR" dirty="0"/>
+          </a:p>
+          <a:p>
+            <a:r>
+              <a:rPr lang="ko-KR" altLang="en-US" dirty="0"/>
+              <a:t>잡화점과 식료품점에서 구매</a:t>
             </a:r>
             <a:r>
               <a:rPr lang="en-US" altLang="ko-KR" dirty="0"/>
@@ -5194,61 +5011,7 @@
             </a:r>
             <a:r>
               <a:rPr lang="ko-KR" altLang="en-US" dirty="0"/>
-              <a:t>제작 의뢰와 납품 의뢰로 나뉨</a:t>
-            </a:r>
-            <a:endParaRPr lang="en-US" altLang="ko-KR" dirty="0"/>
-          </a:p>
-          <a:p>
-            <a:r>
-              <a:rPr lang="ko-KR" altLang="en-US" dirty="0"/>
-              <a:t>제작 의뢰는 각 상점이나 제작소에서 취급하는 아이템의 제작을 의뢰할 수 있으며</a:t>
-            </a:r>
-            <a:r>
-              <a:rPr lang="en-US" altLang="ko-KR" dirty="0"/>
-              <a:t>, </a:t>
-            </a:r>
-            <a:r>
-              <a:rPr lang="ko-KR" altLang="en-US" dirty="0"/>
-              <a:t>제작 </a:t>
-            </a:r>
-            <a:r>
-              <a:rPr lang="en-US" altLang="ko-KR" dirty="0"/>
-              <a:t>NPC</a:t>
-            </a:r>
-            <a:r>
-              <a:rPr lang="ko-KR" altLang="en-US" dirty="0"/>
-              <a:t>의 스킬에 따라 제작 가능한 아이템의 등급이 결정</a:t>
-            </a:r>
-            <a:endParaRPr lang="en-US" altLang="ko-KR" dirty="0"/>
-          </a:p>
-          <a:p>
-            <a:r>
-              <a:rPr lang="ko-KR" altLang="en-US" dirty="0"/>
-              <a:t>납품 의뢰는 각 상점이나 제작소에서 취급하는 재료를 납품하거나 납품 요청을 할 수 있으며</a:t>
-            </a:r>
-            <a:r>
-              <a:rPr lang="en-US" altLang="ko-KR" dirty="0"/>
-              <a:t>, NPC</a:t>
-            </a:r>
-            <a:r>
-              <a:rPr lang="ko-KR" altLang="en-US" dirty="0"/>
-              <a:t>가 위치한 지역</a:t>
-            </a:r>
-            <a:r>
-              <a:rPr lang="en-US" altLang="ko-KR" dirty="0"/>
-              <a:t>, </a:t>
-            </a:r>
-            <a:r>
-              <a:rPr lang="ko-KR" altLang="en-US" dirty="0"/>
-              <a:t>스킬에 따라 취급하는 재료의 등급과 수량</a:t>
-            </a:r>
-            <a:r>
-              <a:rPr lang="en-US" altLang="ko-KR" dirty="0"/>
-              <a:t>, </a:t>
-            </a:r>
-            <a:r>
-              <a:rPr lang="ko-KR" altLang="en-US" dirty="0"/>
-              <a:t>가격이 결정됨</a:t>
+              <a:t>또는 채집하여 얻은 요리 재료를 활용해 다양한 음식을 제작</a:t>
             </a:r>
           </a:p>
         </p:txBody>
@@ -5256,7 +5019,7 @@
     </p:spTree>
     <p:extLst>
       <p:ext uri="{BB962C8B-B14F-4D97-AF65-F5344CB8AC3E}">
-        <p14:creationId xmlns:p14="http://schemas.microsoft.com/office/powerpoint/2010/main" val="3699530137"/>
+        <p14:creationId xmlns:p14="http://schemas.microsoft.com/office/powerpoint/2010/main" val="2534059286"/>
       </p:ext>
     </p:extLst>
   </p:cSld>
@@ -5285,10 +5048,10 @@
       </p:grpSpPr>
       <p:sp>
         <p:nvSpPr>
-          <p:cNvPr id="4" name="제목 3">
+          <p:cNvPr id="3" name="제목 2">
             <a:extLst>
               <a:ext uri="{FF2B5EF4-FFF2-40B4-BE49-F238E27FC236}">
-                <a16:creationId xmlns:a16="http://schemas.microsoft.com/office/drawing/2014/main" id="{BD1FA68B-026A-4EC9-8760-57B376AB7839}"/>
+                <a16:creationId xmlns:a16="http://schemas.microsoft.com/office/drawing/2014/main" id="{896AB4F1-0755-4ACF-AE58-4C6FEE2E9061}"/>
               </a:ext>
             </a:extLst>
           </p:cNvPr>
@@ -5301,30 +5064,32 @@
         </p:nvSpPr>
         <p:spPr/>
         <p:txBody>
-          <a:bodyPr anchor="ctr"/>
+          <a:bodyPr>
+            <a:normAutofit/>
+          </a:bodyPr>
           <a:lstStyle/>
           <a:p>
             <a:r>
-              <a:rPr lang="ko-KR" altLang="en-US" dirty="0"/>
-              <a:t>생활 </a:t>
-            </a:r>
-            <a:r>
-              <a:rPr lang="en-US" altLang="ko-KR" dirty="0"/>
+              <a:rPr lang="ko-KR" altLang="en-US" sz="4800" dirty="0"/>
+              <a:t>건물 </a:t>
+            </a:r>
+            <a:r>
+              <a:rPr lang="en-US" altLang="ko-KR" sz="4800" dirty="0"/>
               <a:t>- </a:t>
             </a:r>
             <a:r>
-              <a:rPr lang="ko-KR" altLang="en-US" dirty="0"/>
-              <a:t>공통</a:t>
-            </a:r>
-          </a:p>
-        </p:txBody>
-      </p:sp>
-      <p:sp>
-        <p:nvSpPr>
-          <p:cNvPr id="2" name="내용 개체 틀 1">
+              <a:rPr lang="ko-KR" altLang="en-US" sz="4800" dirty="0"/>
+              <a:t>마을</a:t>
+            </a:r>
+          </a:p>
+        </p:txBody>
+      </p:sp>
+      <p:sp>
+        <p:nvSpPr>
+          <p:cNvPr id="4" name="텍스트 개체 틀 3">
             <a:extLst>
               <a:ext uri="{FF2B5EF4-FFF2-40B4-BE49-F238E27FC236}">
-                <a16:creationId xmlns:a16="http://schemas.microsoft.com/office/drawing/2014/main" id="{FC6B5FEE-9FEA-4BE7-BA94-F4AAB1F02227}"/>
+                <a16:creationId xmlns:a16="http://schemas.microsoft.com/office/drawing/2014/main" id="{E33BCC30-2131-4E30-A164-782442EB9249}"/>
               </a:ext>
             </a:extLst>
           </p:cNvPr>
@@ -5332,7 +5097,7 @@
             <a:spLocks noGrp="1"/>
           </p:cNvSpPr>
           <p:nvPr>
-            <p:ph idx="1"/>
+            <p:ph type="body" idx="1"/>
           </p:nvPr>
         </p:nvSpPr>
         <p:spPr/>
@@ -5340,82 +5105,14 @@
           <a:bodyPr/>
           <a:lstStyle/>
           <a:p>
-            <a:r>
-              <a:rPr lang="ko-KR" altLang="en-US" dirty="0"/>
-              <a:t>생활은 게임 진행에 필요한 아이템을 플레이어가 직접 제작할 수 있는 환경을 제공하기 위한 시스템</a:t>
-            </a:r>
-            <a:endParaRPr lang="en-US" altLang="ko-KR" dirty="0"/>
-          </a:p>
-          <a:p>
-            <a:r>
-              <a:rPr lang="ko-KR" altLang="en-US" dirty="0"/>
-              <a:t>생활 시스템을 통해 아이템 제작에 필요한 재료를 소량 획득할 수 있으며</a:t>
-            </a:r>
-            <a:r>
-              <a:rPr lang="en-US" altLang="ko-KR" dirty="0"/>
-              <a:t>, </a:t>
-            </a:r>
-            <a:r>
-              <a:rPr lang="ko-KR" altLang="en-US" dirty="0"/>
-              <a:t>획득한 재료를 통해 필요한 아이템을 직접 제작하거나</a:t>
-            </a:r>
-            <a:r>
-              <a:rPr lang="en-US" altLang="ko-KR" dirty="0"/>
-              <a:t>, NPC</a:t>
-            </a:r>
-            <a:r>
-              <a:rPr lang="ko-KR" altLang="en-US" dirty="0"/>
-              <a:t>에게 의뢰하여 제작 가능</a:t>
-            </a:r>
-            <a:endParaRPr lang="en-US" altLang="ko-KR" dirty="0"/>
-          </a:p>
-          <a:p>
-            <a:r>
-              <a:rPr lang="ko-KR" altLang="en-US" dirty="0"/>
-              <a:t>아이템 제작을 위해 설계도</a:t>
-            </a:r>
-            <a:r>
-              <a:rPr lang="en-US" altLang="ko-KR" dirty="0"/>
-              <a:t>, </a:t>
-            </a:r>
-            <a:r>
-              <a:rPr lang="ko-KR" altLang="en-US" dirty="0"/>
-              <a:t>또는 레시피가 필요하며</a:t>
-            </a:r>
-            <a:r>
-              <a:rPr lang="en-US" altLang="ko-KR" dirty="0"/>
-              <a:t>, </a:t>
-            </a:r>
-            <a:r>
-              <a:rPr lang="ko-KR" altLang="en-US" dirty="0"/>
-              <a:t>스토리 진행이나 상점 등에서 구할 수 있음</a:t>
-            </a:r>
-            <a:endParaRPr lang="en-US" altLang="ko-KR" dirty="0"/>
-          </a:p>
-          <a:p>
-            <a:r>
-              <a:rPr lang="ko-KR" altLang="en-US" dirty="0"/>
-              <a:t>재료 수집 시 활동력이 소모되며</a:t>
-            </a:r>
-            <a:r>
-              <a:rPr lang="en-US" altLang="ko-KR" dirty="0"/>
-              <a:t>, 0 </a:t>
-            </a:r>
-            <a:r>
-              <a:rPr lang="ko-KR" altLang="en-US" dirty="0"/>
-              <a:t>이하면 재료 수집을 위한 행동을 취할 수 없음</a:t>
-            </a:r>
-            <a:endParaRPr lang="en-US" altLang="ko-KR" dirty="0"/>
-          </a:p>
-          <a:p>
-            <a:endParaRPr lang="ko-KR" altLang="en-US" dirty="0"/>
+            <a:endParaRPr lang="ko-KR" altLang="en-US"/>
           </a:p>
         </p:txBody>
       </p:sp>
     </p:spTree>
     <p:extLst>
       <p:ext uri="{BB962C8B-B14F-4D97-AF65-F5344CB8AC3E}">
-        <p14:creationId xmlns:p14="http://schemas.microsoft.com/office/powerpoint/2010/main" val="291252485"/>
+        <p14:creationId xmlns:p14="http://schemas.microsoft.com/office/powerpoint/2010/main" val="2150490261"/>
       </p:ext>
     </p:extLst>
   </p:cSld>
@@ -5464,17 +5161,14 @@
           <a:lstStyle/>
           <a:p>
             <a:r>
-              <a:rPr lang="ko-KR" altLang="en-US" dirty="0"/>
-              <a:t>생활 </a:t>
-            </a:r>
-            <a:r>
-              <a:rPr lang="en-US" altLang="ko-KR" dirty="0"/>
-              <a:t>- </a:t>
-            </a:r>
-            <a:r>
-              <a:rPr lang="ko-KR" altLang="en-US" dirty="0"/>
-              <a:t>채집</a:t>
-            </a:r>
+              <a:rPr lang="ko-KR" altLang="en-US" cap="none" dirty="0"/>
+              <a:t>대장간</a:t>
+            </a:r>
+            <a:r>
+              <a:rPr lang="en-US" altLang="ko-KR" cap="none" dirty="0"/>
+              <a:t>(Blacksmith)</a:t>
+            </a:r>
+            <a:endParaRPr lang="ko-KR" altLang="en-US" cap="none" dirty="0"/>
           </a:p>
         </p:txBody>
       </p:sp>
@@ -5483,7 +5177,7 @@
           <p:cNvPr id="2" name="내용 개체 틀 1">
             <a:extLst>
               <a:ext uri="{FF2B5EF4-FFF2-40B4-BE49-F238E27FC236}">
-                <a16:creationId xmlns:a16="http://schemas.microsoft.com/office/drawing/2014/main" id="{FC6B5FEE-9FEA-4BE7-BA94-F4AAB1F02227}"/>
+                <a16:creationId xmlns:a16="http://schemas.microsoft.com/office/drawing/2014/main" id="{76690079-6635-48B0-B2AA-3FF4B741393E}"/>
               </a:ext>
             </a:extLst>
           </p:cNvPr>
@@ -5501,65 +5195,68 @@
           <a:p>
             <a:r>
               <a:rPr lang="ko-KR" altLang="en-US" dirty="0"/>
-              <a:t>별도의 장비 없이 마법을 사용해 각종 식물을 채집하는 시스템</a:t>
+              <a:t>구매 </a:t>
+            </a:r>
+            <a:r>
+              <a:rPr lang="en-US" altLang="ko-KR" dirty="0"/>
+              <a:t>/ </a:t>
+            </a:r>
+            <a:r>
+              <a:rPr lang="ko-KR" altLang="en-US" dirty="0"/>
+              <a:t>판매 </a:t>
+            </a:r>
+            <a:r>
+              <a:rPr lang="en-US" altLang="ko-KR" dirty="0"/>
+              <a:t>/ </a:t>
+            </a:r>
+            <a:r>
+              <a:rPr lang="ko-KR" altLang="en-US" dirty="0"/>
+              <a:t>제작 의뢰 </a:t>
+            </a:r>
+            <a:r>
+              <a:rPr lang="en-US" altLang="ko-KR" dirty="0"/>
+              <a:t>/ </a:t>
+            </a:r>
+            <a:r>
+              <a:rPr lang="ko-KR" altLang="en-US" dirty="0"/>
+              <a:t>납품 의뢰 가능</a:t>
             </a:r>
             <a:endParaRPr lang="en-US" altLang="ko-KR" dirty="0"/>
           </a:p>
           <a:p>
             <a:r>
               <a:rPr lang="ko-KR" altLang="en-US" dirty="0"/>
-              <a:t>다른 생활 시스템과 달리</a:t>
-            </a:r>
-            <a:r>
-              <a:rPr lang="en-US" altLang="ko-KR" dirty="0"/>
-              <a:t> </a:t>
-            </a:r>
-            <a:r>
-              <a:rPr lang="ko-KR" altLang="en-US" dirty="0" err="1"/>
-              <a:t>마나를</a:t>
-            </a:r>
-            <a:r>
-              <a:rPr lang="ko-KR" altLang="en-US" dirty="0"/>
-              <a:t> 사용하며</a:t>
-            </a:r>
-            <a:r>
-              <a:rPr lang="en-US" altLang="ko-KR" dirty="0"/>
-              <a:t>, </a:t>
-            </a:r>
-            <a:r>
-              <a:rPr lang="ko-KR" altLang="en-US" dirty="0"/>
-              <a:t>사용된 </a:t>
-            </a:r>
-            <a:r>
-              <a:rPr lang="ko-KR" altLang="en-US" dirty="0" err="1"/>
-              <a:t>마나에</a:t>
-            </a:r>
-            <a:r>
-              <a:rPr lang="ko-KR" altLang="en-US" dirty="0"/>
-              <a:t> 따라 채집 효율이 결정됨</a:t>
+              <a:t>생활 장비를 취급하는 제작소 겸 상점</a:t>
             </a:r>
             <a:endParaRPr lang="en-US" altLang="ko-KR" dirty="0"/>
           </a:p>
           <a:p>
             <a:r>
               <a:rPr lang="ko-KR" altLang="en-US" dirty="0"/>
-              <a:t>채집한 식물을 재료로 </a:t>
-            </a:r>
-            <a:r>
-              <a:rPr lang="ko-KR" altLang="en-US" dirty="0" err="1"/>
-              <a:t>회복약</a:t>
-            </a:r>
-            <a:r>
-              <a:rPr lang="ko-KR" altLang="en-US" dirty="0"/>
-              <a:t> 같이 캐릭터의 상태에 영향을 주는 약제 아이템을 제작</a:t>
-            </a:r>
+              <a:t>완성된 장비를 구매하거나 채광으로 모은 재료를 판매할 수 있음</a:t>
+            </a:r>
+            <a:endParaRPr lang="en-US" altLang="ko-KR" dirty="0"/>
+          </a:p>
+          <a:p>
+            <a:r>
+              <a:rPr lang="ko-KR" altLang="en-US" dirty="0"/>
+              <a:t>재료 또는 완제품을 납품할 수 있음</a:t>
+            </a:r>
+            <a:endParaRPr lang="en-US" altLang="ko-KR" dirty="0"/>
+          </a:p>
+          <a:p>
+            <a:r>
+              <a:rPr lang="ko-KR" altLang="en-US" dirty="0"/>
+              <a:t>장비 제작에 필요한 재료를 모아 대장간에 장비 제작을 의뢰할 수 있음 </a:t>
+            </a:r>
+            <a:endParaRPr lang="en-US" altLang="ko-KR" dirty="0"/>
           </a:p>
         </p:txBody>
       </p:sp>
     </p:spTree>
     <p:extLst>
       <p:ext uri="{BB962C8B-B14F-4D97-AF65-F5344CB8AC3E}">
-        <p14:creationId xmlns:p14="http://schemas.microsoft.com/office/powerpoint/2010/main" val="4204983736"/>
+        <p14:creationId xmlns:p14="http://schemas.microsoft.com/office/powerpoint/2010/main" val="5554690"/>
       </p:ext>
     </p:extLst>
   </p:cSld>
@@ -5759,17 +5456,14 @@
           <a:lstStyle/>
           <a:p>
             <a:r>
-              <a:rPr lang="ko-KR" altLang="en-US" dirty="0"/>
-              <a:t>생활 </a:t>
-            </a:r>
-            <a:r>
-              <a:rPr lang="en-US" altLang="ko-KR" dirty="0"/>
-              <a:t>- </a:t>
-            </a:r>
-            <a:r>
-              <a:rPr lang="ko-KR" altLang="en-US" dirty="0"/>
-              <a:t>채광</a:t>
-            </a:r>
+              <a:rPr lang="ko-KR" altLang="en-US" cap="none" dirty="0"/>
+              <a:t>식료품점</a:t>
+            </a:r>
+            <a:r>
+              <a:rPr lang="en-US" altLang="ko-KR" cap="none" dirty="0"/>
+              <a:t>(Grocery Store)</a:t>
+            </a:r>
+            <a:endParaRPr lang="ko-KR" altLang="en-US" cap="none" dirty="0"/>
           </a:p>
         </p:txBody>
       </p:sp>
@@ -5778,7 +5472,7 @@
           <p:cNvPr id="2" name="내용 개체 틀 1">
             <a:extLst>
               <a:ext uri="{FF2B5EF4-FFF2-40B4-BE49-F238E27FC236}">
-                <a16:creationId xmlns:a16="http://schemas.microsoft.com/office/drawing/2014/main" id="{90E8372D-FEFC-4164-ADE9-3F3CE6ADE2D4}"/>
+                <a16:creationId xmlns:a16="http://schemas.microsoft.com/office/drawing/2014/main" id="{D7260655-51A0-414B-B0C7-6F71FAD780AC}"/>
               </a:ext>
             </a:extLst>
           </p:cNvPr>
@@ -5796,7 +5490,7 @@
           <a:p>
             <a:r>
               <a:rPr lang="ko-KR" altLang="en-US" dirty="0"/>
-              <a:t>곡괭이</a:t>
+              <a:t>구매</a:t>
             </a:r>
             <a:r>
               <a:rPr lang="en-US" altLang="ko-KR" dirty="0"/>
@@ -5804,82 +5498,42 @@
             </a:r>
             <a:r>
               <a:rPr lang="ko-KR" altLang="en-US" dirty="0"/>
-              <a:t>등 채광 가능한 장비나 마법을 사용해 광물 등을 채광하는 시스템</a:t>
+              <a:t>가능</a:t>
             </a:r>
             <a:endParaRPr lang="en-US" altLang="ko-KR" dirty="0"/>
           </a:p>
           <a:p>
             <a:r>
               <a:rPr lang="ko-KR" altLang="en-US" dirty="0"/>
-              <a:t>채광을 통해 획득한 광물은 전투 장비</a:t>
+              <a:t>모든 식료품을 취급하는 상점</a:t>
             </a:r>
             <a:r>
               <a:rPr lang="en-US" altLang="ko-KR" dirty="0"/>
-              <a:t>(</a:t>
-            </a:r>
-            <a:r>
-              <a:rPr lang="ko-KR" altLang="en-US" dirty="0"/>
-              <a:t>무기</a:t>
+              <a:t>. </a:t>
+            </a:r>
+            <a:r>
+              <a:rPr lang="ko-KR" altLang="en-US" dirty="0"/>
+              <a:t>단</a:t>
             </a:r>
             <a:r>
               <a:rPr lang="en-US" altLang="ko-KR" dirty="0"/>
               <a:t>, </a:t>
             </a:r>
             <a:r>
-              <a:rPr lang="ko-KR" altLang="en-US" dirty="0" err="1"/>
-              <a:t>방어구</a:t>
-            </a:r>
-            <a:r>
-              <a:rPr lang="ko-KR" altLang="en-US" dirty="0"/>
-              <a:t> 등</a:t>
-            </a:r>
-            <a:r>
-              <a:rPr lang="en-US" altLang="ko-KR" dirty="0"/>
-              <a:t>),  </a:t>
-            </a:r>
-            <a:r>
-              <a:rPr lang="ko-KR" altLang="en-US" dirty="0"/>
-              <a:t>생활 장비</a:t>
-            </a:r>
-            <a:r>
-              <a:rPr lang="en-US" altLang="ko-KR" dirty="0"/>
-              <a:t>(</a:t>
-            </a:r>
-            <a:r>
-              <a:rPr lang="ko-KR" altLang="en-US" dirty="0"/>
-              <a:t>곡괭이</a:t>
-            </a:r>
-            <a:r>
-              <a:rPr lang="en-US" altLang="ko-KR" dirty="0"/>
-              <a:t>, </a:t>
-            </a:r>
-            <a:r>
-              <a:rPr lang="ko-KR" altLang="en-US" dirty="0" err="1"/>
-              <a:t>낚시대</a:t>
-            </a:r>
-            <a:r>
-              <a:rPr lang="ko-KR" altLang="en-US" dirty="0"/>
-              <a:t> 등</a:t>
-            </a:r>
-            <a:r>
-              <a:rPr lang="en-US" altLang="ko-KR" dirty="0"/>
-              <a:t>) </a:t>
-            </a:r>
-            <a:r>
-              <a:rPr lang="ko-KR" altLang="en-US" dirty="0"/>
-              <a:t>등을 제작에 사용</a:t>
+              <a:rPr lang="ko-KR" altLang="en-US" dirty="0"/>
+              <a:t>지역에 빵집이 있을 경우 빵과 연관된 모든 재료는 판매하지 않음</a:t>
             </a:r>
             <a:endParaRPr lang="en-US" altLang="ko-KR" dirty="0"/>
           </a:p>
           <a:p>
-            <a:endParaRPr lang="ko-KR" altLang="en-US" dirty="0"/>
+            <a:endParaRPr lang="en-US" altLang="ko-KR" dirty="0"/>
           </a:p>
         </p:txBody>
       </p:sp>
     </p:spTree>
     <p:extLst>
       <p:ext uri="{BB962C8B-B14F-4D97-AF65-F5344CB8AC3E}">
-        <p14:creationId xmlns:p14="http://schemas.microsoft.com/office/powerpoint/2010/main" val="2721555998"/>
+        <p14:creationId xmlns:p14="http://schemas.microsoft.com/office/powerpoint/2010/main" val="4151740668"/>
       </p:ext>
     </p:extLst>
   </p:cSld>
@@ -5928,17 +5582,14 @@
           <a:lstStyle/>
           <a:p>
             <a:r>
-              <a:rPr lang="ko-KR" altLang="en-US" dirty="0"/>
-              <a:t>생활 </a:t>
-            </a:r>
-            <a:r>
-              <a:rPr lang="en-US" altLang="ko-KR" dirty="0"/>
-              <a:t>- </a:t>
-            </a:r>
-            <a:r>
-              <a:rPr lang="ko-KR" altLang="en-US" dirty="0"/>
-              <a:t>요리</a:t>
-            </a:r>
+              <a:rPr lang="ko-KR" altLang="en-US" cap="none" dirty="0"/>
+              <a:t>잡화점</a:t>
+            </a:r>
+            <a:r>
+              <a:rPr lang="en-US" altLang="ko-KR" cap="none" dirty="0"/>
+              <a:t>(General Store)</a:t>
+            </a:r>
+            <a:endParaRPr lang="ko-KR" altLang="en-US" cap="none" dirty="0"/>
           </a:p>
         </p:txBody>
       </p:sp>
@@ -5947,7 +5598,7 @@
           <p:cNvPr id="2" name="내용 개체 틀 1">
             <a:extLst>
               <a:ext uri="{FF2B5EF4-FFF2-40B4-BE49-F238E27FC236}">
-                <a16:creationId xmlns:a16="http://schemas.microsoft.com/office/drawing/2014/main" id="{90E8372D-FEFC-4164-ADE9-3F3CE6ADE2D4}"/>
+                <a16:creationId xmlns:a16="http://schemas.microsoft.com/office/drawing/2014/main" id="{D7260655-51A0-414B-B0C7-6F71FAD780AC}"/>
               </a:ext>
             </a:extLst>
           </p:cNvPr>
@@ -5965,7 +5616,7 @@
           <a:p>
             <a:r>
               <a:rPr lang="ko-KR" altLang="en-US" dirty="0"/>
-              <a:t>식칼</a:t>
+              <a:t>구매</a:t>
             </a:r>
             <a:r>
               <a:rPr lang="en-US" altLang="ko-KR" dirty="0"/>
@@ -5973,14 +5624,22 @@
             </a:r>
             <a:r>
               <a:rPr lang="ko-KR" altLang="en-US" dirty="0"/>
-              <a:t>등 조리 가능한 장비를 사용해 요리하는 시스템</a:t>
+              <a:t>가능</a:t>
             </a:r>
             <a:endParaRPr lang="en-US" altLang="ko-KR" dirty="0"/>
           </a:p>
           <a:p>
             <a:r>
               <a:rPr lang="ko-KR" altLang="en-US" dirty="0"/>
-              <a:t>잡화점과 식료품점에서 구매</a:t>
+              <a:t>모든 식료품을 취급하는 상점</a:t>
+            </a:r>
+            <a:r>
+              <a:rPr lang="en-US" altLang="ko-KR" dirty="0"/>
+              <a:t>. </a:t>
+            </a:r>
+            <a:r>
+              <a:rPr lang="ko-KR" altLang="en-US" dirty="0"/>
+              <a:t>단</a:t>
             </a:r>
             <a:r>
               <a:rPr lang="en-US" altLang="ko-KR" dirty="0"/>
@@ -5988,15 +5647,19 @@
             </a:r>
             <a:r>
               <a:rPr lang="ko-KR" altLang="en-US" dirty="0"/>
-              <a:t>또는 채집하여 얻은 요리 재료를 활용해 다양한 음식을 제작</a:t>
-            </a:r>
+              <a:t>지역에 빵집이 있을 경우 빵과 연관된 모든 재료는 판매하지 않음</a:t>
+            </a:r>
+            <a:endParaRPr lang="en-US" altLang="ko-KR" dirty="0"/>
+          </a:p>
+          <a:p>
+            <a:endParaRPr lang="en-US" altLang="ko-KR" dirty="0"/>
           </a:p>
         </p:txBody>
       </p:sp>
     </p:spTree>
     <p:extLst>
       <p:ext uri="{BB962C8B-B14F-4D97-AF65-F5344CB8AC3E}">
-        <p14:creationId xmlns:p14="http://schemas.microsoft.com/office/powerpoint/2010/main" val="2534059286"/>
+        <p14:creationId xmlns:p14="http://schemas.microsoft.com/office/powerpoint/2010/main" val="605745286"/>
       </p:ext>
     </p:extLst>
   </p:cSld>
@@ -6025,10 +5688,10 @@
       </p:grpSpPr>
       <p:sp>
         <p:nvSpPr>
-          <p:cNvPr id="3" name="제목 2">
+          <p:cNvPr id="4" name="제목 3">
             <a:extLst>
               <a:ext uri="{FF2B5EF4-FFF2-40B4-BE49-F238E27FC236}">
-                <a16:creationId xmlns:a16="http://schemas.microsoft.com/office/drawing/2014/main" id="{896AB4F1-0755-4ACF-AE58-4C6FEE2E9061}"/>
+                <a16:creationId xmlns:a16="http://schemas.microsoft.com/office/drawing/2014/main" id="{BD1FA68B-026A-4EC9-8760-57B376AB7839}"/>
               </a:ext>
             </a:extLst>
           </p:cNvPr>
@@ -6041,32 +5704,27 @@
         </p:nvSpPr>
         <p:spPr/>
         <p:txBody>
-          <a:bodyPr>
-            <a:normAutofit/>
-          </a:bodyPr>
+          <a:bodyPr anchor="ctr"/>
           <a:lstStyle/>
           <a:p>
             <a:r>
-              <a:rPr lang="ko-KR" altLang="en-US" sz="4800" dirty="0"/>
-              <a:t>건물 </a:t>
-            </a:r>
-            <a:r>
-              <a:rPr lang="en-US" altLang="ko-KR" sz="4800" dirty="0"/>
-              <a:t>- </a:t>
-            </a:r>
-            <a:r>
-              <a:rPr lang="ko-KR" altLang="en-US" sz="4800" dirty="0"/>
-              <a:t>마을</a:t>
-            </a:r>
-          </a:p>
-        </p:txBody>
-      </p:sp>
-      <p:sp>
-        <p:nvSpPr>
-          <p:cNvPr id="4" name="텍스트 개체 틀 3">
+              <a:rPr lang="ko-KR" altLang="en-US" cap="none" dirty="0"/>
+              <a:t>빵집</a:t>
+            </a:r>
+            <a:r>
+              <a:rPr lang="en-US" altLang="ko-KR" cap="none" dirty="0"/>
+              <a:t>(Bakery)</a:t>
+            </a:r>
+            <a:endParaRPr lang="ko-KR" altLang="en-US" cap="none" dirty="0"/>
+          </a:p>
+        </p:txBody>
+      </p:sp>
+      <p:sp>
+        <p:nvSpPr>
+          <p:cNvPr id="2" name="내용 개체 틀 1">
             <a:extLst>
               <a:ext uri="{FF2B5EF4-FFF2-40B4-BE49-F238E27FC236}">
-                <a16:creationId xmlns:a16="http://schemas.microsoft.com/office/drawing/2014/main" id="{E33BCC30-2131-4E30-A164-782442EB9249}"/>
+                <a16:creationId xmlns:a16="http://schemas.microsoft.com/office/drawing/2014/main" id="{3B76BB49-BC2D-496D-B4A6-A92CE53E8C94}"/>
               </a:ext>
             </a:extLst>
           </p:cNvPr>
@@ -6074,7 +5732,7 @@
             <a:spLocks noGrp="1"/>
           </p:cNvSpPr>
           <p:nvPr>
-            <p:ph type="body" idx="1"/>
+            <p:ph idx="1"/>
           </p:nvPr>
         </p:nvSpPr>
         <p:spPr/>
@@ -6082,14 +5740,32 @@
           <a:bodyPr/>
           <a:lstStyle/>
           <a:p>
-            <a:endParaRPr lang="ko-KR" altLang="en-US"/>
+            <a:r>
+              <a:rPr lang="ko-KR" altLang="en-US" dirty="0"/>
+              <a:t>구매 가능</a:t>
+            </a:r>
+            <a:endParaRPr lang="en-US" altLang="ko-KR" dirty="0"/>
+          </a:p>
+          <a:p>
+            <a:r>
+              <a:rPr lang="ko-KR" altLang="en-US" dirty="0"/>
+              <a:t>제빵에 특화된 상점</a:t>
+            </a:r>
+            <a:endParaRPr lang="en-US" altLang="ko-KR" dirty="0"/>
+          </a:p>
+          <a:p>
+            <a:r>
+              <a:rPr lang="ko-KR" altLang="en-US" dirty="0"/>
+              <a:t>빵과 빵을 만들 수 있는 재료를 판매</a:t>
+            </a:r>
+            <a:endParaRPr lang="en-US" altLang="ko-KR" dirty="0"/>
           </a:p>
         </p:txBody>
       </p:sp>
     </p:spTree>
     <p:extLst>
       <p:ext uri="{BB962C8B-B14F-4D97-AF65-F5344CB8AC3E}">
-        <p14:creationId xmlns:p14="http://schemas.microsoft.com/office/powerpoint/2010/main" val="2150490261"/>
+        <p14:creationId xmlns:p14="http://schemas.microsoft.com/office/powerpoint/2010/main" val="55383387"/>
       </p:ext>
     </p:extLst>
   </p:cSld>
@@ -6139,11 +5815,11 @@
           <a:p>
             <a:r>
               <a:rPr lang="ko-KR" altLang="en-US" cap="none" dirty="0"/>
-              <a:t>대장간</a:t>
+              <a:t>여관</a:t>
             </a:r>
             <a:r>
               <a:rPr lang="en-US" altLang="ko-KR" cap="none" dirty="0"/>
-              <a:t>(Blacksmith)</a:t>
+              <a:t>(Inn)</a:t>
             </a:r>
             <a:endParaRPr lang="ko-KR" altLang="en-US" cap="none" dirty="0"/>
           </a:p>
@@ -6154,7 +5830,7 @@
           <p:cNvPr id="2" name="내용 개체 틀 1">
             <a:extLst>
               <a:ext uri="{FF2B5EF4-FFF2-40B4-BE49-F238E27FC236}">
-                <a16:creationId xmlns:a16="http://schemas.microsoft.com/office/drawing/2014/main" id="{76690079-6635-48B0-B2AA-3FF4B741393E}"/>
+                <a16:creationId xmlns:a16="http://schemas.microsoft.com/office/drawing/2014/main" id="{02BE5607-4D76-47E6-8962-AB18D7F91D40}"/>
               </a:ext>
             </a:extLst>
           </p:cNvPr>
@@ -6172,68 +5848,60 @@
           <a:p>
             <a:r>
               <a:rPr lang="ko-KR" altLang="en-US" dirty="0"/>
-              <a:t>구매 </a:t>
+              <a:t>구매</a:t>
             </a:r>
             <a:r>
               <a:rPr lang="en-US" altLang="ko-KR" dirty="0"/>
-              <a:t>/ </a:t>
-            </a:r>
-            <a:r>
-              <a:rPr lang="ko-KR" altLang="en-US" dirty="0"/>
-              <a:t>판매 </a:t>
+              <a:t> </a:t>
+            </a:r>
+            <a:r>
+              <a:rPr lang="ko-KR" altLang="en-US" dirty="0"/>
+              <a:t>가능</a:t>
             </a:r>
             <a:r>
               <a:rPr lang="en-US" altLang="ko-KR" dirty="0"/>
-              <a:t>/ </a:t>
-            </a:r>
-            <a:r>
-              <a:rPr lang="ko-KR" altLang="en-US" dirty="0"/>
-              <a:t>제작 의뢰 </a:t>
+              <a:t>, </a:t>
+            </a:r>
+            <a:r>
+              <a:rPr lang="ko-KR" altLang="en-US" dirty="0"/>
+              <a:t>수면 가능</a:t>
+            </a:r>
+            <a:endParaRPr lang="en-US" altLang="ko-KR" dirty="0"/>
+          </a:p>
+          <a:p>
+            <a:r>
+              <a:rPr lang="ko-KR" altLang="en-US" dirty="0"/>
+              <a:t>상점 기능과 수면 기능을 동시에 이용할 수 있는 장소</a:t>
+            </a:r>
+            <a:endParaRPr lang="en-US" altLang="ko-KR" dirty="0"/>
+          </a:p>
+          <a:p>
+            <a:r>
+              <a:rPr lang="ko-KR" altLang="en-US" dirty="0"/>
+              <a:t>음식</a:t>
             </a:r>
             <a:r>
               <a:rPr lang="en-US" altLang="ko-KR" dirty="0"/>
-              <a:t>/ </a:t>
-            </a:r>
-            <a:r>
-              <a:rPr lang="ko-KR" altLang="en-US" dirty="0"/>
-              <a:t>납품 의뢰 가능</a:t>
+              <a:t>, </a:t>
+            </a:r>
+            <a:r>
+              <a:rPr lang="ko-KR" altLang="en-US" dirty="0"/>
+              <a:t>음료를 구매할 수 있음</a:t>
             </a:r>
             <a:endParaRPr lang="en-US" altLang="ko-KR" dirty="0"/>
           </a:p>
           <a:p>
             <a:r>
               <a:rPr lang="ko-KR" altLang="en-US" dirty="0"/>
-              <a:t>생활 장비를 취급하는 제작소 겸 상점</a:t>
-            </a:r>
-            <a:endParaRPr lang="en-US" altLang="ko-KR" dirty="0"/>
-          </a:p>
-          <a:p>
-            <a:r>
-              <a:rPr lang="ko-KR" altLang="en-US" dirty="0"/>
-              <a:t>완성된 장비를 구매하거나 채광으로 모은 재료를 판매할 수 있음</a:t>
-            </a:r>
-            <a:endParaRPr lang="en-US" altLang="ko-KR" dirty="0"/>
-          </a:p>
-          <a:p>
-            <a:r>
-              <a:rPr lang="ko-KR" altLang="en-US" dirty="0"/>
-              <a:t>재료 또는 완제품을 납품할 수 있음</a:t>
-            </a:r>
-            <a:endParaRPr lang="en-US" altLang="ko-KR" dirty="0"/>
-          </a:p>
-          <a:p>
-            <a:r>
-              <a:rPr lang="ko-KR" altLang="en-US" dirty="0"/>
-              <a:t>장비 제작에 필요한 재료를 모아 대장간에 장비 제작을 의뢰할 수 있음 </a:t>
-            </a:r>
-            <a:endParaRPr lang="en-US" altLang="ko-KR" dirty="0"/>
+              <a:t>게임 재화를 지불하여 잘 수 있음</a:t>
+            </a:r>
           </a:p>
         </p:txBody>
       </p:sp>
     </p:spTree>
     <p:extLst>
       <p:ext uri="{BB962C8B-B14F-4D97-AF65-F5344CB8AC3E}">
-        <p14:creationId xmlns:p14="http://schemas.microsoft.com/office/powerpoint/2010/main" val="5554690"/>
+        <p14:creationId xmlns:p14="http://schemas.microsoft.com/office/powerpoint/2010/main" val="629147631"/>
       </p:ext>
     </p:extLst>
   </p:cSld>
@@ -6262,10 +5930,10 @@
       </p:grpSpPr>
       <p:sp>
         <p:nvSpPr>
-          <p:cNvPr id="4" name="제목 3">
+          <p:cNvPr id="3" name="제목 2">
             <a:extLst>
               <a:ext uri="{FF2B5EF4-FFF2-40B4-BE49-F238E27FC236}">
-                <a16:creationId xmlns:a16="http://schemas.microsoft.com/office/drawing/2014/main" id="{BD1FA68B-026A-4EC9-8760-57B376AB7839}"/>
+                <a16:creationId xmlns:a16="http://schemas.microsoft.com/office/drawing/2014/main" id="{896AB4F1-0755-4ACF-AE58-4C6FEE2E9061}"/>
               </a:ext>
             </a:extLst>
           </p:cNvPr>
@@ -6278,27 +5946,32 @@
         </p:nvSpPr>
         <p:spPr/>
         <p:txBody>
-          <a:bodyPr anchor="ctr"/>
+          <a:bodyPr>
+            <a:normAutofit/>
+          </a:bodyPr>
           <a:lstStyle/>
           <a:p>
             <a:r>
-              <a:rPr lang="ko-KR" altLang="en-US" cap="none" dirty="0"/>
-              <a:t>식료품점</a:t>
-            </a:r>
-            <a:r>
-              <a:rPr lang="en-US" altLang="ko-KR" cap="none" dirty="0"/>
-              <a:t>(Grocery Store)</a:t>
-            </a:r>
-            <a:endParaRPr lang="ko-KR" altLang="en-US" cap="none" dirty="0"/>
-          </a:p>
-        </p:txBody>
-      </p:sp>
-      <p:sp>
-        <p:nvSpPr>
-          <p:cNvPr id="2" name="내용 개체 틀 1">
+              <a:rPr lang="ko-KR" altLang="en-US" sz="4800" dirty="0"/>
+              <a:t>건물 </a:t>
+            </a:r>
+            <a:r>
+              <a:rPr lang="en-US" altLang="ko-KR" sz="4800" dirty="0"/>
+              <a:t>- </a:t>
+            </a:r>
+            <a:r>
+              <a:rPr lang="ko-KR" altLang="en-US" sz="4800" dirty="0"/>
+              <a:t>집 내부</a:t>
+            </a:r>
+          </a:p>
+        </p:txBody>
+      </p:sp>
+      <p:sp>
+        <p:nvSpPr>
+          <p:cNvPr id="4" name="텍스트 개체 틀 3">
             <a:extLst>
               <a:ext uri="{FF2B5EF4-FFF2-40B4-BE49-F238E27FC236}">
-                <a16:creationId xmlns:a16="http://schemas.microsoft.com/office/drawing/2014/main" id="{D7260655-51A0-414B-B0C7-6F71FAD780AC}"/>
+                <a16:creationId xmlns:a16="http://schemas.microsoft.com/office/drawing/2014/main" id="{E33BCC30-2131-4E30-A164-782442EB9249}"/>
               </a:ext>
             </a:extLst>
           </p:cNvPr>
@@ -6306,7 +5979,7 @@
             <a:spLocks noGrp="1"/>
           </p:cNvSpPr>
           <p:nvPr>
-            <p:ph idx="1"/>
+            <p:ph type="body" idx="1"/>
           </p:nvPr>
         </p:nvSpPr>
         <p:spPr/>
@@ -6314,52 +5987,14 @@
           <a:bodyPr/>
           <a:lstStyle/>
           <a:p>
-            <a:r>
-              <a:rPr lang="ko-KR" altLang="en-US" dirty="0"/>
-              <a:t>구매</a:t>
-            </a:r>
-            <a:r>
-              <a:rPr lang="en-US" altLang="ko-KR" dirty="0"/>
-              <a:t> </a:t>
-            </a:r>
-            <a:r>
-              <a:rPr lang="ko-KR" altLang="en-US" dirty="0"/>
-              <a:t>가능</a:t>
-            </a:r>
-            <a:endParaRPr lang="en-US" altLang="ko-KR" dirty="0"/>
-          </a:p>
-          <a:p>
-            <a:r>
-              <a:rPr lang="ko-KR" altLang="en-US" dirty="0"/>
-              <a:t>모든 식료품을 취급하는 상점</a:t>
-            </a:r>
-            <a:r>
-              <a:rPr lang="en-US" altLang="ko-KR" dirty="0"/>
-              <a:t>. </a:t>
-            </a:r>
-            <a:r>
-              <a:rPr lang="ko-KR" altLang="en-US" dirty="0"/>
-              <a:t>단</a:t>
-            </a:r>
-            <a:r>
-              <a:rPr lang="en-US" altLang="ko-KR" dirty="0"/>
-              <a:t>, </a:t>
-            </a:r>
-            <a:r>
-              <a:rPr lang="ko-KR" altLang="en-US" dirty="0"/>
-              <a:t>지역에 빵집이 있을 경우 빵과 연관된 모든 재료는 판매하지 않음</a:t>
-            </a:r>
-            <a:endParaRPr lang="en-US" altLang="ko-KR" dirty="0"/>
-          </a:p>
-          <a:p>
-            <a:endParaRPr lang="en-US" altLang="ko-KR" dirty="0"/>
+            <a:endParaRPr lang="ko-KR" altLang="en-US"/>
           </a:p>
         </p:txBody>
       </p:sp>
     </p:spTree>
     <p:extLst>
       <p:ext uri="{BB962C8B-B14F-4D97-AF65-F5344CB8AC3E}">
-        <p14:creationId xmlns:p14="http://schemas.microsoft.com/office/powerpoint/2010/main" val="4151740668"/>
+        <p14:creationId xmlns:p14="http://schemas.microsoft.com/office/powerpoint/2010/main" val="740702398"/>
       </p:ext>
     </p:extLst>
   </p:cSld>
@@ -6409,13 +6044,8 @@
           <a:p>
             <a:r>
               <a:rPr lang="ko-KR" altLang="en-US" cap="none" dirty="0"/>
-              <a:t>잡화점</a:t>
-            </a:r>
-            <a:r>
-              <a:rPr lang="en-US" altLang="ko-KR" cap="none" dirty="0"/>
-              <a:t>(General Store)</a:t>
-            </a:r>
-            <a:endParaRPr lang="ko-KR" altLang="en-US" cap="none" dirty="0"/>
+              <a:t>공통</a:t>
+            </a:r>
           </a:p>
         </p:txBody>
       </p:sp>
@@ -6424,7 +6054,7 @@
           <p:cNvPr id="2" name="내용 개체 틀 1">
             <a:extLst>
               <a:ext uri="{FF2B5EF4-FFF2-40B4-BE49-F238E27FC236}">
-                <a16:creationId xmlns:a16="http://schemas.microsoft.com/office/drawing/2014/main" id="{D7260655-51A0-414B-B0C7-6F71FAD780AC}"/>
+                <a16:creationId xmlns:a16="http://schemas.microsoft.com/office/drawing/2014/main" id="{3E2B8976-1344-470F-AACD-2ED5BAFB84A6}"/>
               </a:ext>
             </a:extLst>
           </p:cNvPr>
@@ -6442,42 +6072,51 @@
           <a:p>
             <a:r>
               <a:rPr lang="ko-KR" altLang="en-US" dirty="0"/>
-              <a:t>구매</a:t>
-            </a:r>
-            <a:r>
-              <a:rPr lang="en-US" altLang="ko-KR" dirty="0"/>
-              <a:t> </a:t>
-            </a:r>
-            <a:r>
-              <a:rPr lang="ko-KR" altLang="en-US" dirty="0"/>
-              <a:t>가능</a:t>
-            </a:r>
-            <a:endParaRPr lang="en-US" altLang="ko-KR" dirty="0"/>
-          </a:p>
-          <a:p>
-            <a:r>
-              <a:rPr lang="ko-KR" altLang="en-US" dirty="0"/>
-              <a:t>모든 식료품을 취급하는 상점</a:t>
-            </a:r>
-            <a:r>
-              <a:rPr lang="en-US" altLang="ko-KR" dirty="0"/>
-              <a:t>. </a:t>
-            </a:r>
-            <a:r>
-              <a:rPr lang="ko-KR" altLang="en-US" dirty="0"/>
-              <a:t>단</a:t>
+              <a:t>플레이어의 캐릭터의 거점으로</a:t>
             </a:r>
             <a:r>
               <a:rPr lang="en-US" altLang="ko-KR" dirty="0"/>
               <a:t>, </a:t>
             </a:r>
             <a:r>
-              <a:rPr lang="ko-KR" altLang="en-US" dirty="0"/>
-              <a:t>지역에 빵집이 있을 경우 빵과 연관된 모든 재료는 판매하지 않음</a:t>
+              <a:rPr lang="ko-KR" altLang="en-US" dirty="0" err="1"/>
+              <a:t>보호석</a:t>
+            </a:r>
+            <a:r>
+              <a:rPr lang="ko-KR" altLang="en-US" dirty="0"/>
+              <a:t> </a:t>
+            </a:r>
+            <a:r>
+              <a:rPr lang="en-US" altLang="ko-KR" dirty="0"/>
+              <a:t>8</a:t>
+            </a:r>
+            <a:r>
+              <a:rPr lang="ko-KR" altLang="en-US" dirty="0"/>
+              <a:t>개가 집 주변에 배치되어 있어 상시 안전 구역으로 기능</a:t>
             </a:r>
             <a:endParaRPr lang="en-US" altLang="ko-KR" dirty="0"/>
           </a:p>
           <a:p>
+            <a:r>
+              <a:rPr lang="ko-KR" altLang="en-US" dirty="0"/>
+              <a:t>야간 한정으로</a:t>
+            </a:r>
+            <a:r>
+              <a:rPr lang="en-US" altLang="ko-KR" dirty="0"/>
+              <a:t>, </a:t>
+            </a:r>
+            <a:r>
+              <a:rPr lang="ko-KR" altLang="en-US" dirty="0"/>
+              <a:t>각 방에 들어가면 </a:t>
+            </a:r>
+            <a:r>
+              <a:rPr lang="ko-KR" altLang="en-US" dirty="0" err="1"/>
+              <a:t>벽등이</a:t>
+            </a:r>
+            <a:r>
+              <a:rPr lang="ko-KR" altLang="en-US" dirty="0"/>
+              <a:t> 자동으로 활성화 됨</a:t>
+            </a:r>
             <a:endParaRPr lang="en-US" altLang="ko-KR" dirty="0"/>
           </a:p>
         </p:txBody>
@@ -6485,7 +6124,7 @@
     </p:spTree>
     <p:extLst>
       <p:ext uri="{BB962C8B-B14F-4D97-AF65-F5344CB8AC3E}">
-        <p14:creationId xmlns:p14="http://schemas.microsoft.com/office/powerpoint/2010/main" val="605745286"/>
+        <p14:creationId xmlns:p14="http://schemas.microsoft.com/office/powerpoint/2010/main" val="3447982333"/>
       </p:ext>
     </p:extLst>
   </p:cSld>
@@ -6535,11 +6174,11 @@
           <a:p>
             <a:r>
               <a:rPr lang="ko-KR" altLang="en-US" cap="none" dirty="0"/>
-              <a:t>빵집</a:t>
+              <a:t>마법연구실</a:t>
             </a:r>
             <a:r>
               <a:rPr lang="en-US" altLang="ko-KR" cap="none" dirty="0"/>
-              <a:t>(Bakery)</a:t>
+              <a:t>(Magic Lab)</a:t>
             </a:r>
             <a:endParaRPr lang="ko-KR" altLang="en-US" cap="none" dirty="0"/>
           </a:p>
@@ -6550,7 +6189,7 @@
           <p:cNvPr id="2" name="내용 개체 틀 1">
             <a:extLst>
               <a:ext uri="{FF2B5EF4-FFF2-40B4-BE49-F238E27FC236}">
-                <a16:creationId xmlns:a16="http://schemas.microsoft.com/office/drawing/2014/main" id="{3B76BB49-BC2D-496D-B4A6-A92CE53E8C94}"/>
+                <a16:creationId xmlns:a16="http://schemas.microsoft.com/office/drawing/2014/main" id="{3E2B8976-1344-470F-AACD-2ED5BAFB84A6}"/>
               </a:ext>
             </a:extLst>
           </p:cNvPr>
@@ -6568,21 +6207,59 @@
           <a:p>
             <a:r>
               <a:rPr lang="ko-KR" altLang="en-US" dirty="0"/>
-              <a:t>구매 가능</a:t>
+              <a:t>캐릭터의 마법과 연관된 모든 것이 이루어지는 장소로</a:t>
+            </a:r>
+            <a:r>
+              <a:rPr lang="en-US" altLang="ko-KR" dirty="0"/>
+              <a:t>, </a:t>
+            </a:r>
+            <a:r>
+              <a:rPr lang="ko-KR" altLang="en-US" dirty="0"/>
+              <a:t>모든 종류의 마법 연구와 약제 제작을 할 수 있음</a:t>
             </a:r>
             <a:endParaRPr lang="en-US" altLang="ko-KR" dirty="0"/>
           </a:p>
           <a:p>
             <a:r>
               <a:rPr lang="ko-KR" altLang="en-US" dirty="0"/>
-              <a:t>제빵에 특화된 상점</a:t>
+              <a:t>연구 테이블과</a:t>
+            </a:r>
+            <a:r>
+              <a:rPr lang="en-US" altLang="ko-KR" dirty="0"/>
+              <a:t> </a:t>
+            </a:r>
+            <a:r>
+              <a:rPr lang="ko-KR" altLang="en-US" dirty="0"/>
+              <a:t>제조 테이블</a:t>
+            </a:r>
+            <a:r>
+              <a:rPr lang="en-US" altLang="ko-KR" dirty="0"/>
+              <a:t>,</a:t>
+            </a:r>
+            <a:r>
+              <a:rPr lang="ko-KR" altLang="en-US" dirty="0"/>
+              <a:t> 그리고 책장이 배치</a:t>
             </a:r>
             <a:endParaRPr lang="en-US" altLang="ko-KR" dirty="0"/>
           </a:p>
           <a:p>
             <a:r>
               <a:rPr lang="ko-KR" altLang="en-US" dirty="0"/>
-              <a:t>빵과 빵을 만들 수 있는 재료를 판매</a:t>
+              <a:t>연구 테이블에서 마법 연구를 수행</a:t>
+            </a:r>
+            <a:endParaRPr lang="en-US" altLang="ko-KR" dirty="0"/>
+          </a:p>
+          <a:p>
+            <a:r>
+              <a:rPr lang="ko-KR" altLang="en-US" dirty="0"/>
+              <a:t>제조 테이블에서 약제 제작을 수행</a:t>
+            </a:r>
+            <a:endParaRPr lang="en-US" altLang="ko-KR" dirty="0"/>
+          </a:p>
+          <a:p>
+            <a:r>
+              <a:rPr lang="ko-KR" altLang="en-US" dirty="0"/>
+              <a:t>책장에서 마법과 관련된 이야기를 읽을 수 있음</a:t>
             </a:r>
             <a:endParaRPr lang="en-US" altLang="ko-KR" dirty="0"/>
           </a:p>
@@ -6591,7 +6268,7 @@
     </p:spTree>
     <p:extLst>
       <p:ext uri="{BB962C8B-B14F-4D97-AF65-F5344CB8AC3E}">
-        <p14:creationId xmlns:p14="http://schemas.microsoft.com/office/powerpoint/2010/main" val="55383387"/>
+        <p14:creationId xmlns:p14="http://schemas.microsoft.com/office/powerpoint/2010/main" val="355926965"/>
       </p:ext>
     </p:extLst>
   </p:cSld>
@@ -6641,11 +6318,11 @@
           <a:p>
             <a:r>
               <a:rPr lang="ko-KR" altLang="en-US" cap="none" dirty="0"/>
-              <a:t>여관</a:t>
+              <a:t>침실</a:t>
             </a:r>
             <a:r>
               <a:rPr lang="en-US" altLang="ko-KR" cap="none" dirty="0"/>
-              <a:t>(Inn)</a:t>
+              <a:t>(Bedroom)</a:t>
             </a:r>
             <a:endParaRPr lang="ko-KR" altLang="en-US" cap="none" dirty="0"/>
           </a:p>
@@ -6656,7 +6333,7 @@
           <p:cNvPr id="2" name="내용 개체 틀 1">
             <a:extLst>
               <a:ext uri="{FF2B5EF4-FFF2-40B4-BE49-F238E27FC236}">
-                <a16:creationId xmlns:a16="http://schemas.microsoft.com/office/drawing/2014/main" id="{02BE5607-4D76-47E6-8962-AB18D7F91D40}"/>
+                <a16:creationId xmlns:a16="http://schemas.microsoft.com/office/drawing/2014/main" id="{B6BE0DF8-CD3C-4557-9596-36E59BEB6D07}"/>
               </a:ext>
             </a:extLst>
           </p:cNvPr>
@@ -6674,15 +6351,7 @@
           <a:p>
             <a:r>
               <a:rPr lang="ko-KR" altLang="en-US" dirty="0"/>
-              <a:t>구매</a:t>
-            </a:r>
-            <a:r>
-              <a:rPr lang="en-US" altLang="ko-KR" dirty="0"/>
-              <a:t> </a:t>
-            </a:r>
-            <a:r>
-              <a:rPr lang="ko-KR" altLang="en-US" dirty="0"/>
-              <a:t>가능</a:t>
+              <a:t>캐릭터의 개인적인 공간 중 하나로</a:t>
             </a:r>
             <a:r>
               <a:rPr lang="en-US" altLang="ko-KR" dirty="0"/>
@@ -6690,36 +6359,21 @@
             </a:r>
             <a:r>
               <a:rPr lang="ko-KR" altLang="en-US" dirty="0"/>
-              <a:t>수면 가능</a:t>
+              <a:t>침대와 책장이 배치됨</a:t>
             </a:r>
             <a:endParaRPr lang="en-US" altLang="ko-KR" dirty="0"/>
           </a:p>
           <a:p>
             <a:r>
               <a:rPr lang="ko-KR" altLang="en-US" dirty="0"/>
-              <a:t>상점 기능과 수면 기능을 동시에 이용할 수 있는 장소</a:t>
+              <a:t>침대에서 수면 가능</a:t>
             </a:r>
             <a:endParaRPr lang="en-US" altLang="ko-KR" dirty="0"/>
           </a:p>
           <a:p>
             <a:r>
               <a:rPr lang="ko-KR" altLang="en-US" dirty="0"/>
-              <a:t>음식</a:t>
-            </a:r>
-            <a:r>
-              <a:rPr lang="en-US" altLang="ko-KR" dirty="0"/>
-              <a:t>, </a:t>
-            </a:r>
-            <a:r>
-              <a:rPr lang="ko-KR" altLang="en-US" dirty="0"/>
-              <a:t>음료를 구매할 수 있음</a:t>
-            </a:r>
-            <a:endParaRPr lang="en-US" altLang="ko-KR" dirty="0"/>
-          </a:p>
-          <a:p>
-            <a:r>
-              <a:rPr lang="ko-KR" altLang="en-US" dirty="0"/>
-              <a:t>게임 재화를 지불하여 잘 수 있음</a:t>
+              <a:t>책장에서 캐릭터에 관련된 이야기를 읽을 수 있음</a:t>
             </a:r>
           </a:p>
         </p:txBody>
@@ -6727,7 +6381,7 @@
     </p:spTree>
     <p:extLst>
       <p:ext uri="{BB962C8B-B14F-4D97-AF65-F5344CB8AC3E}">
-        <p14:creationId xmlns:p14="http://schemas.microsoft.com/office/powerpoint/2010/main" val="629147631"/>
+        <p14:creationId xmlns:p14="http://schemas.microsoft.com/office/powerpoint/2010/main" val="4285562021"/>
       </p:ext>
     </p:extLst>
   </p:cSld>
@@ -6756,10 +6410,10 @@
       </p:grpSpPr>
       <p:sp>
         <p:nvSpPr>
-          <p:cNvPr id="3" name="제목 2">
+          <p:cNvPr id="4" name="제목 3">
             <a:extLst>
               <a:ext uri="{FF2B5EF4-FFF2-40B4-BE49-F238E27FC236}">
-                <a16:creationId xmlns:a16="http://schemas.microsoft.com/office/drawing/2014/main" id="{896AB4F1-0755-4ACF-AE58-4C6FEE2E9061}"/>
+                <a16:creationId xmlns:a16="http://schemas.microsoft.com/office/drawing/2014/main" id="{BD1FA68B-026A-4EC9-8760-57B376AB7839}"/>
               </a:ext>
             </a:extLst>
           </p:cNvPr>
@@ -6772,32 +6426,27 @@
         </p:nvSpPr>
         <p:spPr/>
         <p:txBody>
-          <a:bodyPr>
-            <a:normAutofit/>
-          </a:bodyPr>
+          <a:bodyPr anchor="ctr"/>
           <a:lstStyle/>
           <a:p>
             <a:r>
-              <a:rPr lang="ko-KR" altLang="en-US" sz="4800" dirty="0"/>
-              <a:t>건물 </a:t>
-            </a:r>
-            <a:r>
-              <a:rPr lang="en-US" altLang="ko-KR" sz="4800" dirty="0"/>
-              <a:t>- </a:t>
-            </a:r>
-            <a:r>
-              <a:rPr lang="ko-KR" altLang="en-US" sz="4800" dirty="0"/>
-              <a:t>집 내부</a:t>
-            </a:r>
-          </a:p>
-        </p:txBody>
-      </p:sp>
-      <p:sp>
-        <p:nvSpPr>
-          <p:cNvPr id="4" name="텍스트 개체 틀 3">
+              <a:rPr lang="ko-KR" altLang="en-US" cap="none" dirty="0"/>
+              <a:t>거실</a:t>
+            </a:r>
+            <a:r>
+              <a:rPr lang="en-US" altLang="ko-KR" cap="none" dirty="0"/>
+              <a:t>(Livingroom)</a:t>
+            </a:r>
+            <a:endParaRPr lang="ko-KR" altLang="en-US" cap="none" dirty="0"/>
+          </a:p>
+        </p:txBody>
+      </p:sp>
+      <p:sp>
+        <p:nvSpPr>
+          <p:cNvPr id="2" name="내용 개체 틀 1">
             <a:extLst>
               <a:ext uri="{FF2B5EF4-FFF2-40B4-BE49-F238E27FC236}">
-                <a16:creationId xmlns:a16="http://schemas.microsoft.com/office/drawing/2014/main" id="{E33BCC30-2131-4E30-A164-782442EB9249}"/>
+                <a16:creationId xmlns:a16="http://schemas.microsoft.com/office/drawing/2014/main" id="{EF8D9331-258A-4DF0-9CB3-49BB7A2DB8D6}"/>
               </a:ext>
             </a:extLst>
           </p:cNvPr>
@@ -6805,7 +6454,7 @@
             <a:spLocks noGrp="1"/>
           </p:cNvSpPr>
           <p:nvPr>
-            <p:ph type="body" idx="1"/>
+            <p:ph idx="1"/>
           </p:nvPr>
         </p:nvSpPr>
         <p:spPr/>
@@ -6813,14 +6462,74 @@
           <a:bodyPr/>
           <a:lstStyle/>
           <a:p>
-            <a:endParaRPr lang="ko-KR" altLang="en-US"/>
+            <a:r>
+              <a:rPr lang="ko-KR" altLang="en-US" dirty="0"/>
+              <a:t>마법을 제외한 집에서 캐릭터의 일상적인 활동이 일어나는 공간이며</a:t>
+            </a:r>
+            <a:r>
+              <a:rPr lang="en-US" altLang="ko-KR" dirty="0"/>
+              <a:t>,</a:t>
+            </a:r>
+            <a:r>
+              <a:rPr lang="ko-KR" altLang="en-US" dirty="0"/>
+              <a:t> 벽난로와 의자</a:t>
+            </a:r>
+            <a:r>
+              <a:rPr lang="en-US" altLang="ko-KR" dirty="0"/>
+              <a:t>, </a:t>
+            </a:r>
+            <a:r>
+              <a:rPr lang="ko-KR" altLang="en-US" dirty="0"/>
+              <a:t>그리고 책장이 배치됨</a:t>
+            </a:r>
+            <a:endParaRPr lang="en-US" altLang="ko-KR" dirty="0"/>
+          </a:p>
+          <a:p>
+            <a:r>
+              <a:rPr lang="ko-KR" altLang="en-US" dirty="0"/>
+              <a:t>벽난로는 야간 </a:t>
+            </a:r>
+            <a:r>
+              <a:rPr lang="ko-KR" altLang="en-US" dirty="0" err="1"/>
+              <a:t>벽등</a:t>
+            </a:r>
+            <a:r>
+              <a:rPr lang="ko-KR" altLang="en-US" dirty="0"/>
+              <a:t> 대신 활성화시킬 수 있으며</a:t>
+            </a:r>
+            <a:r>
+              <a:rPr lang="en-US" altLang="ko-KR" dirty="0"/>
+              <a:t>, </a:t>
+            </a:r>
+            <a:r>
+              <a:rPr lang="ko-KR" altLang="en-US" dirty="0"/>
+              <a:t>설정을 통해 변경 가능</a:t>
+            </a:r>
+            <a:endParaRPr lang="en-US" altLang="ko-KR" dirty="0"/>
+          </a:p>
+          <a:p>
+            <a:r>
+              <a:rPr lang="ko-KR" altLang="en-US" dirty="0"/>
+              <a:t>의자에서 휴식 가능</a:t>
+            </a:r>
+            <a:endParaRPr lang="en-US" altLang="ko-KR" dirty="0"/>
+          </a:p>
+          <a:p>
+            <a:r>
+              <a:rPr lang="ko-KR" altLang="en-US" dirty="0"/>
+              <a:t>책장에서 게임 내 세계관과 관련된 이야기와 게임 플레이에 관련된 이야기를 읽을 수 있음</a:t>
+            </a:r>
+            <a:endParaRPr lang="en-US" altLang="ko-KR" dirty="0"/>
+          </a:p>
+          <a:p>
+            <a:endParaRPr lang="ko-KR" altLang="en-US" dirty="0"/>
           </a:p>
         </p:txBody>
       </p:sp>
     </p:spTree>
     <p:extLst>
       <p:ext uri="{BB962C8B-B14F-4D97-AF65-F5344CB8AC3E}">
-        <p14:creationId xmlns:p14="http://schemas.microsoft.com/office/powerpoint/2010/main" val="740702398"/>
+        <p14:creationId xmlns:p14="http://schemas.microsoft.com/office/powerpoint/2010/main" val="771944337"/>
       </p:ext>
     </p:extLst>
   </p:cSld>
@@ -6870,8 +6579,13 @@
           <a:p>
             <a:r>
               <a:rPr lang="ko-KR" altLang="en-US" cap="none" dirty="0"/>
-              <a:t>공통</a:t>
-            </a:r>
+              <a:t>부엌</a:t>
+            </a:r>
+            <a:r>
+              <a:rPr lang="en-US" altLang="ko-KR" cap="none" dirty="0"/>
+              <a:t>(Kitchen)</a:t>
+            </a:r>
+            <a:endParaRPr lang="ko-KR" altLang="en-US" cap="none" dirty="0"/>
           </a:p>
         </p:txBody>
       </p:sp>
@@ -6880,7 +6594,7 @@
           <p:cNvPr id="2" name="내용 개체 틀 1">
             <a:extLst>
               <a:ext uri="{FF2B5EF4-FFF2-40B4-BE49-F238E27FC236}">
-                <a16:creationId xmlns:a16="http://schemas.microsoft.com/office/drawing/2014/main" id="{3E2B8976-1344-470F-AACD-2ED5BAFB84A6}"/>
+                <a16:creationId xmlns:a16="http://schemas.microsoft.com/office/drawing/2014/main" id="{654AAF1D-20BC-41C7-85E0-1D31FDC725C1}"/>
               </a:ext>
             </a:extLst>
           </p:cNvPr>
@@ -6898,34 +6612,29 @@
           <a:p>
             <a:r>
               <a:rPr lang="ko-KR" altLang="en-US" dirty="0"/>
-              <a:t>플레이어의 캐릭터의 거점으로</a:t>
+              <a:t>식재료나 음식</a:t>
             </a:r>
             <a:r>
               <a:rPr lang="en-US" altLang="ko-KR" dirty="0"/>
               <a:t>, </a:t>
             </a:r>
             <a:r>
-              <a:rPr lang="ko-KR" altLang="en-US" dirty="0" err="1"/>
-              <a:t>보호석</a:t>
-            </a:r>
-            <a:r>
-              <a:rPr lang="ko-KR" altLang="en-US" dirty="0"/>
-              <a:t> </a:t>
-            </a:r>
-            <a:r>
-              <a:rPr lang="en-US" altLang="ko-KR" dirty="0"/>
-              <a:t>8</a:t>
-            </a:r>
-            <a:r>
-              <a:rPr lang="ko-KR" altLang="en-US" dirty="0"/>
-              <a:t>개가 집 주변에 배치되어 있어 상시 안전 구역으로 기능</a:t>
+              <a:rPr lang="ko-KR" altLang="en-US" dirty="0"/>
+              <a:t>또는 음료 등 보관하고 요리를 할 수 있는 장소</a:t>
             </a:r>
             <a:endParaRPr lang="en-US" altLang="ko-KR" dirty="0"/>
           </a:p>
           <a:p>
             <a:r>
               <a:rPr lang="ko-KR" altLang="en-US" dirty="0"/>
-              <a:t>야간 한정으로</a:t>
+              <a:t>조리 테이블과 재료 저장고가 배치됨</a:t>
+            </a:r>
+            <a:endParaRPr lang="en-US" altLang="ko-KR" dirty="0"/>
+          </a:p>
+          <a:p>
+            <a:r>
+              <a:rPr lang="ko-KR" altLang="en-US" dirty="0"/>
+              <a:t>조리 테이블에서 요리를 할 수 있으며</a:t>
             </a:r>
             <a:r>
               <a:rPr lang="en-US" altLang="ko-KR" dirty="0"/>
@@ -6933,24 +6642,38 @@
             </a:r>
             <a:r>
               <a:rPr lang="ko-KR" altLang="en-US" dirty="0"/>
-              <a:t>각 방에 들어가면 </a:t>
-            </a:r>
-            <a:r>
-              <a:rPr lang="ko-KR" altLang="en-US" dirty="0" err="1"/>
-              <a:t>벽등이</a:t>
-            </a:r>
-            <a:r>
-              <a:rPr lang="ko-KR" altLang="en-US" dirty="0"/>
-              <a:t> 자동으로 활성화 됨</a:t>
+              <a:t>부엌 내 재료 저장고와 소지품에 있는 재료를 사용</a:t>
             </a:r>
             <a:endParaRPr lang="en-US" altLang="ko-KR" dirty="0"/>
+          </a:p>
+          <a:p>
+            <a:r>
+              <a:rPr lang="ko-KR" altLang="en-US" dirty="0"/>
+              <a:t>재료 저장고 위에 음료</a:t>
+            </a:r>
+            <a:r>
+              <a:rPr lang="en-US" altLang="ko-KR" dirty="0"/>
+              <a:t>, </a:t>
+            </a:r>
+            <a:r>
+              <a:rPr lang="ko-KR" altLang="en-US" dirty="0"/>
+              <a:t>기름과 같은 유체를 놓고</a:t>
+            </a:r>
+            <a:r>
+              <a:rPr lang="en-US" altLang="ko-KR" dirty="0"/>
+              <a:t>, </a:t>
+            </a:r>
+            <a:r>
+              <a:rPr lang="ko-KR" altLang="en-US" dirty="0"/>
+              <a:t>내부에 유체 외 식재료를 보관</a:t>
+            </a:r>
           </a:p>
         </p:txBody>
       </p:sp>
     </p:spTree>
     <p:extLst>
       <p:ext uri="{BB962C8B-B14F-4D97-AF65-F5344CB8AC3E}">
-        <p14:creationId xmlns:p14="http://schemas.microsoft.com/office/powerpoint/2010/main" val="3447982333"/>
+        <p14:creationId xmlns:p14="http://schemas.microsoft.com/office/powerpoint/2010/main" val="327464236"/>
       </p:ext>
     </p:extLst>
   </p:cSld>
@@ -7039,555 +6762,6 @@
       </p:grpSpPr>
       <p:sp>
         <p:nvSpPr>
-          <p:cNvPr id="4" name="제목 3">
-            <a:extLst>
-              <a:ext uri="{FF2B5EF4-FFF2-40B4-BE49-F238E27FC236}">
-                <a16:creationId xmlns:a16="http://schemas.microsoft.com/office/drawing/2014/main" id="{BD1FA68B-026A-4EC9-8760-57B376AB7839}"/>
-              </a:ext>
-            </a:extLst>
-          </p:cNvPr>
-          <p:cNvSpPr>
-            <a:spLocks noGrp="1"/>
-          </p:cNvSpPr>
-          <p:nvPr>
-            <p:ph type="title"/>
-          </p:nvPr>
-        </p:nvSpPr>
-        <p:spPr/>
-        <p:txBody>
-          <a:bodyPr anchor="ctr"/>
-          <a:lstStyle/>
-          <a:p>
-            <a:r>
-              <a:rPr lang="ko-KR" altLang="en-US" cap="none" dirty="0"/>
-              <a:t>마법연구실</a:t>
-            </a:r>
-            <a:r>
-              <a:rPr lang="en-US" altLang="ko-KR" cap="none" dirty="0"/>
-              <a:t>(Magic Lab)</a:t>
-            </a:r>
-            <a:endParaRPr lang="ko-KR" altLang="en-US" cap="none" dirty="0"/>
-          </a:p>
-        </p:txBody>
-      </p:sp>
-      <p:sp>
-        <p:nvSpPr>
-          <p:cNvPr id="2" name="내용 개체 틀 1">
-            <a:extLst>
-              <a:ext uri="{FF2B5EF4-FFF2-40B4-BE49-F238E27FC236}">
-                <a16:creationId xmlns:a16="http://schemas.microsoft.com/office/drawing/2014/main" id="{3E2B8976-1344-470F-AACD-2ED5BAFB84A6}"/>
-              </a:ext>
-            </a:extLst>
-          </p:cNvPr>
-          <p:cNvSpPr>
-            <a:spLocks noGrp="1"/>
-          </p:cNvSpPr>
-          <p:nvPr>
-            <p:ph idx="1"/>
-          </p:nvPr>
-        </p:nvSpPr>
-        <p:spPr/>
-        <p:txBody>
-          <a:bodyPr/>
-          <a:lstStyle/>
-          <a:p>
-            <a:r>
-              <a:rPr lang="ko-KR" altLang="en-US" dirty="0"/>
-              <a:t>캐릭터의 마법과 연관된 모든 것이 이루어지는 장소로</a:t>
-            </a:r>
-            <a:r>
-              <a:rPr lang="en-US" altLang="ko-KR" dirty="0"/>
-              <a:t>, </a:t>
-            </a:r>
-            <a:r>
-              <a:rPr lang="ko-KR" altLang="en-US" dirty="0"/>
-              <a:t>모든 종류의 마법 연구와 약제 제작을 할 수 있음</a:t>
-            </a:r>
-            <a:endParaRPr lang="en-US" altLang="ko-KR" dirty="0"/>
-          </a:p>
-          <a:p>
-            <a:r>
-              <a:rPr lang="ko-KR" altLang="en-US" dirty="0"/>
-              <a:t>연구 테이블과</a:t>
-            </a:r>
-            <a:r>
-              <a:rPr lang="en-US" altLang="ko-KR" dirty="0"/>
-              <a:t> </a:t>
-            </a:r>
-            <a:r>
-              <a:rPr lang="ko-KR" altLang="en-US" dirty="0"/>
-              <a:t>제조 테이블</a:t>
-            </a:r>
-            <a:r>
-              <a:rPr lang="en-US" altLang="ko-KR" dirty="0"/>
-              <a:t>,</a:t>
-            </a:r>
-            <a:r>
-              <a:rPr lang="ko-KR" altLang="en-US" dirty="0"/>
-              <a:t> 그리고 책장이 배치</a:t>
-            </a:r>
-            <a:endParaRPr lang="en-US" altLang="ko-KR" dirty="0"/>
-          </a:p>
-          <a:p>
-            <a:r>
-              <a:rPr lang="ko-KR" altLang="en-US" dirty="0"/>
-              <a:t>연구 테이블에서 마법 연구를 수행</a:t>
-            </a:r>
-            <a:endParaRPr lang="en-US" altLang="ko-KR" dirty="0"/>
-          </a:p>
-          <a:p>
-            <a:r>
-              <a:rPr lang="ko-KR" altLang="en-US" dirty="0"/>
-              <a:t>제조 테이블에서 약제 제작을 수행</a:t>
-            </a:r>
-            <a:endParaRPr lang="en-US" altLang="ko-KR" dirty="0"/>
-          </a:p>
-          <a:p>
-            <a:r>
-              <a:rPr lang="ko-KR" altLang="en-US" dirty="0"/>
-              <a:t>책장에서 마법과 관련된 이야기를 읽을 수 있음</a:t>
-            </a:r>
-            <a:endParaRPr lang="en-US" altLang="ko-KR" dirty="0"/>
-          </a:p>
-        </p:txBody>
-      </p:sp>
-    </p:spTree>
-    <p:extLst>
-      <p:ext uri="{BB962C8B-B14F-4D97-AF65-F5344CB8AC3E}">
-        <p14:creationId xmlns:p14="http://schemas.microsoft.com/office/powerpoint/2010/main" val="355926965"/>
-      </p:ext>
-    </p:extLst>
-  </p:cSld>
-  <p:clrMapOvr>
-    <a:masterClrMapping/>
-  </p:clrMapOvr>
-</p:sld>
-</file>
-
-<file path=ppt/slides/slide31.xml><?xml version="1.0" encoding="utf-8"?>
-<p:sld xmlns:a="http://schemas.openxmlformats.org/drawingml/2006/main" xmlns:r="http://schemas.openxmlformats.org/officeDocument/2006/relationships" xmlns:p="http://schemas.openxmlformats.org/presentationml/2006/main">
-  <p:cSld>
-    <p:spTree>
-      <p:nvGrpSpPr>
-        <p:cNvPr id="1" name=""/>
-        <p:cNvGrpSpPr/>
-        <p:nvPr/>
-      </p:nvGrpSpPr>
-      <p:grpSpPr>
-        <a:xfrm>
-          <a:off x="0" y="0"/>
-          <a:ext cx="0" cy="0"/>
-          <a:chOff x="0" y="0"/>
-          <a:chExt cx="0" cy="0"/>
-        </a:xfrm>
-      </p:grpSpPr>
-      <p:sp>
-        <p:nvSpPr>
-          <p:cNvPr id="4" name="제목 3">
-            <a:extLst>
-              <a:ext uri="{FF2B5EF4-FFF2-40B4-BE49-F238E27FC236}">
-                <a16:creationId xmlns:a16="http://schemas.microsoft.com/office/drawing/2014/main" id="{BD1FA68B-026A-4EC9-8760-57B376AB7839}"/>
-              </a:ext>
-            </a:extLst>
-          </p:cNvPr>
-          <p:cNvSpPr>
-            <a:spLocks noGrp="1"/>
-          </p:cNvSpPr>
-          <p:nvPr>
-            <p:ph type="title"/>
-          </p:nvPr>
-        </p:nvSpPr>
-        <p:spPr/>
-        <p:txBody>
-          <a:bodyPr anchor="ctr"/>
-          <a:lstStyle/>
-          <a:p>
-            <a:r>
-              <a:rPr lang="ko-KR" altLang="en-US" cap="none" dirty="0"/>
-              <a:t>침실</a:t>
-            </a:r>
-            <a:r>
-              <a:rPr lang="en-US" altLang="ko-KR" cap="none" dirty="0"/>
-              <a:t>(Bedroom)</a:t>
-            </a:r>
-            <a:endParaRPr lang="ko-KR" altLang="en-US" cap="none" dirty="0"/>
-          </a:p>
-        </p:txBody>
-      </p:sp>
-      <p:sp>
-        <p:nvSpPr>
-          <p:cNvPr id="2" name="내용 개체 틀 1">
-            <a:extLst>
-              <a:ext uri="{FF2B5EF4-FFF2-40B4-BE49-F238E27FC236}">
-                <a16:creationId xmlns:a16="http://schemas.microsoft.com/office/drawing/2014/main" id="{B6BE0DF8-CD3C-4557-9596-36E59BEB6D07}"/>
-              </a:ext>
-            </a:extLst>
-          </p:cNvPr>
-          <p:cNvSpPr>
-            <a:spLocks noGrp="1"/>
-          </p:cNvSpPr>
-          <p:nvPr>
-            <p:ph idx="1"/>
-          </p:nvPr>
-        </p:nvSpPr>
-        <p:spPr/>
-        <p:txBody>
-          <a:bodyPr/>
-          <a:lstStyle/>
-          <a:p>
-            <a:r>
-              <a:rPr lang="ko-KR" altLang="en-US" dirty="0"/>
-              <a:t>캐릭터의 개인적인 공간 중 하나로</a:t>
-            </a:r>
-            <a:r>
-              <a:rPr lang="en-US" altLang="ko-KR" dirty="0"/>
-              <a:t>, </a:t>
-            </a:r>
-            <a:r>
-              <a:rPr lang="ko-KR" altLang="en-US" dirty="0"/>
-              <a:t>침대와 책장이 배치됨</a:t>
-            </a:r>
-            <a:endParaRPr lang="en-US" altLang="ko-KR" dirty="0"/>
-          </a:p>
-          <a:p>
-            <a:r>
-              <a:rPr lang="ko-KR" altLang="en-US" dirty="0"/>
-              <a:t>침대에서 수면 가능</a:t>
-            </a:r>
-            <a:endParaRPr lang="en-US" altLang="ko-KR" dirty="0"/>
-          </a:p>
-          <a:p>
-            <a:r>
-              <a:rPr lang="ko-KR" altLang="en-US" dirty="0"/>
-              <a:t>책장에서 캐릭터에 관련된 이야기를 읽을 수 있음</a:t>
-            </a:r>
-          </a:p>
-        </p:txBody>
-      </p:sp>
-    </p:spTree>
-    <p:extLst>
-      <p:ext uri="{BB962C8B-B14F-4D97-AF65-F5344CB8AC3E}">
-        <p14:creationId xmlns:p14="http://schemas.microsoft.com/office/powerpoint/2010/main" val="4285562021"/>
-      </p:ext>
-    </p:extLst>
-  </p:cSld>
-  <p:clrMapOvr>
-    <a:masterClrMapping/>
-  </p:clrMapOvr>
-</p:sld>
-</file>
-
-<file path=ppt/slides/slide32.xml><?xml version="1.0" encoding="utf-8"?>
-<p:sld xmlns:a="http://schemas.openxmlformats.org/drawingml/2006/main" xmlns:r="http://schemas.openxmlformats.org/officeDocument/2006/relationships" xmlns:p="http://schemas.openxmlformats.org/presentationml/2006/main">
-  <p:cSld>
-    <p:spTree>
-      <p:nvGrpSpPr>
-        <p:cNvPr id="1" name=""/>
-        <p:cNvGrpSpPr/>
-        <p:nvPr/>
-      </p:nvGrpSpPr>
-      <p:grpSpPr>
-        <a:xfrm>
-          <a:off x="0" y="0"/>
-          <a:ext cx="0" cy="0"/>
-          <a:chOff x="0" y="0"/>
-          <a:chExt cx="0" cy="0"/>
-        </a:xfrm>
-      </p:grpSpPr>
-      <p:sp>
-        <p:nvSpPr>
-          <p:cNvPr id="4" name="제목 3">
-            <a:extLst>
-              <a:ext uri="{FF2B5EF4-FFF2-40B4-BE49-F238E27FC236}">
-                <a16:creationId xmlns:a16="http://schemas.microsoft.com/office/drawing/2014/main" id="{BD1FA68B-026A-4EC9-8760-57B376AB7839}"/>
-              </a:ext>
-            </a:extLst>
-          </p:cNvPr>
-          <p:cNvSpPr>
-            <a:spLocks noGrp="1"/>
-          </p:cNvSpPr>
-          <p:nvPr>
-            <p:ph type="title"/>
-          </p:nvPr>
-        </p:nvSpPr>
-        <p:spPr/>
-        <p:txBody>
-          <a:bodyPr anchor="ctr"/>
-          <a:lstStyle/>
-          <a:p>
-            <a:r>
-              <a:rPr lang="ko-KR" altLang="en-US" cap="none" dirty="0"/>
-              <a:t>거실</a:t>
-            </a:r>
-            <a:r>
-              <a:rPr lang="en-US" altLang="ko-KR" cap="none" dirty="0"/>
-              <a:t>(Livingroom)</a:t>
-            </a:r>
-            <a:endParaRPr lang="ko-KR" altLang="en-US" cap="none" dirty="0"/>
-          </a:p>
-        </p:txBody>
-      </p:sp>
-      <p:sp>
-        <p:nvSpPr>
-          <p:cNvPr id="2" name="내용 개체 틀 1">
-            <a:extLst>
-              <a:ext uri="{FF2B5EF4-FFF2-40B4-BE49-F238E27FC236}">
-                <a16:creationId xmlns:a16="http://schemas.microsoft.com/office/drawing/2014/main" id="{EF8D9331-258A-4DF0-9CB3-49BB7A2DB8D6}"/>
-              </a:ext>
-            </a:extLst>
-          </p:cNvPr>
-          <p:cNvSpPr>
-            <a:spLocks noGrp="1"/>
-          </p:cNvSpPr>
-          <p:nvPr>
-            <p:ph idx="1"/>
-          </p:nvPr>
-        </p:nvSpPr>
-        <p:spPr/>
-        <p:txBody>
-          <a:bodyPr/>
-          <a:lstStyle/>
-          <a:p>
-            <a:r>
-              <a:rPr lang="ko-KR" altLang="en-US" dirty="0"/>
-              <a:t>마법을 제외한 집에서 캐릭터의 일상적인 활동이 일어나는 공간이며</a:t>
-            </a:r>
-            <a:r>
-              <a:rPr lang="en-US" altLang="ko-KR" dirty="0"/>
-              <a:t>,</a:t>
-            </a:r>
-            <a:r>
-              <a:rPr lang="ko-KR" altLang="en-US" dirty="0"/>
-              <a:t> 벽난로와 의자</a:t>
-            </a:r>
-            <a:r>
-              <a:rPr lang="en-US" altLang="ko-KR" dirty="0"/>
-              <a:t>, </a:t>
-            </a:r>
-            <a:r>
-              <a:rPr lang="ko-KR" altLang="en-US" dirty="0"/>
-              <a:t>그리고 책장이 배치됨</a:t>
-            </a:r>
-            <a:endParaRPr lang="en-US" altLang="ko-KR" dirty="0"/>
-          </a:p>
-          <a:p>
-            <a:r>
-              <a:rPr lang="ko-KR" altLang="en-US" dirty="0"/>
-              <a:t>벽난로는 야간 </a:t>
-            </a:r>
-            <a:r>
-              <a:rPr lang="ko-KR" altLang="en-US" dirty="0" err="1"/>
-              <a:t>벽등</a:t>
-            </a:r>
-            <a:r>
-              <a:rPr lang="ko-KR" altLang="en-US" dirty="0"/>
-              <a:t> 대신 활성화시킬 수 있으며</a:t>
-            </a:r>
-            <a:r>
-              <a:rPr lang="en-US" altLang="ko-KR" dirty="0"/>
-              <a:t>, </a:t>
-            </a:r>
-            <a:r>
-              <a:rPr lang="ko-KR" altLang="en-US" dirty="0"/>
-              <a:t>설정을 통해 변경 가능</a:t>
-            </a:r>
-            <a:endParaRPr lang="en-US" altLang="ko-KR" dirty="0"/>
-          </a:p>
-          <a:p>
-            <a:r>
-              <a:rPr lang="ko-KR" altLang="en-US" dirty="0"/>
-              <a:t>의자에서 휴식 가능</a:t>
-            </a:r>
-            <a:endParaRPr lang="en-US" altLang="ko-KR" dirty="0"/>
-          </a:p>
-          <a:p>
-            <a:r>
-              <a:rPr lang="ko-KR" altLang="en-US" dirty="0"/>
-              <a:t>책장에서 게임 내 세계관과 관련된 이야기와 게임 플레이에 관련된 이야기를 읽을 수 있음</a:t>
-            </a:r>
-            <a:endParaRPr lang="en-US" altLang="ko-KR" dirty="0"/>
-          </a:p>
-          <a:p>
-            <a:endParaRPr lang="ko-KR" altLang="en-US" dirty="0"/>
-          </a:p>
-        </p:txBody>
-      </p:sp>
-    </p:spTree>
-    <p:extLst>
-      <p:ext uri="{BB962C8B-B14F-4D97-AF65-F5344CB8AC3E}">
-        <p14:creationId xmlns:p14="http://schemas.microsoft.com/office/powerpoint/2010/main" val="771944337"/>
-      </p:ext>
-    </p:extLst>
-  </p:cSld>
-  <p:clrMapOvr>
-    <a:masterClrMapping/>
-  </p:clrMapOvr>
-</p:sld>
-</file>
-
-<file path=ppt/slides/slide33.xml><?xml version="1.0" encoding="utf-8"?>
-<p:sld xmlns:a="http://schemas.openxmlformats.org/drawingml/2006/main" xmlns:r="http://schemas.openxmlformats.org/officeDocument/2006/relationships" xmlns:p="http://schemas.openxmlformats.org/presentationml/2006/main">
-  <p:cSld>
-    <p:spTree>
-      <p:nvGrpSpPr>
-        <p:cNvPr id="1" name=""/>
-        <p:cNvGrpSpPr/>
-        <p:nvPr/>
-      </p:nvGrpSpPr>
-      <p:grpSpPr>
-        <a:xfrm>
-          <a:off x="0" y="0"/>
-          <a:ext cx="0" cy="0"/>
-          <a:chOff x="0" y="0"/>
-          <a:chExt cx="0" cy="0"/>
-        </a:xfrm>
-      </p:grpSpPr>
-      <p:sp>
-        <p:nvSpPr>
-          <p:cNvPr id="4" name="제목 3">
-            <a:extLst>
-              <a:ext uri="{FF2B5EF4-FFF2-40B4-BE49-F238E27FC236}">
-                <a16:creationId xmlns:a16="http://schemas.microsoft.com/office/drawing/2014/main" id="{BD1FA68B-026A-4EC9-8760-57B376AB7839}"/>
-              </a:ext>
-            </a:extLst>
-          </p:cNvPr>
-          <p:cNvSpPr>
-            <a:spLocks noGrp="1"/>
-          </p:cNvSpPr>
-          <p:nvPr>
-            <p:ph type="title"/>
-          </p:nvPr>
-        </p:nvSpPr>
-        <p:spPr/>
-        <p:txBody>
-          <a:bodyPr anchor="ctr"/>
-          <a:lstStyle/>
-          <a:p>
-            <a:r>
-              <a:rPr lang="ko-KR" altLang="en-US" cap="none" dirty="0"/>
-              <a:t>부엌</a:t>
-            </a:r>
-            <a:r>
-              <a:rPr lang="en-US" altLang="ko-KR" cap="none" dirty="0"/>
-              <a:t>(Kitchen)</a:t>
-            </a:r>
-            <a:endParaRPr lang="ko-KR" altLang="en-US" cap="none" dirty="0"/>
-          </a:p>
-        </p:txBody>
-      </p:sp>
-      <p:sp>
-        <p:nvSpPr>
-          <p:cNvPr id="2" name="내용 개체 틀 1">
-            <a:extLst>
-              <a:ext uri="{FF2B5EF4-FFF2-40B4-BE49-F238E27FC236}">
-                <a16:creationId xmlns:a16="http://schemas.microsoft.com/office/drawing/2014/main" id="{654AAF1D-20BC-41C7-85E0-1D31FDC725C1}"/>
-              </a:ext>
-            </a:extLst>
-          </p:cNvPr>
-          <p:cNvSpPr>
-            <a:spLocks noGrp="1"/>
-          </p:cNvSpPr>
-          <p:nvPr>
-            <p:ph idx="1"/>
-          </p:nvPr>
-        </p:nvSpPr>
-        <p:spPr/>
-        <p:txBody>
-          <a:bodyPr/>
-          <a:lstStyle/>
-          <a:p>
-            <a:r>
-              <a:rPr lang="ko-KR" altLang="en-US" dirty="0"/>
-              <a:t>식재료나 음식</a:t>
-            </a:r>
-            <a:r>
-              <a:rPr lang="en-US" altLang="ko-KR" dirty="0"/>
-              <a:t>, </a:t>
-            </a:r>
-            <a:r>
-              <a:rPr lang="ko-KR" altLang="en-US" dirty="0"/>
-              <a:t>또는 음료 등 보관하고 요리를 할 수 있는 장소</a:t>
-            </a:r>
-            <a:endParaRPr lang="en-US" altLang="ko-KR" dirty="0"/>
-          </a:p>
-          <a:p>
-            <a:r>
-              <a:rPr lang="ko-KR" altLang="en-US" dirty="0"/>
-              <a:t>조리 테이블과 재료 저장고가 배치됨</a:t>
-            </a:r>
-            <a:endParaRPr lang="en-US" altLang="ko-KR" dirty="0"/>
-          </a:p>
-          <a:p>
-            <a:r>
-              <a:rPr lang="ko-KR" altLang="en-US" dirty="0"/>
-              <a:t>조리 테이블에서 요리를 할 수 있으며</a:t>
-            </a:r>
-            <a:r>
-              <a:rPr lang="en-US" altLang="ko-KR" dirty="0"/>
-              <a:t>, </a:t>
-            </a:r>
-            <a:r>
-              <a:rPr lang="ko-KR" altLang="en-US" dirty="0"/>
-              <a:t>부엌 내 재료 저장고와 소지품에 있는 재료를 사용</a:t>
-            </a:r>
-            <a:endParaRPr lang="en-US" altLang="ko-KR" dirty="0"/>
-          </a:p>
-          <a:p>
-            <a:r>
-              <a:rPr lang="ko-KR" altLang="en-US" dirty="0"/>
-              <a:t>재료 저장고 위에 음료</a:t>
-            </a:r>
-            <a:r>
-              <a:rPr lang="en-US" altLang="ko-KR" dirty="0"/>
-              <a:t>, </a:t>
-            </a:r>
-            <a:r>
-              <a:rPr lang="ko-KR" altLang="en-US" dirty="0"/>
-              <a:t>기름과 같은 유체를 놓고</a:t>
-            </a:r>
-            <a:r>
-              <a:rPr lang="en-US" altLang="ko-KR" dirty="0"/>
-              <a:t>, </a:t>
-            </a:r>
-            <a:r>
-              <a:rPr lang="ko-KR" altLang="en-US" dirty="0"/>
-              <a:t>내부에 유체 외 식재료를 보관</a:t>
-            </a:r>
-          </a:p>
-        </p:txBody>
-      </p:sp>
-    </p:spTree>
-    <p:extLst>
-      <p:ext uri="{BB962C8B-B14F-4D97-AF65-F5344CB8AC3E}">
-        <p14:creationId xmlns:p14="http://schemas.microsoft.com/office/powerpoint/2010/main" val="327464236"/>
-      </p:ext>
-    </p:extLst>
-  </p:cSld>
-  <p:clrMapOvr>
-    <a:masterClrMapping/>
-  </p:clrMapOvr>
-</p:sld>
-</file>
-
-<file path=ppt/slides/slide34.xml><?xml version="1.0" encoding="utf-8"?>
-<p:sld xmlns:a="http://schemas.openxmlformats.org/drawingml/2006/main" xmlns:r="http://schemas.openxmlformats.org/officeDocument/2006/relationships" xmlns:p="http://schemas.openxmlformats.org/presentationml/2006/main">
-  <p:cSld>
-    <p:spTree>
-      <p:nvGrpSpPr>
-        <p:cNvPr id="1" name=""/>
-        <p:cNvGrpSpPr/>
-        <p:nvPr/>
-      </p:nvGrpSpPr>
-      <p:grpSpPr>
-        <a:xfrm>
-          <a:off x="0" y="0"/>
-          <a:ext cx="0" cy="0"/>
-          <a:chOff x="0" y="0"/>
-          <a:chExt cx="0" cy="0"/>
-        </a:xfrm>
-      </p:grpSpPr>
-      <p:sp>
-        <p:nvSpPr>
           <p:cNvPr id="3" name="제목 2">
             <a:extLst>
               <a:ext uri="{FF2B5EF4-FFF2-40B4-BE49-F238E27FC236}">
@@ -7654,7 +6828,7 @@
 </p:sld>
 </file>
 
-<file path=ppt/slides/slide35.xml><?xml version="1.0" encoding="utf-8"?>
+<file path=ppt/slides/slide31.xml><?xml version="1.0" encoding="utf-8"?>
 <p:sld xmlns:a="http://schemas.openxmlformats.org/drawingml/2006/main" xmlns:r="http://schemas.openxmlformats.org/officeDocument/2006/relationships" xmlns:p="http://schemas.openxmlformats.org/presentationml/2006/main">
   <p:cSld>
     <p:spTree>
@@ -8204,7 +7378,7 @@
 </p:sld>
 </file>
 
-<file path=ppt/slides/slide36.xml><?xml version="1.0" encoding="utf-8"?>
+<file path=ppt/slides/slide32.xml><?xml version="1.0" encoding="utf-8"?>
 <p:sld xmlns:a="http://schemas.openxmlformats.org/drawingml/2006/main" xmlns:r="http://schemas.openxmlformats.org/officeDocument/2006/relationships" xmlns:p="http://schemas.openxmlformats.org/presentationml/2006/main">
   <p:cSld>
     <p:spTree>
@@ -8727,7 +7901,7 @@
 </p:sld>
 </file>
 
-<file path=ppt/slides/slide37.xml><?xml version="1.0" encoding="utf-8"?>
+<file path=ppt/slides/slide33.xml><?xml version="1.0" encoding="utf-8"?>
 <p:sld xmlns:a="http://schemas.openxmlformats.org/drawingml/2006/main" xmlns:r="http://schemas.openxmlformats.org/officeDocument/2006/relationships" xmlns:p="http://schemas.openxmlformats.org/presentationml/2006/main">
   <p:cSld>
     <p:spTree>
@@ -9259,7 +8433,7 @@
 </p:sld>
 </file>
 
-<file path=ppt/slides/slide38.xml><?xml version="1.0" encoding="utf-8"?>
+<file path=ppt/slides/slide34.xml><?xml version="1.0" encoding="utf-8"?>
 <p:sld xmlns:a="http://schemas.openxmlformats.org/drawingml/2006/main" xmlns:r="http://schemas.openxmlformats.org/officeDocument/2006/relationships" xmlns:p="http://schemas.openxmlformats.org/presentationml/2006/main">
   <p:cSld>
     <p:spTree>
@@ -9782,7 +8956,7 @@
 </p:sld>
 </file>
 
-<file path=ppt/slides/slide39.xml><?xml version="1.0" encoding="utf-8"?>
+<file path=ppt/slides/slide35.xml><?xml version="1.0" encoding="utf-8"?>
 <p:sld xmlns:a="http://schemas.openxmlformats.org/drawingml/2006/main" xmlns:r="http://schemas.openxmlformats.org/officeDocument/2006/relationships" xmlns:p="http://schemas.openxmlformats.org/presentationml/2006/main">
   <p:cSld>
     <p:spTree>
@@ -10289,607 +9463,7 @@
 </p:sld>
 </file>
 
-<file path=ppt/slides/slide4.xml><?xml version="1.0" encoding="utf-8"?>
-<p:sld xmlns:a="http://schemas.openxmlformats.org/drawingml/2006/main" xmlns:r="http://schemas.openxmlformats.org/officeDocument/2006/relationships" xmlns:p="http://schemas.openxmlformats.org/presentationml/2006/main">
-  <p:cSld>
-    <p:spTree>
-      <p:nvGrpSpPr>
-        <p:cNvPr id="1" name=""/>
-        <p:cNvGrpSpPr/>
-        <p:nvPr/>
-      </p:nvGrpSpPr>
-      <p:grpSpPr>
-        <a:xfrm>
-          <a:off x="0" y="0"/>
-          <a:ext cx="0" cy="0"/>
-          <a:chOff x="0" y="0"/>
-          <a:chExt cx="0" cy="0"/>
-        </a:xfrm>
-      </p:grpSpPr>
-      <p:graphicFrame>
-        <p:nvGraphicFramePr>
-          <p:cNvPr id="7" name="표 7">
-            <a:extLst>
-              <a:ext uri="{FF2B5EF4-FFF2-40B4-BE49-F238E27FC236}">
-                <a16:creationId xmlns:a16="http://schemas.microsoft.com/office/drawing/2014/main" id="{9EA7719C-4392-4502-907C-103423D4DE61}"/>
-              </a:ext>
-            </a:extLst>
-          </p:cNvPr>
-          <p:cNvGraphicFramePr>
-            <a:graphicFrameLocks noGrp="1"/>
-          </p:cNvGraphicFramePr>
-          <p:nvPr>
-            <p:extLst>
-              <p:ext uri="{D42A27DB-BD31-4B8C-83A1-F6EECF244321}">
-                <p14:modId xmlns:p14="http://schemas.microsoft.com/office/powerpoint/2010/main" val="3051329220"/>
-              </p:ext>
-            </p:extLst>
-          </p:nvPr>
-        </p:nvGraphicFramePr>
-        <p:xfrm>
-          <a:off x="1137145" y="2303344"/>
-          <a:ext cx="9917711" cy="2861297"/>
-        </p:xfrm>
-        <a:graphic>
-          <a:graphicData uri="http://schemas.openxmlformats.org/drawingml/2006/table">
-            <a:tbl>
-              <a:tblPr firstRow="1" bandRow="1">
-                <a:tableStyleId>{5C22544A-7EE6-4342-B048-85BDC9FD1C3A}</a:tableStyleId>
-              </a:tblPr>
-              <a:tblGrid>
-                <a:gridCol w="1638468">
-                  <a:extLst>
-                    <a:ext uri="{9D8B030D-6E8A-4147-A177-3AD203B41FA5}">
-                      <a16:colId xmlns:a16="http://schemas.microsoft.com/office/drawing/2014/main" val="3751448300"/>
-                    </a:ext>
-                  </a:extLst>
-                </a:gridCol>
-                <a:gridCol w="1667435">
-                  <a:extLst>
-                    <a:ext uri="{9D8B030D-6E8A-4147-A177-3AD203B41FA5}">
-                      <a16:colId xmlns:a16="http://schemas.microsoft.com/office/drawing/2014/main" val="2394942043"/>
-                    </a:ext>
-                  </a:extLst>
-                </a:gridCol>
-                <a:gridCol w="1652952">
-                  <a:extLst>
-                    <a:ext uri="{9D8B030D-6E8A-4147-A177-3AD203B41FA5}">
-                      <a16:colId xmlns:a16="http://schemas.microsoft.com/office/drawing/2014/main" val="3500717552"/>
-                    </a:ext>
-                  </a:extLst>
-                </a:gridCol>
-                <a:gridCol w="1652952">
-                  <a:extLst>
-                    <a:ext uri="{9D8B030D-6E8A-4147-A177-3AD203B41FA5}">
-                      <a16:colId xmlns:a16="http://schemas.microsoft.com/office/drawing/2014/main" val="3936624566"/>
-                    </a:ext>
-                  </a:extLst>
-                </a:gridCol>
-                <a:gridCol w="1652952">
-                  <a:extLst>
-                    <a:ext uri="{9D8B030D-6E8A-4147-A177-3AD203B41FA5}">
-                      <a16:colId xmlns:a16="http://schemas.microsoft.com/office/drawing/2014/main" val="407967281"/>
-                    </a:ext>
-                  </a:extLst>
-                </a:gridCol>
-                <a:gridCol w="1652952">
-                  <a:extLst>
-                    <a:ext uri="{9D8B030D-6E8A-4147-A177-3AD203B41FA5}">
-                      <a16:colId xmlns:a16="http://schemas.microsoft.com/office/drawing/2014/main" val="4410176"/>
-                    </a:ext>
-                  </a:extLst>
-                </a:gridCol>
-              </a:tblGrid>
-              <a:tr h="421353">
-                <a:tc>
-                  <a:txBody>
-                    <a:bodyPr/>
-                    <a:lstStyle/>
-                    <a:p>
-                      <a:pPr latinLnBrk="1"/>
-                      <a:endParaRPr lang="ko-KR" altLang="en-US" dirty="0"/>
-                    </a:p>
-                  </a:txBody>
-                  <a:tcPr anchor="ctr"/>
-                </a:tc>
-                <a:tc>
-                  <a:txBody>
-                    <a:bodyPr/>
-                    <a:lstStyle/>
-                    <a:p>
-                      <a:pPr algn="ctr" latinLnBrk="1"/>
-                      <a:r>
-                        <a:rPr lang="ko-KR" altLang="en-US" dirty="0"/>
-                        <a:t>체력</a:t>
-                      </a:r>
-                    </a:p>
-                  </a:txBody>
-                  <a:tcPr anchor="ctr"/>
-                </a:tc>
-                <a:tc>
-                  <a:txBody>
-                    <a:bodyPr/>
-                    <a:lstStyle/>
-                    <a:p>
-                      <a:pPr algn="ctr" latinLnBrk="1"/>
-                      <a:r>
-                        <a:rPr lang="ko-KR" altLang="en-US" dirty="0"/>
-                        <a:t>마나</a:t>
-                      </a:r>
-                    </a:p>
-                  </a:txBody>
-                  <a:tcPr anchor="ctr"/>
-                </a:tc>
-                <a:tc>
-                  <a:txBody>
-                    <a:bodyPr/>
-                    <a:lstStyle/>
-                    <a:p>
-                      <a:pPr algn="ctr" latinLnBrk="1"/>
-                      <a:r>
-                        <a:rPr lang="ko-KR" altLang="en-US" dirty="0"/>
-                        <a:t>활동력</a:t>
-                      </a:r>
-                    </a:p>
-                  </a:txBody>
-                  <a:tcPr anchor="ctr"/>
-                </a:tc>
-                <a:tc>
-                  <a:txBody>
-                    <a:bodyPr/>
-                    <a:lstStyle/>
-                    <a:p>
-                      <a:pPr algn="ctr" latinLnBrk="1"/>
-                      <a:r>
-                        <a:rPr lang="ko-KR" altLang="en-US"/>
-                        <a:t>배고픔</a:t>
-                      </a:r>
-                      <a:endParaRPr lang="ko-KR" altLang="en-US" dirty="0"/>
-                    </a:p>
-                  </a:txBody>
-                  <a:tcPr anchor="ctr"/>
-                </a:tc>
-                <a:tc>
-                  <a:txBody>
-                    <a:bodyPr/>
-                    <a:lstStyle/>
-                    <a:p>
-                      <a:pPr algn="ctr" latinLnBrk="1"/>
-                      <a:r>
-                        <a:rPr lang="ko-KR" altLang="en-US"/>
-                        <a:t>목마름</a:t>
-                      </a:r>
-                      <a:endParaRPr lang="ko-KR" altLang="en-US" dirty="0"/>
-                    </a:p>
-                  </a:txBody>
-                  <a:tcPr anchor="ctr"/>
-                </a:tc>
-                <a:extLst>
-                  <a:ext uri="{0D108BD9-81ED-4DB2-BD59-A6C34878D82A}">
-                    <a16:rowId xmlns:a16="http://schemas.microsoft.com/office/drawing/2014/main" val="4055406150"/>
-                  </a:ext>
-                </a:extLst>
-              </a:tr>
-              <a:tr h="609986">
-                <a:tc>
-                  <a:txBody>
-                    <a:bodyPr/>
-                    <a:lstStyle/>
-                    <a:p>
-                      <a:pPr algn="ctr" latinLnBrk="1"/>
-                      <a:r>
-                        <a:rPr lang="ko-KR" altLang="en-US" dirty="0"/>
-                        <a:t>타입</a:t>
-                      </a:r>
-                    </a:p>
-                  </a:txBody>
-                  <a:tcPr anchor="ctr"/>
-                </a:tc>
-                <a:tc>
-                  <a:txBody>
-                    <a:bodyPr/>
-                    <a:lstStyle/>
-                    <a:p>
-                      <a:pPr algn="ctr" latinLnBrk="1"/>
-                      <a:r>
-                        <a:rPr lang="en-US" altLang="ko-KR" dirty="0"/>
-                        <a:t>uint32</a:t>
-                      </a:r>
-                      <a:endParaRPr lang="ko-KR" altLang="en-US" dirty="0"/>
-                    </a:p>
-                  </a:txBody>
-                  <a:tcPr anchor="ctr"/>
-                </a:tc>
-                <a:tc>
-                  <a:txBody>
-                    <a:bodyPr/>
-                    <a:lstStyle/>
-                    <a:p>
-                      <a:pPr algn="ctr" latinLnBrk="1"/>
-                      <a:r>
-                        <a:rPr lang="en-US" altLang="ko-KR" dirty="0"/>
-                        <a:t>uint64</a:t>
-                      </a:r>
-                      <a:endParaRPr lang="ko-KR" altLang="en-US" dirty="0"/>
-                    </a:p>
-                  </a:txBody>
-                  <a:tcPr anchor="ctr"/>
-                </a:tc>
-                <a:tc>
-                  <a:txBody>
-                    <a:bodyPr/>
-                    <a:lstStyle/>
-                    <a:p>
-                      <a:pPr algn="ctr" latinLnBrk="1"/>
-                      <a:r>
-                        <a:rPr lang="en-US" altLang="ko-KR" dirty="0"/>
-                        <a:t>int32</a:t>
-                      </a:r>
-                      <a:endParaRPr lang="ko-KR" altLang="en-US" dirty="0"/>
-                    </a:p>
-                  </a:txBody>
-                  <a:tcPr anchor="ctr"/>
-                </a:tc>
-                <a:tc>
-                  <a:txBody>
-                    <a:bodyPr/>
-                    <a:lstStyle/>
-                    <a:p>
-                      <a:pPr algn="ctr" latinLnBrk="1"/>
-                      <a:r>
-                        <a:rPr lang="en-US" altLang="ko-KR" dirty="0"/>
-                        <a:t>int32</a:t>
-                      </a:r>
-                      <a:endParaRPr lang="ko-KR" altLang="en-US" dirty="0"/>
-                    </a:p>
-                  </a:txBody>
-                  <a:tcPr anchor="ctr"/>
-                </a:tc>
-                <a:tc>
-                  <a:txBody>
-                    <a:bodyPr/>
-                    <a:lstStyle/>
-                    <a:p>
-                      <a:pPr algn="ctr" latinLnBrk="1"/>
-                      <a:r>
-                        <a:rPr lang="en-US" altLang="ko-KR" dirty="0"/>
-                        <a:t>int32</a:t>
-                      </a:r>
-                      <a:endParaRPr lang="ko-KR" altLang="en-US" dirty="0"/>
-                    </a:p>
-                  </a:txBody>
-                  <a:tcPr anchor="ctr"/>
-                </a:tc>
-                <a:extLst>
-                  <a:ext uri="{0D108BD9-81ED-4DB2-BD59-A6C34878D82A}">
-                    <a16:rowId xmlns:a16="http://schemas.microsoft.com/office/drawing/2014/main" val="1361805717"/>
-                  </a:ext>
-                </a:extLst>
-              </a:tr>
-              <a:tr h="609986">
-                <a:tc>
-                  <a:txBody>
-                    <a:bodyPr/>
-                    <a:lstStyle/>
-                    <a:p>
-                      <a:pPr algn="ctr" latinLnBrk="1"/>
-                      <a:r>
-                        <a:rPr lang="ko-KR" altLang="en-US" dirty="0"/>
-                        <a:t>최소치</a:t>
-                      </a:r>
-                    </a:p>
-                  </a:txBody>
-                  <a:tcPr anchor="ctr"/>
-                </a:tc>
-                <a:tc>
-                  <a:txBody>
-                    <a:bodyPr/>
-                    <a:lstStyle/>
-                    <a:p>
-                      <a:pPr algn="ctr" latinLnBrk="1"/>
-                      <a:r>
-                        <a:rPr lang="en-US" altLang="ko-KR" dirty="0"/>
-                        <a:t>0</a:t>
-                      </a:r>
-                      <a:endParaRPr lang="ko-KR" altLang="en-US" dirty="0"/>
-                    </a:p>
-                  </a:txBody>
-                  <a:tcPr anchor="ctr"/>
-                </a:tc>
-                <a:tc>
-                  <a:txBody>
-                    <a:bodyPr/>
-                    <a:lstStyle/>
-                    <a:p>
-                      <a:pPr algn="ctr" latinLnBrk="1"/>
-                      <a:r>
-                        <a:rPr lang="en-US" altLang="ko-KR" dirty="0"/>
-                        <a:t>0</a:t>
-                      </a:r>
-                      <a:endParaRPr lang="ko-KR" altLang="en-US" dirty="0"/>
-                    </a:p>
-                  </a:txBody>
-                  <a:tcPr anchor="ctr"/>
-                </a:tc>
-                <a:tc>
-                  <a:txBody>
-                    <a:bodyPr/>
-                    <a:lstStyle/>
-                    <a:p>
-                      <a:pPr algn="ctr" latinLnBrk="1"/>
-                      <a:r>
-                        <a:rPr lang="en-US" altLang="ko-KR" dirty="0"/>
-                        <a:t>-500</a:t>
-                      </a:r>
-                      <a:endParaRPr lang="ko-KR" altLang="en-US" dirty="0"/>
-                    </a:p>
-                  </a:txBody>
-                  <a:tcPr anchor="ctr"/>
-                </a:tc>
-                <a:tc>
-                  <a:txBody>
-                    <a:bodyPr/>
-                    <a:lstStyle/>
-                    <a:p>
-                      <a:pPr algn="ctr" latinLnBrk="1"/>
-                      <a:r>
-                        <a:rPr lang="en-US" altLang="ko-KR" dirty="0"/>
-                        <a:t>-100</a:t>
-                      </a:r>
-                      <a:endParaRPr lang="ko-KR" altLang="en-US" dirty="0"/>
-                    </a:p>
-                  </a:txBody>
-                  <a:tcPr anchor="ctr"/>
-                </a:tc>
-                <a:tc>
-                  <a:txBody>
-                    <a:bodyPr/>
-                    <a:lstStyle/>
-                    <a:p>
-                      <a:pPr algn="ctr" latinLnBrk="1"/>
-                      <a:r>
-                        <a:rPr lang="en-US" altLang="ko-KR" dirty="0"/>
-                        <a:t>-100</a:t>
-                      </a:r>
-                      <a:endParaRPr lang="ko-KR" altLang="en-US" dirty="0"/>
-                    </a:p>
-                  </a:txBody>
-                  <a:tcPr anchor="ctr"/>
-                </a:tc>
-                <a:extLst>
-                  <a:ext uri="{0D108BD9-81ED-4DB2-BD59-A6C34878D82A}">
-                    <a16:rowId xmlns:a16="http://schemas.microsoft.com/office/drawing/2014/main" val="4043590512"/>
-                  </a:ext>
-                </a:extLst>
-              </a:tr>
-              <a:tr h="609986">
-                <a:tc>
-                  <a:txBody>
-                    <a:bodyPr/>
-                    <a:lstStyle/>
-                    <a:p>
-                      <a:pPr algn="ctr" latinLnBrk="1"/>
-                      <a:r>
-                        <a:rPr lang="ko-KR" altLang="en-US" dirty="0"/>
-                        <a:t>최대치</a:t>
-                      </a:r>
-                    </a:p>
-                  </a:txBody>
-                  <a:tcPr anchor="ctr"/>
-                </a:tc>
-                <a:tc>
-                  <a:txBody>
-                    <a:bodyPr/>
-                    <a:lstStyle/>
-                    <a:p>
-                      <a:pPr algn="ctr" latinLnBrk="1"/>
-                      <a:r>
-                        <a:rPr lang="en-US" altLang="ko-KR" dirty="0"/>
-                        <a:t>1,000</a:t>
-                      </a:r>
-                      <a:endParaRPr lang="ko-KR" altLang="en-US" dirty="0"/>
-                    </a:p>
-                  </a:txBody>
-                  <a:tcPr anchor="ctr"/>
-                </a:tc>
-                <a:tc>
-                  <a:txBody>
-                    <a:bodyPr/>
-                    <a:lstStyle/>
-                    <a:p>
-                      <a:pPr algn="ctr" latinLnBrk="1"/>
-                      <a:r>
-                        <a:rPr lang="en-US" altLang="ko-KR" dirty="0"/>
-                        <a:t>25,000</a:t>
-                      </a:r>
-                      <a:endParaRPr lang="ko-KR" altLang="en-US" dirty="0"/>
-                    </a:p>
-                  </a:txBody>
-                  <a:tcPr anchor="ctr"/>
-                </a:tc>
-                <a:tc>
-                  <a:txBody>
-                    <a:bodyPr/>
-                    <a:lstStyle/>
-                    <a:p>
-                      <a:pPr algn="ctr" latinLnBrk="1"/>
-                      <a:r>
-                        <a:rPr lang="en-US" altLang="ko-KR" dirty="0"/>
-                        <a:t>1,500</a:t>
-                      </a:r>
-                      <a:endParaRPr lang="ko-KR" altLang="en-US" dirty="0"/>
-                    </a:p>
-                  </a:txBody>
-                  <a:tcPr anchor="ctr"/>
-                </a:tc>
-                <a:tc>
-                  <a:txBody>
-                    <a:bodyPr/>
-                    <a:lstStyle/>
-                    <a:p>
-                      <a:pPr algn="ctr" latinLnBrk="1"/>
-                      <a:r>
-                        <a:rPr lang="en-US" altLang="ko-KR" dirty="0"/>
-                        <a:t>100</a:t>
-                      </a:r>
-                      <a:endParaRPr lang="ko-KR" altLang="en-US" dirty="0"/>
-                    </a:p>
-                  </a:txBody>
-                  <a:tcPr anchor="ctr"/>
-                </a:tc>
-                <a:tc>
-                  <a:txBody>
-                    <a:bodyPr/>
-                    <a:lstStyle/>
-                    <a:p>
-                      <a:pPr algn="ctr" latinLnBrk="1"/>
-                      <a:r>
-                        <a:rPr lang="en-US" altLang="ko-KR"/>
-                        <a:t>100</a:t>
-                      </a:r>
-                      <a:endParaRPr lang="ko-KR" altLang="en-US" dirty="0"/>
-                    </a:p>
-                  </a:txBody>
-                  <a:tcPr anchor="ctr"/>
-                </a:tc>
-                <a:extLst>
-                  <a:ext uri="{0D108BD9-81ED-4DB2-BD59-A6C34878D82A}">
-                    <a16:rowId xmlns:a16="http://schemas.microsoft.com/office/drawing/2014/main" val="899338012"/>
-                  </a:ext>
-                </a:extLst>
-              </a:tr>
-              <a:tr h="609986">
-                <a:tc>
-                  <a:txBody>
-                    <a:bodyPr/>
-                    <a:lstStyle/>
-                    <a:p>
-                      <a:pPr algn="ctr" latinLnBrk="1"/>
-                      <a:endParaRPr lang="ko-KR" altLang="en-US" dirty="0"/>
-                    </a:p>
-                  </a:txBody>
-                  <a:tcPr anchor="ctr"/>
-                </a:tc>
-                <a:tc>
-                  <a:txBody>
-                    <a:bodyPr/>
-                    <a:lstStyle/>
-                    <a:p>
-                      <a:pPr algn="ctr" latinLnBrk="1"/>
-                      <a:endParaRPr lang="ko-KR" altLang="en-US" dirty="0"/>
-                    </a:p>
-                  </a:txBody>
-                  <a:tcPr anchor="ctr"/>
-                </a:tc>
-                <a:tc>
-                  <a:txBody>
-                    <a:bodyPr/>
-                    <a:lstStyle/>
-                    <a:p>
-                      <a:pPr algn="ctr" latinLnBrk="1"/>
-                      <a:endParaRPr lang="ko-KR" altLang="en-US" dirty="0"/>
-                    </a:p>
-                  </a:txBody>
-                  <a:tcPr anchor="ctr"/>
-                </a:tc>
-                <a:tc>
-                  <a:txBody>
-                    <a:bodyPr/>
-                    <a:lstStyle/>
-                    <a:p>
-                      <a:pPr algn="ctr" latinLnBrk="1"/>
-                      <a:endParaRPr lang="ko-KR" altLang="en-US" dirty="0"/>
-                    </a:p>
-                  </a:txBody>
-                  <a:tcPr anchor="ctr"/>
-                </a:tc>
-                <a:tc>
-                  <a:txBody>
-                    <a:bodyPr/>
-                    <a:lstStyle/>
-                    <a:p>
-                      <a:pPr algn="ctr" latinLnBrk="1"/>
-                      <a:endParaRPr lang="ko-KR" altLang="en-US" dirty="0"/>
-                    </a:p>
-                  </a:txBody>
-                  <a:tcPr anchor="ctr"/>
-                </a:tc>
-                <a:tc>
-                  <a:txBody>
-                    <a:bodyPr/>
-                    <a:lstStyle/>
-                    <a:p>
-                      <a:pPr algn="ctr" latinLnBrk="1"/>
-                      <a:endParaRPr lang="ko-KR" altLang="en-US" dirty="0"/>
-                    </a:p>
-                  </a:txBody>
-                  <a:tcPr anchor="ctr"/>
-                </a:tc>
-                <a:extLst>
-                  <a:ext uri="{0D108BD9-81ED-4DB2-BD59-A6C34878D82A}">
-                    <a16:rowId xmlns:a16="http://schemas.microsoft.com/office/drawing/2014/main" val="3038002309"/>
-                  </a:ext>
-                </a:extLst>
-              </a:tr>
-            </a:tbl>
-          </a:graphicData>
-        </a:graphic>
-      </p:graphicFrame>
-      <p:sp>
-        <p:nvSpPr>
-          <p:cNvPr id="11" name="제목 10">
-            <a:extLst>
-              <a:ext uri="{FF2B5EF4-FFF2-40B4-BE49-F238E27FC236}">
-                <a16:creationId xmlns:a16="http://schemas.microsoft.com/office/drawing/2014/main" id="{D5B80ADD-4428-4A57-87D3-5895E524BE26}"/>
-              </a:ext>
-            </a:extLst>
-          </p:cNvPr>
-          <p:cNvSpPr>
-            <a:spLocks noGrp="1"/>
-          </p:cNvSpPr>
-          <p:nvPr>
-            <p:ph type="title"/>
-          </p:nvPr>
-        </p:nvSpPr>
-        <p:spPr/>
-        <p:txBody>
-          <a:bodyPr anchor="ctr"/>
-          <a:lstStyle/>
-          <a:p>
-            <a:r>
-              <a:rPr lang="ko-KR" altLang="en-US" dirty="0"/>
-              <a:t>캐릭터 </a:t>
-            </a:r>
-            <a:r>
-              <a:rPr lang="ko-KR" altLang="en-US" dirty="0" err="1"/>
-              <a:t>스탯</a:t>
-            </a:r>
-            <a:r>
-              <a:rPr lang="ko-KR" altLang="en-US" dirty="0"/>
-              <a:t> </a:t>
-            </a:r>
-            <a:r>
-              <a:rPr lang="en-US" altLang="ko-KR" dirty="0"/>
-              <a:t>1</a:t>
-            </a:r>
-            <a:endParaRPr lang="ko-KR" altLang="en-US" dirty="0"/>
-          </a:p>
-        </p:txBody>
-      </p:sp>
-    </p:spTree>
-    <p:extLst>
-      <p:ext uri="{BB962C8B-B14F-4D97-AF65-F5344CB8AC3E}">
-        <p14:creationId xmlns:p14="http://schemas.microsoft.com/office/powerpoint/2010/main" val="1102188394"/>
-      </p:ext>
-    </p:extLst>
-  </p:cSld>
-  <p:clrMapOvr>
-    <a:masterClrMapping/>
-  </p:clrMapOvr>
-</p:sld>
-</file>
-
-<file path=ppt/slides/slide40.xml><?xml version="1.0" encoding="utf-8"?>
+<file path=ppt/slides/slide36.xml><?xml version="1.0" encoding="utf-8"?>
 <p:sld xmlns:a="http://schemas.openxmlformats.org/drawingml/2006/main" xmlns:r="http://schemas.openxmlformats.org/officeDocument/2006/relationships" xmlns:p="http://schemas.openxmlformats.org/presentationml/2006/main">
   <p:cSld>
     <p:spTree>
@@ -11202,7 +9776,7 @@
 </p:sld>
 </file>
 
-<file path=ppt/slides/slide41.xml><?xml version="1.0" encoding="utf-8"?>
+<file path=ppt/slides/slide37.xml><?xml version="1.0" encoding="utf-8"?>
 <p:sld xmlns:a="http://schemas.openxmlformats.org/drawingml/2006/main" xmlns:r="http://schemas.openxmlformats.org/officeDocument/2006/relationships" xmlns:p="http://schemas.openxmlformats.org/presentationml/2006/main">
   <p:cSld>
     <p:spTree>
@@ -11538,7 +10112,7 @@
 </p:sld>
 </file>
 
-<file path=ppt/slides/slide42.xml><?xml version="1.0" encoding="utf-8"?>
+<file path=ppt/slides/slide38.xml><?xml version="1.0" encoding="utf-8"?>
 <p:sld xmlns:a="http://schemas.openxmlformats.org/drawingml/2006/main" xmlns:r="http://schemas.openxmlformats.org/officeDocument/2006/relationships" xmlns:p="http://schemas.openxmlformats.org/presentationml/2006/main">
   <p:cSld>
     <p:spTree>
@@ -11923,7 +10497,7 @@
 </p:sld>
 </file>
 
-<file path=ppt/slides/slide43.xml><?xml version="1.0" encoding="utf-8"?>
+<file path=ppt/slides/slide39.xml><?xml version="1.0" encoding="utf-8"?>
 <p:sld xmlns:a="http://schemas.openxmlformats.org/drawingml/2006/main" xmlns:r="http://schemas.openxmlformats.org/officeDocument/2006/relationships" xmlns:p="http://schemas.openxmlformats.org/presentationml/2006/main">
   <p:cSld>
     <p:spTree>
@@ -12354,7 +10928,158 @@
 </p:sld>
 </file>
 
-<file path=ppt/slides/slide44.xml><?xml version="1.0" encoding="utf-8"?>
+<file path=ppt/slides/slide4.xml><?xml version="1.0" encoding="utf-8"?>
+<p:sld xmlns:a="http://schemas.openxmlformats.org/drawingml/2006/main" xmlns:r="http://schemas.openxmlformats.org/officeDocument/2006/relationships" xmlns:p="http://schemas.openxmlformats.org/presentationml/2006/main">
+  <p:cSld>
+    <p:spTree>
+      <p:nvGrpSpPr>
+        <p:cNvPr id="1" name=""/>
+        <p:cNvGrpSpPr/>
+        <p:nvPr/>
+      </p:nvGrpSpPr>
+      <p:grpSpPr>
+        <a:xfrm>
+          <a:off x="0" y="0"/>
+          <a:ext cx="0" cy="0"/>
+          <a:chOff x="0" y="0"/>
+          <a:chExt cx="0" cy="0"/>
+        </a:xfrm>
+      </p:grpSpPr>
+      <p:sp>
+        <p:nvSpPr>
+          <p:cNvPr id="11" name="제목 10">
+            <a:extLst>
+              <a:ext uri="{FF2B5EF4-FFF2-40B4-BE49-F238E27FC236}">
+                <a16:creationId xmlns:a16="http://schemas.microsoft.com/office/drawing/2014/main" id="{D5B80ADD-4428-4A57-87D3-5895E524BE26}"/>
+              </a:ext>
+            </a:extLst>
+          </p:cNvPr>
+          <p:cNvSpPr>
+            <a:spLocks noGrp="1"/>
+          </p:cNvSpPr>
+          <p:nvPr>
+            <p:ph type="title"/>
+          </p:nvPr>
+        </p:nvSpPr>
+        <p:spPr/>
+        <p:txBody>
+          <a:bodyPr anchor="ctr"/>
+          <a:lstStyle/>
+          <a:p>
+            <a:r>
+              <a:rPr lang="ko-KR" altLang="en-US" dirty="0"/>
+              <a:t>캐릭터 </a:t>
+            </a:r>
+            <a:r>
+              <a:rPr lang="ko-KR" altLang="en-US" dirty="0" err="1"/>
+              <a:t>스탯</a:t>
+            </a:r>
+            <a:r>
+              <a:rPr lang="en-US" altLang="ko-KR" dirty="0"/>
+              <a:t> - </a:t>
+            </a:r>
+            <a:r>
+              <a:rPr lang="ko-KR" altLang="en-US" dirty="0"/>
+              <a:t>체력</a:t>
+            </a:r>
+          </a:p>
+        </p:txBody>
+      </p:sp>
+      <p:sp>
+        <p:nvSpPr>
+          <p:cNvPr id="4" name="내용 개체 틀 3">
+            <a:extLst>
+              <a:ext uri="{FF2B5EF4-FFF2-40B4-BE49-F238E27FC236}">
+                <a16:creationId xmlns:a16="http://schemas.microsoft.com/office/drawing/2014/main" id="{E12604B1-0EED-41B1-B7F4-84599B532755}"/>
+              </a:ext>
+            </a:extLst>
+          </p:cNvPr>
+          <p:cNvSpPr>
+            <a:spLocks noGrp="1"/>
+          </p:cNvSpPr>
+          <p:nvPr>
+            <p:ph idx="1"/>
+          </p:nvPr>
+        </p:nvSpPr>
+        <p:spPr/>
+        <p:txBody>
+          <a:bodyPr/>
+          <a:lstStyle/>
+          <a:p>
+            <a:r>
+              <a:rPr lang="ko-KR" altLang="en-US" dirty="0"/>
+              <a:t>캐릭터의 신체적인 상태를 수치로 표현한 </a:t>
+            </a:r>
+            <a:r>
+              <a:rPr lang="ko-KR" altLang="en-US" dirty="0" err="1"/>
+              <a:t>스탯</a:t>
+            </a:r>
+            <a:endParaRPr lang="en-US" altLang="ko-KR" dirty="0"/>
+          </a:p>
+          <a:p>
+            <a:r>
+              <a:rPr lang="ko-KR" altLang="en-US" dirty="0"/>
+              <a:t>적의 공격을 받거나 특정 상태가 되었을 때 일정 수치가 감소</a:t>
+            </a:r>
+            <a:endParaRPr lang="en-US" altLang="ko-KR" dirty="0"/>
+          </a:p>
+          <a:p>
+            <a:r>
+              <a:rPr lang="ko-KR" altLang="en-US" dirty="0"/>
+              <a:t>아이템이나 마법을 통해 즉시 회복 가능</a:t>
+            </a:r>
+            <a:endParaRPr lang="en-US" altLang="ko-KR" dirty="0"/>
+          </a:p>
+          <a:p>
+            <a:r>
+              <a:rPr lang="ko-KR" altLang="en-US" dirty="0"/>
+              <a:t>매 시간마다 일정 수치가 회복됨</a:t>
+            </a:r>
+            <a:endParaRPr lang="en-US" altLang="ko-KR" dirty="0"/>
+          </a:p>
+          <a:p>
+            <a:r>
+              <a:rPr lang="en-US" altLang="ko-KR" dirty="0"/>
+              <a:t>0</a:t>
+            </a:r>
+            <a:r>
+              <a:rPr lang="ko-KR" altLang="en-US" dirty="0"/>
+              <a:t>이 될 경우</a:t>
+            </a:r>
+            <a:r>
+              <a:rPr lang="en-US" altLang="ko-KR" dirty="0"/>
+              <a:t>, </a:t>
+            </a:r>
+            <a:r>
+              <a:rPr lang="ko-KR" altLang="en-US" b="1" dirty="0"/>
+              <a:t>기절 상태</a:t>
+            </a:r>
+            <a:r>
+              <a:rPr lang="ko-KR" altLang="en-US" dirty="0"/>
+              <a:t>가 되어 </a:t>
+            </a:r>
+            <a:r>
+              <a:rPr lang="ko-KR" altLang="en-US" b="1" dirty="0"/>
+              <a:t>집으로 강제 이동</a:t>
+            </a:r>
+            <a:endParaRPr lang="en-US" altLang="ko-KR" b="1" dirty="0"/>
+          </a:p>
+        </p:txBody>
+      </p:sp>
+    </p:spTree>
+    <p:extLst>
+      <p:ext uri="{BB962C8B-B14F-4D97-AF65-F5344CB8AC3E}">
+        <p14:creationId xmlns:p14="http://schemas.microsoft.com/office/powerpoint/2010/main" val="424772277"/>
+      </p:ext>
+    </p:extLst>
+  </p:cSld>
+  <p:clrMapOvr>
+    <a:masterClrMapping/>
+  </p:clrMapOvr>
+</p:sld>
+</file>
+
+<file path=ppt/slides/slide40.xml><?xml version="1.0" encoding="utf-8"?>
 <p:sld xmlns:a="http://schemas.openxmlformats.org/drawingml/2006/main" xmlns:r="http://schemas.openxmlformats.org/officeDocument/2006/relationships" xmlns:p="http://schemas.openxmlformats.org/presentationml/2006/main">
   <p:cSld>
     <p:spTree>
@@ -12613,7 +11338,7 @@
 </p:sld>
 </file>
 
-<file path=ppt/slides/slide45.xml><?xml version="1.0" encoding="utf-8"?>
+<file path=ppt/slides/slide41.xml><?xml version="1.0" encoding="utf-8"?>
 <p:sld xmlns:a="http://schemas.openxmlformats.org/drawingml/2006/main" xmlns:r="http://schemas.openxmlformats.org/officeDocument/2006/relationships" xmlns:p="http://schemas.openxmlformats.org/presentationml/2006/main">
   <p:cSld>
     <p:spTree>
@@ -12875,7 +11600,7 @@
 </p:sld>
 </file>
 
-<file path=ppt/slides/slide46.xml><?xml version="1.0" encoding="utf-8"?>
+<file path=ppt/slides/slide42.xml><?xml version="1.0" encoding="utf-8"?>
 <p:sld xmlns:a="http://schemas.openxmlformats.org/drawingml/2006/main" xmlns:r="http://schemas.openxmlformats.org/officeDocument/2006/relationships" xmlns:p="http://schemas.openxmlformats.org/presentationml/2006/main">
   <p:cSld>
     <p:spTree>
@@ -13166,7 +11891,7 @@
 </p:sld>
 </file>
 
-<file path=ppt/slides/slide47.xml><?xml version="1.0" encoding="utf-8"?>
+<file path=ppt/slides/slide43.xml><?xml version="1.0" encoding="utf-8"?>
 <p:sld xmlns:a="http://schemas.openxmlformats.org/drawingml/2006/main" xmlns:r="http://schemas.openxmlformats.org/officeDocument/2006/relationships" xmlns:p="http://schemas.openxmlformats.org/presentationml/2006/main">
   <p:cSld>
     <p:spTree>
@@ -13573,16 +12298,12 @@
               <a:t>스탯</a:t>
             </a:r>
             <a:r>
-              <a:rPr lang="ko-KR" altLang="en-US" dirty="0"/>
-              <a:t> </a:t>
-            </a:r>
-            <a:r>
               <a:rPr lang="en-US" altLang="ko-KR" dirty="0"/>
-              <a:t>1 - </a:t>
-            </a:r>
-            <a:r>
-              <a:rPr lang="ko-KR" altLang="en-US" dirty="0"/>
-              <a:t>체력</a:t>
+              <a:t> - </a:t>
+            </a:r>
+            <a:r>
+              <a:rPr lang="ko-KR" altLang="en-US" dirty="0"/>
+              <a:t>마나</a:t>
             </a:r>
           </a:p>
         </p:txBody>
@@ -13610,42 +12331,51 @@
           <a:p>
             <a:r>
               <a:rPr lang="ko-KR" altLang="en-US" dirty="0"/>
-              <a:t>캐릭터</a:t>
+              <a:t>캐릭터가 사용하는 모든 마법 활동에 사용되는 </a:t>
+            </a:r>
+            <a:r>
+              <a:rPr lang="ko-KR" altLang="en-US" dirty="0" err="1"/>
+              <a:t>스탯</a:t>
             </a:r>
             <a:endParaRPr lang="en-US" altLang="ko-KR" dirty="0"/>
           </a:p>
           <a:p>
             <a:r>
-              <a:rPr lang="en-US" altLang="ko-KR" dirty="0"/>
-              <a:t>0</a:t>
-            </a:r>
-            <a:r>
-              <a:rPr lang="ko-KR" altLang="en-US" dirty="0"/>
-              <a:t>이 될 경우</a:t>
-            </a:r>
-            <a:r>
-              <a:rPr lang="en-US" altLang="ko-KR" dirty="0"/>
-              <a:t>, </a:t>
-            </a:r>
+              <a:rPr lang="ko-KR" altLang="en-US" dirty="0"/>
+              <a:t>마법을 사용하거나 마법 도구를 제작할 때 소모됨</a:t>
+            </a:r>
+            <a:endParaRPr lang="en-US" altLang="ko-KR" dirty="0"/>
+          </a:p>
+          <a:p>
             <a:r>
               <a:rPr lang="ko-KR" altLang="en-US" b="1" dirty="0"/>
-              <a:t>기절 상태</a:t>
-            </a:r>
-            <a:r>
-              <a:rPr lang="ko-KR" altLang="en-US" dirty="0"/>
-              <a:t>가 되어 </a:t>
+              <a:t>자연 회복을 제외</a:t>
+            </a:r>
+            <a:r>
+              <a:rPr lang="ko-KR" altLang="en-US" dirty="0"/>
+              <a:t>한 </a:t>
             </a:r>
             <a:r>
               <a:rPr lang="ko-KR" altLang="en-US" b="1" dirty="0"/>
-              <a:t>집으로 강제 이동</a:t>
-            </a:r>
+              <a:t>어떠한 수단으로도 회복할 수 없음</a:t>
+            </a:r>
+            <a:endParaRPr lang="en-US" altLang="ko-KR" b="1" dirty="0"/>
+          </a:p>
+          <a:p>
+            <a:endParaRPr lang="en-US" altLang="ko-KR" dirty="0"/>
+          </a:p>
+          <a:p>
+            <a:endParaRPr lang="en-US" altLang="ko-KR" dirty="0"/>
+          </a:p>
+          <a:p>
+            <a:endParaRPr lang="ko-KR" altLang="en-US" dirty="0"/>
           </a:p>
         </p:txBody>
       </p:sp>
     </p:spTree>
     <p:extLst>
       <p:ext uri="{BB962C8B-B14F-4D97-AF65-F5344CB8AC3E}">
-        <p14:creationId xmlns:p14="http://schemas.microsoft.com/office/powerpoint/2010/main" val="424772277"/>
+        <p14:creationId xmlns:p14="http://schemas.microsoft.com/office/powerpoint/2010/main" val="2357360070"/>
       </p:ext>
     </p:extLst>
   </p:cSld>
@@ -13702,16 +12432,12 @@
               <a:t>스탯</a:t>
             </a:r>
             <a:r>
-              <a:rPr lang="ko-KR" altLang="en-US" dirty="0"/>
-              <a:t> </a:t>
-            </a:r>
-            <a:r>
               <a:rPr lang="en-US" altLang="ko-KR" dirty="0"/>
-              <a:t>1 - </a:t>
-            </a:r>
-            <a:r>
-              <a:rPr lang="ko-KR" altLang="en-US" dirty="0"/>
-              <a:t>마나</a:t>
+              <a:t> - </a:t>
+            </a:r>
+            <a:r>
+              <a:rPr lang="ko-KR" altLang="en-US" dirty="0"/>
+              <a:t>활동력</a:t>
             </a:r>
           </a:p>
         </p:txBody>
@@ -13732,14 +12458,21 @@
             <p:ph idx="1"/>
           </p:nvPr>
         </p:nvSpPr>
-        <p:spPr/>
-        <p:txBody>
-          <a:bodyPr/>
+        <p:spPr>
+          <a:xfrm>
+            <a:off x="1451579" y="2015732"/>
+            <a:ext cx="9603275" cy="3730644"/>
+          </a:xfrm>
+        </p:spPr>
+        <p:txBody>
+          <a:bodyPr>
+            <a:normAutofit/>
+          </a:bodyPr>
           <a:lstStyle/>
           <a:p>
             <a:r>
               <a:rPr lang="ko-KR" altLang="en-US" dirty="0"/>
-              <a:t>캐릭터가 사용하는 모든 마법 활동에 사용되는 </a:t>
+              <a:t>캐릭터가 활동하는 능력을 수치로 표현한 </a:t>
             </a:r>
             <a:r>
               <a:rPr lang="ko-KR" altLang="en-US" dirty="0" err="1"/>
@@ -13748,14 +12481,123 @@
             <a:endParaRPr lang="en-US" altLang="ko-KR" dirty="0"/>
           </a:p>
           <a:p>
-            <a:endParaRPr lang="ko-KR" altLang="en-US" dirty="0"/>
+            <a:r>
+              <a:rPr lang="ko-KR" altLang="en-US" dirty="0"/>
+              <a:t>생활이나 전투 등 대부분의 활동에서 소모됨</a:t>
+            </a:r>
+            <a:endParaRPr lang="en-US" altLang="ko-KR" dirty="0"/>
+          </a:p>
+          <a:p>
+            <a:r>
+              <a:rPr lang="ko-KR" altLang="en-US" b="1" dirty="0"/>
+              <a:t>아이템 등을 활용해 즉시 회복</a:t>
+            </a:r>
+            <a:r>
+              <a:rPr lang="ko-KR" altLang="en-US" dirty="0"/>
+              <a:t>할 수 있으며</a:t>
+            </a:r>
+            <a:r>
+              <a:rPr lang="en-US" altLang="ko-KR" dirty="0"/>
+              <a:t>, </a:t>
+            </a:r>
+            <a:r>
+              <a:rPr lang="ko-KR" altLang="en-US" b="1" dirty="0"/>
+              <a:t>최대 </a:t>
+            </a:r>
+            <a:r>
+              <a:rPr lang="en-US" altLang="ko-KR" b="1" dirty="0"/>
+              <a:t>1000</a:t>
+            </a:r>
+            <a:r>
+              <a:rPr lang="ko-KR" altLang="en-US" b="1" dirty="0"/>
+              <a:t>까지 회복</a:t>
+            </a:r>
+            <a:endParaRPr lang="en-US" altLang="ko-KR" b="1" dirty="0"/>
+          </a:p>
+          <a:p>
+            <a:r>
+              <a:rPr lang="ko-KR" altLang="en-US" b="1" dirty="0"/>
+              <a:t>매 시간 마다 일정 수치가 감소</a:t>
+            </a:r>
+            <a:r>
+              <a:rPr lang="ko-KR" altLang="en-US" dirty="0"/>
+              <a:t>되며</a:t>
+            </a:r>
+            <a:r>
+              <a:rPr lang="en-US" altLang="ko-KR" b="1" dirty="0"/>
+              <a:t>, </a:t>
+            </a:r>
+            <a:r>
+              <a:rPr lang="ko-KR" altLang="en-US" b="1" dirty="0"/>
+              <a:t>최대 </a:t>
+            </a:r>
+            <a:r>
+              <a:rPr lang="en-US" altLang="ko-KR" b="1" dirty="0"/>
+              <a:t>-1000</a:t>
+            </a:r>
+            <a:r>
+              <a:rPr lang="ko-KR" altLang="en-US" b="1" dirty="0"/>
+              <a:t>까지 감소</a:t>
+            </a:r>
+            <a:endParaRPr lang="en-US" altLang="ko-KR" b="1" dirty="0"/>
+          </a:p>
+          <a:p>
+            <a:r>
+              <a:rPr lang="ko-KR" altLang="en-US" dirty="0"/>
+              <a:t>물약 또는 스킬로 추가 활동력 생성 </a:t>
+            </a:r>
+            <a:r>
+              <a:rPr lang="ko-KR" altLang="en-US" b="1" dirty="0"/>
+              <a:t>최대치 이상으로 생성 불가</a:t>
+            </a:r>
+            <a:endParaRPr lang="en-US" altLang="ko-KR" b="1" dirty="0"/>
+          </a:p>
+          <a:p>
+            <a:r>
+              <a:rPr lang="ko-KR" altLang="en-US" dirty="0"/>
+              <a:t>활동력 수치가 </a:t>
+            </a:r>
+            <a:r>
+              <a:rPr lang="en-US" altLang="ko-KR" b="1" dirty="0"/>
+              <a:t>0</a:t>
+            </a:r>
+            <a:r>
+              <a:rPr lang="ko-KR" altLang="en-US" b="1" dirty="0"/>
+              <a:t>이하면 생성 불가</a:t>
+            </a:r>
+            <a:endParaRPr lang="en-US" altLang="ko-KR" b="1" dirty="0"/>
+          </a:p>
+          <a:p>
+            <a:r>
+              <a:rPr lang="ko-KR" altLang="en-US" dirty="0"/>
+              <a:t>총 활동력 수치는 </a:t>
+            </a:r>
+            <a:r>
+              <a:rPr lang="ko-KR" altLang="en-US" b="1" dirty="0"/>
+              <a:t>활동력 </a:t>
+            </a:r>
+            <a:r>
+              <a:rPr lang="en-US" altLang="ko-KR" b="1" dirty="0"/>
+              <a:t>+ </a:t>
+            </a:r>
+            <a:r>
+              <a:rPr lang="ko-KR" altLang="en-US" b="1" dirty="0"/>
+              <a:t>추가 활동력</a:t>
+            </a:r>
+            <a:endParaRPr lang="en-US" altLang="ko-KR" b="1" dirty="0"/>
+          </a:p>
+          <a:p>
+            <a:endParaRPr lang="en-US" altLang="ko-KR" b="1" dirty="0"/>
+          </a:p>
+          <a:p>
+            <a:endParaRPr lang="ko-KR" altLang="en-US" b="1" dirty="0"/>
           </a:p>
         </p:txBody>
       </p:sp>
     </p:spTree>
     <p:extLst>
       <p:ext uri="{BB962C8B-B14F-4D97-AF65-F5344CB8AC3E}">
-        <p14:creationId xmlns:p14="http://schemas.microsoft.com/office/powerpoint/2010/main" val="2357360070"/>
+        <p14:creationId xmlns:p14="http://schemas.microsoft.com/office/powerpoint/2010/main" val="1322907269"/>
       </p:ext>
     </p:extLst>
   </p:cSld>
@@ -13812,16 +12654,20 @@
               <a:t>스탯</a:t>
             </a:r>
             <a:r>
-              <a:rPr lang="ko-KR" altLang="en-US" dirty="0"/>
-              <a:t> </a:t>
-            </a:r>
-            <a:r>
               <a:rPr lang="en-US" altLang="ko-KR" dirty="0"/>
-              <a:t>1 - </a:t>
-            </a:r>
-            <a:r>
-              <a:rPr lang="ko-KR" altLang="en-US" dirty="0"/>
-              <a:t>활동력</a:t>
+              <a:t> - </a:t>
+            </a:r>
+            <a:r>
+              <a:rPr lang="ko-KR" altLang="en-US" dirty="0"/>
+              <a:t>배고픔</a:t>
+            </a:r>
+            <a:r>
+              <a:rPr lang="en-US" altLang="ko-KR" dirty="0"/>
+              <a:t>/</a:t>
+            </a:r>
+            <a:r>
+              <a:rPr lang="ko-KR" altLang="en-US" dirty="0"/>
+              <a:t>목마름</a:t>
             </a:r>
           </a:p>
         </p:txBody>
@@ -13849,7 +12695,7 @@
           <a:p>
             <a:r>
               <a:rPr lang="ko-KR" altLang="en-US" dirty="0"/>
-              <a:t>캐릭터가 수행하는 일부 활동에 사용되는 </a:t>
+              <a:t>게임의 난이도를 상승시키는 </a:t>
             </a:r>
             <a:r>
               <a:rPr lang="ko-KR" altLang="en-US" dirty="0" err="1"/>
@@ -13860,62 +12706,61 @@
           <a:p>
             <a:r>
               <a:rPr lang="ko-KR" altLang="en-US" b="1" dirty="0"/>
-              <a:t>아이템 등을 활용해 회복</a:t>
-            </a:r>
-            <a:r>
-              <a:rPr lang="ko-KR" altLang="en-US" dirty="0"/>
-              <a:t>할 수 있으며</a:t>
+              <a:t>매 </a:t>
+            </a:r>
+            <a:r>
+              <a:rPr lang="ko-KR" altLang="en-US" b="1" dirty="0" err="1"/>
+              <a:t>틱</a:t>
+            </a:r>
+            <a:r>
+              <a:rPr lang="ko-KR" altLang="en-US" b="1" dirty="0"/>
+              <a:t> 마다 일정 수치가 감소</a:t>
+            </a:r>
+            <a:r>
+              <a:rPr lang="ko-KR" altLang="en-US" dirty="0"/>
+              <a:t>하며</a:t>
             </a:r>
             <a:r>
               <a:rPr lang="en-US" altLang="ko-KR" dirty="0"/>
-              <a:t>, </a:t>
+              <a:t>, 0</a:t>
             </a:r>
             <a:r>
               <a:rPr lang="ko-KR" altLang="en-US" b="1" dirty="0"/>
-              <a:t>최대 </a:t>
+              <a:t>이 되면 각각 공복</a:t>
             </a:r>
             <a:r>
               <a:rPr lang="en-US" altLang="ko-KR" b="1" dirty="0"/>
-              <a:t>1000</a:t>
+              <a:t>/</a:t>
             </a:r>
             <a:r>
               <a:rPr lang="ko-KR" altLang="en-US" b="1" dirty="0"/>
-              <a:t>까지 회복</a:t>
-            </a:r>
-            <a:endParaRPr lang="en-US" altLang="ko-KR" b="1" dirty="0"/>
-          </a:p>
-          <a:p>
-            <a:r>
-              <a:rPr lang="ko-KR" altLang="en-US" b="1" dirty="0"/>
-              <a:t>매 시간 마다 일정 수치가 감소</a:t>
-            </a:r>
-            <a:r>
-              <a:rPr lang="ko-KR" altLang="en-US" dirty="0"/>
-              <a:t>되며</a:t>
-            </a:r>
-            <a:r>
-              <a:rPr lang="en-US" altLang="ko-KR" b="1" dirty="0"/>
-              <a:t>, </a:t>
-            </a:r>
-            <a:r>
-              <a:rPr lang="ko-KR" altLang="en-US" b="1" dirty="0"/>
-              <a:t>최대 </a:t>
-            </a:r>
-            <a:r>
-              <a:rPr lang="en-US" altLang="ko-KR" b="1" dirty="0"/>
-              <a:t>-1000</a:t>
-            </a:r>
-            <a:r>
-              <a:rPr lang="ko-KR" altLang="en-US" b="1" dirty="0"/>
-              <a:t>까지 감소</a:t>
-            </a:r>
-            <a:endParaRPr lang="en-US" altLang="ko-KR" b="1" dirty="0"/>
-          </a:p>
-          <a:p>
-            <a:endParaRPr lang="en-US" altLang="ko-KR" b="1" dirty="0"/>
-          </a:p>
-          <a:p>
-            <a:endParaRPr lang="en-US" altLang="ko-KR" b="1" dirty="0"/>
+              <a:t>탈수상태</a:t>
+            </a:r>
+            <a:r>
+              <a:rPr lang="ko-KR" altLang="en-US" dirty="0"/>
+              <a:t>가 되어 체력이 빠른 속도로 감소</a:t>
+            </a:r>
+            <a:endParaRPr lang="en-US" altLang="ko-KR" dirty="0"/>
+          </a:p>
+          <a:p>
+            <a:r>
+              <a:rPr lang="ko-KR" altLang="en-US" dirty="0"/>
+              <a:t>음식과 음료를 사용해 회복 가능</a:t>
+            </a:r>
+            <a:endParaRPr lang="en-US" altLang="ko-KR" dirty="0"/>
+          </a:p>
+          <a:p>
+            <a:pPr marL="0" indent="0">
+              <a:buNone/>
+            </a:pPr>
+            <a:r>
+              <a:rPr lang="ko-KR" altLang="en-US" dirty="0"/>
+              <a:t> </a:t>
+            </a:r>
+            <a:endParaRPr lang="en-US" altLang="ko-KR" dirty="0"/>
+          </a:p>
+          <a:p>
+            <a:endParaRPr lang="en-US" altLang="ko-KR" dirty="0"/>
           </a:p>
           <a:p>
             <a:endParaRPr lang="ko-KR" altLang="en-US" b="1" dirty="0"/>
@@ -13925,7 +12770,7 @@
     </p:spTree>
     <p:extLst>
       <p:ext uri="{BB962C8B-B14F-4D97-AF65-F5344CB8AC3E}">
-        <p14:creationId xmlns:p14="http://schemas.microsoft.com/office/powerpoint/2010/main" val="1322907269"/>
+        <p14:creationId xmlns:p14="http://schemas.microsoft.com/office/powerpoint/2010/main" val="647669893"/>
       </p:ext>
     </p:extLst>
   </p:cSld>
@@ -13954,10 +12799,10 @@
       </p:grpSpPr>
       <p:sp>
         <p:nvSpPr>
-          <p:cNvPr id="11" name="제목 10">
+          <p:cNvPr id="3" name="제목 2">
             <a:extLst>
               <a:ext uri="{FF2B5EF4-FFF2-40B4-BE49-F238E27FC236}">
-                <a16:creationId xmlns:a16="http://schemas.microsoft.com/office/drawing/2014/main" id="{D5B80ADD-4428-4A57-87D3-5895E524BE26}"/>
+                <a16:creationId xmlns:a16="http://schemas.microsoft.com/office/drawing/2014/main" id="{896AB4F1-0755-4ACF-AE58-4C6FEE2E9061}"/>
               </a:ext>
             </a:extLst>
           </p:cNvPr>
@@ -13970,38 +12815,24 @@
         </p:nvSpPr>
         <p:spPr/>
         <p:txBody>
-          <a:bodyPr anchor="ctr"/>
+          <a:bodyPr>
+            <a:normAutofit/>
+          </a:bodyPr>
           <a:lstStyle/>
           <a:p>
             <a:r>
-              <a:rPr lang="ko-KR" altLang="en-US" dirty="0"/>
-              <a:t>캐릭터 </a:t>
-            </a:r>
-            <a:r>
-              <a:rPr lang="ko-KR" altLang="en-US" dirty="0" err="1"/>
-              <a:t>스탯</a:t>
-            </a:r>
-            <a:r>
-              <a:rPr lang="ko-KR" altLang="en-US" dirty="0"/>
-              <a:t> </a:t>
-            </a:r>
-            <a:r>
-              <a:rPr lang="en-US" altLang="ko-KR" dirty="0"/>
-              <a:t>1 - </a:t>
-            </a:r>
-            <a:r>
-              <a:rPr lang="ko-KR" altLang="en-US" dirty="0"/>
-              <a:t>임시 활동력</a:t>
-            </a:r>
-          </a:p>
-        </p:txBody>
-      </p:sp>
-      <p:sp>
-        <p:nvSpPr>
-          <p:cNvPr id="4" name="내용 개체 틀 3">
+              <a:rPr lang="ko-KR" altLang="en-US" sz="4800" dirty="0"/>
+              <a:t>시스템</a:t>
+            </a:r>
+          </a:p>
+        </p:txBody>
+      </p:sp>
+      <p:sp>
+        <p:nvSpPr>
+          <p:cNvPr id="4" name="텍스트 개체 틀 3">
             <a:extLst>
               <a:ext uri="{FF2B5EF4-FFF2-40B4-BE49-F238E27FC236}">
-                <a16:creationId xmlns:a16="http://schemas.microsoft.com/office/drawing/2014/main" id="{E12604B1-0EED-41B1-B7F4-84599B532755}"/>
+                <a16:creationId xmlns:a16="http://schemas.microsoft.com/office/drawing/2014/main" id="{E33BCC30-2131-4E30-A164-782442EB9249}"/>
               </a:ext>
             </a:extLst>
           </p:cNvPr>
@@ -14009,7 +12840,7 @@
             <a:spLocks noGrp="1"/>
           </p:cNvSpPr>
           <p:nvPr>
-            <p:ph idx="1"/>
+            <p:ph type="body" idx="1"/>
           </p:nvPr>
         </p:nvSpPr>
         <p:spPr/>
@@ -14017,75 +12848,14 @@
           <a:bodyPr/>
           <a:lstStyle/>
           <a:p>
-            <a:r>
-              <a:rPr lang="ko-KR" altLang="en-US" dirty="0"/>
-              <a:t>물약 또는 스킬로 생성되는 활동력</a:t>
-            </a:r>
-            <a:endParaRPr lang="en-US" altLang="ko-KR" dirty="0"/>
-          </a:p>
-          <a:p>
-            <a:r>
-              <a:rPr lang="ko-KR" altLang="en-US" dirty="0"/>
-              <a:t>활동력의 </a:t>
-            </a:r>
-            <a:r>
-              <a:rPr lang="ko-KR" altLang="en-US" b="1" dirty="0"/>
-              <a:t>최대치 이상으로 생성 불가</a:t>
-            </a:r>
-            <a:endParaRPr lang="en-US" altLang="ko-KR" b="1" dirty="0"/>
-          </a:p>
-          <a:p>
-            <a:r>
-              <a:rPr lang="ko-KR" altLang="en-US" dirty="0"/>
-              <a:t>활동력 수치가 </a:t>
-            </a:r>
-            <a:r>
-              <a:rPr lang="en-US" altLang="ko-KR" b="1" dirty="0"/>
-              <a:t>0</a:t>
-            </a:r>
-            <a:r>
-              <a:rPr lang="ko-KR" altLang="en-US" b="1" dirty="0"/>
-              <a:t>이하면 생성 불가</a:t>
-            </a:r>
-            <a:endParaRPr lang="en-US" altLang="ko-KR" b="1" dirty="0"/>
-          </a:p>
-          <a:p>
-            <a:r>
-              <a:rPr lang="ko-KR" altLang="en-US" dirty="0"/>
-              <a:t>총 활동력 수치는 </a:t>
-            </a:r>
-            <a:r>
-              <a:rPr lang="ko-KR" altLang="en-US" b="1" dirty="0"/>
-              <a:t>활동력 </a:t>
-            </a:r>
-            <a:r>
-              <a:rPr lang="en-US" altLang="ko-KR" b="1" dirty="0"/>
-              <a:t>+ </a:t>
-            </a:r>
-            <a:r>
-              <a:rPr lang="ko-KR" altLang="en-US" b="1" dirty="0"/>
-              <a:t>임시 활동력</a:t>
-            </a:r>
-            <a:endParaRPr lang="en-US" altLang="ko-KR" b="1" dirty="0"/>
-          </a:p>
-          <a:p>
-            <a:endParaRPr lang="en-US" altLang="ko-KR" dirty="0"/>
-          </a:p>
-          <a:p>
-            <a:endParaRPr lang="en-US" altLang="ko-KR" dirty="0"/>
-          </a:p>
-          <a:p>
-            <a:endParaRPr lang="en-US" altLang="ko-KR" dirty="0"/>
-          </a:p>
-          <a:p>
-            <a:endParaRPr lang="ko-KR" altLang="en-US" b="1" dirty="0"/>
+            <a:endParaRPr lang="ko-KR" altLang="en-US"/>
           </a:p>
         </p:txBody>
       </p:sp>
     </p:spTree>
     <p:extLst>
       <p:ext uri="{BB962C8B-B14F-4D97-AF65-F5344CB8AC3E}">
-        <p14:creationId xmlns:p14="http://schemas.microsoft.com/office/powerpoint/2010/main" val="2078754153"/>
+        <p14:creationId xmlns:p14="http://schemas.microsoft.com/office/powerpoint/2010/main" val="173002324"/>
       </p:ext>
     </p:extLst>
   </p:cSld>
@@ -14114,10 +12884,10 @@
       </p:grpSpPr>
       <p:sp>
         <p:nvSpPr>
-          <p:cNvPr id="11" name="제목 10">
+          <p:cNvPr id="4" name="제목 3">
             <a:extLst>
               <a:ext uri="{FF2B5EF4-FFF2-40B4-BE49-F238E27FC236}">
-                <a16:creationId xmlns:a16="http://schemas.microsoft.com/office/drawing/2014/main" id="{D5B80ADD-4428-4A57-87D3-5895E524BE26}"/>
+                <a16:creationId xmlns:a16="http://schemas.microsoft.com/office/drawing/2014/main" id="{BD1FA68B-026A-4EC9-8760-57B376AB7839}"/>
               </a:ext>
             </a:extLst>
           </p:cNvPr>
@@ -14135,41 +12905,25 @@
           <a:p>
             <a:r>
               <a:rPr lang="ko-KR" altLang="en-US" dirty="0"/>
-              <a:t>캐릭터 </a:t>
-            </a:r>
-            <a:r>
-              <a:rPr lang="ko-KR" altLang="en-US" dirty="0" err="1"/>
-              <a:t>스탯</a:t>
-            </a:r>
-            <a:r>
-              <a:rPr lang="ko-KR" altLang="en-US" dirty="0"/>
-              <a:t> </a:t>
+              <a:t>일반 </a:t>
             </a:r>
             <a:r>
               <a:rPr lang="en-US" altLang="ko-KR" dirty="0"/>
-              <a:t>1 - </a:t>
-            </a:r>
-            <a:r>
-              <a:rPr lang="ko-KR" altLang="en-US" dirty="0"/>
-              <a:t>배고픔</a:t>
-            </a:r>
-            <a:r>
-              <a:rPr lang="en-US" altLang="ko-KR" dirty="0"/>
-              <a:t>/</a:t>
-            </a:r>
-            <a:r>
-              <a:rPr lang="ko-KR" altLang="en-US" dirty="0"/>
-              <a:t>목마름</a:t>
-            </a:r>
-          </a:p>
-        </p:txBody>
-      </p:sp>
-      <p:sp>
-        <p:nvSpPr>
-          <p:cNvPr id="4" name="내용 개체 틀 3">
+              <a:t>- </a:t>
+            </a:r>
+            <a:r>
+              <a:rPr lang="ko-KR" altLang="en-US" dirty="0"/>
+              <a:t>시간</a:t>
+            </a:r>
+          </a:p>
+        </p:txBody>
+      </p:sp>
+      <p:sp>
+        <p:nvSpPr>
+          <p:cNvPr id="2" name="내용 개체 틀 1">
             <a:extLst>
               <a:ext uri="{FF2B5EF4-FFF2-40B4-BE49-F238E27FC236}">
-                <a16:creationId xmlns:a16="http://schemas.microsoft.com/office/drawing/2014/main" id="{E12604B1-0EED-41B1-B7F4-84599B532755}"/>
+                <a16:creationId xmlns:a16="http://schemas.microsoft.com/office/drawing/2014/main" id="{D44DE768-913A-49B0-BB3F-47CACD4ABECD}"/>
               </a:ext>
             </a:extLst>
           </p:cNvPr>
@@ -14187,75 +12941,19 @@
           <a:p>
             <a:r>
               <a:rPr lang="ko-KR" altLang="en-US" dirty="0"/>
-              <a:t>게임의 난이도를 상승시키는 </a:t>
-            </a:r>
-            <a:r>
-              <a:rPr lang="ko-KR" altLang="en-US" dirty="0" err="1"/>
-              <a:t>스탯</a:t>
+              <a:t>게임 내 시간이 흐르며 시간에 따라 게임 내 이벤트나 환경이 변화되는 시스템</a:t>
             </a:r>
             <a:endParaRPr lang="en-US" altLang="ko-KR" dirty="0"/>
           </a:p>
           <a:p>
-            <a:r>
-              <a:rPr lang="ko-KR" altLang="en-US" b="1" dirty="0"/>
-              <a:t>매 </a:t>
-            </a:r>
-            <a:r>
-              <a:rPr lang="ko-KR" altLang="en-US" b="1" dirty="0" err="1"/>
-              <a:t>틱</a:t>
-            </a:r>
-            <a:r>
-              <a:rPr lang="ko-KR" altLang="en-US" b="1" dirty="0"/>
-              <a:t> 마다 일정 수치가 감소</a:t>
-            </a:r>
-            <a:r>
-              <a:rPr lang="ko-KR" altLang="en-US" dirty="0"/>
-              <a:t>하며</a:t>
-            </a:r>
-            <a:r>
-              <a:rPr lang="en-US" altLang="ko-KR" dirty="0"/>
-              <a:t>, 0</a:t>
-            </a:r>
-            <a:r>
-              <a:rPr lang="ko-KR" altLang="en-US" b="1" dirty="0"/>
-              <a:t>이 되면 각각 공복</a:t>
-            </a:r>
-            <a:r>
-              <a:rPr lang="en-US" altLang="ko-KR" b="1" dirty="0"/>
-              <a:t>/</a:t>
-            </a:r>
-            <a:r>
-              <a:rPr lang="ko-KR" altLang="en-US" b="1" dirty="0"/>
-              <a:t>탈수상태</a:t>
-            </a:r>
-            <a:r>
-              <a:rPr lang="ko-KR" altLang="en-US" dirty="0"/>
-              <a:t>가 되어 체력이 빠른 속도로 감소</a:t>
-            </a:r>
-            <a:endParaRPr lang="en-US" altLang="ko-KR" dirty="0"/>
-          </a:p>
-          <a:p>
-            <a:pPr marL="0" indent="0">
-              <a:buNone/>
-            </a:pPr>
-            <a:r>
-              <a:rPr lang="ko-KR" altLang="en-US" dirty="0"/>
-              <a:t> </a:t>
-            </a:r>
-            <a:endParaRPr lang="en-US" altLang="ko-KR" dirty="0"/>
-          </a:p>
-          <a:p>
-            <a:endParaRPr lang="en-US" altLang="ko-KR" dirty="0"/>
-          </a:p>
-          <a:p>
-            <a:endParaRPr lang="ko-KR" altLang="en-US" b="1" dirty="0"/>
+            <a:endParaRPr lang="ko-KR" altLang="en-US" dirty="0"/>
           </a:p>
         </p:txBody>
       </p:sp>
     </p:spTree>
     <p:extLst>
       <p:ext uri="{BB962C8B-B14F-4D97-AF65-F5344CB8AC3E}">
-        <p14:creationId xmlns:p14="http://schemas.microsoft.com/office/powerpoint/2010/main" val="647669893"/>
+        <p14:creationId xmlns:p14="http://schemas.microsoft.com/office/powerpoint/2010/main" val="2257659729"/>
       </p:ext>
     </p:extLst>
   </p:cSld>

--- a/Specification/Prototype/프로토타입 기획서.pptx
+++ b/Specification/Prototype/프로토타입 기획서.pptx
@@ -178,7 +178,7 @@
             <p14:sldId id="314"/>
           </p14:sldIdLst>
         </p14:section>
-        <p14:section name="건물 - 마을" id="{17382EB7-1711-408E-A1FB-BAF0528E54B2}">
+        <p14:section name="마을" id="{17382EB7-1711-408E-A1FB-BAF0528E54B2}">
           <p14:sldIdLst>
             <p14:sldId id="269"/>
             <p14:sldId id="270"/>
@@ -188,7 +188,7 @@
             <p14:sldId id="275"/>
           </p14:sldIdLst>
         </p14:section>
-        <p14:section name="건물 - 집 내부" id="{7A4C311D-3B67-4B07-ADF3-30A1C815507C}">
+        <p14:section name="집 내부" id="{7A4C311D-3B67-4B07-ADF3-30A1C815507C}">
           <p14:sldIdLst>
             <p14:sldId id="279"/>
             <p14:sldId id="308"/>
@@ -375,7 +375,7 @@
           <a:p>
             <a:fld id="{B6329E01-FBCF-4E48-B718-3A282398BC95}" type="datetimeFigureOut">
               <a:rPr lang="ko-KR" altLang="en-US" smtClean="0"/>
-              <a:t>2021-11-16</a:t>
+              <a:t>2021-11-17</a:t>
             </a:fld>
             <a:endParaRPr lang="ko-KR" altLang="en-US"/>
           </a:p>
@@ -586,7 +586,7 @@
           <a:p>
             <a:fld id="{B6329E01-FBCF-4E48-B718-3A282398BC95}" type="datetimeFigureOut">
               <a:rPr lang="ko-KR" altLang="en-US" smtClean="0"/>
-              <a:t>2021-11-16</a:t>
+              <a:t>2021-11-17</a:t>
             </a:fld>
             <a:endParaRPr lang="ko-KR" altLang="en-US"/>
           </a:p>
@@ -801,7 +801,7 @@
           <a:p>
             <a:fld id="{B6329E01-FBCF-4E48-B718-3A282398BC95}" type="datetimeFigureOut">
               <a:rPr lang="ko-KR" altLang="en-US" smtClean="0"/>
-              <a:t>2021-11-16</a:t>
+              <a:t>2021-11-17</a:t>
             </a:fld>
             <a:endParaRPr lang="ko-KR" altLang="en-US"/>
           </a:p>
@@ -1002,7 +1002,7 @@
           <a:p>
             <a:fld id="{B6329E01-FBCF-4E48-B718-3A282398BC95}" type="datetimeFigureOut">
               <a:rPr lang="ko-KR" altLang="en-US" smtClean="0"/>
-              <a:t>2021-11-16</a:t>
+              <a:t>2021-11-17</a:t>
             </a:fld>
             <a:endParaRPr lang="ko-KR" altLang="en-US"/>
           </a:p>
@@ -1281,7 +1281,7 @@
           <a:p>
             <a:fld id="{B6329E01-FBCF-4E48-B718-3A282398BC95}" type="datetimeFigureOut">
               <a:rPr lang="ko-KR" altLang="en-US" smtClean="0"/>
-              <a:t>2021-11-16</a:t>
+              <a:t>2021-11-17</a:t>
             </a:fld>
             <a:endParaRPr lang="ko-KR" altLang="en-US"/>
           </a:p>
@@ -1549,7 +1549,7 @@
           <a:p>
             <a:fld id="{B6329E01-FBCF-4E48-B718-3A282398BC95}" type="datetimeFigureOut">
               <a:rPr lang="ko-KR" altLang="en-US" smtClean="0"/>
-              <a:t>2021-11-16</a:t>
+              <a:t>2021-11-17</a:t>
             </a:fld>
             <a:endParaRPr lang="ko-KR" altLang="en-US"/>
           </a:p>
@@ -1965,7 +1965,7 @@
           <a:p>
             <a:fld id="{B6329E01-FBCF-4E48-B718-3A282398BC95}" type="datetimeFigureOut">
               <a:rPr lang="ko-KR" altLang="en-US" smtClean="0"/>
-              <a:t>2021-11-16</a:t>
+              <a:t>2021-11-17</a:t>
             </a:fld>
             <a:endParaRPr lang="ko-KR" altLang="en-US"/>
           </a:p>
@@ -2114,7 +2114,7 @@
           <a:p>
             <a:fld id="{B6329E01-FBCF-4E48-B718-3A282398BC95}" type="datetimeFigureOut">
               <a:rPr lang="ko-KR" altLang="en-US" smtClean="0"/>
-              <a:t>2021-11-16</a:t>
+              <a:t>2021-11-17</a:t>
             </a:fld>
             <a:endParaRPr lang="ko-KR" altLang="en-US"/>
           </a:p>
@@ -2240,7 +2240,7 @@
           <a:p>
             <a:fld id="{B6329E01-FBCF-4E48-B718-3A282398BC95}" type="datetimeFigureOut">
               <a:rPr lang="ko-KR" altLang="en-US" smtClean="0"/>
-              <a:t>2021-11-16</a:t>
+              <a:t>2021-11-17</a:t>
             </a:fld>
             <a:endParaRPr lang="ko-KR" altLang="en-US"/>
           </a:p>
@@ -2491,7 +2491,7 @@
           <a:p>
             <a:fld id="{B6329E01-FBCF-4E48-B718-3A282398BC95}" type="datetimeFigureOut">
               <a:rPr lang="ko-KR" altLang="en-US" smtClean="0"/>
-              <a:t>2021-11-16</a:t>
+              <a:t>2021-11-17</a:t>
             </a:fld>
             <a:endParaRPr lang="ko-KR" altLang="en-US"/>
           </a:p>
@@ -2936,7 +2936,7 @@
           <a:p>
             <a:fld id="{B6329E01-FBCF-4E48-B718-3A282398BC95}" type="datetimeFigureOut">
               <a:rPr lang="ko-KR" altLang="en-US" smtClean="0"/>
-              <a:t>2021-11-16</a:t>
+              <a:t>2021-11-17</a:t>
             </a:fld>
             <a:endParaRPr lang="ko-KR" altLang="en-US"/>
           </a:p>
@@ -3263,7 +3263,7 @@
           <a:p>
             <a:fld id="{B6329E01-FBCF-4E48-B718-3A282398BC95}" type="datetimeFigureOut">
               <a:rPr lang="ko-KR" altLang="en-US" smtClean="0"/>
-              <a:t>2021-11-16</a:t>
+              <a:t>2021-11-17</a:t>
             </a:fld>
             <a:endParaRPr lang="ko-KR" altLang="en-US"/>
           </a:p>
@@ -5071,14 +5071,6 @@
           <a:p>
             <a:r>
               <a:rPr lang="ko-KR" altLang="en-US" sz="4800" dirty="0"/>
-              <a:t>건물 </a:t>
-            </a:r>
-            <a:r>
-              <a:rPr lang="en-US" altLang="ko-KR" sz="4800" dirty="0"/>
-              <a:t>- </a:t>
-            </a:r>
-            <a:r>
-              <a:rPr lang="ko-KR" altLang="en-US" sz="4800" dirty="0"/>
               <a:t>마을</a:t>
             </a:r>
           </a:p>
@@ -5951,14 +5943,6 @@
           </a:bodyPr>
           <a:lstStyle/>
           <a:p>
-            <a:r>
-              <a:rPr lang="ko-KR" altLang="en-US" sz="4800" dirty="0"/>
-              <a:t>건물 </a:t>
-            </a:r>
-            <a:r>
-              <a:rPr lang="en-US" altLang="ko-KR" sz="4800" dirty="0"/>
-              <a:t>- </a:t>
-            </a:r>
             <a:r>
               <a:rPr lang="ko-KR" altLang="en-US" sz="4800" dirty="0"/>
               <a:t>집 내부</a:t>

--- a/Specification/Prototype/프로토타입 기획서.pptx
+++ b/Specification/Prototype/프로토타입 기획서.pptx
@@ -16,38 +16,39 @@
     <p:sldId id="261" r:id="rId10"/>
     <p:sldId id="262" r:id="rId11"/>
     <p:sldId id="304" r:id="rId12"/>
-    <p:sldId id="263" r:id="rId13"/>
-    <p:sldId id="264" r:id="rId14"/>
-    <p:sldId id="268" r:id="rId15"/>
-    <p:sldId id="303" r:id="rId16"/>
-    <p:sldId id="267" r:id="rId17"/>
-    <p:sldId id="314" r:id="rId18"/>
-    <p:sldId id="269" r:id="rId19"/>
-    <p:sldId id="270" r:id="rId20"/>
-    <p:sldId id="271" r:id="rId21"/>
-    <p:sldId id="311" r:id="rId22"/>
-    <p:sldId id="272" r:id="rId23"/>
-    <p:sldId id="275" r:id="rId24"/>
-    <p:sldId id="279" r:id="rId25"/>
-    <p:sldId id="308" r:id="rId26"/>
-    <p:sldId id="282" r:id="rId27"/>
-    <p:sldId id="281" r:id="rId28"/>
-    <p:sldId id="280" r:id="rId29"/>
-    <p:sldId id="283" r:id="rId30"/>
-    <p:sldId id="284" r:id="rId31"/>
-    <p:sldId id="312" r:id="rId32"/>
-    <p:sldId id="297" r:id="rId33"/>
-    <p:sldId id="298" r:id="rId34"/>
-    <p:sldId id="299" r:id="rId35"/>
-    <p:sldId id="300" r:id="rId36"/>
-    <p:sldId id="301" r:id="rId37"/>
-    <p:sldId id="313" r:id="rId38"/>
-    <p:sldId id="310" r:id="rId39"/>
-    <p:sldId id="315" r:id="rId40"/>
-    <p:sldId id="288" r:id="rId41"/>
-    <p:sldId id="289" r:id="rId42"/>
-    <p:sldId id="316" r:id="rId43"/>
-    <p:sldId id="286" r:id="rId44"/>
+    <p:sldId id="317" r:id="rId13"/>
+    <p:sldId id="263" r:id="rId14"/>
+    <p:sldId id="264" r:id="rId15"/>
+    <p:sldId id="268" r:id="rId16"/>
+    <p:sldId id="303" r:id="rId17"/>
+    <p:sldId id="267" r:id="rId18"/>
+    <p:sldId id="314" r:id="rId19"/>
+    <p:sldId id="269" r:id="rId20"/>
+    <p:sldId id="270" r:id="rId21"/>
+    <p:sldId id="271" r:id="rId22"/>
+    <p:sldId id="311" r:id="rId23"/>
+    <p:sldId id="272" r:id="rId24"/>
+    <p:sldId id="275" r:id="rId25"/>
+    <p:sldId id="279" r:id="rId26"/>
+    <p:sldId id="308" r:id="rId27"/>
+    <p:sldId id="282" r:id="rId28"/>
+    <p:sldId id="281" r:id="rId29"/>
+    <p:sldId id="280" r:id="rId30"/>
+    <p:sldId id="283" r:id="rId31"/>
+    <p:sldId id="284" r:id="rId32"/>
+    <p:sldId id="312" r:id="rId33"/>
+    <p:sldId id="297" r:id="rId34"/>
+    <p:sldId id="298" r:id="rId35"/>
+    <p:sldId id="299" r:id="rId36"/>
+    <p:sldId id="300" r:id="rId37"/>
+    <p:sldId id="301" r:id="rId38"/>
+    <p:sldId id="313" r:id="rId39"/>
+    <p:sldId id="310" r:id="rId40"/>
+    <p:sldId id="315" r:id="rId41"/>
+    <p:sldId id="288" r:id="rId42"/>
+    <p:sldId id="289" r:id="rId43"/>
+    <p:sldId id="316" r:id="rId44"/>
+    <p:sldId id="286" r:id="rId45"/>
   </p:sldIdLst>
   <p:sldSz cx="12192000" cy="6858000"/>
   <p:notesSz cx="6858000" cy="9144000"/>
@@ -170,6 +171,7 @@
             <p14:sldId id="261"/>
             <p14:sldId id="262"/>
             <p14:sldId id="304"/>
+            <p14:sldId id="317"/>
             <p14:sldId id="263"/>
             <p14:sldId id="264"/>
             <p14:sldId id="268"/>
@@ -375,7 +377,7 @@
           <a:p>
             <a:fld id="{B6329E01-FBCF-4E48-B718-3A282398BC95}" type="datetimeFigureOut">
               <a:rPr lang="ko-KR" altLang="en-US" smtClean="0"/>
-              <a:t>2021-11-17</a:t>
+              <a:t>2021-11-24</a:t>
             </a:fld>
             <a:endParaRPr lang="ko-KR" altLang="en-US"/>
           </a:p>
@@ -586,7 +588,7 @@
           <a:p>
             <a:fld id="{B6329E01-FBCF-4E48-B718-3A282398BC95}" type="datetimeFigureOut">
               <a:rPr lang="ko-KR" altLang="en-US" smtClean="0"/>
-              <a:t>2021-11-17</a:t>
+              <a:t>2021-11-24</a:t>
             </a:fld>
             <a:endParaRPr lang="ko-KR" altLang="en-US"/>
           </a:p>
@@ -801,7 +803,7 @@
           <a:p>
             <a:fld id="{B6329E01-FBCF-4E48-B718-3A282398BC95}" type="datetimeFigureOut">
               <a:rPr lang="ko-KR" altLang="en-US" smtClean="0"/>
-              <a:t>2021-11-17</a:t>
+              <a:t>2021-11-24</a:t>
             </a:fld>
             <a:endParaRPr lang="ko-KR" altLang="en-US"/>
           </a:p>
@@ -1002,7 +1004,7 @@
           <a:p>
             <a:fld id="{B6329E01-FBCF-4E48-B718-3A282398BC95}" type="datetimeFigureOut">
               <a:rPr lang="ko-KR" altLang="en-US" smtClean="0"/>
-              <a:t>2021-11-17</a:t>
+              <a:t>2021-11-24</a:t>
             </a:fld>
             <a:endParaRPr lang="ko-KR" altLang="en-US"/>
           </a:p>
@@ -1281,7 +1283,7 @@
           <a:p>
             <a:fld id="{B6329E01-FBCF-4E48-B718-3A282398BC95}" type="datetimeFigureOut">
               <a:rPr lang="ko-KR" altLang="en-US" smtClean="0"/>
-              <a:t>2021-11-17</a:t>
+              <a:t>2021-11-24</a:t>
             </a:fld>
             <a:endParaRPr lang="ko-KR" altLang="en-US"/>
           </a:p>
@@ -1549,7 +1551,7 @@
           <a:p>
             <a:fld id="{B6329E01-FBCF-4E48-B718-3A282398BC95}" type="datetimeFigureOut">
               <a:rPr lang="ko-KR" altLang="en-US" smtClean="0"/>
-              <a:t>2021-11-17</a:t>
+              <a:t>2021-11-24</a:t>
             </a:fld>
             <a:endParaRPr lang="ko-KR" altLang="en-US"/>
           </a:p>
@@ -1965,7 +1967,7 @@
           <a:p>
             <a:fld id="{B6329E01-FBCF-4E48-B718-3A282398BC95}" type="datetimeFigureOut">
               <a:rPr lang="ko-KR" altLang="en-US" smtClean="0"/>
-              <a:t>2021-11-17</a:t>
+              <a:t>2021-11-24</a:t>
             </a:fld>
             <a:endParaRPr lang="ko-KR" altLang="en-US"/>
           </a:p>
@@ -2114,7 +2116,7 @@
           <a:p>
             <a:fld id="{B6329E01-FBCF-4E48-B718-3A282398BC95}" type="datetimeFigureOut">
               <a:rPr lang="ko-KR" altLang="en-US" smtClean="0"/>
-              <a:t>2021-11-17</a:t>
+              <a:t>2021-11-24</a:t>
             </a:fld>
             <a:endParaRPr lang="ko-KR" altLang="en-US"/>
           </a:p>
@@ -2240,7 +2242,7 @@
           <a:p>
             <a:fld id="{B6329E01-FBCF-4E48-B718-3A282398BC95}" type="datetimeFigureOut">
               <a:rPr lang="ko-KR" altLang="en-US" smtClean="0"/>
-              <a:t>2021-11-17</a:t>
+              <a:t>2021-11-24</a:t>
             </a:fld>
             <a:endParaRPr lang="ko-KR" altLang="en-US"/>
           </a:p>
@@ -2491,7 +2493,7 @@
           <a:p>
             <a:fld id="{B6329E01-FBCF-4E48-B718-3A282398BC95}" type="datetimeFigureOut">
               <a:rPr lang="ko-KR" altLang="en-US" smtClean="0"/>
-              <a:t>2021-11-17</a:t>
+              <a:t>2021-11-24</a:t>
             </a:fld>
             <a:endParaRPr lang="ko-KR" altLang="en-US"/>
           </a:p>
@@ -2936,7 +2938,7 @@
           <a:p>
             <a:fld id="{B6329E01-FBCF-4E48-B718-3A282398BC95}" type="datetimeFigureOut">
               <a:rPr lang="ko-KR" altLang="en-US" smtClean="0"/>
-              <a:t>2021-11-17</a:t>
+              <a:t>2021-11-24</a:t>
             </a:fld>
             <a:endParaRPr lang="ko-KR" altLang="en-US"/>
           </a:p>
@@ -3263,7 +3265,7 @@
           <a:p>
             <a:fld id="{B6329E01-FBCF-4E48-B718-3A282398BC95}" type="datetimeFigureOut">
               <a:rPr lang="ko-KR" altLang="en-US" smtClean="0"/>
-              <a:t>2021-11-17</a:t>
+              <a:t>2021-11-24</a:t>
             </a:fld>
             <a:endParaRPr lang="ko-KR" altLang="en-US"/>
           </a:p>
@@ -4212,7 +4214,7 @@
             </a:r>
             <a:r>
               <a:rPr lang="ko-KR" altLang="en-US" dirty="0"/>
-              <a:t>거래</a:t>
+              <a:t>기절</a:t>
             </a:r>
           </a:p>
         </p:txBody>
@@ -4222,7 +4224,7 @@
           <p:cNvPr id="2" name="내용 개체 틀 1">
             <a:extLst>
               <a:ext uri="{FF2B5EF4-FFF2-40B4-BE49-F238E27FC236}">
-                <a16:creationId xmlns:a16="http://schemas.microsoft.com/office/drawing/2014/main" id="{66BF70FB-21D3-4E9F-8318-0020FE7F94DC}"/>
+                <a16:creationId xmlns:a16="http://schemas.microsoft.com/office/drawing/2014/main" id="{D44DE768-913A-49B0-BB3F-47CACD4ABECD}"/>
               </a:ext>
             </a:extLst>
           </p:cNvPr>
@@ -4240,21 +4242,15 @@
           <a:p>
             <a:r>
               <a:rPr lang="ko-KR" altLang="en-US" dirty="0"/>
-              <a:t>거래 가능한 상점이 가지고 있는 아이템을 게임 재화를 통해 구매하거나 판매할 수 있는 시스템</a:t>
-            </a:r>
-            <a:endParaRPr lang="en-US" altLang="ko-KR" dirty="0"/>
-          </a:p>
-          <a:p>
-            <a:r>
-              <a:rPr lang="ko-KR" altLang="en-US" dirty="0"/>
-              <a:t>각 상점이 취급하는 아이템만 거래 가능</a:t>
-            </a:r>
-            <a:endParaRPr lang="en-US" altLang="ko-KR" dirty="0"/>
-          </a:p>
-          <a:p>
-            <a:r>
-              <a:rPr lang="ko-KR" altLang="en-US" dirty="0"/>
-              <a:t>아이템 구매는 모든 상점에서 가능하지만</a:t>
+              <a:t>체력이 </a:t>
+            </a:r>
+            <a:r>
+              <a:rPr lang="en-US" altLang="ko-KR" dirty="0"/>
+              <a:t>0</a:t>
+            </a:r>
+            <a:r>
+              <a:rPr lang="ko-KR" altLang="en-US" dirty="0"/>
+              <a:t>이 되거나</a:t>
             </a:r>
             <a:r>
               <a:rPr lang="en-US" altLang="ko-KR" dirty="0"/>
@@ -4262,19 +4258,70 @@
             </a:r>
             <a:r>
               <a:rPr lang="ko-KR" altLang="en-US" dirty="0"/>
-              <a:t>아이템 판매는 판매 가능한 상점에서만 가능</a:t>
+              <a:t>활동력이 최저가 될 경우 적용되는 상태</a:t>
             </a:r>
             <a:endParaRPr lang="en-US" altLang="ko-KR" dirty="0"/>
           </a:p>
           <a:p>
-            <a:endParaRPr lang="ko-KR" altLang="en-US" dirty="0"/>
+            <a:r>
+              <a:rPr lang="ko-KR" altLang="en-US" dirty="0"/>
+              <a:t>위 </a:t>
+            </a:r>
+            <a:r>
+              <a:rPr lang="en-US" altLang="ko-KR" dirty="0"/>
+              <a:t>2</a:t>
+            </a:r>
+            <a:r>
+              <a:rPr lang="ko-KR" altLang="en-US" dirty="0"/>
+              <a:t>가지 조건을 만족하면 즉시 적용되며</a:t>
+            </a:r>
+            <a:r>
+              <a:rPr lang="en-US" altLang="ko-KR" dirty="0"/>
+              <a:t>, </a:t>
+            </a:r>
+            <a:r>
+              <a:rPr lang="ko-KR" altLang="en-US" dirty="0"/>
+              <a:t>강제로 침대로 이동된다</a:t>
+            </a:r>
+            <a:endParaRPr lang="en-US" altLang="ko-KR" dirty="0"/>
+          </a:p>
+          <a:p>
+            <a:r>
+              <a:rPr lang="ko-KR" altLang="en-US" dirty="0"/>
+              <a:t>기절 상태에서 원래대로 돌아올 때</a:t>
+            </a:r>
+            <a:r>
+              <a:rPr lang="en-US" altLang="ko-KR" dirty="0"/>
+              <a:t>, </a:t>
+            </a:r>
+            <a:r>
+              <a:rPr lang="ko-KR" altLang="en-US" dirty="0"/>
+              <a:t>체력과 활동력</a:t>
+            </a:r>
+            <a:r>
+              <a:rPr lang="en-US" altLang="ko-KR" dirty="0"/>
+              <a:t> </a:t>
+            </a:r>
+            <a:r>
+              <a:rPr lang="ko-KR" altLang="en-US" dirty="0"/>
+              <a:t>수치가 </a:t>
+            </a:r>
+            <a:r>
+              <a:rPr lang="en-US" altLang="ko-KR" dirty="0"/>
+              <a:t>1</a:t>
+            </a:r>
+            <a:r>
+              <a:rPr lang="ko-KR" altLang="en-US"/>
+              <a:t>로 조정됨</a:t>
+            </a:r>
+            <a:endParaRPr lang="en-US" altLang="ko-KR" dirty="0"/>
           </a:p>
         </p:txBody>
       </p:sp>
     </p:spTree>
     <p:extLst>
       <p:ext uri="{BB962C8B-B14F-4D97-AF65-F5344CB8AC3E}">
-        <p14:creationId xmlns:p14="http://schemas.microsoft.com/office/powerpoint/2010/main" val="2973048222"/>
+        <p14:creationId xmlns:p14="http://schemas.microsoft.com/office/powerpoint/2010/main" val="2558888734"/>
       </p:ext>
     </p:extLst>
   </p:cSld>
@@ -4332,7 +4379,7 @@
             </a:r>
             <a:r>
               <a:rPr lang="ko-KR" altLang="en-US" dirty="0"/>
-              <a:t>의뢰</a:t>
+              <a:t>거래</a:t>
             </a:r>
           </a:p>
         </p:txBody>
@@ -4342,7 +4389,7 @@
           <p:cNvPr id="2" name="내용 개체 틀 1">
             <a:extLst>
               <a:ext uri="{FF2B5EF4-FFF2-40B4-BE49-F238E27FC236}">
-                <a16:creationId xmlns:a16="http://schemas.microsoft.com/office/drawing/2014/main" id="{DF7CFBBF-0D75-4F7C-AE52-5A910A2803B1}"/>
+                <a16:creationId xmlns:a16="http://schemas.microsoft.com/office/drawing/2014/main" id="{66BF70FB-21D3-4E9F-8318-0020FE7F94DC}"/>
               </a:ext>
             </a:extLst>
           </p:cNvPr>
@@ -4360,7 +4407,21 @@
           <a:p>
             <a:r>
               <a:rPr lang="ko-KR" altLang="en-US" dirty="0"/>
-              <a:t>의뢰 가능한 상점이나 제작소에서 수행할 수 있는 시스템으로</a:t>
+              <a:t>거래 가능한 상점이 가지고 있는 아이템을 게임 재화를 통해 구매하거나 판매할 수 있는 시스템</a:t>
+            </a:r>
+            <a:endParaRPr lang="en-US" altLang="ko-KR" dirty="0"/>
+          </a:p>
+          <a:p>
+            <a:r>
+              <a:rPr lang="ko-KR" altLang="en-US" dirty="0"/>
+              <a:t>각 상점이 취급하는 아이템만 거래 가능</a:t>
+            </a:r>
+            <a:endParaRPr lang="en-US" altLang="ko-KR" dirty="0"/>
+          </a:p>
+          <a:p>
+            <a:r>
+              <a:rPr lang="ko-KR" altLang="en-US" dirty="0"/>
+              <a:t>아이템 구매는 모든 상점에서 가능하지만</a:t>
             </a:r>
             <a:r>
               <a:rPr lang="en-US" altLang="ko-KR" dirty="0"/>
@@ -4368,69 +4429,19 @@
             </a:r>
             <a:r>
               <a:rPr lang="ko-KR" altLang="en-US" dirty="0"/>
-              <a:t>제작 의뢰와 납품 의뢰로 나뉨</a:t>
+              <a:t>아이템 판매는 판매 가능한 상점에서만 가능</a:t>
             </a:r>
             <a:endParaRPr lang="en-US" altLang="ko-KR" dirty="0"/>
           </a:p>
           <a:p>
-            <a:r>
-              <a:rPr lang="ko-KR" altLang="en-US" dirty="0"/>
-              <a:t>제작 의뢰는 각 상점이나 제작소에서 취급하는 아이템의 제작을 의뢰할 수 있으며</a:t>
-            </a:r>
-            <a:r>
-              <a:rPr lang="en-US" altLang="ko-KR" dirty="0"/>
-              <a:t>, </a:t>
-            </a:r>
-            <a:r>
-              <a:rPr lang="ko-KR" altLang="en-US" dirty="0"/>
-              <a:t>제작 </a:t>
-            </a:r>
-            <a:r>
-              <a:rPr lang="en-US" altLang="ko-KR" dirty="0"/>
-              <a:t>NPC</a:t>
-            </a:r>
-            <a:r>
-              <a:rPr lang="ko-KR" altLang="en-US" dirty="0"/>
-              <a:t>의 스킬에 따라 제작 가능한 아이템의 등급이 결정</a:t>
-            </a:r>
-            <a:endParaRPr lang="en-US" altLang="ko-KR" dirty="0"/>
-          </a:p>
-          <a:p>
-            <a:r>
-              <a:rPr lang="ko-KR" altLang="en-US" dirty="0"/>
-              <a:t>납품 의뢰는 각 상점이나 제작소에서 취급하는 재료를 납품하거나 납품 요청을 할 수 있으며</a:t>
-            </a:r>
-            <a:r>
-              <a:rPr lang="en-US" altLang="ko-KR" dirty="0"/>
-              <a:t>, NPC</a:t>
-            </a:r>
-            <a:r>
-              <a:rPr lang="ko-KR" altLang="en-US" dirty="0"/>
-              <a:t>가 위치한 지역</a:t>
-            </a:r>
-            <a:r>
-              <a:rPr lang="en-US" altLang="ko-KR" dirty="0"/>
-              <a:t>, </a:t>
-            </a:r>
-            <a:r>
-              <a:rPr lang="ko-KR" altLang="en-US" dirty="0"/>
-              <a:t>스킬에 따라 취급하는 재료의 등급과 수량</a:t>
-            </a:r>
-            <a:r>
-              <a:rPr lang="en-US" altLang="ko-KR" dirty="0"/>
-              <a:t>, </a:t>
-            </a:r>
-            <a:r>
-              <a:rPr lang="ko-KR" altLang="en-US" dirty="0"/>
-              <a:t>가격이 결정됨</a:t>
-            </a:r>
+            <a:endParaRPr lang="ko-KR" altLang="en-US" dirty="0"/>
           </a:p>
         </p:txBody>
       </p:sp>
     </p:spTree>
     <p:extLst>
       <p:ext uri="{BB962C8B-B14F-4D97-AF65-F5344CB8AC3E}">
-        <p14:creationId xmlns:p14="http://schemas.microsoft.com/office/powerpoint/2010/main" val="3699530137"/>
+        <p14:creationId xmlns:p14="http://schemas.microsoft.com/office/powerpoint/2010/main" val="2973048222"/>
       </p:ext>
     </p:extLst>
   </p:cSld>
@@ -4480,7 +4491,7 @@
           <a:p>
             <a:r>
               <a:rPr lang="ko-KR" altLang="en-US" dirty="0"/>
-              <a:t>생활 </a:t>
+              <a:t>일반 </a:t>
             </a:r>
             <a:r>
               <a:rPr lang="en-US" altLang="ko-KR" dirty="0"/>
@@ -4488,7 +4499,7 @@
             </a:r>
             <a:r>
               <a:rPr lang="ko-KR" altLang="en-US" dirty="0"/>
-              <a:t>공통</a:t>
+              <a:t>의뢰</a:t>
             </a:r>
           </a:p>
         </p:txBody>
@@ -4498,7 +4509,7 @@
           <p:cNvPr id="2" name="내용 개체 틀 1">
             <a:extLst>
               <a:ext uri="{FF2B5EF4-FFF2-40B4-BE49-F238E27FC236}">
-                <a16:creationId xmlns:a16="http://schemas.microsoft.com/office/drawing/2014/main" id="{FC6B5FEE-9FEA-4BE7-BA94-F4AAB1F02227}"/>
+                <a16:creationId xmlns:a16="http://schemas.microsoft.com/office/drawing/2014/main" id="{DF7CFBBF-0D75-4F7C-AE52-5A910A2803B1}"/>
               </a:ext>
             </a:extLst>
           </p:cNvPr>
@@ -4516,14 +4527,7 @@
           <a:p>
             <a:r>
               <a:rPr lang="ko-KR" altLang="en-US" dirty="0"/>
-              <a:t>생활은 게임 진행에 필요한 아이템을 플레이어가 직접 제작할 수 있는 환경을 제공하기 위한 시스템</a:t>
-            </a:r>
-            <a:endParaRPr lang="en-US" altLang="ko-KR" dirty="0"/>
-          </a:p>
-          <a:p>
-            <a:r>
-              <a:rPr lang="ko-KR" altLang="en-US" dirty="0"/>
-              <a:t>생활 시스템을 통해 아이템 제작에 필요한 재료를 소량 획득할 수 있으며</a:t>
+              <a:t>의뢰 가능한 상점이나 제작소에서 수행할 수 있는 시스템으로</a:t>
             </a:r>
             <a:r>
               <a:rPr lang="en-US" altLang="ko-KR" dirty="0"/>
@@ -4531,7 +4535,37 @@
             </a:r>
             <a:r>
               <a:rPr lang="ko-KR" altLang="en-US" dirty="0"/>
-              <a:t>획득한 재료를 통해 필요한 아이템을 직접 제작하거나</a:t>
+              <a:t>제작 의뢰와 납품 의뢰로 나뉨</a:t>
+            </a:r>
+            <a:endParaRPr lang="en-US" altLang="ko-KR" dirty="0"/>
+          </a:p>
+          <a:p>
+            <a:r>
+              <a:rPr lang="ko-KR" altLang="en-US" dirty="0"/>
+              <a:t>제작 의뢰는 각 상점이나 제작소에서 취급하는 아이템의 제작을 의뢰할 수 있으며</a:t>
+            </a:r>
+            <a:r>
+              <a:rPr lang="en-US" altLang="ko-KR" dirty="0"/>
+              <a:t>, </a:t>
+            </a:r>
+            <a:r>
+              <a:rPr lang="ko-KR" altLang="en-US" dirty="0"/>
+              <a:t>제작 </a:t>
+            </a:r>
+            <a:r>
+              <a:rPr lang="en-US" altLang="ko-KR" dirty="0"/>
+              <a:t>NPC</a:t>
+            </a:r>
+            <a:r>
+              <a:rPr lang="ko-KR" altLang="en-US" dirty="0"/>
+              <a:t>의 스킬에 따라 제작 가능한 아이템의 등급이 결정</a:t>
+            </a:r>
+            <a:endParaRPr lang="en-US" altLang="ko-KR" dirty="0"/>
+          </a:p>
+          <a:p>
+            <a:r>
+              <a:rPr lang="ko-KR" altLang="en-US" dirty="0"/>
+              <a:t>납품 의뢰는 각 상점이나 제작소에서 취급하는 재료를 납품하거나 납품 요청을 할 수 있으며</a:t>
             </a:r>
             <a:r>
               <a:rPr lang="en-US" altLang="ko-KR" dirty="0"/>
@@ -4539,14 +4573,7 @@
             </a:r>
             <a:r>
               <a:rPr lang="ko-KR" altLang="en-US" dirty="0"/>
-              <a:t>에게 의뢰하여 제작 가능</a:t>
-            </a:r>
-            <a:endParaRPr lang="en-US" altLang="ko-KR" dirty="0"/>
-          </a:p>
-          <a:p>
-            <a:r>
-              <a:rPr lang="ko-KR" altLang="en-US" dirty="0"/>
-              <a:t>아이템 제작을 위해 설계도</a:t>
+              <a:t>가 위치한 지역</a:t>
             </a:r>
             <a:r>
               <a:rPr lang="en-US" altLang="ko-KR" dirty="0"/>
@@ -4554,7 +4581,7 @@
             </a:r>
             <a:r>
               <a:rPr lang="ko-KR" altLang="en-US" dirty="0"/>
-              <a:t>또는 레시피가 필요하며</a:t>
+              <a:t>스킬에 따라 취급하는 재료의 등급과 수량</a:t>
             </a:r>
             <a:r>
               <a:rPr lang="en-US" altLang="ko-KR" dirty="0"/>
@@ -4562,34 +4589,15 @@
             </a:r>
             <a:r>
               <a:rPr lang="ko-KR" altLang="en-US" dirty="0"/>
-              <a:t>스토리 진행이나 상점 등에서 구할 수 있음</a:t>
-            </a:r>
-            <a:endParaRPr lang="en-US" altLang="ko-KR" dirty="0"/>
-          </a:p>
-          <a:p>
-            <a:r>
-              <a:rPr lang="ko-KR" altLang="en-US" dirty="0"/>
-              <a:t>재료 수집 시 활동력이 소모되며</a:t>
-            </a:r>
-            <a:r>
-              <a:rPr lang="en-US" altLang="ko-KR" dirty="0"/>
-              <a:t>, 0 </a:t>
-            </a:r>
-            <a:r>
-              <a:rPr lang="ko-KR" altLang="en-US" dirty="0"/>
-              <a:t>이하면 재료 수집을 위한 행동을 취할 수 없음</a:t>
-            </a:r>
-            <a:endParaRPr lang="en-US" altLang="ko-KR" dirty="0"/>
-          </a:p>
-          <a:p>
-            <a:endParaRPr lang="ko-KR" altLang="en-US" dirty="0"/>
+              <a:t>가격이 결정됨</a:t>
+            </a:r>
           </a:p>
         </p:txBody>
       </p:sp>
     </p:spTree>
     <p:extLst>
       <p:ext uri="{BB962C8B-B14F-4D97-AF65-F5344CB8AC3E}">
-        <p14:creationId xmlns:p14="http://schemas.microsoft.com/office/powerpoint/2010/main" val="291252485"/>
+        <p14:creationId xmlns:p14="http://schemas.microsoft.com/office/powerpoint/2010/main" val="3699530137"/>
       </p:ext>
     </p:extLst>
   </p:cSld>
@@ -4647,7 +4655,7 @@
             </a:r>
             <a:r>
               <a:rPr lang="ko-KR" altLang="en-US" dirty="0"/>
-              <a:t>채집</a:t>
+              <a:t>공통</a:t>
             </a:r>
           </a:p>
         </p:txBody>
@@ -4675,26 +4683,14 @@
           <a:p>
             <a:r>
               <a:rPr lang="ko-KR" altLang="en-US" dirty="0"/>
-              <a:t>별도의 장비 없이 마법을 사용해 각종 식물을 채집하는 시스템</a:t>
+              <a:t>생활은 게임 진행에 필요한 아이템을 플레이어가 직접 제작할 수 있는 환경을 제공하기 위한 시스템</a:t>
             </a:r>
             <a:endParaRPr lang="en-US" altLang="ko-KR" dirty="0"/>
           </a:p>
           <a:p>
             <a:r>
               <a:rPr lang="ko-KR" altLang="en-US" dirty="0"/>
-              <a:t>다른 생활 시스템과 달리</a:t>
-            </a:r>
-            <a:r>
-              <a:rPr lang="en-US" altLang="ko-KR" dirty="0"/>
-              <a:t> </a:t>
-            </a:r>
-            <a:r>
-              <a:rPr lang="ko-KR" altLang="en-US" dirty="0" err="1"/>
-              <a:t>마나를</a:t>
-            </a:r>
-            <a:r>
-              <a:rPr lang="ko-KR" altLang="en-US" dirty="0"/>
-              <a:t> 사용하며</a:t>
+              <a:t>생활 시스템을 통해 아이템 제작에 필요한 재료를 소량 획득할 수 있으며</a:t>
             </a:r>
             <a:r>
               <a:rPr lang="en-US" altLang="ko-KR" dirty="0"/>
@@ -4702,38 +4698,65 @@
             </a:r>
             <a:r>
               <a:rPr lang="ko-KR" altLang="en-US" dirty="0"/>
-              <a:t>사용된 </a:t>
-            </a:r>
-            <a:r>
-              <a:rPr lang="ko-KR" altLang="en-US" dirty="0" err="1"/>
-              <a:t>마나에</a:t>
-            </a:r>
-            <a:r>
-              <a:rPr lang="ko-KR" altLang="en-US" dirty="0"/>
-              <a:t> 따라 채집 효율이 결정됨</a:t>
+              <a:t>획득한 재료를 통해 필요한 아이템을 직접 제작하거나</a:t>
+            </a:r>
+            <a:r>
+              <a:rPr lang="en-US" altLang="ko-KR" dirty="0"/>
+              <a:t>, NPC</a:t>
+            </a:r>
+            <a:r>
+              <a:rPr lang="ko-KR" altLang="en-US" dirty="0"/>
+              <a:t>에게 의뢰하여 제작 가능</a:t>
             </a:r>
             <a:endParaRPr lang="en-US" altLang="ko-KR" dirty="0"/>
           </a:p>
           <a:p>
             <a:r>
               <a:rPr lang="ko-KR" altLang="en-US" dirty="0"/>
-              <a:t>채집한 식물을 재료로 </a:t>
-            </a:r>
-            <a:r>
-              <a:rPr lang="ko-KR" altLang="en-US" dirty="0" err="1"/>
-              <a:t>회복약</a:t>
-            </a:r>
-            <a:r>
-              <a:rPr lang="ko-KR" altLang="en-US" dirty="0"/>
-              <a:t> 같이 캐릭터의 상태에 영향을 주는 약제 아이템을 제작</a:t>
-            </a:r>
+              <a:t>아이템 제작을 위해 설계도</a:t>
+            </a:r>
+            <a:r>
+              <a:rPr lang="en-US" altLang="ko-KR" dirty="0"/>
+              <a:t>, </a:t>
+            </a:r>
+            <a:r>
+              <a:rPr lang="ko-KR" altLang="en-US" dirty="0"/>
+              <a:t>또는 레시피가 필요하며</a:t>
+            </a:r>
+            <a:r>
+              <a:rPr lang="en-US" altLang="ko-KR" dirty="0"/>
+              <a:t>, </a:t>
+            </a:r>
+            <a:r>
+              <a:rPr lang="ko-KR" altLang="en-US" dirty="0"/>
+              <a:t>스토리 진행이나 상점 등에서 구할 수 있음</a:t>
+            </a:r>
+            <a:endParaRPr lang="en-US" altLang="ko-KR" dirty="0"/>
+          </a:p>
+          <a:p>
+            <a:r>
+              <a:rPr lang="ko-KR" altLang="en-US" dirty="0"/>
+              <a:t>재료 수집 시 활동력이 소모되며</a:t>
+            </a:r>
+            <a:r>
+              <a:rPr lang="en-US" altLang="ko-KR" dirty="0"/>
+              <a:t>, 0 </a:t>
+            </a:r>
+            <a:r>
+              <a:rPr lang="ko-KR" altLang="en-US" dirty="0"/>
+              <a:t>이하면 재료 수집을 위한 행동을 취할 수 없음</a:t>
+            </a:r>
+            <a:endParaRPr lang="en-US" altLang="ko-KR" dirty="0"/>
+          </a:p>
+          <a:p>
+            <a:endParaRPr lang="ko-KR" altLang="en-US" dirty="0"/>
           </a:p>
         </p:txBody>
       </p:sp>
     </p:spTree>
     <p:extLst>
       <p:ext uri="{BB962C8B-B14F-4D97-AF65-F5344CB8AC3E}">
-        <p14:creationId xmlns:p14="http://schemas.microsoft.com/office/powerpoint/2010/main" val="4204983736"/>
+        <p14:creationId xmlns:p14="http://schemas.microsoft.com/office/powerpoint/2010/main" val="291252485"/>
       </p:ext>
     </p:extLst>
   </p:cSld>
@@ -4791,7 +4814,7 @@
             </a:r>
             <a:r>
               <a:rPr lang="ko-KR" altLang="en-US" dirty="0"/>
-              <a:t>채광</a:t>
+              <a:t>채집</a:t>
             </a:r>
           </a:p>
         </p:txBody>
@@ -4801,7 +4824,7 @@
           <p:cNvPr id="2" name="내용 개체 틀 1">
             <a:extLst>
               <a:ext uri="{FF2B5EF4-FFF2-40B4-BE49-F238E27FC236}">
-                <a16:creationId xmlns:a16="http://schemas.microsoft.com/office/drawing/2014/main" id="{90E8372D-FEFC-4164-ADE9-3F3CE6ADE2D4}"/>
+                <a16:creationId xmlns:a16="http://schemas.microsoft.com/office/drawing/2014/main" id="{FC6B5FEE-9FEA-4BE7-BA94-F4AAB1F02227}"/>
               </a:ext>
             </a:extLst>
           </p:cNvPr>
@@ -4819,90 +4842,65 @@
           <a:p>
             <a:r>
               <a:rPr lang="ko-KR" altLang="en-US" dirty="0"/>
-              <a:t>곡괭이</a:t>
+              <a:t>별도의 장비 없이 마법을 사용해 각종 식물을 채집하는 시스템</a:t>
+            </a:r>
+            <a:endParaRPr lang="en-US" altLang="ko-KR" dirty="0"/>
+          </a:p>
+          <a:p>
+            <a:r>
+              <a:rPr lang="ko-KR" altLang="en-US" dirty="0"/>
+              <a:t>다른 생활 시스템과 달리</a:t>
             </a:r>
             <a:r>
               <a:rPr lang="en-US" altLang="ko-KR" dirty="0"/>
               <a:t> </a:t>
             </a:r>
             <a:r>
-              <a:rPr lang="ko-KR" altLang="en-US" dirty="0"/>
-              <a:t>등 채광 가능한 장비나 마법을 사용해 광물 등을 채광하는 시스템</a:t>
-            </a:r>
-            <a:endParaRPr lang="en-US" altLang="ko-KR" dirty="0"/>
-          </a:p>
-          <a:p>
-            <a:r>
-              <a:rPr lang="ko-KR" altLang="en-US" dirty="0"/>
-              <a:t>채광을 통해 획득한 광물은 전투 장비</a:t>
-            </a:r>
-            <a:r>
-              <a:rPr lang="en-US" altLang="ko-KR" dirty="0"/>
-              <a:t>(</a:t>
-            </a:r>
-            <a:r>
-              <a:rPr lang="ko-KR" altLang="en-US" dirty="0"/>
-              <a:t>무기</a:t>
+              <a:rPr lang="ko-KR" altLang="en-US" dirty="0" err="1"/>
+              <a:t>마나를</a:t>
+            </a:r>
+            <a:r>
+              <a:rPr lang="ko-KR" altLang="en-US" dirty="0"/>
+              <a:t> 사용하며</a:t>
             </a:r>
             <a:r>
               <a:rPr lang="en-US" altLang="ko-KR" dirty="0"/>
               <a:t>, </a:t>
             </a:r>
             <a:r>
+              <a:rPr lang="ko-KR" altLang="en-US" dirty="0"/>
+              <a:t>사용된 </a:t>
+            </a:r>
+            <a:r>
               <a:rPr lang="ko-KR" altLang="en-US" dirty="0" err="1"/>
-              <a:t>방어구</a:t>
-            </a:r>
-            <a:r>
-              <a:rPr lang="ko-KR" altLang="en-US" dirty="0"/>
-              <a:t> 등</a:t>
-            </a:r>
-            <a:r>
-              <a:rPr lang="en-US" altLang="ko-KR" dirty="0"/>
-              <a:t>),  </a:t>
-            </a:r>
-            <a:r>
-              <a:rPr lang="ko-KR" altLang="en-US" dirty="0"/>
-              <a:t>생활 장비</a:t>
-            </a:r>
-            <a:r>
-              <a:rPr lang="en-US" altLang="ko-KR" dirty="0"/>
-              <a:t>(</a:t>
-            </a:r>
-            <a:r>
-              <a:rPr lang="ko-KR" altLang="en-US" dirty="0"/>
-              <a:t>곡괭이</a:t>
-            </a:r>
-            <a:r>
-              <a:rPr lang="en-US" altLang="ko-KR" dirty="0"/>
-              <a:t>, </a:t>
+              <a:t>마나에</a:t>
+            </a:r>
+            <a:r>
+              <a:rPr lang="ko-KR" altLang="en-US" dirty="0"/>
+              <a:t> 따라 채집 효율이 결정됨</a:t>
+            </a:r>
+            <a:endParaRPr lang="en-US" altLang="ko-KR" dirty="0"/>
+          </a:p>
+          <a:p>
+            <a:r>
+              <a:rPr lang="ko-KR" altLang="en-US" dirty="0"/>
+              <a:t>채집한 식물을 재료로 </a:t>
             </a:r>
             <a:r>
               <a:rPr lang="ko-KR" altLang="en-US" dirty="0" err="1"/>
-              <a:t>낚시대</a:t>
-            </a:r>
-            <a:r>
-              <a:rPr lang="ko-KR" altLang="en-US" dirty="0"/>
-              <a:t> 등</a:t>
-            </a:r>
-            <a:r>
-              <a:rPr lang="en-US" altLang="ko-KR" dirty="0"/>
-              <a:t>) </a:t>
-            </a:r>
-            <a:r>
-              <a:rPr lang="ko-KR" altLang="en-US" dirty="0"/>
-              <a:t>등을 제작에 사용</a:t>
-            </a:r>
-            <a:endParaRPr lang="en-US" altLang="ko-KR" dirty="0"/>
-          </a:p>
-          <a:p>
-            <a:endParaRPr lang="ko-KR" altLang="en-US" dirty="0"/>
+              <a:t>회복약</a:t>
+            </a:r>
+            <a:r>
+              <a:rPr lang="ko-KR" altLang="en-US" dirty="0"/>
+              <a:t> 같이 캐릭터의 상태에 영향을 주는 약제 아이템을 제작</a:t>
+            </a:r>
           </a:p>
         </p:txBody>
       </p:sp>
     </p:spTree>
     <p:extLst>
       <p:ext uri="{BB962C8B-B14F-4D97-AF65-F5344CB8AC3E}">
-        <p14:creationId xmlns:p14="http://schemas.microsoft.com/office/powerpoint/2010/main" val="2721555998"/>
+        <p14:creationId xmlns:p14="http://schemas.microsoft.com/office/powerpoint/2010/main" val="4204983736"/>
       </p:ext>
     </p:extLst>
   </p:cSld>
@@ -4960,7 +4958,7 @@
             </a:r>
             <a:r>
               <a:rPr lang="ko-KR" altLang="en-US" dirty="0"/>
-              <a:t>요리</a:t>
+              <a:t>채광</a:t>
             </a:r>
           </a:p>
         </p:txBody>
@@ -4988,7 +4986,7 @@
           <a:p>
             <a:r>
               <a:rPr lang="ko-KR" altLang="en-US" dirty="0"/>
-              <a:t>식칼</a:t>
+              <a:t>곡괭이</a:t>
             </a:r>
             <a:r>
               <a:rPr lang="en-US" altLang="ko-KR" dirty="0"/>
@@ -4996,30 +4994,82 @@
             </a:r>
             <a:r>
               <a:rPr lang="ko-KR" altLang="en-US" dirty="0"/>
-              <a:t>등 조리 가능한 장비를 사용해 요리하는 시스템</a:t>
+              <a:t>등 채광 가능한 장비나 마법을 사용해 광물 등을 채광하는 시스템</a:t>
             </a:r>
             <a:endParaRPr lang="en-US" altLang="ko-KR" dirty="0"/>
           </a:p>
           <a:p>
             <a:r>
               <a:rPr lang="ko-KR" altLang="en-US" dirty="0"/>
-              <a:t>잡화점과 식료품점에서 구매</a:t>
+              <a:t>채광을 통해 획득한 광물은 전투 장비</a:t>
+            </a:r>
+            <a:r>
+              <a:rPr lang="en-US" altLang="ko-KR" dirty="0"/>
+              <a:t>(</a:t>
+            </a:r>
+            <a:r>
+              <a:rPr lang="ko-KR" altLang="en-US" dirty="0"/>
+              <a:t>무기</a:t>
             </a:r>
             <a:r>
               <a:rPr lang="en-US" altLang="ko-KR" dirty="0"/>
               <a:t>, </a:t>
             </a:r>
             <a:r>
-              <a:rPr lang="ko-KR" altLang="en-US" dirty="0"/>
-              <a:t>또는 채집하여 얻은 요리 재료를 활용해 다양한 음식을 제작</a:t>
-            </a:r>
+              <a:rPr lang="ko-KR" altLang="en-US" dirty="0" err="1"/>
+              <a:t>방어구</a:t>
+            </a:r>
+            <a:r>
+              <a:rPr lang="ko-KR" altLang="en-US" dirty="0"/>
+              <a:t> 등</a:t>
+            </a:r>
+            <a:r>
+              <a:rPr lang="en-US" altLang="ko-KR" dirty="0"/>
+              <a:t>),  </a:t>
+            </a:r>
+            <a:r>
+              <a:rPr lang="ko-KR" altLang="en-US" dirty="0"/>
+              <a:t>생활 장비</a:t>
+            </a:r>
+            <a:r>
+              <a:rPr lang="en-US" altLang="ko-KR" dirty="0"/>
+              <a:t>(</a:t>
+            </a:r>
+            <a:r>
+              <a:rPr lang="ko-KR" altLang="en-US" dirty="0"/>
+              <a:t>곡괭이</a:t>
+            </a:r>
+            <a:r>
+              <a:rPr lang="en-US" altLang="ko-KR" dirty="0"/>
+              <a:t>, </a:t>
+            </a:r>
+            <a:r>
+              <a:rPr lang="ko-KR" altLang="en-US" dirty="0" err="1"/>
+              <a:t>낚시대</a:t>
+            </a:r>
+            <a:r>
+              <a:rPr lang="ko-KR" altLang="en-US" dirty="0"/>
+              <a:t> 등</a:t>
+            </a:r>
+            <a:r>
+              <a:rPr lang="en-US" altLang="ko-KR" dirty="0"/>
+              <a:t>) </a:t>
+            </a:r>
+            <a:r>
+              <a:rPr lang="ko-KR" altLang="en-US" dirty="0"/>
+              <a:t>등을 제작에 사용</a:t>
+            </a:r>
+            <a:endParaRPr lang="en-US" altLang="ko-KR" dirty="0"/>
+          </a:p>
+          <a:p>
+            <a:endParaRPr lang="ko-KR" altLang="en-US" dirty="0"/>
           </a:p>
         </p:txBody>
       </p:sp>
     </p:spTree>
     <p:extLst>
       <p:ext uri="{BB962C8B-B14F-4D97-AF65-F5344CB8AC3E}">
-        <p14:creationId xmlns:p14="http://schemas.microsoft.com/office/powerpoint/2010/main" val="2534059286"/>
+        <p14:creationId xmlns:p14="http://schemas.microsoft.com/office/powerpoint/2010/main" val="2721555998"/>
       </p:ext>
     </p:extLst>
   </p:cSld>
@@ -5048,10 +5098,10 @@
       </p:grpSpPr>
       <p:sp>
         <p:nvSpPr>
-          <p:cNvPr id="3" name="제목 2">
+          <p:cNvPr id="4" name="제목 3">
             <a:extLst>
               <a:ext uri="{FF2B5EF4-FFF2-40B4-BE49-F238E27FC236}">
-                <a16:creationId xmlns:a16="http://schemas.microsoft.com/office/drawing/2014/main" id="{896AB4F1-0755-4ACF-AE58-4C6FEE2E9061}"/>
+                <a16:creationId xmlns:a16="http://schemas.microsoft.com/office/drawing/2014/main" id="{BD1FA68B-026A-4EC9-8760-57B376AB7839}"/>
               </a:ext>
             </a:extLst>
           </p:cNvPr>
@@ -5064,24 +5114,30 @@
         </p:nvSpPr>
         <p:spPr/>
         <p:txBody>
-          <a:bodyPr>
-            <a:normAutofit/>
-          </a:bodyPr>
+          <a:bodyPr anchor="ctr"/>
           <a:lstStyle/>
           <a:p>
             <a:r>
-              <a:rPr lang="ko-KR" altLang="en-US" sz="4800" dirty="0"/>
-              <a:t>마을</a:t>
-            </a:r>
-          </a:p>
-        </p:txBody>
-      </p:sp>
-      <p:sp>
-        <p:nvSpPr>
-          <p:cNvPr id="4" name="텍스트 개체 틀 3">
+              <a:rPr lang="ko-KR" altLang="en-US" dirty="0"/>
+              <a:t>생활 </a:t>
+            </a:r>
+            <a:r>
+              <a:rPr lang="en-US" altLang="ko-KR" dirty="0"/>
+              <a:t>- </a:t>
+            </a:r>
+            <a:r>
+              <a:rPr lang="ko-KR" altLang="en-US" dirty="0"/>
+              <a:t>요리</a:t>
+            </a:r>
+          </a:p>
+        </p:txBody>
+      </p:sp>
+      <p:sp>
+        <p:nvSpPr>
+          <p:cNvPr id="2" name="내용 개체 틀 1">
             <a:extLst>
               <a:ext uri="{FF2B5EF4-FFF2-40B4-BE49-F238E27FC236}">
-                <a16:creationId xmlns:a16="http://schemas.microsoft.com/office/drawing/2014/main" id="{E33BCC30-2131-4E30-A164-782442EB9249}"/>
+                <a16:creationId xmlns:a16="http://schemas.microsoft.com/office/drawing/2014/main" id="{90E8372D-FEFC-4164-ADE9-3F3CE6ADE2D4}"/>
               </a:ext>
             </a:extLst>
           </p:cNvPr>
@@ -5089,7 +5145,7 @@
             <a:spLocks noGrp="1"/>
           </p:cNvSpPr>
           <p:nvPr>
-            <p:ph type="body" idx="1"/>
+            <p:ph idx="1"/>
           </p:nvPr>
         </p:nvSpPr>
         <p:spPr/>
@@ -5097,14 +5153,40 @@
           <a:bodyPr/>
           <a:lstStyle/>
           <a:p>
-            <a:endParaRPr lang="ko-KR" altLang="en-US"/>
+            <a:r>
+              <a:rPr lang="ko-KR" altLang="en-US" dirty="0"/>
+              <a:t>식칼</a:t>
+            </a:r>
+            <a:r>
+              <a:rPr lang="en-US" altLang="ko-KR" dirty="0"/>
+              <a:t> </a:t>
+            </a:r>
+            <a:r>
+              <a:rPr lang="ko-KR" altLang="en-US" dirty="0"/>
+              <a:t>등 조리 가능한 장비를 사용해 요리하는 시스템</a:t>
+            </a:r>
+            <a:endParaRPr lang="en-US" altLang="ko-KR" dirty="0"/>
+          </a:p>
+          <a:p>
+            <a:r>
+              <a:rPr lang="ko-KR" altLang="en-US" dirty="0"/>
+              <a:t>잡화점과 식료품점에서 구매</a:t>
+            </a:r>
+            <a:r>
+              <a:rPr lang="en-US" altLang="ko-KR" dirty="0"/>
+              <a:t>, </a:t>
+            </a:r>
+            <a:r>
+              <a:rPr lang="ko-KR" altLang="en-US" dirty="0"/>
+              <a:t>또는 채집하여 얻은 요리 재료를 활용해 다양한 음식을 제작</a:t>
+            </a:r>
           </a:p>
         </p:txBody>
       </p:sp>
     </p:spTree>
     <p:extLst>
       <p:ext uri="{BB962C8B-B14F-4D97-AF65-F5344CB8AC3E}">
-        <p14:creationId xmlns:p14="http://schemas.microsoft.com/office/powerpoint/2010/main" val="2150490261"/>
+        <p14:creationId xmlns:p14="http://schemas.microsoft.com/office/powerpoint/2010/main" val="2534059286"/>
       </p:ext>
     </p:extLst>
   </p:cSld>
@@ -5133,10 +5215,10 @@
       </p:grpSpPr>
       <p:sp>
         <p:nvSpPr>
-          <p:cNvPr id="4" name="제목 3">
+          <p:cNvPr id="3" name="제목 2">
             <a:extLst>
               <a:ext uri="{FF2B5EF4-FFF2-40B4-BE49-F238E27FC236}">
-                <a16:creationId xmlns:a16="http://schemas.microsoft.com/office/drawing/2014/main" id="{BD1FA68B-026A-4EC9-8760-57B376AB7839}"/>
+                <a16:creationId xmlns:a16="http://schemas.microsoft.com/office/drawing/2014/main" id="{896AB4F1-0755-4ACF-AE58-4C6FEE2E9061}"/>
               </a:ext>
             </a:extLst>
           </p:cNvPr>
@@ -5149,27 +5231,24 @@
         </p:nvSpPr>
         <p:spPr/>
         <p:txBody>
-          <a:bodyPr anchor="ctr"/>
+          <a:bodyPr>
+            <a:normAutofit/>
+          </a:bodyPr>
           <a:lstStyle/>
           <a:p>
             <a:r>
-              <a:rPr lang="ko-KR" altLang="en-US" cap="none" dirty="0"/>
-              <a:t>대장간</a:t>
-            </a:r>
-            <a:r>
-              <a:rPr lang="en-US" altLang="ko-KR" cap="none" dirty="0"/>
-              <a:t>(Blacksmith)</a:t>
-            </a:r>
-            <a:endParaRPr lang="ko-KR" altLang="en-US" cap="none" dirty="0"/>
-          </a:p>
-        </p:txBody>
-      </p:sp>
-      <p:sp>
-        <p:nvSpPr>
-          <p:cNvPr id="2" name="내용 개체 틀 1">
+              <a:rPr lang="ko-KR" altLang="en-US" sz="4800" dirty="0"/>
+              <a:t>마을</a:t>
+            </a:r>
+          </a:p>
+        </p:txBody>
+      </p:sp>
+      <p:sp>
+        <p:nvSpPr>
+          <p:cNvPr id="4" name="텍스트 개체 틀 3">
             <a:extLst>
               <a:ext uri="{FF2B5EF4-FFF2-40B4-BE49-F238E27FC236}">
-                <a16:creationId xmlns:a16="http://schemas.microsoft.com/office/drawing/2014/main" id="{76690079-6635-48B0-B2AA-3FF4B741393E}"/>
+                <a16:creationId xmlns:a16="http://schemas.microsoft.com/office/drawing/2014/main" id="{E33BCC30-2131-4E30-A164-782442EB9249}"/>
               </a:ext>
             </a:extLst>
           </p:cNvPr>
@@ -5177,7 +5256,7 @@
             <a:spLocks noGrp="1"/>
           </p:cNvSpPr>
           <p:nvPr>
-            <p:ph idx="1"/>
+            <p:ph type="body" idx="1"/>
           </p:nvPr>
         </p:nvSpPr>
         <p:spPr/>
@@ -5185,70 +5264,14 @@
           <a:bodyPr/>
           <a:lstStyle/>
           <a:p>
-            <a:r>
-              <a:rPr lang="ko-KR" altLang="en-US" dirty="0"/>
-              <a:t>구매 </a:t>
-            </a:r>
-            <a:r>
-              <a:rPr lang="en-US" altLang="ko-KR" dirty="0"/>
-              <a:t>/ </a:t>
-            </a:r>
-            <a:r>
-              <a:rPr lang="ko-KR" altLang="en-US" dirty="0"/>
-              <a:t>판매 </a:t>
-            </a:r>
-            <a:r>
-              <a:rPr lang="en-US" altLang="ko-KR" dirty="0"/>
-              <a:t>/ </a:t>
-            </a:r>
-            <a:r>
-              <a:rPr lang="ko-KR" altLang="en-US" dirty="0"/>
-              <a:t>제작 의뢰 </a:t>
-            </a:r>
-            <a:r>
-              <a:rPr lang="en-US" altLang="ko-KR" dirty="0"/>
-              <a:t>/ </a:t>
-            </a:r>
-            <a:r>
-              <a:rPr lang="ko-KR" altLang="en-US" dirty="0"/>
-              <a:t>납품 의뢰 가능</a:t>
-            </a:r>
-            <a:endParaRPr lang="en-US" altLang="ko-KR" dirty="0"/>
-          </a:p>
-          <a:p>
-            <a:r>
-              <a:rPr lang="ko-KR" altLang="en-US" dirty="0"/>
-              <a:t>생활 장비를 취급하는 제작소 겸 상점</a:t>
-            </a:r>
-            <a:endParaRPr lang="en-US" altLang="ko-KR" dirty="0"/>
-          </a:p>
-          <a:p>
-            <a:r>
-              <a:rPr lang="ko-KR" altLang="en-US" dirty="0"/>
-              <a:t>완성된 장비를 구매하거나 채광으로 모은 재료를 판매할 수 있음</a:t>
-            </a:r>
-            <a:endParaRPr lang="en-US" altLang="ko-KR" dirty="0"/>
-          </a:p>
-          <a:p>
-            <a:r>
-              <a:rPr lang="ko-KR" altLang="en-US" dirty="0"/>
-              <a:t>재료 또는 완제품을 납품할 수 있음</a:t>
-            </a:r>
-            <a:endParaRPr lang="en-US" altLang="ko-KR" dirty="0"/>
-          </a:p>
-          <a:p>
-            <a:r>
-              <a:rPr lang="ko-KR" altLang="en-US" dirty="0"/>
-              <a:t>장비 제작에 필요한 재료를 모아 대장간에 장비 제작을 의뢰할 수 있음 </a:t>
-            </a:r>
-            <a:endParaRPr lang="en-US" altLang="ko-KR" dirty="0"/>
+            <a:endParaRPr lang="ko-KR" altLang="en-US"/>
           </a:p>
         </p:txBody>
       </p:sp>
     </p:spTree>
     <p:extLst>
       <p:ext uri="{BB962C8B-B14F-4D97-AF65-F5344CB8AC3E}">
-        <p14:creationId xmlns:p14="http://schemas.microsoft.com/office/powerpoint/2010/main" val="5554690"/>
+        <p14:creationId xmlns:p14="http://schemas.microsoft.com/office/powerpoint/2010/main" val="2150490261"/>
       </p:ext>
     </p:extLst>
   </p:cSld>
@@ -5449,11 +5472,11 @@
           <a:p>
             <a:r>
               <a:rPr lang="ko-KR" altLang="en-US" cap="none" dirty="0"/>
-              <a:t>식료품점</a:t>
+              <a:t>대장간</a:t>
             </a:r>
             <a:r>
               <a:rPr lang="en-US" altLang="ko-KR" cap="none" dirty="0"/>
-              <a:t>(Grocery Store)</a:t>
+              <a:t>(Blacksmith)</a:t>
             </a:r>
             <a:endParaRPr lang="ko-KR" altLang="en-US" cap="none" dirty="0"/>
           </a:p>
@@ -5464,7 +5487,7 @@
           <p:cNvPr id="2" name="내용 개체 틀 1">
             <a:extLst>
               <a:ext uri="{FF2B5EF4-FFF2-40B4-BE49-F238E27FC236}">
-                <a16:creationId xmlns:a16="http://schemas.microsoft.com/office/drawing/2014/main" id="{D7260655-51A0-414B-B0C7-6F71FAD780AC}"/>
+                <a16:creationId xmlns:a16="http://schemas.microsoft.com/office/drawing/2014/main" id="{76690079-6635-48B0-B2AA-3FF4B741393E}"/>
               </a:ext>
             </a:extLst>
           </p:cNvPr>
@@ -5482,42 +5505,60 @@
           <a:p>
             <a:r>
               <a:rPr lang="ko-KR" altLang="en-US" dirty="0"/>
-              <a:t>구매</a:t>
+              <a:t>구매 </a:t>
             </a:r>
             <a:r>
               <a:rPr lang="en-US" altLang="ko-KR" dirty="0"/>
-              <a:t> </a:t>
-            </a:r>
-            <a:r>
-              <a:rPr lang="ko-KR" altLang="en-US" dirty="0"/>
-              <a:t>가능</a:t>
+              <a:t>/ </a:t>
+            </a:r>
+            <a:r>
+              <a:rPr lang="ko-KR" altLang="en-US" dirty="0"/>
+              <a:t>판매 </a:t>
+            </a:r>
+            <a:r>
+              <a:rPr lang="en-US" altLang="ko-KR" dirty="0"/>
+              <a:t>/ </a:t>
+            </a:r>
+            <a:r>
+              <a:rPr lang="ko-KR" altLang="en-US" dirty="0"/>
+              <a:t>제작 의뢰 </a:t>
+            </a:r>
+            <a:r>
+              <a:rPr lang="en-US" altLang="ko-KR" dirty="0"/>
+              <a:t>/ </a:t>
+            </a:r>
+            <a:r>
+              <a:rPr lang="ko-KR" altLang="en-US" dirty="0"/>
+              <a:t>납품 의뢰 가능</a:t>
             </a:r>
             <a:endParaRPr lang="en-US" altLang="ko-KR" dirty="0"/>
           </a:p>
           <a:p>
             <a:r>
               <a:rPr lang="ko-KR" altLang="en-US" dirty="0"/>
-              <a:t>모든 식료품을 취급하는 상점</a:t>
-            </a:r>
-            <a:r>
-              <a:rPr lang="en-US" altLang="ko-KR" dirty="0"/>
-              <a:t>. </a:t>
-            </a:r>
-            <a:r>
-              <a:rPr lang="ko-KR" altLang="en-US" dirty="0"/>
-              <a:t>단</a:t>
-            </a:r>
-            <a:r>
-              <a:rPr lang="en-US" altLang="ko-KR" dirty="0"/>
-              <a:t>, </a:t>
-            </a:r>
-            <a:r>
-              <a:rPr lang="ko-KR" altLang="en-US" dirty="0"/>
-              <a:t>지역에 빵집이 있을 경우 빵과 연관된 모든 재료는 판매하지 않음</a:t>
+              <a:t>생활 장비를 취급하는 제작소 겸 상점</a:t>
             </a:r>
             <a:endParaRPr lang="en-US" altLang="ko-KR" dirty="0"/>
           </a:p>
           <a:p>
+            <a:r>
+              <a:rPr lang="ko-KR" altLang="en-US" dirty="0"/>
+              <a:t>완성된 장비를 구매하거나 채광으로 모은 재료를 판매할 수 있음</a:t>
+            </a:r>
+            <a:endParaRPr lang="en-US" altLang="ko-KR" dirty="0"/>
+          </a:p>
+          <a:p>
+            <a:r>
+              <a:rPr lang="ko-KR" altLang="en-US" dirty="0"/>
+              <a:t>재료 또는 완제품을 납품할 수 있음</a:t>
+            </a:r>
+            <a:endParaRPr lang="en-US" altLang="ko-KR" dirty="0"/>
+          </a:p>
+          <a:p>
+            <a:r>
+              <a:rPr lang="ko-KR" altLang="en-US" dirty="0"/>
+              <a:t>장비 제작에 필요한 재료를 모아 대장간에 장비 제작을 의뢰할 수 있음 </a:t>
+            </a:r>
             <a:endParaRPr lang="en-US" altLang="ko-KR" dirty="0"/>
           </a:p>
         </p:txBody>
@@ -5525,7 +5566,7 @@
     </p:spTree>
     <p:extLst>
       <p:ext uri="{BB962C8B-B14F-4D97-AF65-F5344CB8AC3E}">
-        <p14:creationId xmlns:p14="http://schemas.microsoft.com/office/powerpoint/2010/main" val="4151740668"/>
+        <p14:creationId xmlns:p14="http://schemas.microsoft.com/office/powerpoint/2010/main" val="5554690"/>
       </p:ext>
     </p:extLst>
   </p:cSld>
@@ -5575,11 +5616,11 @@
           <a:p>
             <a:r>
               <a:rPr lang="ko-KR" altLang="en-US" cap="none" dirty="0"/>
-              <a:t>잡화점</a:t>
+              <a:t>식료품점</a:t>
             </a:r>
             <a:r>
               <a:rPr lang="en-US" altLang="ko-KR" cap="none" dirty="0"/>
-              <a:t>(General Store)</a:t>
+              <a:t>(Grocery Store)</a:t>
             </a:r>
             <a:endParaRPr lang="ko-KR" altLang="en-US" cap="none" dirty="0"/>
           </a:p>
@@ -5651,7 +5692,7 @@
     </p:spTree>
     <p:extLst>
       <p:ext uri="{BB962C8B-B14F-4D97-AF65-F5344CB8AC3E}">
-        <p14:creationId xmlns:p14="http://schemas.microsoft.com/office/powerpoint/2010/main" val="605745286"/>
+        <p14:creationId xmlns:p14="http://schemas.microsoft.com/office/powerpoint/2010/main" val="4151740668"/>
       </p:ext>
     </p:extLst>
   </p:cSld>
@@ -5701,11 +5742,11 @@
           <a:p>
             <a:r>
               <a:rPr lang="ko-KR" altLang="en-US" cap="none" dirty="0"/>
-              <a:t>빵집</a:t>
+              <a:t>잡화점</a:t>
             </a:r>
             <a:r>
               <a:rPr lang="en-US" altLang="ko-KR" cap="none" dirty="0"/>
-              <a:t>(Bakery)</a:t>
+              <a:t>(General Store)</a:t>
             </a:r>
             <a:endParaRPr lang="ko-KR" altLang="en-US" cap="none" dirty="0"/>
           </a:p>
@@ -5716,7 +5757,7 @@
           <p:cNvPr id="2" name="내용 개체 틀 1">
             <a:extLst>
               <a:ext uri="{FF2B5EF4-FFF2-40B4-BE49-F238E27FC236}">
-                <a16:creationId xmlns:a16="http://schemas.microsoft.com/office/drawing/2014/main" id="{3B76BB49-BC2D-496D-B4A6-A92CE53E8C94}"/>
+                <a16:creationId xmlns:a16="http://schemas.microsoft.com/office/drawing/2014/main" id="{D7260655-51A0-414B-B0C7-6F71FAD780AC}"/>
               </a:ext>
             </a:extLst>
           </p:cNvPr>
@@ -5734,22 +5775,42 @@
           <a:p>
             <a:r>
               <a:rPr lang="ko-KR" altLang="en-US" dirty="0"/>
-              <a:t>구매 가능</a:t>
+              <a:t>구매</a:t>
+            </a:r>
+            <a:r>
+              <a:rPr lang="en-US" altLang="ko-KR" dirty="0"/>
+              <a:t> </a:t>
+            </a:r>
+            <a:r>
+              <a:rPr lang="ko-KR" altLang="en-US" dirty="0"/>
+              <a:t>가능</a:t>
             </a:r>
             <a:endParaRPr lang="en-US" altLang="ko-KR" dirty="0"/>
           </a:p>
           <a:p>
             <a:r>
               <a:rPr lang="ko-KR" altLang="en-US" dirty="0"/>
-              <a:t>제빵에 특화된 상점</a:t>
+              <a:t>모든 식료품을 취급하는 상점</a:t>
+            </a:r>
+            <a:r>
+              <a:rPr lang="en-US" altLang="ko-KR" dirty="0"/>
+              <a:t>. </a:t>
+            </a:r>
+            <a:r>
+              <a:rPr lang="ko-KR" altLang="en-US" dirty="0"/>
+              <a:t>단</a:t>
+            </a:r>
+            <a:r>
+              <a:rPr lang="en-US" altLang="ko-KR" dirty="0"/>
+              <a:t>, </a:t>
+            </a:r>
+            <a:r>
+              <a:rPr lang="ko-KR" altLang="en-US" dirty="0"/>
+              <a:t>지역에 빵집이 있을 경우 빵과 연관된 모든 재료는 판매하지 않음</a:t>
             </a:r>
             <a:endParaRPr lang="en-US" altLang="ko-KR" dirty="0"/>
           </a:p>
           <a:p>
-            <a:r>
-              <a:rPr lang="ko-KR" altLang="en-US" dirty="0"/>
-              <a:t>빵과 빵을 만들 수 있는 재료를 판매</a:t>
-            </a:r>
             <a:endParaRPr lang="en-US" altLang="ko-KR" dirty="0"/>
           </a:p>
         </p:txBody>
@@ -5757,7 +5818,7 @@
     </p:spTree>
     <p:extLst>
       <p:ext uri="{BB962C8B-B14F-4D97-AF65-F5344CB8AC3E}">
-        <p14:creationId xmlns:p14="http://schemas.microsoft.com/office/powerpoint/2010/main" val="55383387"/>
+        <p14:creationId xmlns:p14="http://schemas.microsoft.com/office/powerpoint/2010/main" val="605745286"/>
       </p:ext>
     </p:extLst>
   </p:cSld>
@@ -5807,11 +5868,11 @@
           <a:p>
             <a:r>
               <a:rPr lang="ko-KR" altLang="en-US" cap="none" dirty="0"/>
-              <a:t>여관</a:t>
+              <a:t>빵집</a:t>
             </a:r>
             <a:r>
               <a:rPr lang="en-US" altLang="ko-KR" cap="none" dirty="0"/>
-              <a:t>(Inn)</a:t>
+              <a:t>(Bakery)</a:t>
             </a:r>
             <a:endParaRPr lang="ko-KR" altLang="en-US" cap="none" dirty="0"/>
           </a:p>
@@ -5822,7 +5883,7 @@
           <p:cNvPr id="2" name="내용 개체 틀 1">
             <a:extLst>
               <a:ext uri="{FF2B5EF4-FFF2-40B4-BE49-F238E27FC236}">
-                <a16:creationId xmlns:a16="http://schemas.microsoft.com/office/drawing/2014/main" id="{02BE5607-4D76-47E6-8962-AB18D7F91D40}"/>
+                <a16:creationId xmlns:a16="http://schemas.microsoft.com/office/drawing/2014/main" id="{3B76BB49-BC2D-496D-B4A6-A92CE53E8C94}"/>
               </a:ext>
             </a:extLst>
           </p:cNvPr>
@@ -5840,60 +5901,30 @@
           <a:p>
             <a:r>
               <a:rPr lang="ko-KR" altLang="en-US" dirty="0"/>
-              <a:t>구매</a:t>
-            </a:r>
-            <a:r>
-              <a:rPr lang="en-US" altLang="ko-KR" dirty="0"/>
-              <a:t> </a:t>
-            </a:r>
-            <a:r>
-              <a:rPr lang="ko-KR" altLang="en-US" dirty="0"/>
-              <a:t>가능</a:t>
-            </a:r>
-            <a:r>
-              <a:rPr lang="en-US" altLang="ko-KR" dirty="0"/>
-              <a:t>, </a:t>
-            </a:r>
-            <a:r>
-              <a:rPr lang="ko-KR" altLang="en-US" dirty="0"/>
-              <a:t>수면 가능</a:t>
+              <a:t>구매 가능</a:t>
             </a:r>
             <a:endParaRPr lang="en-US" altLang="ko-KR" dirty="0"/>
           </a:p>
           <a:p>
             <a:r>
               <a:rPr lang="ko-KR" altLang="en-US" dirty="0"/>
-              <a:t>상점 기능과 수면 기능을 동시에 이용할 수 있는 장소</a:t>
+              <a:t>제빵에 특화된 상점</a:t>
             </a:r>
             <a:endParaRPr lang="en-US" altLang="ko-KR" dirty="0"/>
           </a:p>
           <a:p>
             <a:r>
               <a:rPr lang="ko-KR" altLang="en-US" dirty="0"/>
-              <a:t>음식</a:t>
-            </a:r>
-            <a:r>
-              <a:rPr lang="en-US" altLang="ko-KR" dirty="0"/>
-              <a:t>, </a:t>
-            </a:r>
-            <a:r>
-              <a:rPr lang="ko-KR" altLang="en-US" dirty="0"/>
-              <a:t>음료를 구매할 수 있음</a:t>
+              <a:t>빵과 빵을 만들 수 있는 재료를 판매</a:t>
             </a:r>
             <a:endParaRPr lang="en-US" altLang="ko-KR" dirty="0"/>
-          </a:p>
-          <a:p>
-            <a:r>
-              <a:rPr lang="ko-KR" altLang="en-US" dirty="0"/>
-              <a:t>게임 재화를 지불하여 잘 수 있음</a:t>
-            </a:r>
           </a:p>
         </p:txBody>
       </p:sp>
     </p:spTree>
     <p:extLst>
       <p:ext uri="{BB962C8B-B14F-4D97-AF65-F5344CB8AC3E}">
-        <p14:creationId xmlns:p14="http://schemas.microsoft.com/office/powerpoint/2010/main" val="629147631"/>
+        <p14:creationId xmlns:p14="http://schemas.microsoft.com/office/powerpoint/2010/main" val="55383387"/>
       </p:ext>
     </p:extLst>
   </p:cSld>
@@ -5922,10 +5953,10 @@
       </p:grpSpPr>
       <p:sp>
         <p:nvSpPr>
-          <p:cNvPr id="3" name="제목 2">
+          <p:cNvPr id="4" name="제목 3">
             <a:extLst>
               <a:ext uri="{FF2B5EF4-FFF2-40B4-BE49-F238E27FC236}">
-                <a16:creationId xmlns:a16="http://schemas.microsoft.com/office/drawing/2014/main" id="{896AB4F1-0755-4ACF-AE58-4C6FEE2E9061}"/>
+                <a16:creationId xmlns:a16="http://schemas.microsoft.com/office/drawing/2014/main" id="{BD1FA68B-026A-4EC9-8760-57B376AB7839}"/>
               </a:ext>
             </a:extLst>
           </p:cNvPr>
@@ -5938,24 +5969,27 @@
         </p:nvSpPr>
         <p:spPr/>
         <p:txBody>
-          <a:bodyPr>
-            <a:normAutofit/>
-          </a:bodyPr>
+          <a:bodyPr anchor="ctr"/>
           <a:lstStyle/>
           <a:p>
             <a:r>
-              <a:rPr lang="ko-KR" altLang="en-US" sz="4800" dirty="0"/>
-              <a:t>집 내부</a:t>
-            </a:r>
-          </a:p>
-        </p:txBody>
-      </p:sp>
-      <p:sp>
-        <p:nvSpPr>
-          <p:cNvPr id="4" name="텍스트 개체 틀 3">
+              <a:rPr lang="ko-KR" altLang="en-US" cap="none" dirty="0"/>
+              <a:t>여관</a:t>
+            </a:r>
+            <a:r>
+              <a:rPr lang="en-US" altLang="ko-KR" cap="none" dirty="0"/>
+              <a:t>(Inn)</a:t>
+            </a:r>
+            <a:endParaRPr lang="ko-KR" altLang="en-US" cap="none" dirty="0"/>
+          </a:p>
+        </p:txBody>
+      </p:sp>
+      <p:sp>
+        <p:nvSpPr>
+          <p:cNvPr id="2" name="내용 개체 틀 1">
             <a:extLst>
               <a:ext uri="{FF2B5EF4-FFF2-40B4-BE49-F238E27FC236}">
-                <a16:creationId xmlns:a16="http://schemas.microsoft.com/office/drawing/2014/main" id="{E33BCC30-2131-4E30-A164-782442EB9249}"/>
+                <a16:creationId xmlns:a16="http://schemas.microsoft.com/office/drawing/2014/main" id="{02BE5607-4D76-47E6-8962-AB18D7F91D40}"/>
               </a:ext>
             </a:extLst>
           </p:cNvPr>
@@ -5963,7 +5997,7 @@
             <a:spLocks noGrp="1"/>
           </p:cNvSpPr>
           <p:nvPr>
-            <p:ph type="body" idx="1"/>
+            <p:ph idx="1"/>
           </p:nvPr>
         </p:nvSpPr>
         <p:spPr/>
@@ -5971,14 +6005,62 @@
           <a:bodyPr/>
           <a:lstStyle/>
           <a:p>
-            <a:endParaRPr lang="ko-KR" altLang="en-US"/>
+            <a:r>
+              <a:rPr lang="ko-KR" altLang="en-US" dirty="0"/>
+              <a:t>구매</a:t>
+            </a:r>
+            <a:r>
+              <a:rPr lang="en-US" altLang="ko-KR" dirty="0"/>
+              <a:t> </a:t>
+            </a:r>
+            <a:r>
+              <a:rPr lang="ko-KR" altLang="en-US" dirty="0"/>
+              <a:t>가능</a:t>
+            </a:r>
+            <a:r>
+              <a:rPr lang="en-US" altLang="ko-KR" dirty="0"/>
+              <a:t>, </a:t>
+            </a:r>
+            <a:r>
+              <a:rPr lang="ko-KR" altLang="en-US" dirty="0"/>
+              <a:t>수면 가능</a:t>
+            </a:r>
+            <a:endParaRPr lang="en-US" altLang="ko-KR" dirty="0"/>
+          </a:p>
+          <a:p>
+            <a:r>
+              <a:rPr lang="ko-KR" altLang="en-US" dirty="0"/>
+              <a:t>상점 기능과 수면 기능을 동시에 이용할 수 있는 장소</a:t>
+            </a:r>
+            <a:endParaRPr lang="en-US" altLang="ko-KR" dirty="0"/>
+          </a:p>
+          <a:p>
+            <a:r>
+              <a:rPr lang="ko-KR" altLang="en-US" dirty="0"/>
+              <a:t>음식</a:t>
+            </a:r>
+            <a:r>
+              <a:rPr lang="en-US" altLang="ko-KR" dirty="0"/>
+              <a:t>, </a:t>
+            </a:r>
+            <a:r>
+              <a:rPr lang="ko-KR" altLang="en-US" dirty="0"/>
+              <a:t>음료를 구매할 수 있음</a:t>
+            </a:r>
+            <a:endParaRPr lang="en-US" altLang="ko-KR" dirty="0"/>
+          </a:p>
+          <a:p>
+            <a:r>
+              <a:rPr lang="ko-KR" altLang="en-US" dirty="0"/>
+              <a:t>게임 재화를 지불하여 잘 수 있음</a:t>
+            </a:r>
           </a:p>
         </p:txBody>
       </p:sp>
     </p:spTree>
     <p:extLst>
       <p:ext uri="{BB962C8B-B14F-4D97-AF65-F5344CB8AC3E}">
-        <p14:creationId xmlns:p14="http://schemas.microsoft.com/office/powerpoint/2010/main" val="740702398"/>
+        <p14:creationId xmlns:p14="http://schemas.microsoft.com/office/powerpoint/2010/main" val="629147631"/>
       </p:ext>
     </p:extLst>
   </p:cSld>
@@ -6007,10 +6089,10 @@
       </p:grpSpPr>
       <p:sp>
         <p:nvSpPr>
-          <p:cNvPr id="4" name="제목 3">
+          <p:cNvPr id="3" name="제목 2">
             <a:extLst>
               <a:ext uri="{FF2B5EF4-FFF2-40B4-BE49-F238E27FC236}">
-                <a16:creationId xmlns:a16="http://schemas.microsoft.com/office/drawing/2014/main" id="{BD1FA68B-026A-4EC9-8760-57B376AB7839}"/>
+                <a16:creationId xmlns:a16="http://schemas.microsoft.com/office/drawing/2014/main" id="{896AB4F1-0755-4ACF-AE58-4C6FEE2E9061}"/>
               </a:ext>
             </a:extLst>
           </p:cNvPr>
@@ -6023,22 +6105,24 @@
         </p:nvSpPr>
         <p:spPr/>
         <p:txBody>
-          <a:bodyPr anchor="ctr"/>
+          <a:bodyPr>
+            <a:normAutofit/>
+          </a:bodyPr>
           <a:lstStyle/>
           <a:p>
             <a:r>
-              <a:rPr lang="ko-KR" altLang="en-US" cap="none" dirty="0"/>
-              <a:t>공통</a:t>
-            </a:r>
-          </a:p>
-        </p:txBody>
-      </p:sp>
-      <p:sp>
-        <p:nvSpPr>
-          <p:cNvPr id="2" name="내용 개체 틀 1">
+              <a:rPr lang="ko-KR" altLang="en-US" sz="4800" dirty="0"/>
+              <a:t>집 내부</a:t>
+            </a:r>
+          </a:p>
+        </p:txBody>
+      </p:sp>
+      <p:sp>
+        <p:nvSpPr>
+          <p:cNvPr id="4" name="텍스트 개체 틀 3">
             <a:extLst>
               <a:ext uri="{FF2B5EF4-FFF2-40B4-BE49-F238E27FC236}">
-                <a16:creationId xmlns:a16="http://schemas.microsoft.com/office/drawing/2014/main" id="{3E2B8976-1344-470F-AACD-2ED5BAFB84A6}"/>
+                <a16:creationId xmlns:a16="http://schemas.microsoft.com/office/drawing/2014/main" id="{E33BCC30-2131-4E30-A164-782442EB9249}"/>
               </a:ext>
             </a:extLst>
           </p:cNvPr>
@@ -6046,7 +6130,7 @@
             <a:spLocks noGrp="1"/>
           </p:cNvSpPr>
           <p:nvPr>
-            <p:ph idx="1"/>
+            <p:ph type="body" idx="1"/>
           </p:nvPr>
         </p:nvSpPr>
         <p:spPr/>
@@ -6054,61 +6138,14 @@
           <a:bodyPr/>
           <a:lstStyle/>
           <a:p>
-            <a:r>
-              <a:rPr lang="ko-KR" altLang="en-US" dirty="0"/>
-              <a:t>플레이어의 캐릭터의 거점으로</a:t>
-            </a:r>
-            <a:r>
-              <a:rPr lang="en-US" altLang="ko-KR" dirty="0"/>
-              <a:t>, </a:t>
-            </a:r>
-            <a:r>
-              <a:rPr lang="ko-KR" altLang="en-US" dirty="0" err="1"/>
-              <a:t>보호석</a:t>
-            </a:r>
-            <a:r>
-              <a:rPr lang="ko-KR" altLang="en-US" dirty="0"/>
-              <a:t> </a:t>
-            </a:r>
-            <a:r>
-              <a:rPr lang="en-US" altLang="ko-KR" dirty="0"/>
-              <a:t>8</a:t>
-            </a:r>
-            <a:r>
-              <a:rPr lang="ko-KR" altLang="en-US" dirty="0"/>
-              <a:t>개가 집 주변에 배치되어 있어 상시 안전 구역으로 기능</a:t>
-            </a:r>
-            <a:endParaRPr lang="en-US" altLang="ko-KR" dirty="0"/>
-          </a:p>
-          <a:p>
-            <a:r>
-              <a:rPr lang="ko-KR" altLang="en-US" dirty="0"/>
-              <a:t>야간 한정으로</a:t>
-            </a:r>
-            <a:r>
-              <a:rPr lang="en-US" altLang="ko-KR" dirty="0"/>
-              <a:t>, </a:t>
-            </a:r>
-            <a:r>
-              <a:rPr lang="ko-KR" altLang="en-US" dirty="0"/>
-              <a:t>각 방에 들어가면 </a:t>
-            </a:r>
-            <a:r>
-              <a:rPr lang="ko-KR" altLang="en-US" dirty="0" err="1"/>
-              <a:t>벽등이</a:t>
-            </a:r>
-            <a:r>
-              <a:rPr lang="ko-KR" altLang="en-US" dirty="0"/>
-              <a:t> 자동으로 활성화 됨</a:t>
-            </a:r>
-            <a:endParaRPr lang="en-US" altLang="ko-KR" dirty="0"/>
+            <a:endParaRPr lang="ko-KR" altLang="en-US"/>
           </a:p>
         </p:txBody>
       </p:sp>
     </p:spTree>
     <p:extLst>
       <p:ext uri="{BB962C8B-B14F-4D97-AF65-F5344CB8AC3E}">
-        <p14:creationId xmlns:p14="http://schemas.microsoft.com/office/powerpoint/2010/main" val="3447982333"/>
+        <p14:creationId xmlns:p14="http://schemas.microsoft.com/office/powerpoint/2010/main" val="740702398"/>
       </p:ext>
     </p:extLst>
   </p:cSld>
@@ -6158,13 +6195,8 @@
           <a:p>
             <a:r>
               <a:rPr lang="ko-KR" altLang="en-US" cap="none" dirty="0"/>
-              <a:t>마법연구실</a:t>
-            </a:r>
-            <a:r>
-              <a:rPr lang="en-US" altLang="ko-KR" cap="none" dirty="0"/>
-              <a:t>(Magic Lab)</a:t>
-            </a:r>
-            <a:endParaRPr lang="ko-KR" altLang="en-US" cap="none" dirty="0"/>
+              <a:t>공통</a:t>
+            </a:r>
           </a:p>
         </p:txBody>
       </p:sp>
@@ -6191,59 +6223,50 @@
           <a:p>
             <a:r>
               <a:rPr lang="ko-KR" altLang="en-US" dirty="0"/>
-              <a:t>캐릭터의 마법과 연관된 모든 것이 이루어지는 장소로</a:t>
+              <a:t>플레이어의 캐릭터의 거점으로</a:t>
             </a:r>
             <a:r>
               <a:rPr lang="en-US" altLang="ko-KR" dirty="0"/>
               <a:t>, </a:t>
             </a:r>
             <a:r>
-              <a:rPr lang="ko-KR" altLang="en-US" dirty="0"/>
-              <a:t>모든 종류의 마법 연구와 약제 제작을 할 수 있음</a:t>
+              <a:rPr lang="ko-KR" altLang="en-US" dirty="0" err="1"/>
+              <a:t>보호석</a:t>
+            </a:r>
+            <a:r>
+              <a:rPr lang="ko-KR" altLang="en-US" dirty="0"/>
+              <a:t> </a:t>
+            </a:r>
+            <a:r>
+              <a:rPr lang="en-US" altLang="ko-KR" dirty="0"/>
+              <a:t>8</a:t>
+            </a:r>
+            <a:r>
+              <a:rPr lang="ko-KR" altLang="en-US" dirty="0"/>
+              <a:t>개가 집 주변에 배치되어 있어 상시 안전 구역으로 기능</a:t>
             </a:r>
             <a:endParaRPr lang="en-US" altLang="ko-KR" dirty="0"/>
           </a:p>
           <a:p>
             <a:r>
               <a:rPr lang="ko-KR" altLang="en-US" dirty="0"/>
-              <a:t>연구 테이블과</a:t>
+              <a:t>야간 한정으로</a:t>
             </a:r>
             <a:r>
               <a:rPr lang="en-US" altLang="ko-KR" dirty="0"/>
-              <a:t> </a:t>
-            </a:r>
-            <a:r>
-              <a:rPr lang="ko-KR" altLang="en-US" dirty="0"/>
-              <a:t>제조 테이블</a:t>
-            </a:r>
-            <a:r>
-              <a:rPr lang="en-US" altLang="ko-KR" dirty="0"/>
-              <a:t>,</a:t>
-            </a:r>
-            <a:r>
-              <a:rPr lang="ko-KR" altLang="en-US" dirty="0"/>
-              <a:t> 그리고 책장이 배치</a:t>
-            </a:r>
-            <a:endParaRPr lang="en-US" altLang="ko-KR" dirty="0"/>
-          </a:p>
-          <a:p>
-            <a:r>
-              <a:rPr lang="ko-KR" altLang="en-US" dirty="0"/>
-              <a:t>연구 테이블에서 마법 연구를 수행</a:t>
-            </a:r>
-            <a:endParaRPr lang="en-US" altLang="ko-KR" dirty="0"/>
-          </a:p>
-          <a:p>
-            <a:r>
-              <a:rPr lang="ko-KR" altLang="en-US" dirty="0"/>
-              <a:t>제조 테이블에서 약제 제작을 수행</a:t>
-            </a:r>
-            <a:endParaRPr lang="en-US" altLang="ko-KR" dirty="0"/>
-          </a:p>
-          <a:p>
-            <a:r>
-              <a:rPr lang="ko-KR" altLang="en-US" dirty="0"/>
-              <a:t>책장에서 마법과 관련된 이야기를 읽을 수 있음</a:t>
+              <a:t>, </a:t>
+            </a:r>
+            <a:r>
+              <a:rPr lang="ko-KR" altLang="en-US" dirty="0"/>
+              <a:t>각 방에 들어가면 </a:t>
+            </a:r>
+            <a:r>
+              <a:rPr lang="ko-KR" altLang="en-US" dirty="0" err="1"/>
+              <a:t>벽등이</a:t>
+            </a:r>
+            <a:r>
+              <a:rPr lang="ko-KR" altLang="en-US" dirty="0"/>
+              <a:t> 자동으로 활성화 됨</a:t>
             </a:r>
             <a:endParaRPr lang="en-US" altLang="ko-KR" dirty="0"/>
           </a:p>
@@ -6252,7 +6275,7 @@
     </p:spTree>
     <p:extLst>
       <p:ext uri="{BB962C8B-B14F-4D97-AF65-F5344CB8AC3E}">
-        <p14:creationId xmlns:p14="http://schemas.microsoft.com/office/powerpoint/2010/main" val="355926965"/>
+        <p14:creationId xmlns:p14="http://schemas.microsoft.com/office/powerpoint/2010/main" val="3447982333"/>
       </p:ext>
     </p:extLst>
   </p:cSld>
@@ -6302,11 +6325,11 @@
           <a:p>
             <a:r>
               <a:rPr lang="ko-KR" altLang="en-US" cap="none" dirty="0"/>
-              <a:t>침실</a:t>
+              <a:t>마법연구실</a:t>
             </a:r>
             <a:r>
               <a:rPr lang="en-US" altLang="ko-KR" cap="none" dirty="0"/>
-              <a:t>(Bedroom)</a:t>
+              <a:t>(Magic Lab)</a:t>
             </a:r>
             <a:endParaRPr lang="ko-KR" altLang="en-US" cap="none" dirty="0"/>
           </a:p>
@@ -6317,7 +6340,7 @@
           <p:cNvPr id="2" name="내용 개체 틀 1">
             <a:extLst>
               <a:ext uri="{FF2B5EF4-FFF2-40B4-BE49-F238E27FC236}">
-                <a16:creationId xmlns:a16="http://schemas.microsoft.com/office/drawing/2014/main" id="{B6BE0DF8-CD3C-4557-9596-36E59BEB6D07}"/>
+                <a16:creationId xmlns:a16="http://schemas.microsoft.com/office/drawing/2014/main" id="{3E2B8976-1344-470F-AACD-2ED5BAFB84A6}"/>
               </a:ext>
             </a:extLst>
           </p:cNvPr>
@@ -6335,7 +6358,7 @@
           <a:p>
             <a:r>
               <a:rPr lang="ko-KR" altLang="en-US" dirty="0"/>
-              <a:t>캐릭터의 개인적인 공간 중 하나로</a:t>
+              <a:t>캐릭터의 마법과 연관된 모든 것이 이루어지는 장소로</a:t>
             </a:r>
             <a:r>
               <a:rPr lang="en-US" altLang="ko-KR" dirty="0"/>
@@ -6343,29 +6366,60 @@
             </a:r>
             <a:r>
               <a:rPr lang="ko-KR" altLang="en-US" dirty="0"/>
-              <a:t>침대와 책장이 배치됨</a:t>
+              <a:t>모든 종류의 마법 연구와 약제 제작을 할 수 있음</a:t>
             </a:r>
             <a:endParaRPr lang="en-US" altLang="ko-KR" dirty="0"/>
           </a:p>
           <a:p>
             <a:r>
               <a:rPr lang="ko-KR" altLang="en-US" dirty="0"/>
-              <a:t>침대에서 수면 가능</a:t>
+              <a:t>연구 테이블과</a:t>
+            </a:r>
+            <a:r>
+              <a:rPr lang="en-US" altLang="ko-KR" dirty="0"/>
+              <a:t> </a:t>
+            </a:r>
+            <a:r>
+              <a:rPr lang="ko-KR" altLang="en-US" dirty="0"/>
+              <a:t>제조 테이블</a:t>
+            </a:r>
+            <a:r>
+              <a:rPr lang="en-US" altLang="ko-KR" dirty="0"/>
+              <a:t>,</a:t>
+            </a:r>
+            <a:r>
+              <a:rPr lang="ko-KR" altLang="en-US" dirty="0"/>
+              <a:t> 그리고 책장이 배치</a:t>
             </a:r>
             <a:endParaRPr lang="en-US" altLang="ko-KR" dirty="0"/>
           </a:p>
           <a:p>
             <a:r>
               <a:rPr lang="ko-KR" altLang="en-US" dirty="0"/>
-              <a:t>책장에서 캐릭터에 관련된 이야기를 읽을 수 있음</a:t>
-            </a:r>
+              <a:t>연구 테이블에서 마법 연구를 수행</a:t>
+            </a:r>
+            <a:endParaRPr lang="en-US" altLang="ko-KR" dirty="0"/>
+          </a:p>
+          <a:p>
+            <a:r>
+              <a:rPr lang="ko-KR" altLang="en-US" dirty="0"/>
+              <a:t>제조 테이블에서 약제 제작을 수행</a:t>
+            </a:r>
+            <a:endParaRPr lang="en-US" altLang="ko-KR" dirty="0"/>
+          </a:p>
+          <a:p>
+            <a:r>
+              <a:rPr lang="ko-KR" altLang="en-US" dirty="0"/>
+              <a:t>책장에서 마법과 관련된 이야기를 읽을 수 있음</a:t>
+            </a:r>
+            <a:endParaRPr lang="en-US" altLang="ko-KR" dirty="0"/>
           </a:p>
         </p:txBody>
       </p:sp>
     </p:spTree>
     <p:extLst>
       <p:ext uri="{BB962C8B-B14F-4D97-AF65-F5344CB8AC3E}">
-        <p14:creationId xmlns:p14="http://schemas.microsoft.com/office/powerpoint/2010/main" val="4285562021"/>
+        <p14:creationId xmlns:p14="http://schemas.microsoft.com/office/powerpoint/2010/main" val="355926965"/>
       </p:ext>
     </p:extLst>
   </p:cSld>
@@ -6415,11 +6469,11 @@
           <a:p>
             <a:r>
               <a:rPr lang="ko-KR" altLang="en-US" cap="none" dirty="0"/>
-              <a:t>거실</a:t>
+              <a:t>침실</a:t>
             </a:r>
             <a:r>
               <a:rPr lang="en-US" altLang="ko-KR" cap="none" dirty="0"/>
-              <a:t>(Livingroom)</a:t>
+              <a:t>(Bedroom)</a:t>
             </a:r>
             <a:endParaRPr lang="ko-KR" altLang="en-US" cap="none" dirty="0"/>
           </a:p>
@@ -6430,7 +6484,7 @@
           <p:cNvPr id="2" name="내용 개체 틀 1">
             <a:extLst>
               <a:ext uri="{FF2B5EF4-FFF2-40B4-BE49-F238E27FC236}">
-                <a16:creationId xmlns:a16="http://schemas.microsoft.com/office/drawing/2014/main" id="{EF8D9331-258A-4DF0-9CB3-49BB7A2DB8D6}"/>
+                <a16:creationId xmlns:a16="http://schemas.microsoft.com/office/drawing/2014/main" id="{B6BE0DF8-CD3C-4557-9596-36E59BEB6D07}"/>
               </a:ext>
             </a:extLst>
           </p:cNvPr>
@@ -6448,15 +6502,7 @@
           <a:p>
             <a:r>
               <a:rPr lang="ko-KR" altLang="en-US" dirty="0"/>
-              <a:t>마법을 제외한 집에서 캐릭터의 일상적인 활동이 일어나는 공간이며</a:t>
-            </a:r>
-            <a:r>
-              <a:rPr lang="en-US" altLang="ko-KR" dirty="0"/>
-              <a:t>,</a:t>
-            </a:r>
-            <a:r>
-              <a:rPr lang="ko-KR" altLang="en-US" dirty="0"/>
-              <a:t> 벽난로와 의자</a:t>
+              <a:t>캐릭터의 개인적인 공간 중 하나로</a:t>
             </a:r>
             <a:r>
               <a:rPr lang="en-US" altLang="ko-KR" dirty="0"/>
@@ -6464,56 +6510,29 @@
             </a:r>
             <a:r>
               <a:rPr lang="ko-KR" altLang="en-US" dirty="0"/>
-              <a:t>그리고 책장이 배치됨</a:t>
+              <a:t>침대와 책장이 배치됨</a:t>
             </a:r>
             <a:endParaRPr lang="en-US" altLang="ko-KR" dirty="0"/>
           </a:p>
           <a:p>
             <a:r>
               <a:rPr lang="ko-KR" altLang="en-US" dirty="0"/>
-              <a:t>벽난로는 야간 </a:t>
-            </a:r>
-            <a:r>
-              <a:rPr lang="ko-KR" altLang="en-US" dirty="0" err="1"/>
-              <a:t>벽등</a:t>
-            </a:r>
-            <a:r>
-              <a:rPr lang="ko-KR" altLang="en-US" dirty="0"/>
-              <a:t> 대신 활성화시킬 수 있으며</a:t>
-            </a:r>
-            <a:r>
-              <a:rPr lang="en-US" altLang="ko-KR" dirty="0"/>
-              <a:t>, </a:t>
-            </a:r>
-            <a:r>
-              <a:rPr lang="ko-KR" altLang="en-US" dirty="0"/>
-              <a:t>설정을 통해 변경 가능</a:t>
+              <a:t>침대에서 수면 가능</a:t>
             </a:r>
             <a:endParaRPr lang="en-US" altLang="ko-KR" dirty="0"/>
           </a:p>
           <a:p>
             <a:r>
               <a:rPr lang="ko-KR" altLang="en-US" dirty="0"/>
-              <a:t>의자에서 휴식 가능</a:t>
-            </a:r>
-            <a:endParaRPr lang="en-US" altLang="ko-KR" dirty="0"/>
-          </a:p>
-          <a:p>
-            <a:r>
-              <a:rPr lang="ko-KR" altLang="en-US" dirty="0"/>
-              <a:t>책장에서 게임 내 세계관과 관련된 이야기와 게임 플레이에 관련된 이야기를 읽을 수 있음</a:t>
-            </a:r>
-            <a:endParaRPr lang="en-US" altLang="ko-KR" dirty="0"/>
-          </a:p>
-          <a:p>
-            <a:endParaRPr lang="ko-KR" altLang="en-US" dirty="0"/>
+              <a:t>책장에서 캐릭터에 관련된 이야기를 읽을 수 있음</a:t>
+            </a:r>
           </a:p>
         </p:txBody>
       </p:sp>
     </p:spTree>
     <p:extLst>
       <p:ext uri="{BB962C8B-B14F-4D97-AF65-F5344CB8AC3E}">
-        <p14:creationId xmlns:p14="http://schemas.microsoft.com/office/powerpoint/2010/main" val="771944337"/>
+        <p14:creationId xmlns:p14="http://schemas.microsoft.com/office/powerpoint/2010/main" val="4285562021"/>
       </p:ext>
     </p:extLst>
   </p:cSld>
@@ -6563,11 +6582,11 @@
           <a:p>
             <a:r>
               <a:rPr lang="ko-KR" altLang="en-US" cap="none" dirty="0"/>
-              <a:t>부엌</a:t>
+              <a:t>거실</a:t>
             </a:r>
             <a:r>
               <a:rPr lang="en-US" altLang="ko-KR" cap="none" dirty="0"/>
-              <a:t>(Kitchen)</a:t>
+              <a:t>(Livingroom)</a:t>
             </a:r>
             <a:endParaRPr lang="ko-KR" altLang="en-US" cap="none" dirty="0"/>
           </a:p>
@@ -6578,7 +6597,7 @@
           <p:cNvPr id="2" name="내용 개체 틀 1">
             <a:extLst>
               <a:ext uri="{FF2B5EF4-FFF2-40B4-BE49-F238E27FC236}">
-                <a16:creationId xmlns:a16="http://schemas.microsoft.com/office/drawing/2014/main" id="{654AAF1D-20BC-41C7-85E0-1D31FDC725C1}"/>
+                <a16:creationId xmlns:a16="http://schemas.microsoft.com/office/drawing/2014/main" id="{EF8D9331-258A-4DF0-9CB3-49BB7A2DB8D6}"/>
               </a:ext>
             </a:extLst>
           </p:cNvPr>
@@ -6596,7 +6615,15 @@
           <a:p>
             <a:r>
               <a:rPr lang="ko-KR" altLang="en-US" dirty="0"/>
-              <a:t>식재료나 음식</a:t>
+              <a:t>마법을 제외한 집에서 캐릭터의 일상적인 활동이 일어나는 공간이며</a:t>
+            </a:r>
+            <a:r>
+              <a:rPr lang="en-US" altLang="ko-KR" dirty="0"/>
+              <a:t>,</a:t>
+            </a:r>
+            <a:r>
+              <a:rPr lang="ko-KR" altLang="en-US" dirty="0"/>
+              <a:t> 벽난로와 의자</a:t>
             </a:r>
             <a:r>
               <a:rPr lang="en-US" altLang="ko-KR" dirty="0"/>
@@ -6604,21 +6631,22 @@
             </a:r>
             <a:r>
               <a:rPr lang="ko-KR" altLang="en-US" dirty="0"/>
-              <a:t>또는 음료 등 보관하고 요리를 할 수 있는 장소</a:t>
+              <a:t>그리고 책장이 배치됨</a:t>
             </a:r>
             <a:endParaRPr lang="en-US" altLang="ko-KR" dirty="0"/>
           </a:p>
           <a:p>
             <a:r>
               <a:rPr lang="ko-KR" altLang="en-US" dirty="0"/>
-              <a:t>조리 테이블과 재료 저장고가 배치됨</a:t>
-            </a:r>
-            <a:endParaRPr lang="en-US" altLang="ko-KR" dirty="0"/>
-          </a:p>
-          <a:p>
-            <a:r>
-              <a:rPr lang="ko-KR" altLang="en-US" dirty="0"/>
-              <a:t>조리 테이블에서 요리를 할 수 있으며</a:t>
+              <a:t>벽난로는 야간 </a:t>
+            </a:r>
+            <a:r>
+              <a:rPr lang="ko-KR" altLang="en-US" dirty="0" err="1"/>
+              <a:t>벽등</a:t>
+            </a:r>
+            <a:r>
+              <a:rPr lang="ko-KR" altLang="en-US" dirty="0"/>
+              <a:t> 대신 활성화시킬 수 있으며</a:t>
             </a:r>
             <a:r>
               <a:rPr lang="en-US" altLang="ko-KR" dirty="0"/>
@@ -6626,38 +6654,33 @@
             </a:r>
             <a:r>
               <a:rPr lang="ko-KR" altLang="en-US" dirty="0"/>
-              <a:t>부엌 내 재료 저장고와 소지품에 있는 재료를 사용</a:t>
+              <a:t>설정을 통해 변경 가능</a:t>
             </a:r>
             <a:endParaRPr lang="en-US" altLang="ko-KR" dirty="0"/>
           </a:p>
           <a:p>
             <a:r>
               <a:rPr lang="ko-KR" altLang="en-US" dirty="0"/>
-              <a:t>재료 저장고 위에 음료</a:t>
-            </a:r>
-            <a:r>
-              <a:rPr lang="en-US" altLang="ko-KR" dirty="0"/>
-              <a:t>, </a:t>
-            </a:r>
-            <a:r>
-              <a:rPr lang="ko-KR" altLang="en-US" dirty="0"/>
-              <a:t>기름과 같은 유체를 놓고</a:t>
-            </a:r>
-            <a:r>
-              <a:rPr lang="en-US" altLang="ko-KR" dirty="0"/>
-              <a:t>, </a:t>
-            </a:r>
-            <a:r>
-              <a:rPr lang="ko-KR" altLang="en-US" dirty="0"/>
-              <a:t>내부에 유체 외 식재료를 보관</a:t>
-            </a:r>
+              <a:t>의자에서 휴식 가능</a:t>
+            </a:r>
+            <a:endParaRPr lang="en-US" altLang="ko-KR" dirty="0"/>
+          </a:p>
+          <a:p>
+            <a:r>
+              <a:rPr lang="ko-KR" altLang="en-US" dirty="0"/>
+              <a:t>책장에서 게임 내 세계관과 관련된 이야기와 게임 플레이에 관련된 이야기를 읽을 수 있음</a:t>
+            </a:r>
+            <a:endParaRPr lang="en-US" altLang="ko-KR" dirty="0"/>
+          </a:p>
+          <a:p>
+            <a:endParaRPr lang="ko-KR" altLang="en-US" dirty="0"/>
           </a:p>
         </p:txBody>
       </p:sp>
     </p:spTree>
     <p:extLst>
       <p:ext uri="{BB962C8B-B14F-4D97-AF65-F5344CB8AC3E}">
-        <p14:creationId xmlns:p14="http://schemas.microsoft.com/office/powerpoint/2010/main" val="327464236"/>
+        <p14:creationId xmlns:p14="http://schemas.microsoft.com/office/powerpoint/2010/main" val="771944337"/>
       </p:ext>
     </p:extLst>
   </p:cSld>
@@ -6746,6 +6769,150 @@
       </p:grpSpPr>
       <p:sp>
         <p:nvSpPr>
+          <p:cNvPr id="4" name="제목 3">
+            <a:extLst>
+              <a:ext uri="{FF2B5EF4-FFF2-40B4-BE49-F238E27FC236}">
+                <a16:creationId xmlns:a16="http://schemas.microsoft.com/office/drawing/2014/main" id="{BD1FA68B-026A-4EC9-8760-57B376AB7839}"/>
+              </a:ext>
+            </a:extLst>
+          </p:cNvPr>
+          <p:cNvSpPr>
+            <a:spLocks noGrp="1"/>
+          </p:cNvSpPr>
+          <p:nvPr>
+            <p:ph type="title"/>
+          </p:nvPr>
+        </p:nvSpPr>
+        <p:spPr/>
+        <p:txBody>
+          <a:bodyPr anchor="ctr"/>
+          <a:lstStyle/>
+          <a:p>
+            <a:r>
+              <a:rPr lang="ko-KR" altLang="en-US" cap="none" dirty="0"/>
+              <a:t>부엌</a:t>
+            </a:r>
+            <a:r>
+              <a:rPr lang="en-US" altLang="ko-KR" cap="none" dirty="0"/>
+              <a:t>(Kitchen)</a:t>
+            </a:r>
+            <a:endParaRPr lang="ko-KR" altLang="en-US" cap="none" dirty="0"/>
+          </a:p>
+        </p:txBody>
+      </p:sp>
+      <p:sp>
+        <p:nvSpPr>
+          <p:cNvPr id="2" name="내용 개체 틀 1">
+            <a:extLst>
+              <a:ext uri="{FF2B5EF4-FFF2-40B4-BE49-F238E27FC236}">
+                <a16:creationId xmlns:a16="http://schemas.microsoft.com/office/drawing/2014/main" id="{654AAF1D-20BC-41C7-85E0-1D31FDC725C1}"/>
+              </a:ext>
+            </a:extLst>
+          </p:cNvPr>
+          <p:cNvSpPr>
+            <a:spLocks noGrp="1"/>
+          </p:cNvSpPr>
+          <p:nvPr>
+            <p:ph idx="1"/>
+          </p:nvPr>
+        </p:nvSpPr>
+        <p:spPr/>
+        <p:txBody>
+          <a:bodyPr/>
+          <a:lstStyle/>
+          <a:p>
+            <a:r>
+              <a:rPr lang="ko-KR" altLang="en-US" dirty="0"/>
+              <a:t>식재료나 음식</a:t>
+            </a:r>
+            <a:r>
+              <a:rPr lang="en-US" altLang="ko-KR" dirty="0"/>
+              <a:t>, </a:t>
+            </a:r>
+            <a:r>
+              <a:rPr lang="ko-KR" altLang="en-US" dirty="0"/>
+              <a:t>또는 음료 등 보관하고 요리를 할 수 있는 장소</a:t>
+            </a:r>
+            <a:endParaRPr lang="en-US" altLang="ko-KR" dirty="0"/>
+          </a:p>
+          <a:p>
+            <a:r>
+              <a:rPr lang="ko-KR" altLang="en-US" dirty="0"/>
+              <a:t>조리 테이블과 재료 저장고가 배치됨</a:t>
+            </a:r>
+            <a:endParaRPr lang="en-US" altLang="ko-KR" dirty="0"/>
+          </a:p>
+          <a:p>
+            <a:r>
+              <a:rPr lang="ko-KR" altLang="en-US" dirty="0"/>
+              <a:t>조리 테이블에서 요리를 할 수 있으며</a:t>
+            </a:r>
+            <a:r>
+              <a:rPr lang="en-US" altLang="ko-KR" dirty="0"/>
+              <a:t>, </a:t>
+            </a:r>
+            <a:r>
+              <a:rPr lang="ko-KR" altLang="en-US" dirty="0"/>
+              <a:t>부엌 내 재료 저장고와 소지품에 있는 재료를 사용</a:t>
+            </a:r>
+            <a:endParaRPr lang="en-US" altLang="ko-KR" dirty="0"/>
+          </a:p>
+          <a:p>
+            <a:r>
+              <a:rPr lang="ko-KR" altLang="en-US" dirty="0"/>
+              <a:t>재료 저장고 위에 음료</a:t>
+            </a:r>
+            <a:r>
+              <a:rPr lang="en-US" altLang="ko-KR" dirty="0"/>
+              <a:t>, </a:t>
+            </a:r>
+            <a:r>
+              <a:rPr lang="ko-KR" altLang="en-US" dirty="0"/>
+              <a:t>기름과 같은 유체를 놓고</a:t>
+            </a:r>
+            <a:r>
+              <a:rPr lang="en-US" altLang="ko-KR" dirty="0"/>
+              <a:t>, </a:t>
+            </a:r>
+            <a:r>
+              <a:rPr lang="ko-KR" altLang="en-US" dirty="0"/>
+              <a:t>내부에 유체 외 식재료를 보관</a:t>
+            </a:r>
+          </a:p>
+        </p:txBody>
+      </p:sp>
+    </p:spTree>
+    <p:extLst>
+      <p:ext uri="{BB962C8B-B14F-4D97-AF65-F5344CB8AC3E}">
+        <p14:creationId xmlns:p14="http://schemas.microsoft.com/office/powerpoint/2010/main" val="327464236"/>
+      </p:ext>
+    </p:extLst>
+  </p:cSld>
+  <p:clrMapOvr>
+    <a:masterClrMapping/>
+  </p:clrMapOvr>
+</p:sld>
+</file>
+
+<file path=ppt/slides/slide31.xml><?xml version="1.0" encoding="utf-8"?>
+<p:sld xmlns:a="http://schemas.openxmlformats.org/drawingml/2006/main" xmlns:r="http://schemas.openxmlformats.org/officeDocument/2006/relationships" xmlns:p="http://schemas.openxmlformats.org/presentationml/2006/main">
+  <p:cSld>
+    <p:spTree>
+      <p:nvGrpSpPr>
+        <p:cNvPr id="1" name=""/>
+        <p:cNvGrpSpPr/>
+        <p:nvPr/>
+      </p:nvGrpSpPr>
+      <p:grpSpPr>
+        <a:xfrm>
+          <a:off x="0" y="0"/>
+          <a:ext cx="0" cy="0"/>
+          <a:chOff x="0" y="0"/>
+          <a:chExt cx="0" cy="0"/>
+        </a:xfrm>
+      </p:grpSpPr>
+      <p:sp>
+        <p:nvSpPr>
           <p:cNvPr id="3" name="제목 2">
             <a:extLst>
               <a:ext uri="{FF2B5EF4-FFF2-40B4-BE49-F238E27FC236}">
@@ -6812,7 +6979,7 @@
 </p:sld>
 </file>
 
-<file path=ppt/slides/slide31.xml><?xml version="1.0" encoding="utf-8"?>
+<file path=ppt/slides/slide32.xml><?xml version="1.0" encoding="utf-8"?>
 <p:sld xmlns:a="http://schemas.openxmlformats.org/drawingml/2006/main" xmlns:r="http://schemas.openxmlformats.org/officeDocument/2006/relationships" xmlns:p="http://schemas.openxmlformats.org/presentationml/2006/main">
   <p:cSld>
     <p:spTree>
@@ -7362,7 +7529,7 @@
 </p:sld>
 </file>
 
-<file path=ppt/slides/slide32.xml><?xml version="1.0" encoding="utf-8"?>
+<file path=ppt/slides/slide33.xml><?xml version="1.0" encoding="utf-8"?>
 <p:sld xmlns:a="http://schemas.openxmlformats.org/drawingml/2006/main" xmlns:r="http://schemas.openxmlformats.org/officeDocument/2006/relationships" xmlns:p="http://schemas.openxmlformats.org/presentationml/2006/main">
   <p:cSld>
     <p:spTree>
@@ -7885,7 +8052,7 @@
 </p:sld>
 </file>
 
-<file path=ppt/slides/slide33.xml><?xml version="1.0" encoding="utf-8"?>
+<file path=ppt/slides/slide34.xml><?xml version="1.0" encoding="utf-8"?>
 <p:sld xmlns:a="http://schemas.openxmlformats.org/drawingml/2006/main" xmlns:r="http://schemas.openxmlformats.org/officeDocument/2006/relationships" xmlns:p="http://schemas.openxmlformats.org/presentationml/2006/main">
   <p:cSld>
     <p:spTree>
@@ -8417,7 +8584,7 @@
 </p:sld>
 </file>
 
-<file path=ppt/slides/slide34.xml><?xml version="1.0" encoding="utf-8"?>
+<file path=ppt/slides/slide35.xml><?xml version="1.0" encoding="utf-8"?>
 <p:sld xmlns:a="http://schemas.openxmlformats.org/drawingml/2006/main" xmlns:r="http://schemas.openxmlformats.org/officeDocument/2006/relationships" xmlns:p="http://schemas.openxmlformats.org/presentationml/2006/main">
   <p:cSld>
     <p:spTree>
@@ -8940,7 +9107,7 @@
 </p:sld>
 </file>
 
-<file path=ppt/slides/slide35.xml><?xml version="1.0" encoding="utf-8"?>
+<file path=ppt/slides/slide36.xml><?xml version="1.0" encoding="utf-8"?>
 <p:sld xmlns:a="http://schemas.openxmlformats.org/drawingml/2006/main" xmlns:r="http://schemas.openxmlformats.org/officeDocument/2006/relationships" xmlns:p="http://schemas.openxmlformats.org/presentationml/2006/main">
   <p:cSld>
     <p:spTree>
@@ -9447,7 +9614,7 @@
 </p:sld>
 </file>
 
-<file path=ppt/slides/slide36.xml><?xml version="1.0" encoding="utf-8"?>
+<file path=ppt/slides/slide37.xml><?xml version="1.0" encoding="utf-8"?>
 <p:sld xmlns:a="http://schemas.openxmlformats.org/drawingml/2006/main" xmlns:r="http://schemas.openxmlformats.org/officeDocument/2006/relationships" xmlns:p="http://schemas.openxmlformats.org/presentationml/2006/main">
   <p:cSld>
     <p:spTree>
@@ -9760,7 +9927,7 @@
 </p:sld>
 </file>
 
-<file path=ppt/slides/slide37.xml><?xml version="1.0" encoding="utf-8"?>
+<file path=ppt/slides/slide38.xml><?xml version="1.0" encoding="utf-8"?>
 <p:sld xmlns:a="http://schemas.openxmlformats.org/drawingml/2006/main" xmlns:r="http://schemas.openxmlformats.org/officeDocument/2006/relationships" xmlns:p="http://schemas.openxmlformats.org/presentationml/2006/main">
   <p:cSld>
     <p:spTree>
@@ -10096,7 +10263,7 @@
 </p:sld>
 </file>
 
-<file path=ppt/slides/slide38.xml><?xml version="1.0" encoding="utf-8"?>
+<file path=ppt/slides/slide39.xml><?xml version="1.0" encoding="utf-8"?>
 <p:sld xmlns:a="http://schemas.openxmlformats.org/drawingml/2006/main" xmlns:r="http://schemas.openxmlformats.org/officeDocument/2006/relationships" xmlns:p="http://schemas.openxmlformats.org/presentationml/2006/main">
   <p:cSld>
     <p:spTree>
@@ -10481,7 +10648,158 @@
 </p:sld>
 </file>
 
-<file path=ppt/slides/slide39.xml><?xml version="1.0" encoding="utf-8"?>
+<file path=ppt/slides/slide4.xml><?xml version="1.0" encoding="utf-8"?>
+<p:sld xmlns:a="http://schemas.openxmlformats.org/drawingml/2006/main" xmlns:r="http://schemas.openxmlformats.org/officeDocument/2006/relationships" xmlns:p="http://schemas.openxmlformats.org/presentationml/2006/main">
+  <p:cSld>
+    <p:spTree>
+      <p:nvGrpSpPr>
+        <p:cNvPr id="1" name=""/>
+        <p:cNvGrpSpPr/>
+        <p:nvPr/>
+      </p:nvGrpSpPr>
+      <p:grpSpPr>
+        <a:xfrm>
+          <a:off x="0" y="0"/>
+          <a:ext cx="0" cy="0"/>
+          <a:chOff x="0" y="0"/>
+          <a:chExt cx="0" cy="0"/>
+        </a:xfrm>
+      </p:grpSpPr>
+      <p:sp>
+        <p:nvSpPr>
+          <p:cNvPr id="11" name="제목 10">
+            <a:extLst>
+              <a:ext uri="{FF2B5EF4-FFF2-40B4-BE49-F238E27FC236}">
+                <a16:creationId xmlns:a16="http://schemas.microsoft.com/office/drawing/2014/main" id="{D5B80ADD-4428-4A57-87D3-5895E524BE26}"/>
+              </a:ext>
+            </a:extLst>
+          </p:cNvPr>
+          <p:cNvSpPr>
+            <a:spLocks noGrp="1"/>
+          </p:cNvSpPr>
+          <p:nvPr>
+            <p:ph type="title"/>
+          </p:nvPr>
+        </p:nvSpPr>
+        <p:spPr/>
+        <p:txBody>
+          <a:bodyPr anchor="ctr"/>
+          <a:lstStyle/>
+          <a:p>
+            <a:r>
+              <a:rPr lang="ko-KR" altLang="en-US" dirty="0"/>
+              <a:t>캐릭터 </a:t>
+            </a:r>
+            <a:r>
+              <a:rPr lang="ko-KR" altLang="en-US" dirty="0" err="1"/>
+              <a:t>스탯</a:t>
+            </a:r>
+            <a:r>
+              <a:rPr lang="en-US" altLang="ko-KR" dirty="0"/>
+              <a:t> - </a:t>
+            </a:r>
+            <a:r>
+              <a:rPr lang="ko-KR" altLang="en-US" dirty="0"/>
+              <a:t>체력</a:t>
+            </a:r>
+          </a:p>
+        </p:txBody>
+      </p:sp>
+      <p:sp>
+        <p:nvSpPr>
+          <p:cNvPr id="4" name="내용 개체 틀 3">
+            <a:extLst>
+              <a:ext uri="{FF2B5EF4-FFF2-40B4-BE49-F238E27FC236}">
+                <a16:creationId xmlns:a16="http://schemas.microsoft.com/office/drawing/2014/main" id="{E12604B1-0EED-41B1-B7F4-84599B532755}"/>
+              </a:ext>
+            </a:extLst>
+          </p:cNvPr>
+          <p:cNvSpPr>
+            <a:spLocks noGrp="1"/>
+          </p:cNvSpPr>
+          <p:nvPr>
+            <p:ph idx="1"/>
+          </p:nvPr>
+        </p:nvSpPr>
+        <p:spPr/>
+        <p:txBody>
+          <a:bodyPr/>
+          <a:lstStyle/>
+          <a:p>
+            <a:r>
+              <a:rPr lang="ko-KR" altLang="en-US" dirty="0"/>
+              <a:t>캐릭터의 신체적인 상태를 수치로 표현한 </a:t>
+            </a:r>
+            <a:r>
+              <a:rPr lang="ko-KR" altLang="en-US" dirty="0" err="1"/>
+              <a:t>스탯</a:t>
+            </a:r>
+            <a:endParaRPr lang="en-US" altLang="ko-KR" dirty="0"/>
+          </a:p>
+          <a:p>
+            <a:r>
+              <a:rPr lang="ko-KR" altLang="en-US" dirty="0"/>
+              <a:t>적의 공격을 받거나 특정 상태가 되었을 때 일정 수치가 감소</a:t>
+            </a:r>
+            <a:endParaRPr lang="en-US" altLang="ko-KR" dirty="0"/>
+          </a:p>
+          <a:p>
+            <a:r>
+              <a:rPr lang="ko-KR" altLang="en-US" dirty="0"/>
+              <a:t>아이템이나 마법을 통해 즉시 회복 가능</a:t>
+            </a:r>
+            <a:endParaRPr lang="en-US" altLang="ko-KR" dirty="0"/>
+          </a:p>
+          <a:p>
+            <a:r>
+              <a:rPr lang="ko-KR" altLang="en-US" dirty="0"/>
+              <a:t>매 시간마다 일정 수치가 회복됨</a:t>
+            </a:r>
+            <a:endParaRPr lang="en-US" altLang="ko-KR" dirty="0"/>
+          </a:p>
+          <a:p>
+            <a:r>
+              <a:rPr lang="en-US" altLang="ko-KR" dirty="0"/>
+              <a:t>0</a:t>
+            </a:r>
+            <a:r>
+              <a:rPr lang="ko-KR" altLang="en-US" dirty="0"/>
+              <a:t>이 될 경우</a:t>
+            </a:r>
+            <a:r>
+              <a:rPr lang="en-US" altLang="ko-KR" dirty="0"/>
+              <a:t>, </a:t>
+            </a:r>
+            <a:r>
+              <a:rPr lang="ko-KR" altLang="en-US" b="1" dirty="0"/>
+              <a:t>기절 상태</a:t>
+            </a:r>
+            <a:r>
+              <a:rPr lang="ko-KR" altLang="en-US" dirty="0"/>
+              <a:t>가 되어 </a:t>
+            </a:r>
+            <a:r>
+              <a:rPr lang="ko-KR" altLang="en-US" b="1" dirty="0"/>
+              <a:t>집으로 강제 이동</a:t>
+            </a:r>
+            <a:endParaRPr lang="en-US" altLang="ko-KR" b="1" dirty="0"/>
+          </a:p>
+        </p:txBody>
+      </p:sp>
+    </p:spTree>
+    <p:extLst>
+      <p:ext uri="{BB962C8B-B14F-4D97-AF65-F5344CB8AC3E}">
+        <p14:creationId xmlns:p14="http://schemas.microsoft.com/office/powerpoint/2010/main" val="424772277"/>
+      </p:ext>
+    </p:extLst>
+  </p:cSld>
+  <p:clrMapOvr>
+    <a:masterClrMapping/>
+  </p:clrMapOvr>
+</p:sld>
+</file>
+
+<file path=ppt/slides/slide40.xml><?xml version="1.0" encoding="utf-8"?>
 <p:sld xmlns:a="http://schemas.openxmlformats.org/drawingml/2006/main" xmlns:r="http://schemas.openxmlformats.org/officeDocument/2006/relationships" xmlns:p="http://schemas.openxmlformats.org/presentationml/2006/main">
   <p:cSld>
     <p:spTree>
@@ -10912,158 +11230,7 @@
 </p:sld>
 </file>
 
-<file path=ppt/slides/slide4.xml><?xml version="1.0" encoding="utf-8"?>
-<p:sld xmlns:a="http://schemas.openxmlformats.org/drawingml/2006/main" xmlns:r="http://schemas.openxmlformats.org/officeDocument/2006/relationships" xmlns:p="http://schemas.openxmlformats.org/presentationml/2006/main">
-  <p:cSld>
-    <p:spTree>
-      <p:nvGrpSpPr>
-        <p:cNvPr id="1" name=""/>
-        <p:cNvGrpSpPr/>
-        <p:nvPr/>
-      </p:nvGrpSpPr>
-      <p:grpSpPr>
-        <a:xfrm>
-          <a:off x="0" y="0"/>
-          <a:ext cx="0" cy="0"/>
-          <a:chOff x="0" y="0"/>
-          <a:chExt cx="0" cy="0"/>
-        </a:xfrm>
-      </p:grpSpPr>
-      <p:sp>
-        <p:nvSpPr>
-          <p:cNvPr id="11" name="제목 10">
-            <a:extLst>
-              <a:ext uri="{FF2B5EF4-FFF2-40B4-BE49-F238E27FC236}">
-                <a16:creationId xmlns:a16="http://schemas.microsoft.com/office/drawing/2014/main" id="{D5B80ADD-4428-4A57-87D3-5895E524BE26}"/>
-              </a:ext>
-            </a:extLst>
-          </p:cNvPr>
-          <p:cNvSpPr>
-            <a:spLocks noGrp="1"/>
-          </p:cNvSpPr>
-          <p:nvPr>
-            <p:ph type="title"/>
-          </p:nvPr>
-        </p:nvSpPr>
-        <p:spPr/>
-        <p:txBody>
-          <a:bodyPr anchor="ctr"/>
-          <a:lstStyle/>
-          <a:p>
-            <a:r>
-              <a:rPr lang="ko-KR" altLang="en-US" dirty="0"/>
-              <a:t>캐릭터 </a:t>
-            </a:r>
-            <a:r>
-              <a:rPr lang="ko-KR" altLang="en-US" dirty="0" err="1"/>
-              <a:t>스탯</a:t>
-            </a:r>
-            <a:r>
-              <a:rPr lang="en-US" altLang="ko-KR" dirty="0"/>
-              <a:t> - </a:t>
-            </a:r>
-            <a:r>
-              <a:rPr lang="ko-KR" altLang="en-US" dirty="0"/>
-              <a:t>체력</a:t>
-            </a:r>
-          </a:p>
-        </p:txBody>
-      </p:sp>
-      <p:sp>
-        <p:nvSpPr>
-          <p:cNvPr id="4" name="내용 개체 틀 3">
-            <a:extLst>
-              <a:ext uri="{FF2B5EF4-FFF2-40B4-BE49-F238E27FC236}">
-                <a16:creationId xmlns:a16="http://schemas.microsoft.com/office/drawing/2014/main" id="{E12604B1-0EED-41B1-B7F4-84599B532755}"/>
-              </a:ext>
-            </a:extLst>
-          </p:cNvPr>
-          <p:cNvSpPr>
-            <a:spLocks noGrp="1"/>
-          </p:cNvSpPr>
-          <p:nvPr>
-            <p:ph idx="1"/>
-          </p:nvPr>
-        </p:nvSpPr>
-        <p:spPr/>
-        <p:txBody>
-          <a:bodyPr/>
-          <a:lstStyle/>
-          <a:p>
-            <a:r>
-              <a:rPr lang="ko-KR" altLang="en-US" dirty="0"/>
-              <a:t>캐릭터의 신체적인 상태를 수치로 표현한 </a:t>
-            </a:r>
-            <a:r>
-              <a:rPr lang="ko-KR" altLang="en-US" dirty="0" err="1"/>
-              <a:t>스탯</a:t>
-            </a:r>
-            <a:endParaRPr lang="en-US" altLang="ko-KR" dirty="0"/>
-          </a:p>
-          <a:p>
-            <a:r>
-              <a:rPr lang="ko-KR" altLang="en-US" dirty="0"/>
-              <a:t>적의 공격을 받거나 특정 상태가 되었을 때 일정 수치가 감소</a:t>
-            </a:r>
-            <a:endParaRPr lang="en-US" altLang="ko-KR" dirty="0"/>
-          </a:p>
-          <a:p>
-            <a:r>
-              <a:rPr lang="ko-KR" altLang="en-US" dirty="0"/>
-              <a:t>아이템이나 마법을 통해 즉시 회복 가능</a:t>
-            </a:r>
-            <a:endParaRPr lang="en-US" altLang="ko-KR" dirty="0"/>
-          </a:p>
-          <a:p>
-            <a:r>
-              <a:rPr lang="ko-KR" altLang="en-US" dirty="0"/>
-              <a:t>매 시간마다 일정 수치가 회복됨</a:t>
-            </a:r>
-            <a:endParaRPr lang="en-US" altLang="ko-KR" dirty="0"/>
-          </a:p>
-          <a:p>
-            <a:r>
-              <a:rPr lang="en-US" altLang="ko-KR" dirty="0"/>
-              <a:t>0</a:t>
-            </a:r>
-            <a:r>
-              <a:rPr lang="ko-KR" altLang="en-US" dirty="0"/>
-              <a:t>이 될 경우</a:t>
-            </a:r>
-            <a:r>
-              <a:rPr lang="en-US" altLang="ko-KR" dirty="0"/>
-              <a:t>, </a:t>
-            </a:r>
-            <a:r>
-              <a:rPr lang="ko-KR" altLang="en-US" b="1" dirty="0"/>
-              <a:t>기절 상태</a:t>
-            </a:r>
-            <a:r>
-              <a:rPr lang="ko-KR" altLang="en-US" dirty="0"/>
-              <a:t>가 되어 </a:t>
-            </a:r>
-            <a:r>
-              <a:rPr lang="ko-KR" altLang="en-US" b="1" dirty="0"/>
-              <a:t>집으로 강제 이동</a:t>
-            </a:r>
-            <a:endParaRPr lang="en-US" altLang="ko-KR" b="1" dirty="0"/>
-          </a:p>
-        </p:txBody>
-      </p:sp>
-    </p:spTree>
-    <p:extLst>
-      <p:ext uri="{BB962C8B-B14F-4D97-AF65-F5344CB8AC3E}">
-        <p14:creationId xmlns:p14="http://schemas.microsoft.com/office/powerpoint/2010/main" val="424772277"/>
-      </p:ext>
-    </p:extLst>
-  </p:cSld>
-  <p:clrMapOvr>
-    <a:masterClrMapping/>
-  </p:clrMapOvr>
-</p:sld>
-</file>
-
-<file path=ppt/slides/slide40.xml><?xml version="1.0" encoding="utf-8"?>
+<file path=ppt/slides/slide41.xml><?xml version="1.0" encoding="utf-8"?>
 <p:sld xmlns:a="http://schemas.openxmlformats.org/drawingml/2006/main" xmlns:r="http://schemas.openxmlformats.org/officeDocument/2006/relationships" xmlns:p="http://schemas.openxmlformats.org/presentationml/2006/main">
   <p:cSld>
     <p:spTree>
@@ -11322,7 +11489,7 @@
 </p:sld>
 </file>
 
-<file path=ppt/slides/slide41.xml><?xml version="1.0" encoding="utf-8"?>
+<file path=ppt/slides/slide42.xml><?xml version="1.0" encoding="utf-8"?>
 <p:sld xmlns:a="http://schemas.openxmlformats.org/drawingml/2006/main" xmlns:r="http://schemas.openxmlformats.org/officeDocument/2006/relationships" xmlns:p="http://schemas.openxmlformats.org/presentationml/2006/main">
   <p:cSld>
     <p:spTree>
@@ -11584,7 +11751,7 @@
 </p:sld>
 </file>
 
-<file path=ppt/slides/slide42.xml><?xml version="1.0" encoding="utf-8"?>
+<file path=ppt/slides/slide43.xml><?xml version="1.0" encoding="utf-8"?>
 <p:sld xmlns:a="http://schemas.openxmlformats.org/drawingml/2006/main" xmlns:r="http://schemas.openxmlformats.org/officeDocument/2006/relationships" xmlns:p="http://schemas.openxmlformats.org/presentationml/2006/main">
   <p:cSld>
     <p:spTree>
@@ -11875,7 +12042,7 @@
 </p:sld>
 </file>
 
-<file path=ppt/slides/slide43.xml><?xml version="1.0" encoding="utf-8"?>
+<file path=ppt/slides/slide44.xml><?xml version="1.0" encoding="utf-8"?>
 <p:sld xmlns:a="http://schemas.openxmlformats.org/drawingml/2006/main" xmlns:r="http://schemas.openxmlformats.org/officeDocument/2006/relationships" xmlns:p="http://schemas.openxmlformats.org/presentationml/2006/main">
   <p:cSld>
     <p:spTree>
@@ -12517,7 +12684,7 @@
             </a:r>
             <a:r>
               <a:rPr lang="en-US" altLang="ko-KR" b="1" dirty="0"/>
-              <a:t>-1000</a:t>
+              <a:t>-100</a:t>
             </a:r>
             <a:r>
               <a:rPr lang="ko-KR" altLang="en-US" b="1" dirty="0"/>

--- a/Specification/Prototype/프로토타입 기획서.pptx
+++ b/Specification/Prototype/프로토타입 기획서.pptx
@@ -377,7 +377,7 @@
           <a:p>
             <a:fld id="{B6329E01-FBCF-4E48-B718-3A282398BC95}" type="datetimeFigureOut">
               <a:rPr lang="ko-KR" altLang="en-US" smtClean="0"/>
-              <a:t>2021-11-24</a:t>
+              <a:t>2021-11-25</a:t>
             </a:fld>
             <a:endParaRPr lang="ko-KR" altLang="en-US"/>
           </a:p>
@@ -588,7 +588,7 @@
           <a:p>
             <a:fld id="{B6329E01-FBCF-4E48-B718-3A282398BC95}" type="datetimeFigureOut">
               <a:rPr lang="ko-KR" altLang="en-US" smtClean="0"/>
-              <a:t>2021-11-24</a:t>
+              <a:t>2021-11-25</a:t>
             </a:fld>
             <a:endParaRPr lang="ko-KR" altLang="en-US"/>
           </a:p>
@@ -803,7 +803,7 @@
           <a:p>
             <a:fld id="{B6329E01-FBCF-4E48-B718-3A282398BC95}" type="datetimeFigureOut">
               <a:rPr lang="ko-KR" altLang="en-US" smtClean="0"/>
-              <a:t>2021-11-24</a:t>
+              <a:t>2021-11-25</a:t>
             </a:fld>
             <a:endParaRPr lang="ko-KR" altLang="en-US"/>
           </a:p>
@@ -1004,7 +1004,7 @@
           <a:p>
             <a:fld id="{B6329E01-FBCF-4E48-B718-3A282398BC95}" type="datetimeFigureOut">
               <a:rPr lang="ko-KR" altLang="en-US" smtClean="0"/>
-              <a:t>2021-11-24</a:t>
+              <a:t>2021-11-25</a:t>
             </a:fld>
             <a:endParaRPr lang="ko-KR" altLang="en-US"/>
           </a:p>
@@ -1283,7 +1283,7 @@
           <a:p>
             <a:fld id="{B6329E01-FBCF-4E48-B718-3A282398BC95}" type="datetimeFigureOut">
               <a:rPr lang="ko-KR" altLang="en-US" smtClean="0"/>
-              <a:t>2021-11-24</a:t>
+              <a:t>2021-11-25</a:t>
             </a:fld>
             <a:endParaRPr lang="ko-KR" altLang="en-US"/>
           </a:p>
@@ -1551,7 +1551,7 @@
           <a:p>
             <a:fld id="{B6329E01-FBCF-4E48-B718-3A282398BC95}" type="datetimeFigureOut">
               <a:rPr lang="ko-KR" altLang="en-US" smtClean="0"/>
-              <a:t>2021-11-24</a:t>
+              <a:t>2021-11-25</a:t>
             </a:fld>
             <a:endParaRPr lang="ko-KR" altLang="en-US"/>
           </a:p>
@@ -1967,7 +1967,7 @@
           <a:p>
             <a:fld id="{B6329E01-FBCF-4E48-B718-3A282398BC95}" type="datetimeFigureOut">
               <a:rPr lang="ko-KR" altLang="en-US" smtClean="0"/>
-              <a:t>2021-11-24</a:t>
+              <a:t>2021-11-25</a:t>
             </a:fld>
             <a:endParaRPr lang="ko-KR" altLang="en-US"/>
           </a:p>
@@ -2116,7 +2116,7 @@
           <a:p>
             <a:fld id="{B6329E01-FBCF-4E48-B718-3A282398BC95}" type="datetimeFigureOut">
               <a:rPr lang="ko-KR" altLang="en-US" smtClean="0"/>
-              <a:t>2021-11-24</a:t>
+              <a:t>2021-11-25</a:t>
             </a:fld>
             <a:endParaRPr lang="ko-KR" altLang="en-US"/>
           </a:p>
@@ -2242,7 +2242,7 @@
           <a:p>
             <a:fld id="{B6329E01-FBCF-4E48-B718-3A282398BC95}" type="datetimeFigureOut">
               <a:rPr lang="ko-KR" altLang="en-US" smtClean="0"/>
-              <a:t>2021-11-24</a:t>
+              <a:t>2021-11-25</a:t>
             </a:fld>
             <a:endParaRPr lang="ko-KR" altLang="en-US"/>
           </a:p>
@@ -2493,7 +2493,7 @@
           <a:p>
             <a:fld id="{B6329E01-FBCF-4E48-B718-3A282398BC95}" type="datetimeFigureOut">
               <a:rPr lang="ko-KR" altLang="en-US" smtClean="0"/>
-              <a:t>2021-11-24</a:t>
+              <a:t>2021-11-25</a:t>
             </a:fld>
             <a:endParaRPr lang="ko-KR" altLang="en-US"/>
           </a:p>
@@ -2938,7 +2938,7 @@
           <a:p>
             <a:fld id="{B6329E01-FBCF-4E48-B718-3A282398BC95}" type="datetimeFigureOut">
               <a:rPr lang="ko-KR" altLang="en-US" smtClean="0"/>
-              <a:t>2021-11-24</a:t>
+              <a:t>2021-11-25</a:t>
             </a:fld>
             <a:endParaRPr lang="ko-KR" altLang="en-US"/>
           </a:p>
@@ -3265,7 +3265,7 @@
           <a:p>
             <a:fld id="{B6329E01-FBCF-4E48-B718-3A282398BC95}" type="datetimeFigureOut">
               <a:rPr lang="ko-KR" altLang="en-US" smtClean="0"/>
-              <a:t>2021-11-24</a:t>
+              <a:t>2021-11-25</a:t>
             </a:fld>
             <a:endParaRPr lang="ko-KR" altLang="en-US"/>
           </a:p>
@@ -12695,49 +12695,16 @@
           <a:p>
             <a:r>
               <a:rPr lang="ko-KR" altLang="en-US" dirty="0"/>
-              <a:t>물약 또는 스킬로 추가 활동력 생성 </a:t>
+              <a:t>물약 또는 스킬로 활동력을 회복하지만 </a:t>
             </a:r>
             <a:r>
               <a:rPr lang="ko-KR" altLang="en-US" b="1" dirty="0"/>
-              <a:t>최대치 이상으로 생성 불가</a:t>
-            </a:r>
-            <a:endParaRPr lang="en-US" altLang="ko-KR" b="1" dirty="0"/>
-          </a:p>
-          <a:p>
-            <a:r>
-              <a:rPr lang="ko-KR" altLang="en-US" dirty="0"/>
-              <a:t>활동력 수치가 </a:t>
-            </a:r>
-            <a:r>
-              <a:rPr lang="en-US" altLang="ko-KR" b="1" dirty="0"/>
-              <a:t>0</a:t>
-            </a:r>
-            <a:r>
-              <a:rPr lang="ko-KR" altLang="en-US" b="1" dirty="0"/>
-              <a:t>이하면 생성 불가</a:t>
-            </a:r>
-            <a:endParaRPr lang="en-US" altLang="ko-KR" b="1" dirty="0"/>
-          </a:p>
-          <a:p>
-            <a:r>
-              <a:rPr lang="ko-KR" altLang="en-US" dirty="0"/>
-              <a:t>총 활동력 수치는 </a:t>
-            </a:r>
-            <a:r>
-              <a:rPr lang="ko-KR" altLang="en-US" b="1" dirty="0"/>
-              <a:t>활동력 </a:t>
-            </a:r>
-            <a:r>
-              <a:rPr lang="en-US" altLang="ko-KR" b="1" dirty="0"/>
-              <a:t>+ </a:t>
-            </a:r>
-            <a:r>
-              <a:rPr lang="ko-KR" altLang="en-US" b="1" dirty="0"/>
-              <a:t>추가 활동력</a:t>
-            </a:r>
-            <a:endParaRPr lang="en-US" altLang="ko-KR" b="1" dirty="0"/>
-          </a:p>
-          <a:p>
+              <a:t>최대치 이상으로 </a:t>
+            </a:r>
+            <a:r>
+              <a:rPr lang="ko-KR" altLang="en-US" b="1"/>
+              <a:t>회복 불가</a:t>
+            </a:r>
             <a:endParaRPr lang="en-US" altLang="ko-KR" b="1" dirty="0"/>
           </a:p>
           <a:p>
@@ -12810,7 +12777,7 @@
             </a:r>
             <a:r>
               <a:rPr lang="ko-KR" altLang="en-US" dirty="0"/>
-              <a:t>배고픔</a:t>
+              <a:t>음식</a:t>
             </a:r>
             <a:r>
               <a:rPr lang="en-US" altLang="ko-KR" dirty="0"/>
@@ -12818,7 +12785,7 @@
             </a:r>
             <a:r>
               <a:rPr lang="ko-KR" altLang="en-US" dirty="0"/>
-              <a:t>목마름</a:t>
+              <a:t>수분</a:t>
             </a:r>
           </a:p>
         </p:txBody>
@@ -12877,19 +12844,23 @@
             </a:r>
             <a:r>
               <a:rPr lang="ko-KR" altLang="en-US" b="1" dirty="0"/>
-              <a:t>이 되면 각각 공복</a:t>
+              <a:t>이 되면 각각 배고픔</a:t>
             </a:r>
             <a:r>
               <a:rPr lang="en-US" altLang="ko-KR" b="1" dirty="0"/>
               <a:t>/</a:t>
             </a:r>
             <a:r>
-              <a:rPr lang="ko-KR" altLang="en-US" b="1" dirty="0"/>
-              <a:t>탈수상태</a:t>
-            </a:r>
-            <a:r>
-              <a:rPr lang="ko-KR" altLang="en-US" dirty="0"/>
-              <a:t>가 되어 체력이 빠른 속도로 감소</a:t>
+              <a:rPr lang="ko-KR" altLang="en-US" b="1"/>
+              <a:t>목마름상태</a:t>
+            </a:r>
+            <a:r>
+              <a:rPr lang="ko-KR" altLang="en-US"/>
+              <a:t>가 </a:t>
+            </a:r>
+            <a:r>
+              <a:rPr lang="ko-KR" altLang="en-US" dirty="0"/>
+              <a:t>되어 체력이 빠른 속도로 감소</a:t>
             </a:r>
             <a:endParaRPr lang="en-US" altLang="ko-KR" dirty="0"/>
           </a:p>
